--- a/database_report/Database_CyberSeller.pptx
+++ b/database_report/Database_CyberSeller.pptx
@@ -5,15 +5,20 @@
     <p:sldMasterId id="2147483648" r:id="rId1"/>
   </p:sldMasterIdLst>
   <p:notesMasterIdLst>
-    <p:notesMasterId r:id="rId8"/>
+    <p:notesMasterId r:id="rId13"/>
   </p:notesMasterIdLst>
   <p:sldIdLst>
     <p:sldId id="256" r:id="rId2"/>
     <p:sldId id="261" r:id="rId3"/>
     <p:sldId id="262" r:id="rId4"/>
-    <p:sldId id="296" r:id="rId5"/>
-    <p:sldId id="299" r:id="rId6"/>
-    <p:sldId id="307" r:id="rId7"/>
+    <p:sldId id="299" r:id="rId5"/>
+    <p:sldId id="310" r:id="rId6"/>
+    <p:sldId id="311" r:id="rId7"/>
+    <p:sldId id="308" r:id="rId8"/>
+    <p:sldId id="312" r:id="rId9"/>
+    <p:sldId id="296" r:id="rId10"/>
+    <p:sldId id="309" r:id="rId11"/>
+    <p:sldId id="307" r:id="rId12"/>
   </p:sldIdLst>
   <p:sldSz cx="9144000" cy="5145088"/>
   <p:notesSz cx="6858000" cy="9144000"/>
@@ -120,8 +125,13 @@
             <p14:sldId id="256"/>
             <p14:sldId id="261"/>
             <p14:sldId id="262"/>
+            <p14:sldId id="299"/>
+            <p14:sldId id="310"/>
+            <p14:sldId id="311"/>
+            <p14:sldId id="308"/>
+            <p14:sldId id="312"/>
             <p14:sldId id="296"/>
-            <p14:sldId id="299"/>
+            <p14:sldId id="309"/>
             <p14:sldId id="307"/>
           </p14:sldIdLst>
         </p14:section>
@@ -227,7 +237,7 @@
           <a:p>
             <a:fld id="{D60B4A33-8CC6-4A9D-99BB-1801B6CFF545}" type="datetimeFigureOut">
               <a:rPr lang="zh-CN" altLang="en-US" smtClean="0"/>
-              <a:t>2022/12/23</a:t>
+              <a:t>2022/12/24</a:t>
             </a:fld>
             <a:endParaRPr lang="zh-CN" altLang="en-US"/>
           </a:p>
@@ -712,11 +722,53 @@
           <a:bodyPr/>
           <a:lstStyle/>
           <a:p>
-            <a:fld id="{E44DF715-C661-4A4B-BB5A-CE67FF753190}" type="slidenum">
-              <a:rPr lang="zh-CN" altLang="en-US" smtClean="0"/>
+            <a:pPr marL="0" marR="0" lvl="0" indent="0" algn="r" defTabSz="914400" rtl="0" eaLnBrk="1" fontAlgn="auto" latinLnBrk="0" hangingPunct="1">
+              <a:lnSpc>
+                <a:spcPct val="100000"/>
+              </a:lnSpc>
+              <a:spcBef>
+                <a:spcPts val="0"/>
+              </a:spcBef>
+              <a:spcAft>
+                <a:spcPts val="0"/>
+              </a:spcAft>
+              <a:buClrTx/>
+              <a:buSzTx/>
+              <a:buFontTx/>
+              <a:buNone/>
+              <a:defRPr/>
+            </a:pPr>
+            <a:fld id="{D34C0232-94FA-4EBE-BB9B-79FBE486032D}" type="slidenum">
+              <a:rPr kumimoji="0" lang="zh-CN" altLang="en-US" sz="1200" b="0" i="0" u="none" strike="noStrike" kern="1200" cap="none" spc="0" normalizeH="0" baseline="0" noProof="0" smtClean="0">
+                <a:ln>
+                  <a:noFill/>
+                </a:ln>
+                <a:solidFill>
+                  <a:prstClr val="black"/>
+                </a:solidFill>
+                <a:effectLst/>
+                <a:uLnTx/>
+                <a:uFillTx/>
+                <a:latin typeface="Calibri" panose="020F0502020204030204"/>
+                <a:ea typeface="宋体" panose="02010600030101010101" pitchFamily="2" charset="-122"/>
+                <a:cs typeface="+mn-cs"/>
+              </a:rPr>
               <a:t>4</a:t>
             </a:fld>
-            <a:endParaRPr lang="zh-CN" altLang="en-US"/>
+            <a:endParaRPr kumimoji="0" lang="zh-CN" altLang="en-US" sz="1200" b="0" i="0" u="none" strike="noStrike" kern="1200" cap="none" spc="0" normalizeH="0" baseline="0" noProof="0">
+              <a:ln>
+                <a:noFill/>
+              </a:ln>
+              <a:solidFill>
+                <a:prstClr val="black"/>
+              </a:solidFill>
+              <a:effectLst/>
+              <a:uLnTx/>
+              <a:uFillTx/>
+              <a:latin typeface="Calibri" panose="020F0502020204030204"/>
+              <a:ea typeface="宋体" panose="02010600030101010101" pitchFamily="2" charset="-122"/>
+              <a:cs typeface="+mn-cs"/>
+            </a:endParaRPr>
           </a:p>
         </p:txBody>
       </p:sp>
@@ -842,6 +894,552 @@
         </p:txBody>
       </p:sp>
     </p:spTree>
+    <p:extLst>
+      <p:ext uri="{BB962C8B-B14F-4D97-AF65-F5344CB8AC3E}">
+        <p14:creationId xmlns:p14="http://schemas.microsoft.com/office/powerpoint/2010/main" val="3905416108"/>
+      </p:ext>
+    </p:extLst>
+  </p:cSld>
+  <p:clrMapOvr>
+    <a:masterClrMapping/>
+  </p:clrMapOvr>
+</p:notes>
+</file>
+
+<file path=ppt/notesSlides/notesSlide5.xml><?xml version="1.0" encoding="utf-8"?>
+<p:notes xmlns:a="http://schemas.openxmlformats.org/drawingml/2006/main" xmlns:r="http://schemas.openxmlformats.org/officeDocument/2006/relationships" xmlns:p="http://schemas.openxmlformats.org/presentationml/2006/main">
+  <p:cSld>
+    <p:spTree>
+      <p:nvGrpSpPr>
+        <p:cNvPr id="1" name=""/>
+        <p:cNvGrpSpPr/>
+        <p:nvPr/>
+      </p:nvGrpSpPr>
+      <p:grpSpPr>
+        <a:xfrm>
+          <a:off x="0" y="0"/>
+          <a:ext cx="0" cy="0"/>
+          <a:chOff x="0" y="0"/>
+          <a:chExt cx="0" cy="0"/>
+        </a:xfrm>
+      </p:grpSpPr>
+      <p:sp>
+        <p:nvSpPr>
+          <p:cNvPr id="2" name="幻灯片图像占位符 1"/>
+          <p:cNvSpPr>
+            <a:spLocks noGrp="1" noRot="1" noChangeAspect="1"/>
+          </p:cNvSpPr>
+          <p:nvPr>
+            <p:ph type="sldImg"/>
+          </p:nvPr>
+        </p:nvSpPr>
+        <p:spPr/>
+      </p:sp>
+      <p:sp>
+        <p:nvSpPr>
+          <p:cNvPr id="3" name="备注占位符 2"/>
+          <p:cNvSpPr>
+            <a:spLocks noGrp="1"/>
+          </p:cNvSpPr>
+          <p:nvPr>
+            <p:ph type="body" idx="1"/>
+          </p:nvPr>
+        </p:nvSpPr>
+        <p:spPr/>
+        <p:txBody>
+          <a:bodyPr/>
+          <a:lstStyle/>
+          <a:p>
+            <a:endParaRPr lang="zh-CN" altLang="en-US"/>
+          </a:p>
+        </p:txBody>
+      </p:sp>
+      <p:sp>
+        <p:nvSpPr>
+          <p:cNvPr id="4" name="灯片编号占位符 3"/>
+          <p:cNvSpPr>
+            <a:spLocks noGrp="1"/>
+          </p:cNvSpPr>
+          <p:nvPr>
+            <p:ph type="sldNum" sz="quarter" idx="10"/>
+          </p:nvPr>
+        </p:nvSpPr>
+        <p:spPr/>
+        <p:txBody>
+          <a:bodyPr/>
+          <a:lstStyle/>
+          <a:p>
+            <a:fld id="{E44DF715-C661-4A4B-BB5A-CE67FF753190}" type="slidenum">
+              <a:rPr lang="zh-CN" altLang="en-US" smtClean="0"/>
+              <a:t>6</a:t>
+            </a:fld>
+            <a:endParaRPr lang="zh-CN" altLang="en-US"/>
+          </a:p>
+        </p:txBody>
+      </p:sp>
+    </p:spTree>
+    <p:extLst>
+      <p:ext uri="{BB962C8B-B14F-4D97-AF65-F5344CB8AC3E}">
+        <p14:creationId xmlns:p14="http://schemas.microsoft.com/office/powerpoint/2010/main" val="3016924094"/>
+      </p:ext>
+    </p:extLst>
+  </p:cSld>
+  <p:clrMapOvr>
+    <a:masterClrMapping/>
+  </p:clrMapOvr>
+</p:notes>
+</file>
+
+<file path=ppt/notesSlides/notesSlide6.xml><?xml version="1.0" encoding="utf-8"?>
+<p:notes xmlns:a="http://schemas.openxmlformats.org/drawingml/2006/main" xmlns:r="http://schemas.openxmlformats.org/officeDocument/2006/relationships" xmlns:p="http://schemas.openxmlformats.org/presentationml/2006/main">
+  <p:cSld>
+    <p:spTree>
+      <p:nvGrpSpPr>
+        <p:cNvPr id="1" name=""/>
+        <p:cNvGrpSpPr/>
+        <p:nvPr/>
+      </p:nvGrpSpPr>
+      <p:grpSpPr>
+        <a:xfrm>
+          <a:off x="0" y="0"/>
+          <a:ext cx="0" cy="0"/>
+          <a:chOff x="0" y="0"/>
+          <a:chExt cx="0" cy="0"/>
+        </a:xfrm>
+      </p:grpSpPr>
+      <p:sp>
+        <p:nvSpPr>
+          <p:cNvPr id="2" name="幻灯片图像占位符 1"/>
+          <p:cNvSpPr>
+            <a:spLocks noGrp="1" noRot="1" noChangeAspect="1"/>
+          </p:cNvSpPr>
+          <p:nvPr>
+            <p:ph type="sldImg"/>
+          </p:nvPr>
+        </p:nvSpPr>
+        <p:spPr/>
+      </p:sp>
+      <p:sp>
+        <p:nvSpPr>
+          <p:cNvPr id="3" name="备注占位符 2"/>
+          <p:cNvSpPr>
+            <a:spLocks noGrp="1"/>
+          </p:cNvSpPr>
+          <p:nvPr>
+            <p:ph type="body" idx="1"/>
+          </p:nvPr>
+        </p:nvSpPr>
+        <p:spPr/>
+        <p:txBody>
+          <a:bodyPr/>
+          <a:lstStyle/>
+          <a:p>
+            <a:endParaRPr lang="zh-CN" altLang="en-US"/>
+          </a:p>
+        </p:txBody>
+      </p:sp>
+      <p:sp>
+        <p:nvSpPr>
+          <p:cNvPr id="4" name="灯片编号占位符 3"/>
+          <p:cNvSpPr>
+            <a:spLocks noGrp="1"/>
+          </p:cNvSpPr>
+          <p:nvPr>
+            <p:ph type="sldNum" sz="quarter" idx="10"/>
+          </p:nvPr>
+        </p:nvSpPr>
+        <p:spPr/>
+        <p:txBody>
+          <a:bodyPr/>
+          <a:lstStyle/>
+          <a:p>
+            <a:pPr marL="0" marR="0" lvl="0" indent="0" algn="r" defTabSz="914400" rtl="0" eaLnBrk="1" fontAlgn="auto" latinLnBrk="0" hangingPunct="1">
+              <a:lnSpc>
+                <a:spcPct val="100000"/>
+              </a:lnSpc>
+              <a:spcBef>
+                <a:spcPts val="0"/>
+              </a:spcBef>
+              <a:spcAft>
+                <a:spcPts val="0"/>
+              </a:spcAft>
+              <a:buClrTx/>
+              <a:buSzTx/>
+              <a:buFontTx/>
+              <a:buNone/>
+              <a:defRPr/>
+            </a:pPr>
+            <a:fld id="{D34C0232-94FA-4EBE-BB9B-79FBE486032D}" type="slidenum">
+              <a:rPr kumimoji="0" lang="zh-CN" altLang="en-US" sz="1200" b="0" i="0" u="none" strike="noStrike" kern="1200" cap="none" spc="0" normalizeH="0" baseline="0" noProof="0" smtClean="0">
+                <a:ln>
+                  <a:noFill/>
+                </a:ln>
+                <a:solidFill>
+                  <a:prstClr val="black"/>
+                </a:solidFill>
+                <a:effectLst/>
+                <a:uLnTx/>
+                <a:uFillTx/>
+                <a:latin typeface="Calibri" panose="020F0502020204030204"/>
+                <a:ea typeface="宋体" panose="02010600030101010101" pitchFamily="2" charset="-122"/>
+                <a:cs typeface="+mn-cs"/>
+              </a:rPr>
+              <a:t>7</a:t>
+            </a:fld>
+            <a:endParaRPr kumimoji="0" lang="zh-CN" altLang="en-US" sz="1200" b="0" i="0" u="none" strike="noStrike" kern="1200" cap="none" spc="0" normalizeH="0" baseline="0" noProof="0">
+              <a:ln>
+                <a:noFill/>
+              </a:ln>
+              <a:solidFill>
+                <a:prstClr val="black"/>
+              </a:solidFill>
+              <a:effectLst/>
+              <a:uLnTx/>
+              <a:uFillTx/>
+              <a:latin typeface="Calibri" panose="020F0502020204030204"/>
+              <a:ea typeface="宋体" panose="02010600030101010101" pitchFamily="2" charset="-122"/>
+              <a:cs typeface="+mn-cs"/>
+            </a:endParaRPr>
+          </a:p>
+        </p:txBody>
+      </p:sp>
+    </p:spTree>
+    <p:extLst>
+      <p:ext uri="{BB962C8B-B14F-4D97-AF65-F5344CB8AC3E}">
+        <p14:creationId xmlns:p14="http://schemas.microsoft.com/office/powerpoint/2010/main" val="653136248"/>
+      </p:ext>
+    </p:extLst>
+  </p:cSld>
+  <p:clrMapOvr>
+    <a:masterClrMapping/>
+  </p:clrMapOvr>
+</p:notes>
+</file>
+
+<file path=ppt/notesSlides/notesSlide7.xml><?xml version="1.0" encoding="utf-8"?>
+<p:notes xmlns:a="http://schemas.openxmlformats.org/drawingml/2006/main" xmlns:r="http://schemas.openxmlformats.org/officeDocument/2006/relationships" xmlns:p="http://schemas.openxmlformats.org/presentationml/2006/main">
+  <p:cSld>
+    <p:spTree>
+      <p:nvGrpSpPr>
+        <p:cNvPr id="1" name=""/>
+        <p:cNvGrpSpPr/>
+        <p:nvPr/>
+      </p:nvGrpSpPr>
+      <p:grpSpPr>
+        <a:xfrm>
+          <a:off x="0" y="0"/>
+          <a:ext cx="0" cy="0"/>
+          <a:chOff x="0" y="0"/>
+          <a:chExt cx="0" cy="0"/>
+        </a:xfrm>
+      </p:grpSpPr>
+      <p:sp>
+        <p:nvSpPr>
+          <p:cNvPr id="2" name="幻灯片图像占位符 1"/>
+          <p:cNvSpPr>
+            <a:spLocks noGrp="1" noRot="1" noChangeAspect="1"/>
+          </p:cNvSpPr>
+          <p:nvPr>
+            <p:ph type="sldImg"/>
+          </p:nvPr>
+        </p:nvSpPr>
+        <p:spPr/>
+      </p:sp>
+      <p:sp>
+        <p:nvSpPr>
+          <p:cNvPr id="3" name="备注占位符 2"/>
+          <p:cNvSpPr>
+            <a:spLocks noGrp="1"/>
+          </p:cNvSpPr>
+          <p:nvPr>
+            <p:ph type="body" idx="1"/>
+          </p:nvPr>
+        </p:nvSpPr>
+        <p:spPr/>
+        <p:txBody>
+          <a:bodyPr/>
+          <a:lstStyle/>
+          <a:p>
+            <a:endParaRPr lang="zh-CN" altLang="en-US"/>
+          </a:p>
+        </p:txBody>
+      </p:sp>
+      <p:sp>
+        <p:nvSpPr>
+          <p:cNvPr id="4" name="灯片编号占位符 3"/>
+          <p:cNvSpPr>
+            <a:spLocks noGrp="1"/>
+          </p:cNvSpPr>
+          <p:nvPr>
+            <p:ph type="sldNum" sz="quarter" idx="10"/>
+          </p:nvPr>
+        </p:nvSpPr>
+        <p:spPr/>
+        <p:txBody>
+          <a:bodyPr/>
+          <a:lstStyle/>
+          <a:p>
+            <a:pPr marL="0" marR="0" lvl="0" indent="0" algn="r" defTabSz="914400" rtl="0" eaLnBrk="1" fontAlgn="auto" latinLnBrk="0" hangingPunct="1">
+              <a:lnSpc>
+                <a:spcPct val="100000"/>
+              </a:lnSpc>
+              <a:spcBef>
+                <a:spcPts val="0"/>
+              </a:spcBef>
+              <a:spcAft>
+                <a:spcPts val="0"/>
+              </a:spcAft>
+              <a:buClrTx/>
+              <a:buSzTx/>
+              <a:buFontTx/>
+              <a:buNone/>
+              <a:defRPr/>
+            </a:pPr>
+            <a:fld id="{D34C0232-94FA-4EBE-BB9B-79FBE486032D}" type="slidenum">
+              <a:rPr kumimoji="0" lang="zh-CN" altLang="en-US" sz="1200" b="0" i="0" u="none" strike="noStrike" kern="1200" cap="none" spc="0" normalizeH="0" baseline="0" noProof="0" smtClean="0">
+                <a:ln>
+                  <a:noFill/>
+                </a:ln>
+                <a:solidFill>
+                  <a:prstClr val="black"/>
+                </a:solidFill>
+                <a:effectLst/>
+                <a:uLnTx/>
+                <a:uFillTx/>
+                <a:latin typeface="Calibri" panose="020F0502020204030204"/>
+                <a:ea typeface="宋体" panose="02010600030101010101" pitchFamily="2" charset="-122"/>
+                <a:cs typeface="+mn-cs"/>
+              </a:rPr>
+              <a:t>8</a:t>
+            </a:fld>
+            <a:endParaRPr kumimoji="0" lang="zh-CN" altLang="en-US" sz="1200" b="0" i="0" u="none" strike="noStrike" kern="1200" cap="none" spc="0" normalizeH="0" baseline="0" noProof="0">
+              <a:ln>
+                <a:noFill/>
+              </a:ln>
+              <a:solidFill>
+                <a:prstClr val="black"/>
+              </a:solidFill>
+              <a:effectLst/>
+              <a:uLnTx/>
+              <a:uFillTx/>
+              <a:latin typeface="Calibri" panose="020F0502020204030204"/>
+              <a:ea typeface="宋体" panose="02010600030101010101" pitchFamily="2" charset="-122"/>
+              <a:cs typeface="+mn-cs"/>
+            </a:endParaRPr>
+          </a:p>
+        </p:txBody>
+      </p:sp>
+    </p:spTree>
+    <p:extLst>
+      <p:ext uri="{BB962C8B-B14F-4D97-AF65-F5344CB8AC3E}">
+        <p14:creationId xmlns:p14="http://schemas.microsoft.com/office/powerpoint/2010/main" val="526485100"/>
+      </p:ext>
+    </p:extLst>
+  </p:cSld>
+  <p:clrMapOvr>
+    <a:masterClrMapping/>
+  </p:clrMapOvr>
+</p:notes>
+</file>
+
+<file path=ppt/notesSlides/notesSlide8.xml><?xml version="1.0" encoding="utf-8"?>
+<p:notes xmlns:a="http://schemas.openxmlformats.org/drawingml/2006/main" xmlns:r="http://schemas.openxmlformats.org/officeDocument/2006/relationships" xmlns:p="http://schemas.openxmlformats.org/presentationml/2006/main">
+  <p:cSld>
+    <p:spTree>
+      <p:nvGrpSpPr>
+        <p:cNvPr id="1" name=""/>
+        <p:cNvGrpSpPr/>
+        <p:nvPr/>
+      </p:nvGrpSpPr>
+      <p:grpSpPr>
+        <a:xfrm>
+          <a:off x="0" y="0"/>
+          <a:ext cx="0" cy="0"/>
+          <a:chOff x="0" y="0"/>
+          <a:chExt cx="0" cy="0"/>
+        </a:xfrm>
+      </p:grpSpPr>
+      <p:sp>
+        <p:nvSpPr>
+          <p:cNvPr id="2" name="幻灯片图像占位符 1"/>
+          <p:cNvSpPr>
+            <a:spLocks noGrp="1" noRot="1" noChangeAspect="1"/>
+          </p:cNvSpPr>
+          <p:nvPr>
+            <p:ph type="sldImg"/>
+          </p:nvPr>
+        </p:nvSpPr>
+        <p:spPr/>
+      </p:sp>
+      <p:sp>
+        <p:nvSpPr>
+          <p:cNvPr id="3" name="备注占位符 2"/>
+          <p:cNvSpPr>
+            <a:spLocks noGrp="1"/>
+          </p:cNvSpPr>
+          <p:nvPr>
+            <p:ph type="body" idx="1"/>
+          </p:nvPr>
+        </p:nvSpPr>
+        <p:spPr/>
+        <p:txBody>
+          <a:bodyPr/>
+          <a:lstStyle/>
+          <a:p>
+            <a:endParaRPr lang="zh-CN" altLang="en-US"/>
+          </a:p>
+        </p:txBody>
+      </p:sp>
+      <p:sp>
+        <p:nvSpPr>
+          <p:cNvPr id="4" name="灯片编号占位符 3"/>
+          <p:cNvSpPr>
+            <a:spLocks noGrp="1"/>
+          </p:cNvSpPr>
+          <p:nvPr>
+            <p:ph type="sldNum" sz="quarter" idx="10"/>
+          </p:nvPr>
+        </p:nvSpPr>
+        <p:spPr/>
+        <p:txBody>
+          <a:bodyPr/>
+          <a:lstStyle/>
+          <a:p>
+            <a:fld id="{E44DF715-C661-4A4B-BB5A-CE67FF753190}" type="slidenum">
+              <a:rPr lang="zh-CN" altLang="en-US" smtClean="0"/>
+              <a:t>9</a:t>
+            </a:fld>
+            <a:endParaRPr lang="zh-CN" altLang="en-US"/>
+          </a:p>
+        </p:txBody>
+      </p:sp>
+    </p:spTree>
+  </p:cSld>
+  <p:clrMapOvr>
+    <a:masterClrMapping/>
+  </p:clrMapOvr>
+</p:notes>
+</file>
+
+<file path=ppt/notesSlides/notesSlide9.xml><?xml version="1.0" encoding="utf-8"?>
+<p:notes xmlns:a="http://schemas.openxmlformats.org/drawingml/2006/main" xmlns:r="http://schemas.openxmlformats.org/officeDocument/2006/relationships" xmlns:p="http://schemas.openxmlformats.org/presentationml/2006/main">
+  <p:cSld>
+    <p:spTree>
+      <p:nvGrpSpPr>
+        <p:cNvPr id="1" name=""/>
+        <p:cNvGrpSpPr/>
+        <p:nvPr/>
+      </p:nvGrpSpPr>
+      <p:grpSpPr>
+        <a:xfrm>
+          <a:off x="0" y="0"/>
+          <a:ext cx="0" cy="0"/>
+          <a:chOff x="0" y="0"/>
+          <a:chExt cx="0" cy="0"/>
+        </a:xfrm>
+      </p:grpSpPr>
+      <p:sp>
+        <p:nvSpPr>
+          <p:cNvPr id="2" name="幻灯片图像占位符 1"/>
+          <p:cNvSpPr>
+            <a:spLocks noGrp="1" noRot="1" noChangeAspect="1"/>
+          </p:cNvSpPr>
+          <p:nvPr>
+            <p:ph type="sldImg"/>
+          </p:nvPr>
+        </p:nvSpPr>
+        <p:spPr/>
+      </p:sp>
+      <p:sp>
+        <p:nvSpPr>
+          <p:cNvPr id="3" name="备注占位符 2"/>
+          <p:cNvSpPr>
+            <a:spLocks noGrp="1"/>
+          </p:cNvSpPr>
+          <p:nvPr>
+            <p:ph type="body" idx="1"/>
+          </p:nvPr>
+        </p:nvSpPr>
+        <p:spPr/>
+        <p:txBody>
+          <a:bodyPr/>
+          <a:lstStyle/>
+          <a:p>
+            <a:endParaRPr lang="zh-CN" altLang="en-US"/>
+          </a:p>
+        </p:txBody>
+      </p:sp>
+      <p:sp>
+        <p:nvSpPr>
+          <p:cNvPr id="4" name="灯片编号占位符 3"/>
+          <p:cNvSpPr>
+            <a:spLocks noGrp="1"/>
+          </p:cNvSpPr>
+          <p:nvPr>
+            <p:ph type="sldNum" sz="quarter" idx="10"/>
+          </p:nvPr>
+        </p:nvSpPr>
+        <p:spPr/>
+        <p:txBody>
+          <a:bodyPr/>
+          <a:lstStyle/>
+          <a:p>
+            <a:pPr marL="0" marR="0" lvl="0" indent="0" algn="r" defTabSz="914400" rtl="0" eaLnBrk="1" fontAlgn="auto" latinLnBrk="0" hangingPunct="1">
+              <a:lnSpc>
+                <a:spcPct val="100000"/>
+              </a:lnSpc>
+              <a:spcBef>
+                <a:spcPts val="0"/>
+              </a:spcBef>
+              <a:spcAft>
+                <a:spcPts val="0"/>
+              </a:spcAft>
+              <a:buClrTx/>
+              <a:buSzTx/>
+              <a:buFontTx/>
+              <a:buNone/>
+              <a:defRPr/>
+            </a:pPr>
+            <a:fld id="{D34C0232-94FA-4EBE-BB9B-79FBE486032D}" type="slidenum">
+              <a:rPr kumimoji="0" lang="zh-CN" altLang="en-US" sz="1200" b="0" i="0" u="none" strike="noStrike" kern="1200" cap="none" spc="0" normalizeH="0" baseline="0" noProof="0" smtClean="0">
+                <a:ln>
+                  <a:noFill/>
+                </a:ln>
+                <a:solidFill>
+                  <a:prstClr val="black"/>
+                </a:solidFill>
+                <a:effectLst/>
+                <a:uLnTx/>
+                <a:uFillTx/>
+                <a:latin typeface="Calibri" panose="020F0502020204030204"/>
+                <a:ea typeface="宋体" panose="02010600030101010101" pitchFamily="2" charset="-122"/>
+                <a:cs typeface="+mn-cs"/>
+              </a:rPr>
+              <a:t>10</a:t>
+            </a:fld>
+            <a:endParaRPr kumimoji="0" lang="zh-CN" altLang="en-US" sz="1200" b="0" i="0" u="none" strike="noStrike" kern="1200" cap="none" spc="0" normalizeH="0" baseline="0" noProof="0">
+              <a:ln>
+                <a:noFill/>
+              </a:ln>
+              <a:solidFill>
+                <a:prstClr val="black"/>
+              </a:solidFill>
+              <a:effectLst/>
+              <a:uLnTx/>
+              <a:uFillTx/>
+              <a:latin typeface="Calibri" panose="020F0502020204030204"/>
+              <a:ea typeface="宋体" panose="02010600030101010101" pitchFamily="2" charset="-122"/>
+              <a:cs typeface="+mn-cs"/>
+            </a:endParaRPr>
+          </a:p>
+        </p:txBody>
+      </p:sp>
+    </p:spTree>
+    <p:extLst>
+      <p:ext uri="{BB962C8B-B14F-4D97-AF65-F5344CB8AC3E}">
+        <p14:creationId xmlns:p14="http://schemas.microsoft.com/office/powerpoint/2010/main" val="3377820079"/>
+      </p:ext>
+    </p:extLst>
   </p:cSld>
   <p:clrMapOvr>
     <a:masterClrMapping/>
@@ -1028,7 +1626,7 @@
           <a:p>
             <a:fld id="{C1F886BA-5FC7-4C45-9AF2-D10BC1540A8E}" type="datetimeFigureOut">
               <a:rPr lang="zh-CN" altLang="en-US" smtClean="0"/>
-              <a:t>2022/12/23</a:t>
+              <a:t>2022/12/24</a:t>
             </a:fld>
             <a:endParaRPr lang="zh-CN" altLang="en-US"/>
           </a:p>
@@ -1194,7 +1792,7 @@
           <a:p>
             <a:fld id="{C1F886BA-5FC7-4C45-9AF2-D10BC1540A8E}" type="datetimeFigureOut">
               <a:rPr lang="zh-CN" altLang="en-US" smtClean="0"/>
-              <a:t>2022/12/23</a:t>
+              <a:t>2022/12/24</a:t>
             </a:fld>
             <a:endParaRPr lang="zh-CN" altLang="en-US"/>
           </a:p>
@@ -1370,7 +1968,7 @@
           <a:p>
             <a:fld id="{C1F886BA-5FC7-4C45-9AF2-D10BC1540A8E}" type="datetimeFigureOut">
               <a:rPr lang="zh-CN" altLang="en-US" smtClean="0"/>
-              <a:t>2022/12/23</a:t>
+              <a:t>2022/12/24</a:t>
             </a:fld>
             <a:endParaRPr lang="zh-CN" altLang="en-US"/>
           </a:p>
@@ -1592,7 +2190,7 @@
           <a:p>
             <a:fld id="{C1F886BA-5FC7-4C45-9AF2-D10BC1540A8E}" type="datetimeFigureOut">
               <a:rPr lang="zh-CN" altLang="en-US" smtClean="0"/>
-              <a:t>2022/12/23</a:t>
+              <a:t>2022/12/24</a:t>
             </a:fld>
             <a:endParaRPr lang="zh-CN" altLang="en-US"/>
           </a:p>
@@ -1835,7 +2433,7 @@
           <a:p>
             <a:fld id="{C1F886BA-5FC7-4C45-9AF2-D10BC1540A8E}" type="datetimeFigureOut">
               <a:rPr lang="zh-CN" altLang="en-US" smtClean="0"/>
-              <a:t>2022/12/23</a:t>
+              <a:t>2022/12/24</a:t>
             </a:fld>
             <a:endParaRPr lang="zh-CN" altLang="en-US"/>
           </a:p>
@@ -2118,7 +2716,7 @@
           <a:p>
             <a:fld id="{C1F886BA-5FC7-4C45-9AF2-D10BC1540A8E}" type="datetimeFigureOut">
               <a:rPr lang="zh-CN" altLang="en-US" smtClean="0"/>
-              <a:t>2022/12/23</a:t>
+              <a:t>2022/12/24</a:t>
             </a:fld>
             <a:endParaRPr lang="zh-CN" altLang="en-US"/>
           </a:p>
@@ -2540,7 +3138,7 @@
           <a:p>
             <a:fld id="{C1F886BA-5FC7-4C45-9AF2-D10BC1540A8E}" type="datetimeFigureOut">
               <a:rPr lang="zh-CN" altLang="en-US" smtClean="0"/>
-              <a:t>2022/12/23</a:t>
+              <a:t>2022/12/24</a:t>
             </a:fld>
             <a:endParaRPr lang="zh-CN" altLang="en-US"/>
           </a:p>
@@ -2655,7 +3253,7 @@
           <a:p>
             <a:fld id="{C1F886BA-5FC7-4C45-9AF2-D10BC1540A8E}" type="datetimeFigureOut">
               <a:rPr lang="zh-CN" altLang="en-US" smtClean="0"/>
-              <a:t>2022/12/23</a:t>
+              <a:t>2022/12/24</a:t>
             </a:fld>
             <a:endParaRPr lang="zh-CN" altLang="en-US"/>
           </a:p>
@@ -2748,7 +3346,7 @@
           <a:p>
             <a:fld id="{C1F886BA-5FC7-4C45-9AF2-D10BC1540A8E}" type="datetimeFigureOut">
               <a:rPr lang="zh-CN" altLang="en-US" smtClean="0"/>
-              <a:t>2022/12/23</a:t>
+              <a:t>2022/12/24</a:t>
             </a:fld>
             <a:endParaRPr lang="zh-CN" altLang="en-US"/>
           </a:p>
@@ -3162,7 +3760,7 @@
           <a:p>
             <a:fld id="{C1F886BA-5FC7-4C45-9AF2-D10BC1540A8E}" type="datetimeFigureOut">
               <a:rPr lang="zh-CN" altLang="en-US" smtClean="0"/>
-              <a:t>2022/12/23</a:t>
+              <a:t>2022/12/24</a:t>
             </a:fld>
             <a:endParaRPr lang="zh-CN" altLang="en-US"/>
           </a:p>
@@ -3412,7 +4010,7 @@
           <a:p>
             <a:fld id="{C1F886BA-5FC7-4C45-9AF2-D10BC1540A8E}" type="datetimeFigureOut">
               <a:rPr lang="zh-CN" altLang="en-US" smtClean="0"/>
-              <a:t>2022/12/23</a:t>
+              <a:t>2022/12/24</a:t>
             </a:fld>
             <a:endParaRPr lang="zh-CN" altLang="en-US"/>
           </a:p>
@@ -3621,7 +4219,7 @@
           <a:p>
             <a:fld id="{C1F886BA-5FC7-4C45-9AF2-D10BC1540A8E}" type="datetimeFigureOut">
               <a:rPr lang="zh-CN" altLang="en-US" smtClean="0"/>
-              <a:t>2022/12/23</a:t>
+              <a:t>2022/12/24</a:t>
             </a:fld>
             <a:endParaRPr lang="zh-CN" altLang="en-US"/>
           </a:p>
@@ -4039,6 +4637,1422 @@
         </p:nvSpPr>
         <p:spPr>
           <a:xfrm>
+            <a:off x="1031350" y="2618725"/>
+            <a:ext cx="3840942" cy="700769"/>
+          </a:xfrm>
+          <a:prstGeom prst="rect">
+            <a:avLst/>
+          </a:prstGeom>
+          <a:noFill/>
+        </p:spPr>
+        <p:txBody>
+          <a:bodyPr wrap="square" rtlCol="0" anchor="ctr">
+            <a:spAutoFit/>
+          </a:bodyPr>
+          <a:lstStyle/>
+          <a:p>
+            <a:pPr>
+              <a:lnSpc>
+                <a:spcPct val="120000"/>
+              </a:lnSpc>
+            </a:pPr>
+            <a:r>
+              <a:rPr lang="en-US" altLang="zh-CN" sz="3600" b="1" dirty="0">
+                <a:solidFill>
+                  <a:schemeClr val="accent1"/>
+                </a:solidFill>
+                <a:latin typeface="方正兰亭超细黑简体" panose="02000000000000000000" pitchFamily="2" charset="-122"/>
+                <a:ea typeface="方正兰亭超细黑简体" panose="02000000000000000000" pitchFamily="2" charset="-122"/>
+              </a:rPr>
+              <a:t>  </a:t>
+            </a:r>
+            <a:r>
+              <a:rPr lang="zh-CN" altLang="en-US" sz="3200" b="1" dirty="0">
+                <a:solidFill>
+                  <a:schemeClr val="accent1"/>
+                </a:solidFill>
+                <a:latin typeface="方正兰亭超细黑简体" panose="02000000000000000000" pitchFamily="2" charset="-122"/>
+                <a:ea typeface="方正兰亭超细黑简体" panose="02000000000000000000" pitchFamily="2" charset="-122"/>
+              </a:rPr>
+              <a:t>数据库申优答辩</a:t>
+            </a:r>
+          </a:p>
+        </p:txBody>
+      </p:sp>
+      <p:sp>
+        <p:nvSpPr>
+          <p:cNvPr id="7" name="PA_半闭框 7"/>
+          <p:cNvSpPr/>
+          <p:nvPr>
+            <p:custDataLst>
+              <p:tags r:id="rId2"/>
+            </p:custDataLst>
+          </p:nvPr>
+        </p:nvSpPr>
+        <p:spPr>
+          <a:xfrm>
+            <a:off x="1155663" y="2571273"/>
+            <a:ext cx="2124236" cy="972108"/>
+          </a:xfrm>
+          <a:prstGeom prst="halfFrame">
+            <a:avLst>
+              <a:gd name="adj1" fmla="val 889"/>
+              <a:gd name="adj2" fmla="val 1333"/>
+            </a:avLst>
+          </a:prstGeom>
+          <a:solidFill>
+            <a:srgbClr val="65686F"/>
+          </a:solidFill>
+          <a:ln>
+            <a:noFill/>
+          </a:ln>
+        </p:spPr>
+        <p:style>
+          <a:lnRef idx="2">
+            <a:schemeClr val="accent1">
+              <a:shade val="50000"/>
+            </a:schemeClr>
+          </a:lnRef>
+          <a:fillRef idx="1">
+            <a:schemeClr val="accent1"/>
+          </a:fillRef>
+          <a:effectRef idx="0">
+            <a:schemeClr val="accent1"/>
+          </a:effectRef>
+          <a:fontRef idx="minor">
+            <a:schemeClr val="lt1"/>
+          </a:fontRef>
+        </p:style>
+        <p:txBody>
+          <a:bodyPr rtlCol="0" anchor="ctr"/>
+          <a:lstStyle/>
+          <a:p>
+            <a:pPr algn="ctr"/>
+            <a:endParaRPr lang="zh-CN" altLang="en-US">
+              <a:solidFill>
+                <a:schemeClr val="tx1"/>
+              </a:solidFill>
+            </a:endParaRPr>
+          </a:p>
+        </p:txBody>
+      </p:sp>
+      <p:sp>
+        <p:nvSpPr>
+          <p:cNvPr id="9" name="文本框 9"/>
+          <p:cNvSpPr txBox="1"/>
+          <p:nvPr/>
+        </p:nvSpPr>
+        <p:spPr>
+          <a:xfrm>
+            <a:off x="1691680" y="3751787"/>
+            <a:ext cx="2088232" cy="295145"/>
+          </a:xfrm>
+          <a:prstGeom prst="rect">
+            <a:avLst/>
+          </a:prstGeom>
+          <a:noFill/>
+        </p:spPr>
+        <p:txBody>
+          <a:bodyPr wrap="square" rtlCol="0" anchor="ctr">
+            <a:spAutoFit/>
+          </a:bodyPr>
+          <a:lstStyle/>
+          <a:p>
+            <a:pPr algn="ctr">
+              <a:lnSpc>
+                <a:spcPct val="120000"/>
+              </a:lnSpc>
+            </a:pPr>
+            <a:r>
+              <a:rPr lang="zh-CN" altLang="en-US" sz="1200" b="1" spc="300" dirty="0">
+                <a:solidFill>
+                  <a:schemeClr val="tx1">
+                    <a:lumMod val="65000"/>
+                    <a:lumOff val="35000"/>
+                  </a:schemeClr>
+                </a:solidFill>
+                <a:latin typeface="方正兰亭超细黑简体" panose="02000000000000000000" pitchFamily="2" charset="-122"/>
+                <a:ea typeface="方正兰亭超细黑简体" panose="02000000000000000000" pitchFamily="2" charset="-122"/>
+              </a:rPr>
+              <a:t>时间：</a:t>
+            </a:r>
+            <a:r>
+              <a:rPr lang="en-US" altLang="zh-CN" sz="1200" b="1" spc="300" dirty="0">
+                <a:solidFill>
+                  <a:schemeClr val="tx1">
+                    <a:lumMod val="65000"/>
+                    <a:lumOff val="35000"/>
+                  </a:schemeClr>
+                </a:solidFill>
+                <a:latin typeface="方正兰亭超细黑简体" panose="02000000000000000000" pitchFamily="2" charset="-122"/>
+                <a:ea typeface="方正兰亭超细黑简体" panose="02000000000000000000" pitchFamily="2" charset="-122"/>
+              </a:rPr>
+              <a:t>2022.12.25</a:t>
+            </a:r>
+            <a:endParaRPr lang="zh-CN" altLang="en-US" sz="1200" b="1" spc="300" dirty="0">
+              <a:solidFill>
+                <a:schemeClr val="tx1">
+                  <a:lumMod val="65000"/>
+                  <a:lumOff val="35000"/>
+                </a:schemeClr>
+              </a:solidFill>
+              <a:latin typeface="方正兰亭超细黑简体" panose="02000000000000000000" pitchFamily="2" charset="-122"/>
+              <a:ea typeface="方正兰亭超细黑简体" panose="02000000000000000000" pitchFamily="2" charset="-122"/>
+            </a:endParaRPr>
+          </a:p>
+        </p:txBody>
+      </p:sp>
+      <p:sp>
+        <p:nvSpPr>
+          <p:cNvPr id="10" name="PA_文本框 6"/>
+          <p:cNvSpPr txBox="1"/>
+          <p:nvPr>
+            <p:custDataLst>
+              <p:tags r:id="rId3"/>
+            </p:custDataLst>
+          </p:nvPr>
+        </p:nvSpPr>
+        <p:spPr>
+          <a:xfrm>
+            <a:off x="1691680" y="1158966"/>
+            <a:ext cx="817853" cy="1459759"/>
+          </a:xfrm>
+          <a:prstGeom prst="rect">
+            <a:avLst/>
+          </a:prstGeom>
+          <a:noFill/>
+        </p:spPr>
+        <p:txBody>
+          <a:bodyPr wrap="none" rtlCol="0" anchor="ctr">
+            <a:spAutoFit/>
+          </a:bodyPr>
+          <a:lstStyle/>
+          <a:p>
+            <a:pPr>
+              <a:lnSpc>
+                <a:spcPct val="120000"/>
+              </a:lnSpc>
+            </a:pPr>
+            <a:r>
+              <a:rPr lang="en-US" altLang="zh-CN" sz="8000" b="1" dirty="0">
+                <a:solidFill>
+                  <a:schemeClr val="tx1">
+                    <a:lumMod val="75000"/>
+                    <a:lumOff val="25000"/>
+                  </a:schemeClr>
+                </a:solidFill>
+                <a:latin typeface="方正兰亭超细黑简体" panose="02000000000000000000" pitchFamily="2" charset="-122"/>
+                <a:ea typeface="方正兰亭超细黑简体" panose="02000000000000000000" pitchFamily="2" charset="-122"/>
+              </a:rPr>
+              <a:t>2</a:t>
+            </a:r>
+            <a:endParaRPr lang="zh-CN" altLang="en-US" sz="8000" b="1" dirty="0">
+              <a:solidFill>
+                <a:schemeClr val="tx1">
+                  <a:lumMod val="75000"/>
+                  <a:lumOff val="25000"/>
+                </a:schemeClr>
+              </a:solidFill>
+              <a:latin typeface="方正兰亭超细黑简体" panose="02000000000000000000" pitchFamily="2" charset="-122"/>
+              <a:ea typeface="方正兰亭超细黑简体" panose="02000000000000000000" pitchFamily="2" charset="-122"/>
+            </a:endParaRPr>
+          </a:p>
+        </p:txBody>
+      </p:sp>
+      <p:sp>
+        <p:nvSpPr>
+          <p:cNvPr id="11" name="PA_文本框 6"/>
+          <p:cNvSpPr txBox="1"/>
+          <p:nvPr>
+            <p:custDataLst>
+              <p:tags r:id="rId4"/>
+            </p:custDataLst>
+          </p:nvPr>
+        </p:nvSpPr>
+        <p:spPr>
+          <a:xfrm>
+            <a:off x="3445637" y="1202600"/>
+            <a:ext cx="1451038" cy="1444498"/>
+          </a:xfrm>
+          <a:prstGeom prst="rect">
+            <a:avLst/>
+          </a:prstGeom>
+          <a:noFill/>
+        </p:spPr>
+        <p:txBody>
+          <a:bodyPr wrap="none" rtlCol="0" anchor="ctr">
+            <a:spAutoFit/>
+          </a:bodyPr>
+          <a:lstStyle/>
+          <a:p>
+            <a:pPr>
+              <a:lnSpc>
+                <a:spcPct val="120000"/>
+              </a:lnSpc>
+            </a:pPr>
+            <a:r>
+              <a:rPr lang="en-US" altLang="zh-CN" sz="8000" b="1" dirty="0">
+                <a:solidFill>
+                  <a:schemeClr val="tx1">
+                    <a:lumMod val="75000"/>
+                    <a:lumOff val="25000"/>
+                  </a:schemeClr>
+                </a:solidFill>
+                <a:latin typeface="方正兰亭超细黑简体" panose="02000000000000000000" pitchFamily="2" charset="-122"/>
+                <a:ea typeface="方正兰亭超细黑简体" panose="02000000000000000000" pitchFamily="2" charset="-122"/>
+              </a:rPr>
+              <a:t>22</a:t>
+            </a:r>
+            <a:endParaRPr lang="zh-CN" altLang="en-US" sz="8000" b="1" dirty="0">
+              <a:solidFill>
+                <a:schemeClr val="tx1">
+                  <a:lumMod val="75000"/>
+                  <a:lumOff val="25000"/>
+                </a:schemeClr>
+              </a:solidFill>
+              <a:latin typeface="方正兰亭超细黑简体" panose="02000000000000000000" pitchFamily="2" charset="-122"/>
+              <a:ea typeface="方正兰亭超细黑简体" panose="02000000000000000000" pitchFamily="2" charset="-122"/>
+            </a:endParaRPr>
+          </a:p>
+        </p:txBody>
+      </p:sp>
+      <p:sp>
+        <p:nvSpPr>
+          <p:cNvPr id="12" name="PA_半闭框 7"/>
+          <p:cNvSpPr/>
+          <p:nvPr>
+            <p:custDataLst>
+              <p:tags r:id="rId5"/>
+            </p:custDataLst>
+          </p:nvPr>
+        </p:nvSpPr>
+        <p:spPr>
+          <a:xfrm flipH="1" flipV="1">
+            <a:off x="3763515" y="3564718"/>
+            <a:ext cx="961390" cy="675640"/>
+          </a:xfrm>
+          <a:prstGeom prst="halfFrame">
+            <a:avLst>
+              <a:gd name="adj1" fmla="val 889"/>
+              <a:gd name="adj2" fmla="val 1333"/>
+            </a:avLst>
+          </a:prstGeom>
+          <a:solidFill>
+            <a:srgbClr val="65686F"/>
+          </a:solidFill>
+          <a:ln>
+            <a:noFill/>
+          </a:ln>
+        </p:spPr>
+        <p:style>
+          <a:lnRef idx="2">
+            <a:schemeClr val="accent1">
+              <a:shade val="50000"/>
+            </a:schemeClr>
+          </a:lnRef>
+          <a:fillRef idx="1">
+            <a:schemeClr val="accent1"/>
+          </a:fillRef>
+          <a:effectRef idx="0">
+            <a:schemeClr val="accent1"/>
+          </a:effectRef>
+          <a:fontRef idx="minor">
+            <a:schemeClr val="lt1"/>
+          </a:fontRef>
+        </p:style>
+        <p:txBody>
+          <a:bodyPr rtlCol="0" anchor="ctr"/>
+          <a:lstStyle/>
+          <a:p>
+            <a:pPr algn="ctr"/>
+            <a:endParaRPr lang="zh-CN" altLang="en-US">
+              <a:solidFill>
+                <a:schemeClr val="tx1"/>
+              </a:solidFill>
+            </a:endParaRPr>
+          </a:p>
+        </p:txBody>
+      </p:sp>
+      <p:pic>
+        <p:nvPicPr>
+          <p:cNvPr id="1028" name="Picture 4"/>
+          <p:cNvPicPr>
+            <a:picLocks noChangeAspect="1" noChangeArrowheads="1"/>
+          </p:cNvPicPr>
+          <p:nvPr/>
+        </p:nvPicPr>
+        <p:blipFill>
+          <a:blip r:embed="rId8" cstate="print">
+            <a:biLevel thresh="75000"/>
+            <a:extLst>
+              <a:ext uri="{BEBA8EAE-BF5A-486C-A8C5-ECC9F3942E4B}">
+                <a14:imgProps xmlns:a14="http://schemas.microsoft.com/office/drawing/2010/main">
+                  <a14:imgLayer r:embed="rId9">
+                    <a14:imgEffect>
+                      <a14:colorTemperature colorTemp="11200"/>
+                    </a14:imgEffect>
+                    <a14:imgEffect>
+                      <a14:saturation sat="0"/>
+                    </a14:imgEffect>
+                  </a14:imgLayer>
+                </a14:imgProps>
+              </a:ext>
+              <a:ext uri="{28A0092B-C50C-407E-A947-70E740481C1C}">
+                <a14:useLocalDpi xmlns:a14="http://schemas.microsoft.com/office/drawing/2010/main" val="0"/>
+              </a:ext>
+            </a:extLst>
+          </a:blip>
+          <a:srcRect/>
+          <a:stretch>
+            <a:fillRect/>
+          </a:stretch>
+        </p:blipFill>
+        <p:spPr bwMode="auto">
+          <a:xfrm>
+            <a:off x="2568658" y="1570439"/>
+            <a:ext cx="817853" cy="817853"/>
+          </a:xfrm>
+          <a:prstGeom prst="rect">
+            <a:avLst/>
+          </a:prstGeom>
+          <a:noFill/>
+          <a:extLst>
+            <a:ext uri="{909E8E84-426E-40DD-AFC4-6F175D3DCCD1}">
+              <a14:hiddenFill xmlns:a14="http://schemas.microsoft.com/office/drawing/2010/main">
+                <a:solidFill>
+                  <a:srgbClr val="FFFFFF"/>
+                </a:solidFill>
+              </a14:hiddenFill>
+            </a:ext>
+          </a:extLst>
+        </p:spPr>
+      </p:pic>
+      <p:sp>
+        <p:nvSpPr>
+          <p:cNvPr id="3" name="文本框 2">
+            <a:extLst>
+              <a:ext uri="{FF2B5EF4-FFF2-40B4-BE49-F238E27FC236}">
+                <a16:creationId xmlns:a16="http://schemas.microsoft.com/office/drawing/2014/main" id="{987A39EB-FB39-181E-0FEC-B3229918C789}"/>
+              </a:ext>
+            </a:extLst>
+          </p:cNvPr>
+          <p:cNvSpPr txBox="1"/>
+          <p:nvPr/>
+        </p:nvSpPr>
+        <p:spPr>
+          <a:xfrm>
+            <a:off x="691584" y="3417146"/>
+            <a:ext cx="4572000" cy="295145"/>
+          </a:xfrm>
+          <a:prstGeom prst="rect">
+            <a:avLst/>
+          </a:prstGeom>
+          <a:noFill/>
+        </p:spPr>
+        <p:txBody>
+          <a:bodyPr wrap="square">
+            <a:spAutoFit/>
+          </a:bodyPr>
+          <a:lstStyle/>
+          <a:p>
+            <a:pPr algn="ctr">
+              <a:lnSpc>
+                <a:spcPct val="120000"/>
+              </a:lnSpc>
+            </a:pPr>
+            <a:r>
+              <a:rPr lang="zh-CN" altLang="en-US" sz="1200" b="1" spc="300" dirty="0">
+                <a:solidFill>
+                  <a:schemeClr val="tx1">
+                    <a:lumMod val="65000"/>
+                    <a:lumOff val="35000"/>
+                  </a:schemeClr>
+                </a:solidFill>
+                <a:latin typeface="方正兰亭超细黑简体" panose="02000000000000000000" pitchFamily="2" charset="-122"/>
+                <a:ea typeface="方正兰亭超细黑简体" panose="02000000000000000000" pitchFamily="2" charset="-122"/>
+              </a:rPr>
+              <a:t>小组成员：于敬凯、占瑞乙、金圣浩</a:t>
+            </a:r>
+          </a:p>
+        </p:txBody>
+      </p:sp>
+    </p:spTree>
+  </p:cSld>
+  <p:clrMapOvr>
+    <a:masterClrMapping/>
+  </p:clrMapOvr>
+  <p:transition spd="med" advClick="0">
+    <p:random/>
+  </p:transition>
+  <p:timing>
+    <p:tnLst>
+      <p:par>
+        <p:cTn id="1" dur="indefinite" restart="never" nodeType="tmRoot">
+          <p:childTnLst>
+            <p:seq concurrent="1" nextAc="seek">
+              <p:cTn id="2" dur="indefinite" nodeType="mainSeq">
+                <p:childTnLst>
+                  <p:par>
+                    <p:cTn id="3" fill="hold">
+                      <p:stCondLst>
+                        <p:cond delay="indefinite"/>
+                        <p:cond evt="onBegin" delay="0">
+                          <p:tn val="2"/>
+                        </p:cond>
+                      </p:stCondLst>
+                      <p:childTnLst>
+                        <p:par>
+                          <p:cTn id="4" fill="hold">
+                            <p:stCondLst>
+                              <p:cond delay="0"/>
+                            </p:stCondLst>
+                            <p:childTnLst>
+                              <p:par>
+                                <p:cTn id="5" presetID="2" presetClass="entr" presetSubtype="2" fill="hold" nodeType="afterEffect">
+                                  <p:stCondLst>
+                                    <p:cond delay="0"/>
+                                  </p:stCondLst>
+                                  <p:childTnLst>
+                                    <p:set>
+                                      <p:cBhvr>
+                                        <p:cTn id="6" dur="1" fill="hold">
+                                          <p:stCondLst>
+                                            <p:cond delay="0"/>
+                                          </p:stCondLst>
+                                        </p:cTn>
+                                        <p:tgtEl>
+                                          <p:spTgt spid="4"/>
+                                        </p:tgtEl>
+                                        <p:attrNameLst>
+                                          <p:attrName>style.visibility</p:attrName>
+                                        </p:attrNameLst>
+                                      </p:cBhvr>
+                                      <p:to>
+                                        <p:strVal val="visible"/>
+                                      </p:to>
+                                    </p:set>
+                                    <p:anim calcmode="lin" valueType="num">
+                                      <p:cBhvr additive="base">
+                                        <p:cTn id="7" dur="500" fill="hold"/>
+                                        <p:tgtEl>
+                                          <p:spTgt spid="4"/>
+                                        </p:tgtEl>
+                                        <p:attrNameLst>
+                                          <p:attrName>ppt_x</p:attrName>
+                                        </p:attrNameLst>
+                                      </p:cBhvr>
+                                      <p:tavLst>
+                                        <p:tav tm="0">
+                                          <p:val>
+                                            <p:strVal val="1+#ppt_w/2"/>
+                                          </p:val>
+                                        </p:tav>
+                                        <p:tav tm="100000">
+                                          <p:val>
+                                            <p:strVal val="#ppt_x"/>
+                                          </p:val>
+                                        </p:tav>
+                                      </p:tavLst>
+                                    </p:anim>
+                                    <p:anim calcmode="lin" valueType="num">
+                                      <p:cBhvr additive="base">
+                                        <p:cTn id="8" dur="500" fill="hold"/>
+                                        <p:tgtEl>
+                                          <p:spTgt spid="4"/>
+                                        </p:tgtEl>
+                                        <p:attrNameLst>
+                                          <p:attrName>ppt_y</p:attrName>
+                                        </p:attrNameLst>
+                                      </p:cBhvr>
+                                      <p:tavLst>
+                                        <p:tav tm="0">
+                                          <p:val>
+                                            <p:strVal val="#ppt_y"/>
+                                          </p:val>
+                                        </p:tav>
+                                        <p:tav tm="100000">
+                                          <p:val>
+                                            <p:strVal val="#ppt_y"/>
+                                          </p:val>
+                                        </p:tav>
+                                      </p:tavLst>
+                                    </p:anim>
+                                  </p:childTnLst>
+                                </p:cTn>
+                              </p:par>
+                            </p:childTnLst>
+                          </p:cTn>
+                        </p:par>
+                        <p:par>
+                          <p:cTn id="9" fill="hold">
+                            <p:stCondLst>
+                              <p:cond delay="500"/>
+                            </p:stCondLst>
+                            <p:childTnLst>
+                              <p:par>
+                                <p:cTn id="10" presetID="10" presetClass="entr" presetSubtype="0" fill="hold" nodeType="afterEffect">
+                                  <p:stCondLst>
+                                    <p:cond delay="0"/>
+                                  </p:stCondLst>
+                                  <p:childTnLst>
+                                    <p:set>
+                                      <p:cBhvr>
+                                        <p:cTn id="11" dur="1" fill="hold">
+                                          <p:stCondLst>
+                                            <p:cond delay="0"/>
+                                          </p:stCondLst>
+                                        </p:cTn>
+                                        <p:tgtEl>
+                                          <p:spTgt spid="4"/>
+                                        </p:tgtEl>
+                                        <p:attrNameLst>
+                                          <p:attrName>style.visibility</p:attrName>
+                                        </p:attrNameLst>
+                                      </p:cBhvr>
+                                      <p:to>
+                                        <p:strVal val="visible"/>
+                                      </p:to>
+                                    </p:set>
+                                    <p:animEffect transition="in" filter="fade">
+                                      <p:cBhvr>
+                                        <p:cTn id="12" dur="250"/>
+                                        <p:tgtEl>
+                                          <p:spTgt spid="4"/>
+                                        </p:tgtEl>
+                                      </p:cBhvr>
+                                    </p:animEffect>
+                                  </p:childTnLst>
+                                </p:cTn>
+                              </p:par>
+                            </p:childTnLst>
+                          </p:cTn>
+                        </p:par>
+                        <p:par>
+                          <p:cTn id="13" fill="hold">
+                            <p:stCondLst>
+                              <p:cond delay="1000"/>
+                            </p:stCondLst>
+                            <p:childTnLst>
+                              <p:par>
+                                <p:cTn id="14" presetID="2" presetClass="entr" presetSubtype="1" fill="hold" grpId="0" nodeType="afterEffect">
+                                  <p:stCondLst>
+                                    <p:cond delay="0"/>
+                                  </p:stCondLst>
+                                  <p:childTnLst>
+                                    <p:set>
+                                      <p:cBhvr>
+                                        <p:cTn id="15" dur="1" fill="hold">
+                                          <p:stCondLst>
+                                            <p:cond delay="0"/>
+                                          </p:stCondLst>
+                                        </p:cTn>
+                                        <p:tgtEl>
+                                          <p:spTgt spid="10"/>
+                                        </p:tgtEl>
+                                        <p:attrNameLst>
+                                          <p:attrName>style.visibility</p:attrName>
+                                        </p:attrNameLst>
+                                      </p:cBhvr>
+                                      <p:to>
+                                        <p:strVal val="visible"/>
+                                      </p:to>
+                                    </p:set>
+                                    <p:anim calcmode="lin" valueType="num">
+                                      <p:cBhvr additive="base">
+                                        <p:cTn id="16" dur="250" fill="hold"/>
+                                        <p:tgtEl>
+                                          <p:spTgt spid="10"/>
+                                        </p:tgtEl>
+                                        <p:attrNameLst>
+                                          <p:attrName>ppt_x</p:attrName>
+                                        </p:attrNameLst>
+                                      </p:cBhvr>
+                                      <p:tavLst>
+                                        <p:tav tm="0">
+                                          <p:val>
+                                            <p:strVal val="#ppt_x"/>
+                                          </p:val>
+                                        </p:tav>
+                                        <p:tav tm="100000">
+                                          <p:val>
+                                            <p:strVal val="#ppt_x"/>
+                                          </p:val>
+                                        </p:tav>
+                                      </p:tavLst>
+                                    </p:anim>
+                                    <p:anim calcmode="lin" valueType="num">
+                                      <p:cBhvr additive="base">
+                                        <p:cTn id="17" dur="250" fill="hold"/>
+                                        <p:tgtEl>
+                                          <p:spTgt spid="10"/>
+                                        </p:tgtEl>
+                                        <p:attrNameLst>
+                                          <p:attrName>ppt_y</p:attrName>
+                                        </p:attrNameLst>
+                                      </p:cBhvr>
+                                      <p:tavLst>
+                                        <p:tav tm="0">
+                                          <p:val>
+                                            <p:strVal val="0-#ppt_h/2"/>
+                                          </p:val>
+                                        </p:tav>
+                                        <p:tav tm="100000">
+                                          <p:val>
+                                            <p:strVal val="#ppt_y"/>
+                                          </p:val>
+                                        </p:tav>
+                                      </p:tavLst>
+                                    </p:anim>
+                                  </p:childTnLst>
+                                </p:cTn>
+                              </p:par>
+                            </p:childTnLst>
+                          </p:cTn>
+                        </p:par>
+                        <p:par>
+                          <p:cTn id="18" fill="hold">
+                            <p:stCondLst>
+                              <p:cond delay="1500"/>
+                            </p:stCondLst>
+                            <p:childTnLst>
+                              <p:par>
+                                <p:cTn id="19" presetID="2" presetClass="entr" presetSubtype="1" fill="hold" nodeType="afterEffect">
+                                  <p:stCondLst>
+                                    <p:cond delay="0"/>
+                                  </p:stCondLst>
+                                  <p:childTnLst>
+                                    <p:set>
+                                      <p:cBhvr>
+                                        <p:cTn id="20" dur="1" fill="hold">
+                                          <p:stCondLst>
+                                            <p:cond delay="0"/>
+                                          </p:stCondLst>
+                                        </p:cTn>
+                                        <p:tgtEl>
+                                          <p:spTgt spid="1028"/>
+                                        </p:tgtEl>
+                                        <p:attrNameLst>
+                                          <p:attrName>style.visibility</p:attrName>
+                                        </p:attrNameLst>
+                                      </p:cBhvr>
+                                      <p:to>
+                                        <p:strVal val="visible"/>
+                                      </p:to>
+                                    </p:set>
+                                    <p:anim calcmode="lin" valueType="num">
+                                      <p:cBhvr additive="base">
+                                        <p:cTn id="21" dur="250" fill="hold"/>
+                                        <p:tgtEl>
+                                          <p:spTgt spid="1028"/>
+                                        </p:tgtEl>
+                                        <p:attrNameLst>
+                                          <p:attrName>ppt_x</p:attrName>
+                                        </p:attrNameLst>
+                                      </p:cBhvr>
+                                      <p:tavLst>
+                                        <p:tav tm="0">
+                                          <p:val>
+                                            <p:strVal val="#ppt_x"/>
+                                          </p:val>
+                                        </p:tav>
+                                        <p:tav tm="100000">
+                                          <p:val>
+                                            <p:strVal val="#ppt_x"/>
+                                          </p:val>
+                                        </p:tav>
+                                      </p:tavLst>
+                                    </p:anim>
+                                    <p:anim calcmode="lin" valueType="num">
+                                      <p:cBhvr additive="base">
+                                        <p:cTn id="22" dur="250" fill="hold"/>
+                                        <p:tgtEl>
+                                          <p:spTgt spid="1028"/>
+                                        </p:tgtEl>
+                                        <p:attrNameLst>
+                                          <p:attrName>ppt_y</p:attrName>
+                                        </p:attrNameLst>
+                                      </p:cBhvr>
+                                      <p:tavLst>
+                                        <p:tav tm="0">
+                                          <p:val>
+                                            <p:strVal val="0-#ppt_h/2"/>
+                                          </p:val>
+                                        </p:tav>
+                                        <p:tav tm="100000">
+                                          <p:val>
+                                            <p:strVal val="#ppt_y"/>
+                                          </p:val>
+                                        </p:tav>
+                                      </p:tavLst>
+                                    </p:anim>
+                                  </p:childTnLst>
+                                </p:cTn>
+                              </p:par>
+                            </p:childTnLst>
+                          </p:cTn>
+                        </p:par>
+                        <p:par>
+                          <p:cTn id="23" fill="hold">
+                            <p:stCondLst>
+                              <p:cond delay="2000"/>
+                            </p:stCondLst>
+                            <p:childTnLst>
+                              <p:par>
+                                <p:cTn id="24" presetID="2" presetClass="entr" presetSubtype="1" fill="hold" grpId="0" nodeType="afterEffect">
+                                  <p:stCondLst>
+                                    <p:cond delay="0"/>
+                                  </p:stCondLst>
+                                  <p:childTnLst>
+                                    <p:set>
+                                      <p:cBhvr>
+                                        <p:cTn id="25" dur="1" fill="hold">
+                                          <p:stCondLst>
+                                            <p:cond delay="0"/>
+                                          </p:stCondLst>
+                                        </p:cTn>
+                                        <p:tgtEl>
+                                          <p:spTgt spid="11"/>
+                                        </p:tgtEl>
+                                        <p:attrNameLst>
+                                          <p:attrName>style.visibility</p:attrName>
+                                        </p:attrNameLst>
+                                      </p:cBhvr>
+                                      <p:to>
+                                        <p:strVal val="visible"/>
+                                      </p:to>
+                                    </p:set>
+                                    <p:anim calcmode="lin" valueType="num">
+                                      <p:cBhvr additive="base">
+                                        <p:cTn id="26" dur="250" fill="hold"/>
+                                        <p:tgtEl>
+                                          <p:spTgt spid="11"/>
+                                        </p:tgtEl>
+                                        <p:attrNameLst>
+                                          <p:attrName>ppt_x</p:attrName>
+                                        </p:attrNameLst>
+                                      </p:cBhvr>
+                                      <p:tavLst>
+                                        <p:tav tm="0">
+                                          <p:val>
+                                            <p:strVal val="#ppt_x"/>
+                                          </p:val>
+                                        </p:tav>
+                                        <p:tav tm="100000">
+                                          <p:val>
+                                            <p:strVal val="#ppt_x"/>
+                                          </p:val>
+                                        </p:tav>
+                                      </p:tavLst>
+                                    </p:anim>
+                                    <p:anim calcmode="lin" valueType="num">
+                                      <p:cBhvr additive="base">
+                                        <p:cTn id="27" dur="250" fill="hold"/>
+                                        <p:tgtEl>
+                                          <p:spTgt spid="11"/>
+                                        </p:tgtEl>
+                                        <p:attrNameLst>
+                                          <p:attrName>ppt_y</p:attrName>
+                                        </p:attrNameLst>
+                                      </p:cBhvr>
+                                      <p:tavLst>
+                                        <p:tav tm="0">
+                                          <p:val>
+                                            <p:strVal val="0-#ppt_h/2"/>
+                                          </p:val>
+                                        </p:tav>
+                                        <p:tav tm="100000">
+                                          <p:val>
+                                            <p:strVal val="#ppt_y"/>
+                                          </p:val>
+                                        </p:tav>
+                                      </p:tavLst>
+                                    </p:anim>
+                                  </p:childTnLst>
+                                </p:cTn>
+                              </p:par>
+                            </p:childTnLst>
+                          </p:cTn>
+                        </p:par>
+                        <p:par>
+                          <p:cTn id="28" fill="hold">
+                            <p:stCondLst>
+                              <p:cond delay="2500"/>
+                            </p:stCondLst>
+                            <p:childTnLst>
+                              <p:par>
+                                <p:cTn id="29" presetID="2" presetClass="entr" presetSubtype="8" fill="hold" grpId="0" nodeType="afterEffect">
+                                  <p:stCondLst>
+                                    <p:cond delay="0"/>
+                                  </p:stCondLst>
+                                  <p:childTnLst>
+                                    <p:set>
+                                      <p:cBhvr>
+                                        <p:cTn id="30" dur="1" fill="hold">
+                                          <p:stCondLst>
+                                            <p:cond delay="0"/>
+                                          </p:stCondLst>
+                                        </p:cTn>
+                                        <p:tgtEl>
+                                          <p:spTgt spid="7"/>
+                                        </p:tgtEl>
+                                        <p:attrNameLst>
+                                          <p:attrName>style.visibility</p:attrName>
+                                        </p:attrNameLst>
+                                      </p:cBhvr>
+                                      <p:to>
+                                        <p:strVal val="visible"/>
+                                      </p:to>
+                                    </p:set>
+                                    <p:anim calcmode="lin" valueType="num">
+                                      <p:cBhvr additive="base">
+                                        <p:cTn id="31" dur="250" fill="hold"/>
+                                        <p:tgtEl>
+                                          <p:spTgt spid="7"/>
+                                        </p:tgtEl>
+                                        <p:attrNameLst>
+                                          <p:attrName>ppt_x</p:attrName>
+                                        </p:attrNameLst>
+                                      </p:cBhvr>
+                                      <p:tavLst>
+                                        <p:tav tm="0">
+                                          <p:val>
+                                            <p:strVal val="0-#ppt_w/2"/>
+                                          </p:val>
+                                        </p:tav>
+                                        <p:tav tm="100000">
+                                          <p:val>
+                                            <p:strVal val="#ppt_x"/>
+                                          </p:val>
+                                        </p:tav>
+                                      </p:tavLst>
+                                    </p:anim>
+                                    <p:anim calcmode="lin" valueType="num">
+                                      <p:cBhvr additive="base">
+                                        <p:cTn id="32" dur="250" fill="hold"/>
+                                        <p:tgtEl>
+                                          <p:spTgt spid="7"/>
+                                        </p:tgtEl>
+                                        <p:attrNameLst>
+                                          <p:attrName>ppt_y</p:attrName>
+                                        </p:attrNameLst>
+                                      </p:cBhvr>
+                                      <p:tavLst>
+                                        <p:tav tm="0">
+                                          <p:val>
+                                            <p:strVal val="#ppt_y"/>
+                                          </p:val>
+                                        </p:tav>
+                                        <p:tav tm="100000">
+                                          <p:val>
+                                            <p:strVal val="#ppt_y"/>
+                                          </p:val>
+                                        </p:tav>
+                                      </p:tavLst>
+                                    </p:anim>
+                                  </p:childTnLst>
+                                </p:cTn>
+                              </p:par>
+                            </p:childTnLst>
+                          </p:cTn>
+                        </p:par>
+                        <p:par>
+                          <p:cTn id="33" fill="hold">
+                            <p:stCondLst>
+                              <p:cond delay="3000"/>
+                            </p:stCondLst>
+                            <p:childTnLst>
+                              <p:par>
+                                <p:cTn id="34" presetID="53" presetClass="entr" presetSubtype="16" fill="hold" grpId="0" nodeType="afterEffect">
+                                  <p:stCondLst>
+                                    <p:cond delay="0"/>
+                                  </p:stCondLst>
+                                  <p:childTnLst>
+                                    <p:set>
+                                      <p:cBhvr>
+                                        <p:cTn id="35" dur="1" fill="hold">
+                                          <p:stCondLst>
+                                            <p:cond delay="0"/>
+                                          </p:stCondLst>
+                                        </p:cTn>
+                                        <p:tgtEl>
+                                          <p:spTgt spid="6"/>
+                                        </p:tgtEl>
+                                        <p:attrNameLst>
+                                          <p:attrName>style.visibility</p:attrName>
+                                        </p:attrNameLst>
+                                      </p:cBhvr>
+                                      <p:to>
+                                        <p:strVal val="visible"/>
+                                      </p:to>
+                                    </p:set>
+                                    <p:anim calcmode="lin" valueType="num">
+                                      <p:cBhvr>
+                                        <p:cTn id="36" dur="250" fill="hold"/>
+                                        <p:tgtEl>
+                                          <p:spTgt spid="6"/>
+                                        </p:tgtEl>
+                                        <p:attrNameLst>
+                                          <p:attrName>ppt_w</p:attrName>
+                                        </p:attrNameLst>
+                                      </p:cBhvr>
+                                      <p:tavLst>
+                                        <p:tav tm="0">
+                                          <p:val>
+                                            <p:fltVal val="0"/>
+                                          </p:val>
+                                        </p:tav>
+                                        <p:tav tm="100000">
+                                          <p:val>
+                                            <p:strVal val="#ppt_w"/>
+                                          </p:val>
+                                        </p:tav>
+                                      </p:tavLst>
+                                    </p:anim>
+                                    <p:anim calcmode="lin" valueType="num">
+                                      <p:cBhvr>
+                                        <p:cTn id="37" dur="250" fill="hold"/>
+                                        <p:tgtEl>
+                                          <p:spTgt spid="6"/>
+                                        </p:tgtEl>
+                                        <p:attrNameLst>
+                                          <p:attrName>ppt_h</p:attrName>
+                                        </p:attrNameLst>
+                                      </p:cBhvr>
+                                      <p:tavLst>
+                                        <p:tav tm="0">
+                                          <p:val>
+                                            <p:fltVal val="0"/>
+                                          </p:val>
+                                        </p:tav>
+                                        <p:tav tm="100000">
+                                          <p:val>
+                                            <p:strVal val="#ppt_h"/>
+                                          </p:val>
+                                        </p:tav>
+                                      </p:tavLst>
+                                    </p:anim>
+                                    <p:animEffect transition="in" filter="fade">
+                                      <p:cBhvr>
+                                        <p:cTn id="38" dur="250"/>
+                                        <p:tgtEl>
+                                          <p:spTgt spid="6"/>
+                                        </p:tgtEl>
+                                      </p:cBhvr>
+                                    </p:animEffect>
+                                  </p:childTnLst>
+                                </p:cTn>
+                              </p:par>
+                            </p:childTnLst>
+                          </p:cTn>
+                        </p:par>
+                        <p:par>
+                          <p:cTn id="39" fill="hold">
+                            <p:stCondLst>
+                              <p:cond delay="3500"/>
+                            </p:stCondLst>
+                            <p:childTnLst>
+                              <p:par>
+                                <p:cTn id="40" presetID="2" presetClass="entr" presetSubtype="2" fill="hold" grpId="0" nodeType="afterEffect">
+                                  <p:stCondLst>
+                                    <p:cond delay="0"/>
+                                  </p:stCondLst>
+                                  <p:childTnLst>
+                                    <p:set>
+                                      <p:cBhvr>
+                                        <p:cTn id="41" dur="1" fill="hold">
+                                          <p:stCondLst>
+                                            <p:cond delay="0"/>
+                                          </p:stCondLst>
+                                        </p:cTn>
+                                        <p:tgtEl>
+                                          <p:spTgt spid="12"/>
+                                        </p:tgtEl>
+                                        <p:attrNameLst>
+                                          <p:attrName>style.visibility</p:attrName>
+                                        </p:attrNameLst>
+                                      </p:cBhvr>
+                                      <p:to>
+                                        <p:strVal val="visible"/>
+                                      </p:to>
+                                    </p:set>
+                                    <p:anim calcmode="lin" valueType="num">
+                                      <p:cBhvr additive="base">
+                                        <p:cTn id="42" dur="250" fill="hold"/>
+                                        <p:tgtEl>
+                                          <p:spTgt spid="12"/>
+                                        </p:tgtEl>
+                                        <p:attrNameLst>
+                                          <p:attrName>ppt_x</p:attrName>
+                                        </p:attrNameLst>
+                                      </p:cBhvr>
+                                      <p:tavLst>
+                                        <p:tav tm="0">
+                                          <p:val>
+                                            <p:strVal val="1+#ppt_w/2"/>
+                                          </p:val>
+                                        </p:tav>
+                                        <p:tav tm="100000">
+                                          <p:val>
+                                            <p:strVal val="#ppt_x"/>
+                                          </p:val>
+                                        </p:tav>
+                                      </p:tavLst>
+                                    </p:anim>
+                                    <p:anim calcmode="lin" valueType="num">
+                                      <p:cBhvr additive="base">
+                                        <p:cTn id="43" dur="250" fill="hold"/>
+                                        <p:tgtEl>
+                                          <p:spTgt spid="12"/>
+                                        </p:tgtEl>
+                                        <p:attrNameLst>
+                                          <p:attrName>ppt_y</p:attrName>
+                                        </p:attrNameLst>
+                                      </p:cBhvr>
+                                      <p:tavLst>
+                                        <p:tav tm="0">
+                                          <p:val>
+                                            <p:strVal val="#ppt_y"/>
+                                          </p:val>
+                                        </p:tav>
+                                        <p:tav tm="100000">
+                                          <p:val>
+                                            <p:strVal val="#ppt_y"/>
+                                          </p:val>
+                                        </p:tav>
+                                      </p:tavLst>
+                                    </p:anim>
+                                  </p:childTnLst>
+                                </p:cTn>
+                              </p:par>
+                            </p:childTnLst>
+                          </p:cTn>
+                        </p:par>
+                        <p:par>
+                          <p:cTn id="44" fill="hold">
+                            <p:stCondLst>
+                              <p:cond delay="4000"/>
+                            </p:stCondLst>
+                            <p:childTnLst>
+                              <p:par>
+                                <p:cTn id="45" presetID="50" presetClass="entr" presetSubtype="0" decel="100000" fill="hold" grpId="0" nodeType="afterEffect">
+                                  <p:stCondLst>
+                                    <p:cond delay="0"/>
+                                  </p:stCondLst>
+                                  <p:childTnLst>
+                                    <p:set>
+                                      <p:cBhvr>
+                                        <p:cTn id="46" dur="1" fill="hold">
+                                          <p:stCondLst>
+                                            <p:cond delay="0"/>
+                                          </p:stCondLst>
+                                        </p:cTn>
+                                        <p:tgtEl>
+                                          <p:spTgt spid="9"/>
+                                        </p:tgtEl>
+                                        <p:attrNameLst>
+                                          <p:attrName>style.visibility</p:attrName>
+                                        </p:attrNameLst>
+                                      </p:cBhvr>
+                                      <p:to>
+                                        <p:strVal val="visible"/>
+                                      </p:to>
+                                    </p:set>
+                                    <p:anim calcmode="lin" valueType="num">
+                                      <p:cBhvr>
+                                        <p:cTn id="47" dur="500" fill="hold"/>
+                                        <p:tgtEl>
+                                          <p:spTgt spid="9"/>
+                                        </p:tgtEl>
+                                        <p:attrNameLst>
+                                          <p:attrName>ppt_w</p:attrName>
+                                        </p:attrNameLst>
+                                      </p:cBhvr>
+                                      <p:tavLst>
+                                        <p:tav tm="0">
+                                          <p:val>
+                                            <p:strVal val="#ppt_w+.3"/>
+                                          </p:val>
+                                        </p:tav>
+                                        <p:tav tm="100000">
+                                          <p:val>
+                                            <p:strVal val="#ppt_w"/>
+                                          </p:val>
+                                        </p:tav>
+                                      </p:tavLst>
+                                    </p:anim>
+                                    <p:anim calcmode="lin" valueType="num">
+                                      <p:cBhvr>
+                                        <p:cTn id="48" dur="500" fill="hold"/>
+                                        <p:tgtEl>
+                                          <p:spTgt spid="9"/>
+                                        </p:tgtEl>
+                                        <p:attrNameLst>
+                                          <p:attrName>ppt_h</p:attrName>
+                                        </p:attrNameLst>
+                                      </p:cBhvr>
+                                      <p:tavLst>
+                                        <p:tav tm="0">
+                                          <p:val>
+                                            <p:strVal val="#ppt_h"/>
+                                          </p:val>
+                                        </p:tav>
+                                        <p:tav tm="100000">
+                                          <p:val>
+                                            <p:strVal val="#ppt_h"/>
+                                          </p:val>
+                                        </p:tav>
+                                      </p:tavLst>
+                                    </p:anim>
+                                    <p:animEffect transition="in" filter="fade">
+                                      <p:cBhvr>
+                                        <p:cTn id="49" dur="500"/>
+                                        <p:tgtEl>
+                                          <p:spTgt spid="9"/>
+                                        </p:tgtEl>
+                                      </p:cBhvr>
+                                    </p:animEffect>
+                                  </p:childTnLst>
+                                </p:cTn>
+                              </p:par>
+                            </p:childTnLst>
+                          </p:cTn>
+                        </p:par>
+                      </p:childTnLst>
+                    </p:cTn>
+                  </p:par>
+                </p:childTnLst>
+              </p:cTn>
+              <p:prevCondLst>
+                <p:cond evt="onPrev" delay="0">
+                  <p:tgtEl>
+                    <p:sldTgt/>
+                  </p:tgtEl>
+                </p:cond>
+              </p:prevCondLst>
+              <p:nextCondLst>
+                <p:cond evt="onNext" delay="0">
+                  <p:tgtEl>
+                    <p:sldTgt/>
+                  </p:tgtEl>
+                </p:cond>
+              </p:nextCondLst>
+            </p:seq>
+          </p:childTnLst>
+        </p:cTn>
+      </p:par>
+    </p:tnLst>
+    <p:bldLst>
+      <p:bldP spid="6" grpId="0"/>
+      <p:bldP spid="7" grpId="0" animBg="1" autoUpdateAnimBg="0"/>
+      <p:bldP spid="9" grpId="0"/>
+      <p:bldP spid="10" grpId="0"/>
+      <p:bldP spid="11" grpId="0"/>
+      <p:bldP spid="12" grpId="0" bldLvl="0" animBg="1" autoUpdateAnimBg="0"/>
+    </p:bldLst>
+  </p:timing>
+</p:sld>
+</file>
+
+<file path=ppt/slides/slide10.xml><?xml version="1.0" encoding="utf-8"?>
+<p:sld xmlns:a="http://schemas.openxmlformats.org/drawingml/2006/main" xmlns:r="http://schemas.openxmlformats.org/officeDocument/2006/relationships" xmlns:p="http://schemas.openxmlformats.org/presentationml/2006/main">
+  <p:cSld>
+    <p:spTree>
+      <p:nvGrpSpPr>
+        <p:cNvPr id="1" name=""/>
+        <p:cNvGrpSpPr/>
+        <p:nvPr/>
+      </p:nvGrpSpPr>
+      <p:grpSpPr>
+        <a:xfrm>
+          <a:off x="0" y="0"/>
+          <a:ext cx="0" cy="0"/>
+          <a:chOff x="0" y="0"/>
+          <a:chExt cx="0" cy="0"/>
+        </a:xfrm>
+      </p:grpSpPr>
+      <p:sp>
+        <p:nvSpPr>
+          <p:cNvPr id="15" name="矩形 14"/>
+          <p:cNvSpPr/>
+          <p:nvPr/>
+        </p:nvSpPr>
+        <p:spPr>
+          <a:xfrm>
+            <a:off x="253" y="196280"/>
+            <a:ext cx="144049" cy="504056"/>
+          </a:xfrm>
+          <a:prstGeom prst="rect">
+            <a:avLst/>
+          </a:prstGeom>
+          <a:solidFill>
+            <a:schemeClr val="accent1"/>
+          </a:solidFill>
+          <a:ln>
+            <a:noFill/>
+          </a:ln>
+        </p:spPr>
+        <p:style>
+          <a:lnRef idx="2">
+            <a:schemeClr val="accent1">
+              <a:shade val="50000"/>
+            </a:schemeClr>
+          </a:lnRef>
+          <a:fillRef idx="1">
+            <a:schemeClr val="accent1"/>
+          </a:fillRef>
+          <a:effectRef idx="0">
+            <a:schemeClr val="accent1"/>
+          </a:effectRef>
+          <a:fontRef idx="minor">
+            <a:schemeClr val="lt1"/>
+          </a:fontRef>
+        </p:style>
+        <p:txBody>
+          <a:bodyPr lIns="68584" tIns="34292" rIns="68584" bIns="34292" rtlCol="0" anchor="ctr"/>
+          <a:lstStyle/>
+          <a:p>
+            <a:pPr marL="0" marR="0" lvl="0" indent="0" algn="ctr" defTabSz="685165" rtl="0" eaLnBrk="1" fontAlgn="auto" latinLnBrk="0" hangingPunct="1">
+              <a:lnSpc>
+                <a:spcPct val="100000"/>
+              </a:lnSpc>
+              <a:spcBef>
+                <a:spcPts val="0"/>
+              </a:spcBef>
+              <a:spcAft>
+                <a:spcPts val="0"/>
+              </a:spcAft>
+              <a:buClrTx/>
+              <a:buSzTx/>
+              <a:buFontTx/>
+              <a:buNone/>
+              <a:defRPr/>
+            </a:pPr>
+            <a:endParaRPr kumimoji="0" lang="zh-CN" altLang="en-US" sz="1400" b="0" i="0" u="none" strike="noStrike" kern="1200" cap="none" spc="0" normalizeH="0" baseline="0" noProof="0" dirty="0">
+              <a:ln>
+                <a:noFill/>
+              </a:ln>
+              <a:solidFill>
+                <a:srgbClr val="E7E6E6">
+                  <a:lumMod val="50000"/>
+                </a:srgbClr>
+              </a:solidFill>
+              <a:effectLst/>
+              <a:uLnTx/>
+              <a:uFillTx/>
+              <a:latin typeface="Calibri" panose="020F0502020204030204"/>
+              <a:ea typeface="宋体" panose="02010600030101010101" pitchFamily="2" charset="-122"/>
+              <a:cs typeface="+mn-ea"/>
+              <a:sym typeface="+mn-lt"/>
+            </a:endParaRPr>
+          </a:p>
+        </p:txBody>
+      </p:sp>
+      <p:pic>
+        <p:nvPicPr>
+          <p:cNvPr id="2" name="图片 1">
+            <a:extLst>
+              <a:ext uri="{FF2B5EF4-FFF2-40B4-BE49-F238E27FC236}">
+                <a16:creationId xmlns:a16="http://schemas.microsoft.com/office/drawing/2014/main" id="{750EA7AE-28DA-12BE-652F-222A2A496C5D}"/>
+              </a:ext>
+            </a:extLst>
+          </p:cNvPr>
+          <p:cNvPicPr>
+            <a:picLocks noChangeAspect="1"/>
+          </p:cNvPicPr>
+          <p:nvPr/>
+        </p:nvPicPr>
+        <p:blipFill>
+          <a:blip r:embed="rId3"/>
+          <a:stretch>
+            <a:fillRect/>
+          </a:stretch>
+        </p:blipFill>
+        <p:spPr>
+          <a:xfrm>
+            <a:off x="539552" y="649330"/>
+            <a:ext cx="8195552" cy="4399855"/>
+          </a:xfrm>
+          <a:prstGeom prst="rect">
+            <a:avLst/>
+          </a:prstGeom>
+        </p:spPr>
+      </p:pic>
+    </p:spTree>
+    <p:extLst>
+      <p:ext uri="{BB962C8B-B14F-4D97-AF65-F5344CB8AC3E}">
+        <p14:creationId xmlns:p14="http://schemas.microsoft.com/office/powerpoint/2010/main" val="1227418379"/>
+      </p:ext>
+    </p:extLst>
+  </p:cSld>
+  <p:clrMapOvr>
+    <a:masterClrMapping/>
+  </p:clrMapOvr>
+  <p:transition spd="med" advClick="0">
+    <p:random/>
+  </p:transition>
+</p:sld>
+</file>
+
+<file path=ppt/slides/slide11.xml><?xml version="1.0" encoding="utf-8"?>
+<p:sld xmlns:a="http://schemas.openxmlformats.org/drawingml/2006/main" xmlns:r="http://schemas.openxmlformats.org/officeDocument/2006/relationships" xmlns:p="http://schemas.openxmlformats.org/presentationml/2006/main">
+  <p:cSld>
+    <p:spTree>
+      <p:nvGrpSpPr>
+        <p:cNvPr id="1" name=""/>
+        <p:cNvGrpSpPr/>
+        <p:nvPr/>
+      </p:nvGrpSpPr>
+      <p:grpSpPr>
+        <a:xfrm>
+          <a:off x="0" y="0"/>
+          <a:ext cx="0" cy="0"/>
+          <a:chOff x="0" y="0"/>
+          <a:chExt cx="0" cy="0"/>
+        </a:xfrm>
+      </p:grpSpPr>
+      <p:pic>
+        <p:nvPicPr>
+          <p:cNvPr id="4" name="图片 3"/>
+          <p:cNvPicPr>
+            <a:picLocks noChangeAspect="1"/>
+          </p:cNvPicPr>
+          <p:nvPr/>
+        </p:nvPicPr>
+        <p:blipFill>
+          <a:blip r:embed="rId7" cstate="screen">
+            <a:extLst>
+              <a:ext uri="{28A0092B-C50C-407E-A947-70E740481C1C}">
+                <a14:useLocalDpi xmlns:a14="http://schemas.microsoft.com/office/drawing/2010/main" val="0"/>
+              </a:ext>
+            </a:extLst>
+          </a:blip>
+          <a:srcRect l="17632" r="49845" b="47264"/>
+          <a:stretch>
+            <a:fillRect/>
+          </a:stretch>
+        </p:blipFill>
+        <p:spPr>
+          <a:xfrm>
+            <a:off x="6192180" y="0"/>
+            <a:ext cx="2124236" cy="3616660"/>
+          </a:xfrm>
+          <a:prstGeom prst="rect">
+            <a:avLst/>
+          </a:prstGeom>
+        </p:spPr>
+      </p:pic>
+      <p:sp>
+        <p:nvSpPr>
+          <p:cNvPr id="6" name="PA_文本框 6"/>
+          <p:cNvSpPr txBox="1"/>
+          <p:nvPr>
+            <p:custDataLst>
+              <p:tags r:id="rId1"/>
+            </p:custDataLst>
+          </p:nvPr>
+        </p:nvSpPr>
+        <p:spPr>
+          <a:xfrm>
             <a:off x="971600" y="2777612"/>
             <a:ext cx="2584525" cy="700769"/>
           </a:xfrm>
@@ -4076,7 +6090,7 @@
                 <a:latin typeface="方正兰亭超细黑简体" panose="02000000000000000000" pitchFamily="2" charset="-122"/>
                 <a:ea typeface="方正兰亭超细黑简体" panose="02000000000000000000" pitchFamily="2" charset="-122"/>
               </a:rPr>
-              <a:t>Database</a:t>
+              <a:t>Thanks</a:t>
             </a:r>
             <a:endParaRPr lang="zh-CN" altLang="en-US" sz="3200" b="1" dirty="0">
               <a:solidFill>
@@ -4437,6 +6451,11 @@
         </p:spPr>
       </p:pic>
     </p:spTree>
+    <p:extLst>
+      <p:ext uri="{BB962C8B-B14F-4D97-AF65-F5344CB8AC3E}">
+        <p14:creationId xmlns:p14="http://schemas.microsoft.com/office/powerpoint/2010/main" val="1991181608"/>
+      </p:ext>
+    </p:extLst>
   </p:cSld>
   <p:clrMapOvr>
     <a:masterClrMapping/>
@@ -5462,8 +7481,8 @@
         </p:nvSpPr>
         <p:spPr>
           <a:xfrm>
-            <a:off x="4480815" y="1672956"/>
-            <a:ext cx="2977358" cy="1435136"/>
+            <a:off x="4510966" y="1348408"/>
+            <a:ext cx="2977358" cy="2173800"/>
           </a:xfrm>
           <a:prstGeom prst="rect">
             <a:avLst/>
@@ -5507,7 +7526,7 @@
                 <a:ea typeface="方正兰亭超细黑简体" panose="02000000000000000000" pitchFamily="2" charset="-122"/>
                 <a:cs typeface="Times New Roman" panose="02020603050405020304" pitchFamily="18" charset="0"/>
               </a:rPr>
-              <a:t>数据库设计</a:t>
+              <a:t>项目简介</a:t>
             </a:r>
             <a:endParaRPr lang="en-US" altLang="zh-CN" sz="2400" b="1" kern="100" dirty="0">
               <a:solidFill>
@@ -5554,7 +7573,54 @@
                 <a:ea typeface="方正兰亭超细黑简体" panose="02000000000000000000" pitchFamily="2" charset="-122"/>
                 <a:cs typeface="Times New Roman" panose="02020603050405020304" pitchFamily="18" charset="0"/>
               </a:rPr>
-              <a:t>用户逻辑</a:t>
+              <a:t>系统展示</a:t>
+            </a:r>
+            <a:endParaRPr lang="en-US" altLang="zh-CN" sz="2400" b="1" kern="100" dirty="0">
+              <a:solidFill>
+                <a:schemeClr val="tx1">
+                  <a:lumMod val="50000"/>
+                  <a:lumOff val="50000"/>
+                </a:schemeClr>
+              </a:solidFill>
+              <a:latin typeface="方正兰亭超细黑简体" panose="02000000000000000000" pitchFamily="2" charset="-122"/>
+              <a:ea typeface="方正兰亭超细黑简体" panose="02000000000000000000" pitchFamily="2" charset="-122"/>
+              <a:cs typeface="Times New Roman" panose="02020603050405020304" pitchFamily="18" charset="0"/>
+            </a:endParaRPr>
+          </a:p>
+          <a:p>
+            <a:pPr>
+              <a:lnSpc>
+                <a:spcPct val="200000"/>
+              </a:lnSpc>
+              <a:defRPr/>
+            </a:pPr>
+            <a:r>
+              <a:rPr lang="en-US" altLang="zh-CN" sz="2400" b="1" kern="100" dirty="0">
+                <a:solidFill>
+                  <a:schemeClr val="tx1">
+                    <a:lumMod val="50000"/>
+                    <a:lumOff val="50000"/>
+                  </a:schemeClr>
+                </a:solidFill>
+                <a:latin typeface="方正兰亭超细黑简体" panose="02000000000000000000" pitchFamily="2" charset="-122"/>
+                <a:ea typeface="方正兰亭超细黑简体" panose="02000000000000000000" pitchFamily="2" charset="-122"/>
+                <a:cs typeface="Times New Roman" panose="02020603050405020304" pitchFamily="18" charset="0"/>
+              </a:rPr>
+              <a:t>3 / </a:t>
+            </a:r>
+            <a:r>
+              <a:rPr lang="zh-CN" altLang="en-US" sz="2400" b="1" kern="100" dirty="0">
+                <a:solidFill>
+                  <a:schemeClr val="tx1">
+                    <a:lumMod val="50000"/>
+                    <a:lumOff val="50000"/>
+                  </a:schemeClr>
+                </a:solidFill>
+                <a:latin typeface="方正兰亭超细黑简体" panose="02000000000000000000" pitchFamily="2" charset="-122"/>
+                <a:ea typeface="方正兰亭超细黑简体" panose="02000000000000000000" pitchFamily="2" charset="-122"/>
+                <a:cs typeface="Times New Roman" panose="02020603050405020304" pitchFamily="18" charset="0"/>
+              </a:rPr>
+              <a:t>数据库设计</a:t>
             </a:r>
             <a:endParaRPr lang="en-US" altLang="zh-CN" sz="2400" b="1" kern="100" dirty="0">
               <a:solidFill>
@@ -6681,7 +8747,7 @@
                 <a:ea typeface="方正兰亭超细黑简体" panose="02000000000000000000" pitchFamily="2" charset="-122"/>
                 <a:cs typeface="Times New Roman" panose="02020603050405020304" pitchFamily="18" charset="0"/>
               </a:rPr>
-              <a:t>数据库设计</a:t>
+              <a:t>项目简介</a:t>
             </a:r>
             <a:endParaRPr lang="zh-CN" altLang="en-US" sz="2800" b="1" dirty="0">
               <a:solidFill>
@@ -7701,6 +9767,1219 @@
       </p:grpSpPr>
       <p:sp>
         <p:nvSpPr>
+          <p:cNvPr id="15" name="矩形 14"/>
+          <p:cNvSpPr/>
+          <p:nvPr/>
+        </p:nvSpPr>
+        <p:spPr>
+          <a:xfrm>
+            <a:off x="253" y="196280"/>
+            <a:ext cx="144049" cy="504056"/>
+          </a:xfrm>
+          <a:prstGeom prst="rect">
+            <a:avLst/>
+          </a:prstGeom>
+          <a:solidFill>
+            <a:schemeClr val="accent1"/>
+          </a:solidFill>
+          <a:ln>
+            <a:noFill/>
+          </a:ln>
+        </p:spPr>
+        <p:style>
+          <a:lnRef idx="2">
+            <a:schemeClr val="accent1">
+              <a:shade val="50000"/>
+            </a:schemeClr>
+          </a:lnRef>
+          <a:fillRef idx="1">
+            <a:schemeClr val="accent1"/>
+          </a:fillRef>
+          <a:effectRef idx="0">
+            <a:schemeClr val="accent1"/>
+          </a:effectRef>
+          <a:fontRef idx="minor">
+            <a:schemeClr val="lt1"/>
+          </a:fontRef>
+        </p:style>
+        <p:txBody>
+          <a:bodyPr lIns="68584" tIns="34292" rIns="68584" bIns="34292" rtlCol="0" anchor="ctr"/>
+          <a:lstStyle/>
+          <a:p>
+            <a:pPr marL="0" marR="0" lvl="0" indent="0" algn="ctr" defTabSz="685165" rtl="0" eaLnBrk="1" fontAlgn="auto" latinLnBrk="0" hangingPunct="1">
+              <a:lnSpc>
+                <a:spcPct val="100000"/>
+              </a:lnSpc>
+              <a:spcBef>
+                <a:spcPts val="0"/>
+              </a:spcBef>
+              <a:spcAft>
+                <a:spcPts val="0"/>
+              </a:spcAft>
+              <a:buClrTx/>
+              <a:buSzTx/>
+              <a:buFontTx/>
+              <a:buNone/>
+              <a:defRPr/>
+            </a:pPr>
+            <a:endParaRPr kumimoji="0" lang="zh-CN" altLang="en-US" sz="1400" b="0" i="0" u="none" strike="noStrike" kern="1200" cap="none" spc="0" normalizeH="0" baseline="0" noProof="0" dirty="0">
+              <a:ln>
+                <a:noFill/>
+              </a:ln>
+              <a:solidFill>
+                <a:srgbClr val="E7E6E6">
+                  <a:lumMod val="50000"/>
+                </a:srgbClr>
+              </a:solidFill>
+              <a:effectLst/>
+              <a:uLnTx/>
+              <a:uFillTx/>
+              <a:latin typeface="Calibri" panose="020F0502020204030204"/>
+              <a:ea typeface="宋体" panose="02010600030101010101" pitchFamily="2" charset="-122"/>
+              <a:cs typeface="+mn-ea"/>
+              <a:sym typeface="+mn-lt"/>
+            </a:endParaRPr>
+          </a:p>
+        </p:txBody>
+      </p:sp>
+      <p:sp>
+        <p:nvSpPr>
+          <p:cNvPr id="7" name="文本框 6"/>
+          <p:cNvSpPr txBox="1"/>
+          <p:nvPr/>
+        </p:nvSpPr>
+        <p:spPr>
+          <a:xfrm>
+            <a:off x="251520" y="204373"/>
+            <a:ext cx="3384376" cy="461665"/>
+          </a:xfrm>
+          <a:prstGeom prst="rect">
+            <a:avLst/>
+          </a:prstGeom>
+          <a:noFill/>
+        </p:spPr>
+        <p:txBody>
+          <a:bodyPr wrap="square">
+            <a:spAutoFit/>
+          </a:bodyPr>
+          <a:lstStyle/>
+          <a:p>
+            <a:pPr marL="0" marR="0" lvl="0" indent="0" algn="l" defTabSz="914400" rtl="0" eaLnBrk="1" fontAlgn="auto" latinLnBrk="0" hangingPunct="1">
+              <a:lnSpc>
+                <a:spcPct val="100000"/>
+              </a:lnSpc>
+              <a:spcBef>
+                <a:spcPts val="0"/>
+              </a:spcBef>
+              <a:spcAft>
+                <a:spcPts val="0"/>
+              </a:spcAft>
+              <a:buClrTx/>
+              <a:buSzTx/>
+              <a:buFontTx/>
+              <a:buNone/>
+              <a:defRPr/>
+            </a:pPr>
+            <a:r>
+              <a:rPr kumimoji="0" lang="zh-CN" altLang="en-US" sz="2400" b="1" i="0" u="none" strike="noStrike" kern="100" cap="none" spc="0" normalizeH="0" baseline="0" noProof="0" dirty="0">
+                <a:ln>
+                  <a:noFill/>
+                </a:ln>
+                <a:solidFill>
+                  <a:prstClr val="black">
+                    <a:lumMod val="50000"/>
+                    <a:lumOff val="50000"/>
+                  </a:prstClr>
+                </a:solidFill>
+                <a:effectLst/>
+                <a:uLnTx/>
+                <a:uFillTx/>
+                <a:latin typeface="方正兰亭超细黑简体" panose="02000000000000000000" pitchFamily="2" charset="-122"/>
+                <a:ea typeface="方正兰亭超细黑简体" panose="02000000000000000000" pitchFamily="2" charset="-122"/>
+                <a:cs typeface="Times New Roman" panose="02020603050405020304" pitchFamily="18" charset="0"/>
+              </a:rPr>
+              <a:t>项目简介</a:t>
+            </a:r>
+            <a:r>
+              <a:rPr kumimoji="0" lang="en-US" altLang="zh-CN" sz="2400" b="1" i="0" u="none" strike="noStrike" kern="100" cap="none" spc="0" normalizeH="0" baseline="0" noProof="0" dirty="0">
+                <a:ln>
+                  <a:noFill/>
+                </a:ln>
+                <a:solidFill>
+                  <a:prstClr val="black">
+                    <a:lumMod val="50000"/>
+                    <a:lumOff val="50000"/>
+                  </a:prstClr>
+                </a:solidFill>
+                <a:effectLst/>
+                <a:uLnTx/>
+                <a:uFillTx/>
+                <a:latin typeface="方正兰亭超细黑简体" panose="02000000000000000000" pitchFamily="2" charset="-122"/>
+                <a:ea typeface="方正兰亭超细黑简体" panose="02000000000000000000" pitchFamily="2" charset="-122"/>
+                <a:cs typeface="Times New Roman" panose="02020603050405020304" pitchFamily="18" charset="0"/>
+              </a:rPr>
+              <a:t>——</a:t>
+            </a:r>
+            <a:r>
+              <a:rPr kumimoji="0" lang="zh-CN" altLang="en-US" sz="2400" b="1" i="0" u="none" strike="noStrike" kern="100" cap="none" spc="0" normalizeH="0" baseline="0" noProof="0" dirty="0">
+                <a:ln>
+                  <a:noFill/>
+                </a:ln>
+                <a:solidFill>
+                  <a:prstClr val="black">
+                    <a:lumMod val="50000"/>
+                    <a:lumOff val="50000"/>
+                  </a:prstClr>
+                </a:solidFill>
+                <a:effectLst/>
+                <a:uLnTx/>
+                <a:uFillTx/>
+                <a:latin typeface="方正兰亭超细黑简体" panose="02000000000000000000" pitchFamily="2" charset="-122"/>
+                <a:ea typeface="方正兰亭超细黑简体" panose="02000000000000000000" pitchFamily="2" charset="-122"/>
+                <a:cs typeface="Times New Roman" panose="02020603050405020304" pitchFamily="18" charset="0"/>
+              </a:rPr>
+              <a:t>选题介绍</a:t>
+            </a:r>
+            <a:endParaRPr kumimoji="0" lang="zh-CN" altLang="en-US" sz="2400" b="1" i="0" u="none" strike="noStrike" kern="1200" cap="none" spc="0" normalizeH="0" baseline="0" noProof="0" dirty="0">
+              <a:ln>
+                <a:noFill/>
+              </a:ln>
+              <a:solidFill>
+                <a:srgbClr val="093B5C"/>
+              </a:solidFill>
+              <a:effectLst/>
+              <a:uLnTx/>
+              <a:uFillTx/>
+              <a:latin typeface="方正兰亭超细黑简体" panose="02000000000000000000" pitchFamily="2" charset="-122"/>
+              <a:ea typeface="方正兰亭超细黑简体" panose="02000000000000000000" pitchFamily="2" charset="-122"/>
+              <a:cs typeface="+mn-cs"/>
+            </a:endParaRPr>
+          </a:p>
+        </p:txBody>
+      </p:sp>
+      <p:sp>
+        <p:nvSpPr>
+          <p:cNvPr id="8" name="内容占位符 2">
+            <a:extLst>
+              <a:ext uri="{FF2B5EF4-FFF2-40B4-BE49-F238E27FC236}">
+                <a16:creationId xmlns:a16="http://schemas.microsoft.com/office/drawing/2014/main" id="{AB920FA1-7C39-BA57-46C4-B855DAEA1C15}"/>
+              </a:ext>
+            </a:extLst>
+          </p:cNvPr>
+          <p:cNvSpPr txBox="1">
+            <a:spLocks/>
+          </p:cNvSpPr>
+          <p:nvPr/>
+        </p:nvSpPr>
+        <p:spPr>
+          <a:xfrm>
+            <a:off x="503548" y="952364"/>
+            <a:ext cx="8316924" cy="3700319"/>
+          </a:xfrm>
+          <a:prstGeom prst="rect">
+            <a:avLst/>
+          </a:prstGeom>
+        </p:spPr>
+        <p:txBody>
+          <a:bodyPr vert="horz" lIns="91440" tIns="45720" rIns="91440" bIns="45720" rtlCol="0">
+            <a:noAutofit/>
+          </a:bodyPr>
+          <a:lstStyle>
+            <a:lvl1pPr marL="228600" indent="-228600" algn="l" defTabSz="914400" rtl="0" eaLnBrk="1" latinLnBrk="0" hangingPunct="1">
+              <a:lnSpc>
+                <a:spcPct val="100000"/>
+              </a:lnSpc>
+              <a:spcBef>
+                <a:spcPts val="1000"/>
+              </a:spcBef>
+              <a:buClr>
+                <a:schemeClr val="accent2"/>
+              </a:buClr>
+              <a:buFont typeface="Arial" panose="020B0604020202020204" pitchFamily="34" charset="0"/>
+              <a:buChar char="•"/>
+              <a:defRPr sz="2800" kern="1200">
+                <a:solidFill>
+                  <a:schemeClr val="tx1">
+                    <a:lumMod val="85000"/>
+                    <a:lumOff val="15000"/>
+                  </a:schemeClr>
+                </a:solidFill>
+                <a:latin typeface="+mn-lt"/>
+                <a:ea typeface="+mn-ea"/>
+                <a:cs typeface="+mn-cs"/>
+              </a:defRPr>
+            </a:lvl1pPr>
+            <a:lvl2pPr marL="457200" indent="-228600" algn="l" defTabSz="914400" rtl="0" eaLnBrk="1" latinLnBrk="0" hangingPunct="1">
+              <a:lnSpc>
+                <a:spcPct val="100000"/>
+              </a:lnSpc>
+              <a:spcBef>
+                <a:spcPts val="1000"/>
+              </a:spcBef>
+              <a:buClr>
+                <a:schemeClr val="accent2"/>
+              </a:buClr>
+              <a:buFont typeface="Arial" panose="020B0604020202020204" pitchFamily="34" charset="0"/>
+              <a:buChar char="•"/>
+              <a:defRPr sz="2800" kern="1200">
+                <a:solidFill>
+                  <a:schemeClr val="tx1">
+                    <a:lumMod val="85000"/>
+                    <a:lumOff val="15000"/>
+                  </a:schemeClr>
+                </a:solidFill>
+                <a:latin typeface="+mn-lt"/>
+                <a:ea typeface="+mn-ea"/>
+                <a:cs typeface="+mn-cs"/>
+              </a:defRPr>
+            </a:lvl2pPr>
+            <a:lvl3pPr marL="685800" indent="-228600" algn="l" defTabSz="914400" rtl="0" eaLnBrk="1" latinLnBrk="0" hangingPunct="1">
+              <a:lnSpc>
+                <a:spcPct val="100000"/>
+              </a:lnSpc>
+              <a:spcBef>
+                <a:spcPts val="1000"/>
+              </a:spcBef>
+              <a:buClr>
+                <a:schemeClr val="accent2"/>
+              </a:buClr>
+              <a:buFont typeface="Arial" panose="020B0604020202020204" pitchFamily="34" charset="0"/>
+              <a:buChar char="•"/>
+              <a:defRPr sz="2800" kern="1200">
+                <a:solidFill>
+                  <a:schemeClr val="tx1">
+                    <a:lumMod val="85000"/>
+                    <a:lumOff val="15000"/>
+                  </a:schemeClr>
+                </a:solidFill>
+                <a:latin typeface="+mn-lt"/>
+                <a:ea typeface="+mn-ea"/>
+                <a:cs typeface="+mn-cs"/>
+              </a:defRPr>
+            </a:lvl3pPr>
+            <a:lvl4pPr marL="914400" indent="-228600" algn="l" defTabSz="914400" rtl="0" eaLnBrk="1" latinLnBrk="0" hangingPunct="1">
+              <a:lnSpc>
+                <a:spcPct val="100000"/>
+              </a:lnSpc>
+              <a:spcBef>
+                <a:spcPts val="1000"/>
+              </a:spcBef>
+              <a:buClr>
+                <a:schemeClr val="accent2"/>
+              </a:buClr>
+              <a:buFont typeface="Arial" panose="020B0604020202020204" pitchFamily="34" charset="0"/>
+              <a:buChar char="•"/>
+              <a:defRPr sz="2800" kern="1200">
+                <a:solidFill>
+                  <a:schemeClr val="tx1">
+                    <a:lumMod val="85000"/>
+                    <a:lumOff val="15000"/>
+                  </a:schemeClr>
+                </a:solidFill>
+                <a:latin typeface="+mn-lt"/>
+                <a:ea typeface="+mn-ea"/>
+                <a:cs typeface="+mn-cs"/>
+              </a:defRPr>
+            </a:lvl4pPr>
+            <a:lvl5pPr marL="1143000" indent="-228600" algn="l" defTabSz="914400" rtl="0" eaLnBrk="1" latinLnBrk="0" hangingPunct="1">
+              <a:lnSpc>
+                <a:spcPct val="100000"/>
+              </a:lnSpc>
+              <a:spcBef>
+                <a:spcPts val="1000"/>
+              </a:spcBef>
+              <a:buClr>
+                <a:schemeClr val="accent2"/>
+              </a:buClr>
+              <a:buFont typeface="Arial" panose="020B0604020202020204" pitchFamily="34" charset="0"/>
+              <a:buChar char="•"/>
+              <a:defRPr sz="2800" kern="1200">
+                <a:solidFill>
+                  <a:schemeClr val="tx1">
+                    <a:lumMod val="85000"/>
+                    <a:lumOff val="15000"/>
+                  </a:schemeClr>
+                </a:solidFill>
+                <a:latin typeface="+mn-lt"/>
+                <a:ea typeface="+mn-ea"/>
+                <a:cs typeface="+mn-cs"/>
+              </a:defRPr>
+            </a:lvl5pPr>
+            <a:lvl6pPr marL="1312863" indent="-228600" algn="l" defTabSz="914400" rtl="0" eaLnBrk="1" latinLnBrk="0" hangingPunct="1">
+              <a:lnSpc>
+                <a:spcPct val="100000"/>
+              </a:lnSpc>
+              <a:spcBef>
+                <a:spcPts val="1000"/>
+              </a:spcBef>
+              <a:buClr>
+                <a:schemeClr val="accent2"/>
+              </a:buClr>
+              <a:buFont typeface="Arial" panose="020B0604020202020204" pitchFamily="34" charset="0"/>
+              <a:buChar char="•"/>
+              <a:defRPr sz="1600" kern="1200">
+                <a:solidFill>
+                  <a:schemeClr val="tx1"/>
+                </a:solidFill>
+                <a:latin typeface="+mn-lt"/>
+                <a:ea typeface="+mn-ea"/>
+                <a:cs typeface="+mn-cs"/>
+              </a:defRPr>
+            </a:lvl6pPr>
+            <a:lvl7pPr marL="1484313" indent="-228600" algn="l" defTabSz="914400" rtl="0" eaLnBrk="1" latinLnBrk="0" hangingPunct="1">
+              <a:lnSpc>
+                <a:spcPct val="100000"/>
+              </a:lnSpc>
+              <a:spcBef>
+                <a:spcPts val="1000"/>
+              </a:spcBef>
+              <a:buClr>
+                <a:schemeClr val="accent2"/>
+              </a:buClr>
+              <a:buFont typeface="Arial" panose="020B0604020202020204" pitchFamily="34" charset="0"/>
+              <a:buChar char="•"/>
+              <a:defRPr sz="1600" kern="1200">
+                <a:solidFill>
+                  <a:schemeClr val="tx1"/>
+                </a:solidFill>
+                <a:latin typeface="+mn-lt"/>
+                <a:ea typeface="+mn-ea"/>
+                <a:cs typeface="+mn-cs"/>
+              </a:defRPr>
+            </a:lvl7pPr>
+            <a:lvl8pPr marL="1657350" indent="-228600" algn="l" defTabSz="914400" rtl="0" eaLnBrk="1" latinLnBrk="0" hangingPunct="1">
+              <a:lnSpc>
+                <a:spcPct val="100000"/>
+              </a:lnSpc>
+              <a:spcBef>
+                <a:spcPts val="1000"/>
+              </a:spcBef>
+              <a:buClr>
+                <a:schemeClr val="accent2"/>
+              </a:buClr>
+              <a:buFont typeface="Arial" panose="020B0604020202020204" pitchFamily="34" charset="0"/>
+              <a:buChar char="•"/>
+              <a:defRPr sz="1600" kern="1200" baseline="0">
+                <a:solidFill>
+                  <a:schemeClr val="tx1"/>
+                </a:solidFill>
+                <a:latin typeface="+mn-lt"/>
+                <a:ea typeface="+mn-ea"/>
+                <a:cs typeface="+mn-cs"/>
+              </a:defRPr>
+            </a:lvl8pPr>
+            <a:lvl9pPr marL="1882775" indent="-228600" algn="l" defTabSz="914400" rtl="0" eaLnBrk="1" latinLnBrk="0" hangingPunct="1">
+              <a:lnSpc>
+                <a:spcPct val="100000"/>
+              </a:lnSpc>
+              <a:spcBef>
+                <a:spcPts val="1000"/>
+              </a:spcBef>
+              <a:buClr>
+                <a:schemeClr val="accent2"/>
+              </a:buClr>
+              <a:buFont typeface="Arial" panose="020B0604020202020204" pitchFamily="34" charset="0"/>
+              <a:buChar char="•"/>
+              <a:defRPr sz="1600" kern="1200" baseline="0">
+                <a:solidFill>
+                  <a:schemeClr val="tx1"/>
+                </a:solidFill>
+                <a:latin typeface="+mn-lt"/>
+                <a:ea typeface="+mn-ea"/>
+                <a:cs typeface="+mn-cs"/>
+              </a:defRPr>
+            </a:lvl9pPr>
+          </a:lstStyle>
+          <a:p>
+            <a:pPr marL="228600" marR="0" lvl="0" indent="-228600" algn="just" defTabSz="914400" rtl="0" eaLnBrk="1" fontAlgn="auto" latinLnBrk="0" hangingPunct="1">
+              <a:lnSpc>
+                <a:spcPct val="100000"/>
+              </a:lnSpc>
+              <a:spcBef>
+                <a:spcPts val="1000"/>
+              </a:spcBef>
+              <a:spcAft>
+                <a:spcPts val="0"/>
+              </a:spcAft>
+              <a:buClr>
+                <a:srgbClr val="9BAFB5"/>
+              </a:buClr>
+              <a:buSzTx/>
+              <a:buFont typeface="Arial" panose="020B0604020202020204" pitchFamily="34" charset="0"/>
+              <a:buChar char="•"/>
+              <a:tabLst/>
+              <a:defRPr/>
+            </a:pPr>
+            <a:r>
+              <a:rPr kumimoji="0" lang="en-US" altLang="zh-CN" sz="2400" b="0" i="0" u="none" strike="noStrike" kern="1200" cap="none" spc="0" normalizeH="0" baseline="0" noProof="0" dirty="0" err="1">
+                <a:ln>
+                  <a:noFill/>
+                </a:ln>
+                <a:solidFill>
+                  <a:srgbClr val="FF0000"/>
+                </a:solidFill>
+                <a:effectLst/>
+                <a:uLnTx/>
+                <a:uFillTx/>
+                <a:latin typeface="Gill Sans MT" panose="020B0502020104020203"/>
+                <a:ea typeface="方正兰亭超细黑简体" panose="02000000000000000000"/>
+              </a:rPr>
+              <a:t>CyberSeller</a:t>
+            </a:r>
+            <a:r>
+              <a:rPr kumimoji="0" lang="en-US" altLang="zh-CN" sz="2400" b="0" i="0" u="none" strike="noStrike" kern="1200" cap="none" spc="0" normalizeH="0" baseline="0" noProof="0" dirty="0">
+                <a:ln>
+                  <a:noFill/>
+                </a:ln>
+                <a:solidFill>
+                  <a:srgbClr val="FF0000"/>
+                </a:solidFill>
+                <a:effectLst/>
+                <a:uLnTx/>
+                <a:uFillTx/>
+                <a:latin typeface="Gill Sans MT" panose="020B0502020104020203"/>
+                <a:ea typeface="方正兰亭超细黑简体" panose="02000000000000000000"/>
+              </a:rPr>
+              <a:t> </a:t>
+            </a:r>
+            <a:r>
+              <a:rPr kumimoji="0" lang="en-US" altLang="zh-CN" sz="2400" b="0" i="0" u="none" strike="noStrike" kern="1200" cap="none" spc="0" normalizeH="0" baseline="0" noProof="0" dirty="0">
+                <a:ln>
+                  <a:noFill/>
+                </a:ln>
+                <a:solidFill>
+                  <a:srgbClr val="000000">
+                    <a:lumMod val="85000"/>
+                    <a:lumOff val="15000"/>
+                  </a:srgbClr>
+                </a:solidFill>
+                <a:effectLst/>
+                <a:uLnTx/>
+                <a:uFillTx/>
+                <a:latin typeface="Gill Sans MT" panose="020B0502020104020203"/>
+                <a:ea typeface="方正兰亭超细黑简体" panose="02000000000000000000"/>
+              </a:rPr>
+              <a:t>—— </a:t>
+            </a:r>
+            <a:r>
+              <a:rPr lang="zh-CN" altLang="en-US" sz="2400" dirty="0">
+                <a:solidFill>
+                  <a:srgbClr val="000000">
+                    <a:lumMod val="85000"/>
+                    <a:lumOff val="15000"/>
+                  </a:srgbClr>
+                </a:solidFill>
+                <a:latin typeface="Gill Sans MT" panose="020B0502020104020203"/>
+                <a:ea typeface="方正兰亭超细黑简体" panose="02000000000000000000"/>
+              </a:rPr>
+              <a:t>完全自主的线上交易平台</a:t>
+            </a:r>
+            <a:endParaRPr kumimoji="0" lang="en-US" altLang="zh-CN" sz="2400" b="0" i="0" u="none" strike="noStrike" kern="1200" cap="none" spc="0" normalizeH="0" baseline="0" noProof="0" dirty="0">
+              <a:ln>
+                <a:noFill/>
+              </a:ln>
+              <a:solidFill>
+                <a:srgbClr val="000000">
+                  <a:lumMod val="85000"/>
+                  <a:lumOff val="15000"/>
+                </a:srgbClr>
+              </a:solidFill>
+              <a:effectLst/>
+              <a:uLnTx/>
+              <a:uFillTx/>
+              <a:latin typeface="Gill Sans MT" panose="020B0502020104020203"/>
+              <a:ea typeface="方正兰亭超细黑简体" panose="02000000000000000000"/>
+            </a:endParaRPr>
+          </a:p>
+          <a:p>
+            <a:pPr marL="228600" marR="0" lvl="0" indent="-228600" algn="just" defTabSz="914400" rtl="0" eaLnBrk="1" fontAlgn="auto" latinLnBrk="0" hangingPunct="1">
+              <a:lnSpc>
+                <a:spcPct val="150000"/>
+              </a:lnSpc>
+              <a:spcBef>
+                <a:spcPts val="1000"/>
+              </a:spcBef>
+              <a:spcAft>
+                <a:spcPts val="0"/>
+              </a:spcAft>
+              <a:buClr>
+                <a:srgbClr val="9BAFB5"/>
+              </a:buClr>
+              <a:buSzTx/>
+              <a:buFont typeface="Arial" panose="020B0604020202020204" pitchFamily="34" charset="0"/>
+              <a:buChar char="•"/>
+              <a:tabLst/>
+              <a:defRPr/>
+            </a:pPr>
+            <a:r>
+              <a:rPr lang="zh-CN" altLang="en-US" sz="2400" dirty="0">
+                <a:solidFill>
+                  <a:srgbClr val="000000">
+                    <a:lumMod val="85000"/>
+                    <a:lumOff val="15000"/>
+                  </a:srgbClr>
+                </a:solidFill>
+                <a:latin typeface="Gill Sans MT" panose="020B0502020104020203"/>
+                <a:ea typeface="方正兰亭超细黑简体" panose="02000000000000000000"/>
+              </a:rPr>
+              <a:t>身边的闲置物品越来越多？留之无位，弃之可惜？</a:t>
+            </a:r>
+            <a:endParaRPr kumimoji="0" lang="en-US" altLang="zh-CN" sz="2400" b="0" i="0" u="none" strike="noStrike" kern="1200" cap="none" spc="0" normalizeH="0" baseline="0" noProof="0" dirty="0">
+              <a:ln>
+                <a:noFill/>
+              </a:ln>
+              <a:solidFill>
+                <a:srgbClr val="000000">
+                  <a:lumMod val="85000"/>
+                  <a:lumOff val="15000"/>
+                </a:srgbClr>
+              </a:solidFill>
+              <a:effectLst/>
+              <a:uLnTx/>
+              <a:uFillTx/>
+              <a:latin typeface="Gill Sans MT" panose="020B0502020104020203"/>
+              <a:ea typeface="方正兰亭超细黑简体" panose="02000000000000000000"/>
+            </a:endParaRPr>
+          </a:p>
+          <a:p>
+            <a:pPr marL="228600" marR="0" lvl="0" indent="-228600" algn="just" defTabSz="914400" rtl="0" eaLnBrk="1" fontAlgn="auto" latinLnBrk="0" hangingPunct="1">
+              <a:lnSpc>
+                <a:spcPct val="100000"/>
+              </a:lnSpc>
+              <a:spcBef>
+                <a:spcPts val="1000"/>
+              </a:spcBef>
+              <a:spcAft>
+                <a:spcPts val="0"/>
+              </a:spcAft>
+              <a:buClr>
+                <a:srgbClr val="9BAFB5"/>
+              </a:buClr>
+              <a:buSzTx/>
+              <a:buFont typeface="Arial" panose="020B0604020202020204" pitchFamily="34" charset="0"/>
+              <a:buChar char="•"/>
+              <a:tabLst/>
+              <a:defRPr/>
+            </a:pPr>
+            <a:r>
+              <a:rPr kumimoji="0" lang="zh-CN" altLang="en-US" sz="2400" b="0" i="0" u="none" strike="noStrike" kern="1200" cap="none" spc="0" normalizeH="0" baseline="0" noProof="0" dirty="0">
+                <a:ln>
+                  <a:noFill/>
+                </a:ln>
+                <a:solidFill>
+                  <a:srgbClr val="000000">
+                    <a:lumMod val="85000"/>
+                    <a:lumOff val="15000"/>
+                  </a:srgbClr>
+                </a:solidFill>
+                <a:effectLst/>
+                <a:uLnTx/>
+                <a:uFillTx/>
+                <a:latin typeface="Gill Sans MT" panose="020B0502020104020203"/>
+                <a:ea typeface="方正兰亭超细黑简体" panose="02000000000000000000"/>
+              </a:rPr>
+              <a:t>想要在小圈子内淘些实惠好物？经常错过交易群消息？</a:t>
+            </a:r>
+            <a:endParaRPr kumimoji="0" lang="en-US" altLang="zh-CN" sz="2400" b="0" i="0" u="none" strike="noStrike" kern="1200" cap="none" spc="0" normalizeH="0" baseline="0" noProof="0" dirty="0">
+              <a:ln>
+                <a:noFill/>
+              </a:ln>
+              <a:solidFill>
+                <a:srgbClr val="000000">
+                  <a:lumMod val="85000"/>
+                  <a:lumOff val="15000"/>
+                </a:srgbClr>
+              </a:solidFill>
+              <a:effectLst/>
+              <a:uLnTx/>
+              <a:uFillTx/>
+              <a:latin typeface="Gill Sans MT" panose="020B0502020104020203"/>
+              <a:ea typeface="方正兰亭超细黑简体" panose="02000000000000000000"/>
+            </a:endParaRPr>
+          </a:p>
+          <a:p>
+            <a:pPr marL="228600" marR="0" lvl="0" indent="-228600" algn="just" defTabSz="914400" rtl="0" eaLnBrk="1" fontAlgn="auto" latinLnBrk="0" hangingPunct="1">
+              <a:lnSpc>
+                <a:spcPct val="100000"/>
+              </a:lnSpc>
+              <a:spcBef>
+                <a:spcPts val="1000"/>
+              </a:spcBef>
+              <a:spcAft>
+                <a:spcPts val="0"/>
+              </a:spcAft>
+              <a:buClr>
+                <a:srgbClr val="9BAFB5"/>
+              </a:buClr>
+              <a:buSzTx/>
+              <a:buFont typeface="Arial" panose="020B0604020202020204" pitchFamily="34" charset="0"/>
+              <a:buChar char="•"/>
+              <a:tabLst/>
+              <a:defRPr/>
+            </a:pPr>
+            <a:r>
+              <a:rPr lang="zh-CN" altLang="en-US" sz="2400" dirty="0">
+                <a:solidFill>
+                  <a:srgbClr val="000000">
+                    <a:lumMod val="85000"/>
+                    <a:lumOff val="15000"/>
+                  </a:srgbClr>
+                </a:solidFill>
+                <a:latin typeface="Gill Sans MT" panose="020B0502020104020203"/>
+                <a:ea typeface="方正兰亭超细黑简体" panose="02000000000000000000"/>
+              </a:rPr>
+              <a:t>苦于传统电商平台纷杂的界面与频繁的广告？</a:t>
+            </a:r>
+            <a:endParaRPr kumimoji="0" lang="en-US" altLang="zh-CN" sz="2400" b="0" i="0" u="none" strike="noStrike" kern="1200" cap="none" spc="0" normalizeH="0" baseline="0" noProof="0" dirty="0">
+              <a:ln>
+                <a:noFill/>
+              </a:ln>
+              <a:solidFill>
+                <a:srgbClr val="000000">
+                  <a:lumMod val="85000"/>
+                  <a:lumOff val="15000"/>
+                </a:srgbClr>
+              </a:solidFill>
+              <a:effectLst/>
+              <a:uLnTx/>
+              <a:uFillTx/>
+              <a:latin typeface="Gill Sans MT" panose="020B0502020104020203"/>
+              <a:ea typeface="方正兰亭超细黑简体" panose="02000000000000000000"/>
+            </a:endParaRPr>
+          </a:p>
+          <a:p>
+            <a:pPr marL="228600" marR="0" lvl="0" indent="-228600" algn="just" defTabSz="914400" rtl="0" eaLnBrk="1" fontAlgn="auto" latinLnBrk="0" hangingPunct="1">
+              <a:lnSpc>
+                <a:spcPct val="100000"/>
+              </a:lnSpc>
+              <a:spcBef>
+                <a:spcPts val="1000"/>
+              </a:spcBef>
+              <a:spcAft>
+                <a:spcPts val="0"/>
+              </a:spcAft>
+              <a:buClr>
+                <a:srgbClr val="9BAFB5"/>
+              </a:buClr>
+              <a:buSzTx/>
+              <a:buFont typeface="Arial" panose="020B0604020202020204" pitchFamily="34" charset="0"/>
+              <a:buChar char="•"/>
+              <a:tabLst/>
+              <a:defRPr/>
+            </a:pPr>
+            <a:r>
+              <a:rPr lang="zh-CN" altLang="en-US" sz="2400" dirty="0">
+                <a:solidFill>
+                  <a:srgbClr val="000000">
+                    <a:lumMod val="85000"/>
+                    <a:lumOff val="15000"/>
+                  </a:srgbClr>
+                </a:solidFill>
+                <a:latin typeface="Gill Sans MT" panose="020B0502020104020203"/>
+                <a:ea typeface="方正兰亭超细黑简体" panose="02000000000000000000"/>
+              </a:rPr>
+              <a:t>对此，</a:t>
+            </a:r>
+            <a:r>
+              <a:rPr kumimoji="0" lang="zh-CN" altLang="en-US" sz="2400" b="0" i="0" u="none" strike="noStrike" kern="1200" cap="none" spc="0" normalizeH="0" baseline="0" noProof="0" dirty="0">
+                <a:ln>
+                  <a:noFill/>
+                </a:ln>
+                <a:solidFill>
+                  <a:srgbClr val="000000">
+                    <a:lumMod val="85000"/>
+                    <a:lumOff val="15000"/>
+                  </a:srgbClr>
+                </a:solidFill>
+                <a:effectLst/>
+                <a:uLnTx/>
+                <a:uFillTx/>
+                <a:latin typeface="Gill Sans MT" panose="020B0502020104020203"/>
+                <a:ea typeface="方正兰亭超细黑简体" panose="02000000000000000000"/>
+              </a:rPr>
+              <a:t>我们设计开发了 </a:t>
+            </a:r>
+            <a:r>
+              <a:rPr kumimoji="0" lang="en-US" altLang="zh-CN" sz="2400" b="0" i="0" u="none" strike="noStrike" kern="1200" cap="none" spc="0" normalizeH="0" baseline="0" noProof="0" dirty="0" err="1">
+                <a:ln>
+                  <a:noFill/>
+                </a:ln>
+                <a:solidFill>
+                  <a:srgbClr val="FF0000"/>
+                </a:solidFill>
+                <a:effectLst/>
+                <a:uLnTx/>
+                <a:uFillTx/>
+                <a:latin typeface="Gill Sans MT" panose="020B0502020104020203"/>
+                <a:ea typeface="方正兰亭超细黑简体" panose="02000000000000000000"/>
+              </a:rPr>
+              <a:t>CyberSeller</a:t>
+            </a:r>
+            <a:r>
+              <a:rPr kumimoji="0" lang="en-US" altLang="zh-CN" sz="2400" b="0" i="0" u="none" strike="noStrike" kern="1200" cap="none" spc="0" normalizeH="0" baseline="0" noProof="0" dirty="0">
+                <a:ln>
+                  <a:noFill/>
+                </a:ln>
+                <a:solidFill>
+                  <a:srgbClr val="FF0000"/>
+                </a:solidFill>
+                <a:effectLst/>
+                <a:uLnTx/>
+                <a:uFillTx/>
+                <a:latin typeface="Gill Sans MT" panose="020B0502020104020203"/>
+                <a:ea typeface="方正兰亭超细黑简体" panose="02000000000000000000"/>
+              </a:rPr>
+              <a:t> </a:t>
+            </a:r>
+          </a:p>
+          <a:p>
+            <a:pPr algn="just">
+              <a:buClr>
+                <a:srgbClr val="9BAFB5"/>
+              </a:buClr>
+              <a:defRPr/>
+            </a:pPr>
+            <a:r>
+              <a:rPr lang="zh-CN" altLang="en-US" sz="2400" dirty="0">
+                <a:solidFill>
+                  <a:srgbClr val="000000">
+                    <a:lumMod val="85000"/>
+                    <a:lumOff val="15000"/>
+                  </a:srgbClr>
+                </a:solidFill>
+                <a:latin typeface="Gill Sans MT" panose="020B0502020104020203"/>
+                <a:ea typeface="方正兰亭超细黑简体" panose="02000000000000000000"/>
+              </a:rPr>
+              <a:t>在这里，你既是买家，也是卖家</a:t>
+            </a:r>
+            <a:endParaRPr kumimoji="0" lang="en-US" altLang="zh-CN" sz="2400" b="0" i="0" u="none" strike="noStrike" kern="1200" cap="none" spc="0" normalizeH="0" baseline="0" noProof="0" dirty="0">
+              <a:ln>
+                <a:noFill/>
+              </a:ln>
+              <a:solidFill>
+                <a:srgbClr val="000000">
+                  <a:lumMod val="85000"/>
+                  <a:lumOff val="15000"/>
+                </a:srgbClr>
+              </a:solidFill>
+              <a:effectLst/>
+              <a:uLnTx/>
+              <a:uFillTx/>
+              <a:latin typeface="Gill Sans MT" panose="020B0502020104020203"/>
+              <a:ea typeface="方正兰亭超细黑简体" panose="02000000000000000000"/>
+            </a:endParaRPr>
+          </a:p>
+          <a:p>
+            <a:pPr algn="just">
+              <a:buClr>
+                <a:srgbClr val="9BAFB5"/>
+              </a:buClr>
+              <a:defRPr/>
+            </a:pPr>
+            <a:r>
+              <a:rPr kumimoji="0" lang="zh-CN" altLang="en-US" sz="2400" b="0" i="0" u="none" strike="noStrike" kern="1200" cap="none" spc="0" normalizeH="0" baseline="0" noProof="0" dirty="0">
+                <a:ln>
+                  <a:noFill/>
+                </a:ln>
+                <a:solidFill>
+                  <a:srgbClr val="000000">
+                    <a:lumMod val="85000"/>
+                    <a:lumOff val="15000"/>
+                  </a:srgbClr>
+                </a:solidFill>
+                <a:effectLst/>
+                <a:uLnTx/>
+                <a:uFillTx/>
+                <a:latin typeface="Gill Sans MT" panose="020B0502020104020203"/>
+                <a:ea typeface="方正兰亭超细黑简体" panose="02000000000000000000"/>
+              </a:rPr>
+              <a:t>这是一个足够纯粹的线上交易平台</a:t>
+            </a:r>
+            <a:endParaRPr kumimoji="0" lang="en-US" altLang="zh-CN" sz="2400" b="0" i="0" u="none" strike="noStrike" kern="1200" cap="none" spc="0" normalizeH="0" baseline="0" noProof="0" dirty="0">
+              <a:ln>
+                <a:noFill/>
+              </a:ln>
+              <a:solidFill>
+                <a:srgbClr val="000000">
+                  <a:lumMod val="85000"/>
+                  <a:lumOff val="15000"/>
+                </a:srgbClr>
+              </a:solidFill>
+              <a:effectLst/>
+              <a:uLnTx/>
+              <a:uFillTx/>
+              <a:latin typeface="Gill Sans MT" panose="020B0502020104020203"/>
+              <a:ea typeface="方正兰亭超细黑简体" panose="02000000000000000000"/>
+            </a:endParaRPr>
+          </a:p>
+        </p:txBody>
+      </p:sp>
+    </p:spTree>
+  </p:cSld>
+  <p:clrMapOvr>
+    <a:masterClrMapping/>
+  </p:clrMapOvr>
+  <p:transition spd="med" advClick="0">
+    <p:random/>
+  </p:transition>
+</p:sld>
+</file>
+
+<file path=ppt/slides/slide5.xml><?xml version="1.0" encoding="utf-8"?>
+<p:sld xmlns:a="http://schemas.openxmlformats.org/drawingml/2006/main" xmlns:r="http://schemas.openxmlformats.org/officeDocument/2006/relationships" xmlns:p="http://schemas.openxmlformats.org/presentationml/2006/main">
+  <p:cSld>
+    <p:spTree>
+      <p:nvGrpSpPr>
+        <p:cNvPr id="1" name=""/>
+        <p:cNvGrpSpPr/>
+        <p:nvPr/>
+      </p:nvGrpSpPr>
+      <p:grpSpPr>
+        <a:xfrm>
+          <a:off x="0" y="0"/>
+          <a:ext cx="0" cy="0"/>
+          <a:chOff x="0" y="0"/>
+          <a:chExt cx="0" cy="0"/>
+        </a:xfrm>
+      </p:grpSpPr>
+      <p:sp>
+        <p:nvSpPr>
+          <p:cNvPr id="15" name="矩形 14"/>
+          <p:cNvSpPr/>
+          <p:nvPr/>
+        </p:nvSpPr>
+        <p:spPr>
+          <a:xfrm>
+            <a:off x="253" y="196280"/>
+            <a:ext cx="144049" cy="504056"/>
+          </a:xfrm>
+          <a:prstGeom prst="rect">
+            <a:avLst/>
+          </a:prstGeom>
+          <a:solidFill>
+            <a:schemeClr val="accent1"/>
+          </a:solidFill>
+          <a:ln>
+            <a:noFill/>
+          </a:ln>
+        </p:spPr>
+        <p:style>
+          <a:lnRef idx="2">
+            <a:schemeClr val="accent1">
+              <a:shade val="50000"/>
+            </a:schemeClr>
+          </a:lnRef>
+          <a:fillRef idx="1">
+            <a:schemeClr val="accent1"/>
+          </a:fillRef>
+          <a:effectRef idx="0">
+            <a:schemeClr val="accent1"/>
+          </a:effectRef>
+          <a:fontRef idx="minor">
+            <a:schemeClr val="lt1"/>
+          </a:fontRef>
+        </p:style>
+        <p:txBody>
+          <a:bodyPr lIns="68584" tIns="34292" rIns="68584" bIns="34292" rtlCol="0" anchor="ctr"/>
+          <a:lstStyle/>
+          <a:p>
+            <a:pPr marL="0" marR="0" lvl="0" indent="0" algn="ctr" defTabSz="685165" rtl="0" eaLnBrk="1" fontAlgn="auto" latinLnBrk="0" hangingPunct="1">
+              <a:lnSpc>
+                <a:spcPct val="100000"/>
+              </a:lnSpc>
+              <a:spcBef>
+                <a:spcPts val="0"/>
+              </a:spcBef>
+              <a:spcAft>
+                <a:spcPts val="0"/>
+              </a:spcAft>
+              <a:buClrTx/>
+              <a:buSzTx/>
+              <a:buFontTx/>
+              <a:buNone/>
+              <a:defRPr/>
+            </a:pPr>
+            <a:endParaRPr kumimoji="0" lang="zh-CN" altLang="en-US" sz="1400" b="0" i="0" u="none" strike="noStrike" kern="1200" cap="none" spc="0" normalizeH="0" baseline="0" noProof="0" dirty="0">
+              <a:ln>
+                <a:noFill/>
+              </a:ln>
+              <a:solidFill>
+                <a:srgbClr val="E7E6E6">
+                  <a:lumMod val="50000"/>
+                </a:srgbClr>
+              </a:solidFill>
+              <a:effectLst/>
+              <a:uLnTx/>
+              <a:uFillTx/>
+              <a:latin typeface="Calibri" panose="020F0502020204030204"/>
+              <a:ea typeface="宋体" panose="02010600030101010101" pitchFamily="2" charset="-122"/>
+              <a:cs typeface="+mn-ea"/>
+              <a:sym typeface="+mn-lt"/>
+            </a:endParaRPr>
+          </a:p>
+        </p:txBody>
+      </p:sp>
+      <p:sp>
+        <p:nvSpPr>
+          <p:cNvPr id="7" name="文本框 6"/>
+          <p:cNvSpPr txBox="1"/>
+          <p:nvPr/>
+        </p:nvSpPr>
+        <p:spPr>
+          <a:xfrm>
+            <a:off x="251520" y="204373"/>
+            <a:ext cx="3384376" cy="461665"/>
+          </a:xfrm>
+          <a:prstGeom prst="rect">
+            <a:avLst/>
+          </a:prstGeom>
+          <a:noFill/>
+        </p:spPr>
+        <p:txBody>
+          <a:bodyPr wrap="square">
+            <a:spAutoFit/>
+          </a:bodyPr>
+          <a:lstStyle/>
+          <a:p>
+            <a:pPr marL="0" marR="0" lvl="0" indent="0" algn="l" defTabSz="914400" rtl="0" eaLnBrk="1" fontAlgn="auto" latinLnBrk="0" hangingPunct="1">
+              <a:lnSpc>
+                <a:spcPct val="100000"/>
+              </a:lnSpc>
+              <a:spcBef>
+                <a:spcPts val="0"/>
+              </a:spcBef>
+              <a:spcAft>
+                <a:spcPts val="0"/>
+              </a:spcAft>
+              <a:buClrTx/>
+              <a:buSzTx/>
+              <a:buFontTx/>
+              <a:buNone/>
+              <a:defRPr/>
+            </a:pPr>
+            <a:r>
+              <a:rPr kumimoji="0" lang="zh-CN" altLang="en-US" sz="2400" b="1" i="0" u="none" strike="noStrike" kern="100" cap="none" spc="0" normalizeH="0" baseline="0" noProof="0" dirty="0">
+                <a:ln>
+                  <a:noFill/>
+                </a:ln>
+                <a:solidFill>
+                  <a:prstClr val="black">
+                    <a:lumMod val="50000"/>
+                    <a:lumOff val="50000"/>
+                  </a:prstClr>
+                </a:solidFill>
+                <a:effectLst/>
+                <a:uLnTx/>
+                <a:uFillTx/>
+                <a:latin typeface="方正兰亭超细黑简体" panose="02000000000000000000" pitchFamily="2" charset="-122"/>
+                <a:ea typeface="方正兰亭超细黑简体" panose="02000000000000000000" pitchFamily="2" charset="-122"/>
+                <a:cs typeface="Times New Roman" panose="02020603050405020304" pitchFamily="18" charset="0"/>
+              </a:rPr>
+              <a:t>项目简介</a:t>
+            </a:r>
+            <a:r>
+              <a:rPr kumimoji="0" lang="en-US" altLang="zh-CN" sz="2400" b="1" i="0" u="none" strike="noStrike" kern="100" cap="none" spc="0" normalizeH="0" baseline="0" noProof="0" dirty="0">
+                <a:ln>
+                  <a:noFill/>
+                </a:ln>
+                <a:solidFill>
+                  <a:prstClr val="black">
+                    <a:lumMod val="50000"/>
+                    <a:lumOff val="50000"/>
+                  </a:prstClr>
+                </a:solidFill>
+                <a:effectLst/>
+                <a:uLnTx/>
+                <a:uFillTx/>
+                <a:latin typeface="方正兰亭超细黑简体" panose="02000000000000000000" pitchFamily="2" charset="-122"/>
+                <a:ea typeface="方正兰亭超细黑简体" panose="02000000000000000000" pitchFamily="2" charset="-122"/>
+                <a:cs typeface="Times New Roman" panose="02020603050405020304" pitchFamily="18" charset="0"/>
+              </a:rPr>
+              <a:t>——</a:t>
+            </a:r>
+            <a:r>
+              <a:rPr kumimoji="0" lang="zh-CN" altLang="en-US" sz="2400" b="1" i="0" u="none" strike="noStrike" kern="100" cap="none" spc="0" normalizeH="0" baseline="0" noProof="0" dirty="0">
+                <a:ln>
+                  <a:noFill/>
+                </a:ln>
+                <a:solidFill>
+                  <a:prstClr val="black">
+                    <a:lumMod val="50000"/>
+                    <a:lumOff val="50000"/>
+                  </a:prstClr>
+                </a:solidFill>
+                <a:effectLst/>
+                <a:uLnTx/>
+                <a:uFillTx/>
+                <a:latin typeface="方正兰亭超细黑简体" panose="02000000000000000000" pitchFamily="2" charset="-122"/>
+                <a:ea typeface="方正兰亭超细黑简体" panose="02000000000000000000" pitchFamily="2" charset="-122"/>
+                <a:cs typeface="Times New Roman" panose="02020603050405020304" pitchFamily="18" charset="0"/>
+              </a:rPr>
+              <a:t>功</a:t>
+            </a:r>
+            <a:r>
+              <a:rPr kumimoji="0" lang="zh-CN" altLang="en-US" sz="2400" b="1" i="0" u="none" strike="noStrike" kern="100" cap="none" spc="0" normalizeH="0" baseline="0" noProof="0" dirty="0">
+                <a:ln>
+                  <a:noFill/>
+                </a:ln>
+                <a:solidFill>
+                  <a:srgbClr val="7F7F7F"/>
+                </a:solidFill>
+                <a:effectLst/>
+                <a:uLnTx/>
+                <a:uFillTx/>
+                <a:latin typeface="方正兰亭超细黑简体" panose="02000000000000000000" pitchFamily="2" charset="-122"/>
+                <a:ea typeface="方正兰亭超细黑简体" panose="02000000000000000000" pitchFamily="2" charset="-122"/>
+                <a:cs typeface="Times New Roman" panose="02020603050405020304" pitchFamily="18" charset="0"/>
+              </a:rPr>
+              <a:t>能介绍</a:t>
+            </a:r>
+            <a:endParaRPr kumimoji="0" lang="zh-CN" altLang="en-US" sz="2400" b="1" i="0" u="none" strike="noStrike" kern="1200" cap="none" spc="0" normalizeH="0" baseline="0" noProof="0" dirty="0">
+              <a:ln>
+                <a:noFill/>
+              </a:ln>
+              <a:solidFill>
+                <a:srgbClr val="7F7F7F"/>
+              </a:solidFill>
+              <a:effectLst/>
+              <a:uLnTx/>
+              <a:uFillTx/>
+              <a:latin typeface="方正兰亭超细黑简体" panose="02000000000000000000" pitchFamily="2" charset="-122"/>
+              <a:ea typeface="方正兰亭超细黑简体" panose="02000000000000000000" pitchFamily="2" charset="-122"/>
+              <a:cs typeface="+mn-cs"/>
+            </a:endParaRPr>
+          </a:p>
+        </p:txBody>
+      </p:sp>
+      <p:pic>
+        <p:nvPicPr>
+          <p:cNvPr id="4" name="图片 3">
+            <a:extLst>
+              <a:ext uri="{FF2B5EF4-FFF2-40B4-BE49-F238E27FC236}">
+                <a16:creationId xmlns:a16="http://schemas.microsoft.com/office/drawing/2014/main" id="{C8A13BE7-51E6-4DAE-EF36-49424F2F551C}"/>
+              </a:ext>
+            </a:extLst>
+          </p:cNvPr>
+          <p:cNvPicPr>
+            <a:picLocks noChangeAspect="1"/>
+          </p:cNvPicPr>
+          <p:nvPr/>
+        </p:nvPicPr>
+        <p:blipFill>
+          <a:blip r:embed="rId3">
+            <a:extLst>
+              <a:ext uri="{28A0092B-C50C-407E-A947-70E740481C1C}">
+                <a14:useLocalDpi xmlns:a14="http://schemas.microsoft.com/office/drawing/2010/main" val="0"/>
+              </a:ext>
+            </a:extLst>
+          </a:blip>
+          <a:stretch>
+            <a:fillRect/>
+          </a:stretch>
+        </p:blipFill>
+        <p:spPr>
+          <a:xfrm>
+            <a:off x="0" y="1043454"/>
+            <a:ext cx="9144000" cy="2809847"/>
+          </a:xfrm>
+          <a:prstGeom prst="rect">
+            <a:avLst/>
+          </a:prstGeom>
+        </p:spPr>
+      </p:pic>
+      <p:sp>
+        <p:nvSpPr>
+          <p:cNvPr id="2" name="文本框 1">
+            <a:extLst>
+              <a:ext uri="{FF2B5EF4-FFF2-40B4-BE49-F238E27FC236}">
+                <a16:creationId xmlns:a16="http://schemas.microsoft.com/office/drawing/2014/main" id="{F564439C-28CC-2CE8-C525-4730B8EF4D03}"/>
+              </a:ext>
+            </a:extLst>
+          </p:cNvPr>
+          <p:cNvSpPr txBox="1"/>
+          <p:nvPr/>
+        </p:nvSpPr>
+        <p:spPr>
+          <a:xfrm>
+            <a:off x="1115616" y="4116368"/>
+            <a:ext cx="6912768" cy="400110"/>
+          </a:xfrm>
+          <a:prstGeom prst="rect">
+            <a:avLst/>
+          </a:prstGeom>
+          <a:noFill/>
+        </p:spPr>
+        <p:txBody>
+          <a:bodyPr wrap="square" rtlCol="0">
+            <a:spAutoFit/>
+          </a:bodyPr>
+          <a:lstStyle/>
+          <a:p>
+            <a:pPr algn="just">
+              <a:buClr>
+                <a:srgbClr val="9BAFB5"/>
+              </a:buClr>
+              <a:defRPr/>
+            </a:pPr>
+            <a:r>
+              <a:rPr kumimoji="0" lang="zh-CN" altLang="en-US" sz="2000" b="1" i="0" u="none" strike="noStrike" kern="1200" cap="none" spc="0" normalizeH="0" baseline="0" noProof="0" dirty="0">
+                <a:ln>
+                  <a:noFill/>
+                </a:ln>
+                <a:solidFill>
+                  <a:srgbClr val="AEAEAE"/>
+                </a:solidFill>
+                <a:effectLst/>
+                <a:uLnTx/>
+                <a:uFillTx/>
+                <a:latin typeface="Gill Sans MT" panose="020B0502020104020203"/>
+                <a:ea typeface="方正兰亭超细黑简体" panose="02000000000000000000"/>
+              </a:rPr>
+              <a:t>集成了商品预览、支付结算、数据分析、商品出售等模块</a:t>
+            </a:r>
+            <a:endParaRPr lang="zh-CN" altLang="en-US" sz="2000" b="1" dirty="0">
+              <a:solidFill>
+                <a:srgbClr val="AEAEAE"/>
+              </a:solidFill>
+            </a:endParaRPr>
+          </a:p>
+        </p:txBody>
+      </p:sp>
+    </p:spTree>
+    <p:extLst>
+      <p:ext uri="{BB962C8B-B14F-4D97-AF65-F5344CB8AC3E}">
+        <p14:creationId xmlns:p14="http://schemas.microsoft.com/office/powerpoint/2010/main" val="2739053131"/>
+      </p:ext>
+    </p:extLst>
+  </p:cSld>
+  <p:clrMapOvr>
+    <a:masterClrMapping/>
+  </p:clrMapOvr>
+  <p:transition spd="med" advClick="0">
+    <p:random/>
+  </p:transition>
+</p:sld>
+</file>
+
+<file path=ppt/slides/slide6.xml><?xml version="1.0" encoding="utf-8"?>
+<p:sld xmlns:a="http://schemas.openxmlformats.org/drawingml/2006/main" xmlns:r="http://schemas.openxmlformats.org/officeDocument/2006/relationships" xmlns:p="http://schemas.openxmlformats.org/presentationml/2006/main">
+  <p:cSld>
+    <p:spTree>
+      <p:nvGrpSpPr>
+        <p:cNvPr id="1" name=""/>
+        <p:cNvGrpSpPr/>
+        <p:nvPr/>
+      </p:nvGrpSpPr>
+      <p:grpSpPr>
+        <a:xfrm>
+          <a:off x="0" y="0"/>
+          <a:ext cx="0" cy="0"/>
+          <a:chOff x="0" y="0"/>
+          <a:chExt cx="0" cy="0"/>
+        </a:xfrm>
+      </p:grpSpPr>
+      <p:sp>
+        <p:nvSpPr>
           <p:cNvPr id="15" name="文本框 12"/>
           <p:cNvSpPr txBox="1">
             <a:spLocks noChangeArrowheads="1"/>
@@ -7864,7 +11143,7 @@
                 <a:ea typeface="方正兰亭超细黑简体" panose="02000000000000000000" pitchFamily="2" charset="-122"/>
                 <a:cs typeface="Times New Roman" panose="02020603050405020304" pitchFamily="18" charset="0"/>
               </a:rPr>
-              <a:t>用户逻辑</a:t>
+              <a:t>系统展示</a:t>
             </a:r>
             <a:endParaRPr lang="zh-CN" altLang="en-US" sz="2800" b="1" dirty="0">
               <a:solidFill>
@@ -8041,6 +11320,2094 @@
                 <a:ea typeface="微软雅黑" panose="020B0503020204020204" pitchFamily="34" charset="-122"/>
               </a:rPr>
               <a:t>2</a:t>
+            </a:r>
+            <a:endParaRPr lang="zh-CN" altLang="en-US" sz="9000" dirty="0">
+              <a:solidFill>
+                <a:schemeClr val="tx1">
+                  <a:lumMod val="50000"/>
+                  <a:lumOff val="50000"/>
+                </a:schemeClr>
+              </a:solidFill>
+              <a:latin typeface="AgencyFB" panose="02000806040000020003" pitchFamily="2" charset="0"/>
+              <a:ea typeface="微软雅黑" panose="020B0503020204020204" pitchFamily="34" charset="-122"/>
+            </a:endParaRPr>
+          </a:p>
+        </p:txBody>
+      </p:sp>
+      <p:sp>
+        <p:nvSpPr>
+          <p:cNvPr id="16" name="文本框 14"/>
+          <p:cNvSpPr txBox="1">
+            <a:spLocks noChangeArrowheads="1"/>
+          </p:cNvSpPr>
+          <p:nvPr/>
+        </p:nvSpPr>
+        <p:spPr bwMode="auto">
+          <a:xfrm>
+            <a:off x="3959932" y="2680556"/>
+            <a:ext cx="1378848" cy="284693"/>
+          </a:xfrm>
+          <a:prstGeom prst="rect">
+            <a:avLst/>
+          </a:prstGeom>
+          <a:noFill/>
+          <a:ln>
+            <a:noFill/>
+          </a:ln>
+          <a:extLst>
+            <a:ext uri="{909E8E84-426E-40DD-AFC4-6F175D3DCCD1}">
+              <a14:hiddenFill xmlns:a14="http://schemas.microsoft.com/office/drawing/2010/main">
+                <a:solidFill>
+                  <a:srgbClr val="FFFFFF"/>
+                </a:solidFill>
+              </a14:hiddenFill>
+            </a:ext>
+            <a:ext uri="{91240B29-F687-4F45-9708-019B960494DF}">
+              <a14:hiddenLine xmlns:a14="http://schemas.microsoft.com/office/drawing/2010/main" w="9525">
+                <a:solidFill>
+                  <a:srgbClr val="000000"/>
+                </a:solidFill>
+                <a:miter lim="800000"/>
+                <a:headEnd/>
+                <a:tailEnd/>
+              </a14:hiddenLine>
+            </a:ext>
+          </a:extLst>
+        </p:spPr>
+        <p:txBody>
+          <a:bodyPr wrap="square" lIns="68580" tIns="34290" rIns="68580" bIns="34290">
+            <a:spAutoFit/>
+          </a:bodyPr>
+          <a:lstStyle>
+            <a:lvl1pPr>
+              <a:defRPr sz="1300">
+                <a:solidFill>
+                  <a:schemeClr val="tx1"/>
+                </a:solidFill>
+                <a:latin typeface="方正正黑简体" pitchFamily="2" charset="-122"/>
+                <a:ea typeface="方正正黑简体" pitchFamily="2" charset="-122"/>
+              </a:defRPr>
+            </a:lvl1pPr>
+            <a:lvl2pPr marL="742950" indent="-285750">
+              <a:defRPr sz="1300">
+                <a:solidFill>
+                  <a:schemeClr val="tx1"/>
+                </a:solidFill>
+                <a:latin typeface="方正正黑简体" pitchFamily="2" charset="-122"/>
+                <a:ea typeface="方正正黑简体" pitchFamily="2" charset="-122"/>
+              </a:defRPr>
+            </a:lvl2pPr>
+            <a:lvl3pPr marL="1143000" indent="-228600">
+              <a:defRPr sz="1300">
+                <a:solidFill>
+                  <a:schemeClr val="tx1"/>
+                </a:solidFill>
+                <a:latin typeface="方正正黑简体" pitchFamily="2" charset="-122"/>
+                <a:ea typeface="方正正黑简体" pitchFamily="2" charset="-122"/>
+              </a:defRPr>
+            </a:lvl3pPr>
+            <a:lvl4pPr marL="1600200" indent="-228600">
+              <a:defRPr sz="1300">
+                <a:solidFill>
+                  <a:schemeClr val="tx1"/>
+                </a:solidFill>
+                <a:latin typeface="方正正黑简体" pitchFamily="2" charset="-122"/>
+                <a:ea typeface="方正正黑简体" pitchFamily="2" charset="-122"/>
+              </a:defRPr>
+            </a:lvl4pPr>
+            <a:lvl5pPr marL="2057400" indent="-228600">
+              <a:defRPr sz="1300">
+                <a:solidFill>
+                  <a:schemeClr val="tx1"/>
+                </a:solidFill>
+                <a:latin typeface="方正正黑简体" pitchFamily="2" charset="-122"/>
+                <a:ea typeface="方正正黑简体" pitchFamily="2" charset="-122"/>
+              </a:defRPr>
+            </a:lvl5pPr>
+            <a:lvl6pPr marL="2514600" indent="-228600" defTabSz="685800" fontAlgn="base">
+              <a:spcBef>
+                <a:spcPct val="0"/>
+              </a:spcBef>
+              <a:spcAft>
+                <a:spcPct val="0"/>
+              </a:spcAft>
+              <a:defRPr sz="1300">
+                <a:solidFill>
+                  <a:schemeClr val="tx1"/>
+                </a:solidFill>
+                <a:latin typeface="方正正黑简体" pitchFamily="2" charset="-122"/>
+                <a:ea typeface="方正正黑简体" pitchFamily="2" charset="-122"/>
+              </a:defRPr>
+            </a:lvl6pPr>
+            <a:lvl7pPr marL="2971800" indent="-228600" defTabSz="685800" fontAlgn="base">
+              <a:spcBef>
+                <a:spcPct val="0"/>
+              </a:spcBef>
+              <a:spcAft>
+                <a:spcPct val="0"/>
+              </a:spcAft>
+              <a:defRPr sz="1300">
+                <a:solidFill>
+                  <a:schemeClr val="tx1"/>
+                </a:solidFill>
+                <a:latin typeface="方正正黑简体" pitchFamily="2" charset="-122"/>
+                <a:ea typeface="方正正黑简体" pitchFamily="2" charset="-122"/>
+              </a:defRPr>
+            </a:lvl7pPr>
+            <a:lvl8pPr marL="3429000" indent="-228600" defTabSz="685800" fontAlgn="base">
+              <a:spcBef>
+                <a:spcPct val="0"/>
+              </a:spcBef>
+              <a:spcAft>
+                <a:spcPct val="0"/>
+              </a:spcAft>
+              <a:defRPr sz="1300">
+                <a:solidFill>
+                  <a:schemeClr val="tx1"/>
+                </a:solidFill>
+                <a:latin typeface="方正正黑简体" pitchFamily="2" charset="-122"/>
+                <a:ea typeface="方正正黑简体" pitchFamily="2" charset="-122"/>
+              </a:defRPr>
+            </a:lvl8pPr>
+            <a:lvl9pPr marL="3886200" indent="-228600" defTabSz="685800" fontAlgn="base">
+              <a:spcBef>
+                <a:spcPct val="0"/>
+              </a:spcBef>
+              <a:spcAft>
+                <a:spcPct val="0"/>
+              </a:spcAft>
+              <a:defRPr sz="1300">
+                <a:solidFill>
+                  <a:schemeClr val="tx1"/>
+                </a:solidFill>
+                <a:latin typeface="方正正黑简体" pitchFamily="2" charset="-122"/>
+                <a:ea typeface="方正正黑简体" pitchFamily="2" charset="-122"/>
+              </a:defRPr>
+            </a:lvl9pPr>
+          </a:lstStyle>
+          <a:p>
+            <a:pPr algn="ctr" eaLnBrk="1" hangingPunct="1"/>
+            <a:r>
+              <a:rPr lang="en-US" altLang="zh-CN" sz="1400" dirty="0">
+                <a:solidFill>
+                  <a:schemeClr val="tx1">
+                    <a:lumMod val="50000"/>
+                    <a:lumOff val="50000"/>
+                  </a:schemeClr>
+                </a:solidFill>
+                <a:latin typeface="微软雅黑" panose="020B0503020204020204" pitchFamily="34" charset="-122"/>
+                <a:ea typeface="微软雅黑" panose="020B0503020204020204" pitchFamily="34" charset="-122"/>
+              </a:rPr>
+              <a:t>PART ONE</a:t>
+            </a:r>
+            <a:endParaRPr lang="zh-CN" altLang="en-US" sz="1400" dirty="0">
+              <a:solidFill>
+                <a:schemeClr val="tx1">
+                  <a:lumMod val="50000"/>
+                  <a:lumOff val="50000"/>
+                </a:schemeClr>
+              </a:solidFill>
+              <a:latin typeface="微软雅黑" panose="020B0503020204020204" pitchFamily="34" charset="-122"/>
+              <a:ea typeface="微软雅黑" panose="020B0503020204020204" pitchFamily="34" charset="-122"/>
+            </a:endParaRPr>
+          </a:p>
+        </p:txBody>
+      </p:sp>
+      <p:pic>
+        <p:nvPicPr>
+          <p:cNvPr id="9" name="图片 8"/>
+          <p:cNvPicPr>
+            <a:picLocks noChangeAspect="1"/>
+          </p:cNvPicPr>
+          <p:nvPr/>
+        </p:nvPicPr>
+        <p:blipFill>
+          <a:blip r:embed="rId4" cstate="screen">
+            <a:extLst>
+              <a:ext uri="{28A0092B-C50C-407E-A947-70E740481C1C}">
+                <a14:useLocalDpi xmlns:a14="http://schemas.microsoft.com/office/drawing/2010/main" val="0"/>
+              </a:ext>
+            </a:extLst>
+          </a:blip>
+          <a:srcRect l="17632" r="49845" b="47264"/>
+          <a:stretch>
+            <a:fillRect/>
+          </a:stretch>
+        </p:blipFill>
+        <p:spPr>
+          <a:xfrm flipH="1">
+            <a:off x="2159732" y="0"/>
+            <a:ext cx="2088232" cy="3040091"/>
+          </a:xfrm>
+          <a:prstGeom prst="rect">
+            <a:avLst/>
+          </a:prstGeom>
+        </p:spPr>
+      </p:pic>
+      <p:sp>
+        <p:nvSpPr>
+          <p:cNvPr id="10" name="PA_半闭框 7"/>
+          <p:cNvSpPr/>
+          <p:nvPr>
+            <p:custDataLst>
+              <p:tags r:id="rId1"/>
+            </p:custDataLst>
+          </p:nvPr>
+        </p:nvSpPr>
+        <p:spPr>
+          <a:xfrm flipH="1">
+            <a:off x="4463987" y="2320516"/>
+            <a:ext cx="1296144" cy="720080"/>
+          </a:xfrm>
+          <a:prstGeom prst="halfFrame">
+            <a:avLst>
+              <a:gd name="adj1" fmla="val 889"/>
+              <a:gd name="adj2" fmla="val 1333"/>
+            </a:avLst>
+          </a:prstGeom>
+          <a:solidFill>
+            <a:srgbClr val="65686F"/>
+          </a:solidFill>
+          <a:ln>
+            <a:noFill/>
+          </a:ln>
+        </p:spPr>
+        <p:style>
+          <a:lnRef idx="2">
+            <a:schemeClr val="accent1">
+              <a:shade val="50000"/>
+            </a:schemeClr>
+          </a:lnRef>
+          <a:fillRef idx="1">
+            <a:schemeClr val="accent1"/>
+          </a:fillRef>
+          <a:effectRef idx="0">
+            <a:schemeClr val="accent1"/>
+          </a:effectRef>
+          <a:fontRef idx="minor">
+            <a:schemeClr val="lt1"/>
+          </a:fontRef>
+        </p:style>
+        <p:txBody>
+          <a:bodyPr rtlCol="0" anchor="ctr"/>
+          <a:lstStyle/>
+          <a:p>
+            <a:pPr algn="ctr"/>
+            <a:endParaRPr lang="zh-CN" altLang="en-US">
+              <a:solidFill>
+                <a:schemeClr val="tx1"/>
+              </a:solidFill>
+            </a:endParaRPr>
+          </a:p>
+        </p:txBody>
+      </p:sp>
+    </p:spTree>
+    <p:extLst>
+      <p:ext uri="{BB962C8B-B14F-4D97-AF65-F5344CB8AC3E}">
+        <p14:creationId xmlns:p14="http://schemas.microsoft.com/office/powerpoint/2010/main" val="247647561"/>
+      </p:ext>
+    </p:extLst>
+  </p:cSld>
+  <p:clrMapOvr>
+    <a:masterClrMapping/>
+  </p:clrMapOvr>
+  <p:transition spd="med" advClick="0">
+    <p:random/>
+  </p:transition>
+  <p:timing>
+    <p:tnLst>
+      <p:par>
+        <p:cTn id="1" dur="indefinite" restart="never" nodeType="tmRoot">
+          <p:childTnLst>
+            <p:seq concurrent="1" nextAc="seek">
+              <p:cTn id="2" dur="indefinite" nodeType="mainSeq">
+                <p:childTnLst>
+                  <p:par>
+                    <p:cTn id="3" fill="hold">
+                      <p:stCondLst>
+                        <p:cond delay="indefinite"/>
+                        <p:cond evt="onBegin" delay="0">
+                          <p:tn val="2"/>
+                        </p:cond>
+                      </p:stCondLst>
+                      <p:childTnLst>
+                        <p:par>
+                          <p:cTn id="4" fill="hold">
+                            <p:stCondLst>
+                              <p:cond delay="0"/>
+                            </p:stCondLst>
+                            <p:childTnLst>
+                              <p:par>
+                                <p:cTn id="5" presetID="47" presetClass="entr" presetSubtype="0" fill="hold" nodeType="afterEffect">
+                                  <p:stCondLst>
+                                    <p:cond delay="0"/>
+                                  </p:stCondLst>
+                                  <p:childTnLst>
+                                    <p:set>
+                                      <p:cBhvr>
+                                        <p:cTn id="6" dur="1" fill="hold">
+                                          <p:stCondLst>
+                                            <p:cond delay="0"/>
+                                          </p:stCondLst>
+                                        </p:cTn>
+                                        <p:tgtEl>
+                                          <p:spTgt spid="9"/>
+                                        </p:tgtEl>
+                                        <p:attrNameLst>
+                                          <p:attrName>style.visibility</p:attrName>
+                                        </p:attrNameLst>
+                                      </p:cBhvr>
+                                      <p:to>
+                                        <p:strVal val="visible"/>
+                                      </p:to>
+                                    </p:set>
+                                    <p:animEffect transition="in" filter="fade">
+                                      <p:cBhvr>
+                                        <p:cTn id="7" dur="250"/>
+                                        <p:tgtEl>
+                                          <p:spTgt spid="9"/>
+                                        </p:tgtEl>
+                                      </p:cBhvr>
+                                    </p:animEffect>
+                                    <p:anim calcmode="lin" valueType="num">
+                                      <p:cBhvr>
+                                        <p:cTn id="8" dur="250" fill="hold"/>
+                                        <p:tgtEl>
+                                          <p:spTgt spid="9"/>
+                                        </p:tgtEl>
+                                        <p:attrNameLst>
+                                          <p:attrName>ppt_x</p:attrName>
+                                        </p:attrNameLst>
+                                      </p:cBhvr>
+                                      <p:tavLst>
+                                        <p:tav tm="0">
+                                          <p:val>
+                                            <p:strVal val="#ppt_x"/>
+                                          </p:val>
+                                        </p:tav>
+                                        <p:tav tm="100000">
+                                          <p:val>
+                                            <p:strVal val="#ppt_x"/>
+                                          </p:val>
+                                        </p:tav>
+                                      </p:tavLst>
+                                    </p:anim>
+                                    <p:anim calcmode="lin" valueType="num">
+                                      <p:cBhvr>
+                                        <p:cTn id="9" dur="250" fill="hold"/>
+                                        <p:tgtEl>
+                                          <p:spTgt spid="9"/>
+                                        </p:tgtEl>
+                                        <p:attrNameLst>
+                                          <p:attrName>ppt_y</p:attrName>
+                                        </p:attrNameLst>
+                                      </p:cBhvr>
+                                      <p:tavLst>
+                                        <p:tav tm="0">
+                                          <p:val>
+                                            <p:strVal val="#ppt_y-.1"/>
+                                          </p:val>
+                                        </p:tav>
+                                        <p:tav tm="100000">
+                                          <p:val>
+                                            <p:strVal val="#ppt_y"/>
+                                          </p:val>
+                                        </p:tav>
+                                      </p:tavLst>
+                                    </p:anim>
+                                  </p:childTnLst>
+                                </p:cTn>
+                              </p:par>
+                            </p:childTnLst>
+                          </p:cTn>
+                        </p:par>
+                        <p:par>
+                          <p:cTn id="10" fill="hold">
+                            <p:stCondLst>
+                              <p:cond delay="500"/>
+                            </p:stCondLst>
+                            <p:childTnLst>
+                              <p:par>
+                                <p:cTn id="11" presetID="53" presetClass="entr" presetSubtype="16" fill="hold" grpId="0" nodeType="afterEffect">
+                                  <p:stCondLst>
+                                    <p:cond delay="0"/>
+                                  </p:stCondLst>
+                                  <p:childTnLst>
+                                    <p:set>
+                                      <p:cBhvr>
+                                        <p:cTn id="12" dur="1" fill="hold">
+                                          <p:stCondLst>
+                                            <p:cond delay="0"/>
+                                          </p:stCondLst>
+                                        </p:cTn>
+                                        <p:tgtEl>
+                                          <p:spTgt spid="26"/>
+                                        </p:tgtEl>
+                                        <p:attrNameLst>
+                                          <p:attrName>style.visibility</p:attrName>
+                                        </p:attrNameLst>
+                                      </p:cBhvr>
+                                      <p:to>
+                                        <p:strVal val="visible"/>
+                                      </p:to>
+                                    </p:set>
+                                    <p:anim calcmode="lin" valueType="num">
+                                      <p:cBhvr>
+                                        <p:cTn id="13" dur="250" fill="hold"/>
+                                        <p:tgtEl>
+                                          <p:spTgt spid="26"/>
+                                        </p:tgtEl>
+                                        <p:attrNameLst>
+                                          <p:attrName>ppt_w</p:attrName>
+                                        </p:attrNameLst>
+                                      </p:cBhvr>
+                                      <p:tavLst>
+                                        <p:tav tm="0">
+                                          <p:val>
+                                            <p:fltVal val="0"/>
+                                          </p:val>
+                                        </p:tav>
+                                        <p:tav tm="100000">
+                                          <p:val>
+                                            <p:strVal val="#ppt_w"/>
+                                          </p:val>
+                                        </p:tav>
+                                      </p:tavLst>
+                                    </p:anim>
+                                    <p:anim calcmode="lin" valueType="num">
+                                      <p:cBhvr>
+                                        <p:cTn id="14" dur="250" fill="hold"/>
+                                        <p:tgtEl>
+                                          <p:spTgt spid="26"/>
+                                        </p:tgtEl>
+                                        <p:attrNameLst>
+                                          <p:attrName>ppt_h</p:attrName>
+                                        </p:attrNameLst>
+                                      </p:cBhvr>
+                                      <p:tavLst>
+                                        <p:tav tm="0">
+                                          <p:val>
+                                            <p:fltVal val="0"/>
+                                          </p:val>
+                                        </p:tav>
+                                        <p:tav tm="100000">
+                                          <p:val>
+                                            <p:strVal val="#ppt_h"/>
+                                          </p:val>
+                                        </p:tav>
+                                      </p:tavLst>
+                                    </p:anim>
+                                    <p:animEffect transition="in" filter="fade">
+                                      <p:cBhvr>
+                                        <p:cTn id="15" dur="250"/>
+                                        <p:tgtEl>
+                                          <p:spTgt spid="26"/>
+                                        </p:tgtEl>
+                                      </p:cBhvr>
+                                    </p:animEffect>
+                                  </p:childTnLst>
+                                </p:cTn>
+                              </p:par>
+                            </p:childTnLst>
+                          </p:cTn>
+                        </p:par>
+                        <p:par>
+                          <p:cTn id="16" fill="hold">
+                            <p:stCondLst>
+                              <p:cond delay="1000"/>
+                            </p:stCondLst>
+                            <p:childTnLst>
+                              <p:par>
+                                <p:cTn id="17" presetID="6" presetClass="emph" presetSubtype="0" decel="100000" fill="hold" grpId="1" nodeType="afterEffect">
+                                  <p:stCondLst>
+                                    <p:cond delay="0"/>
+                                  </p:stCondLst>
+                                  <p:childTnLst>
+                                    <p:animScale>
+                                      <p:cBhvr>
+                                        <p:cTn id="18" dur="10" fill="hold"/>
+                                        <p:tgtEl>
+                                          <p:spTgt spid="26"/>
+                                        </p:tgtEl>
+                                      </p:cBhvr>
+                                      <p:by x="120000" y="120000"/>
+                                    </p:animScale>
+                                  </p:childTnLst>
+                                </p:cTn>
+                              </p:par>
+                            </p:childTnLst>
+                          </p:cTn>
+                        </p:par>
+                        <p:par>
+                          <p:cTn id="19" fill="hold">
+                            <p:stCondLst>
+                              <p:cond delay="1500"/>
+                            </p:stCondLst>
+                            <p:childTnLst>
+                              <p:par>
+                                <p:cTn id="20" presetID="6" presetClass="emph" presetSubtype="0" decel="100000" fill="hold" grpId="2" nodeType="afterEffect">
+                                  <p:stCondLst>
+                                    <p:cond delay="0"/>
+                                  </p:stCondLst>
+                                  <p:childTnLst>
+                                    <p:animScale>
+                                      <p:cBhvr>
+                                        <p:cTn id="21" dur="10" fill="hold"/>
+                                        <p:tgtEl>
+                                          <p:spTgt spid="26"/>
+                                        </p:tgtEl>
+                                      </p:cBhvr>
+                                      <p:by x="83000" y="83000"/>
+                                    </p:animScale>
+                                  </p:childTnLst>
+                                </p:cTn>
+                              </p:par>
+                            </p:childTnLst>
+                          </p:cTn>
+                        </p:par>
+                        <p:par>
+                          <p:cTn id="22" fill="hold">
+                            <p:stCondLst>
+                              <p:cond delay="2000"/>
+                            </p:stCondLst>
+                            <p:childTnLst>
+                              <p:par>
+                                <p:cTn id="23" presetID="10" presetClass="entr" presetSubtype="0" fill="hold" grpId="0" nodeType="afterEffect">
+                                  <p:stCondLst>
+                                    <p:cond delay="0"/>
+                                  </p:stCondLst>
+                                  <p:childTnLst>
+                                    <p:set>
+                                      <p:cBhvr>
+                                        <p:cTn id="24" dur="1" fill="hold">
+                                          <p:stCondLst>
+                                            <p:cond delay="0"/>
+                                          </p:stCondLst>
+                                        </p:cTn>
+                                        <p:tgtEl>
+                                          <p:spTgt spid="16"/>
+                                        </p:tgtEl>
+                                        <p:attrNameLst>
+                                          <p:attrName>style.visibility</p:attrName>
+                                        </p:attrNameLst>
+                                      </p:cBhvr>
+                                      <p:to>
+                                        <p:strVal val="visible"/>
+                                      </p:to>
+                                    </p:set>
+                                    <p:animEffect transition="in" filter="fade">
+                                      <p:cBhvr>
+                                        <p:cTn id="25" dur="10"/>
+                                        <p:tgtEl>
+                                          <p:spTgt spid="16"/>
+                                        </p:tgtEl>
+                                      </p:cBhvr>
+                                    </p:animEffect>
+                                  </p:childTnLst>
+                                </p:cTn>
+                              </p:par>
+                            </p:childTnLst>
+                          </p:cTn>
+                        </p:par>
+                        <p:par>
+                          <p:cTn id="26" fill="hold">
+                            <p:stCondLst>
+                              <p:cond delay="2500"/>
+                            </p:stCondLst>
+                            <p:childTnLst>
+                              <p:par>
+                                <p:cTn id="27" presetID="53" presetClass="entr" presetSubtype="16" fill="hold" grpId="0" nodeType="afterEffect">
+                                  <p:stCondLst>
+                                    <p:cond delay="0"/>
+                                  </p:stCondLst>
+                                  <p:childTnLst>
+                                    <p:set>
+                                      <p:cBhvr>
+                                        <p:cTn id="28" dur="1" fill="hold">
+                                          <p:stCondLst>
+                                            <p:cond delay="0"/>
+                                          </p:stCondLst>
+                                        </p:cTn>
+                                        <p:tgtEl>
+                                          <p:spTgt spid="15"/>
+                                        </p:tgtEl>
+                                        <p:attrNameLst>
+                                          <p:attrName>style.visibility</p:attrName>
+                                        </p:attrNameLst>
+                                      </p:cBhvr>
+                                      <p:to>
+                                        <p:strVal val="visible"/>
+                                      </p:to>
+                                    </p:set>
+                                    <p:anim calcmode="lin" valueType="num">
+                                      <p:cBhvr>
+                                        <p:cTn id="29" dur="250" fill="hold"/>
+                                        <p:tgtEl>
+                                          <p:spTgt spid="15"/>
+                                        </p:tgtEl>
+                                        <p:attrNameLst>
+                                          <p:attrName>ppt_w</p:attrName>
+                                        </p:attrNameLst>
+                                      </p:cBhvr>
+                                      <p:tavLst>
+                                        <p:tav tm="0">
+                                          <p:val>
+                                            <p:fltVal val="0"/>
+                                          </p:val>
+                                        </p:tav>
+                                        <p:tav tm="100000">
+                                          <p:val>
+                                            <p:strVal val="#ppt_w"/>
+                                          </p:val>
+                                        </p:tav>
+                                      </p:tavLst>
+                                    </p:anim>
+                                    <p:anim calcmode="lin" valueType="num">
+                                      <p:cBhvr>
+                                        <p:cTn id="30" dur="250" fill="hold"/>
+                                        <p:tgtEl>
+                                          <p:spTgt spid="15"/>
+                                        </p:tgtEl>
+                                        <p:attrNameLst>
+                                          <p:attrName>ppt_h</p:attrName>
+                                        </p:attrNameLst>
+                                      </p:cBhvr>
+                                      <p:tavLst>
+                                        <p:tav tm="0">
+                                          <p:val>
+                                            <p:fltVal val="0"/>
+                                          </p:val>
+                                        </p:tav>
+                                        <p:tav tm="100000">
+                                          <p:val>
+                                            <p:strVal val="#ppt_h"/>
+                                          </p:val>
+                                        </p:tav>
+                                      </p:tavLst>
+                                    </p:anim>
+                                    <p:animEffect transition="in" filter="fade">
+                                      <p:cBhvr>
+                                        <p:cTn id="31" dur="250"/>
+                                        <p:tgtEl>
+                                          <p:spTgt spid="15"/>
+                                        </p:tgtEl>
+                                      </p:cBhvr>
+                                    </p:animEffect>
+                                  </p:childTnLst>
+                                </p:cTn>
+                              </p:par>
+                            </p:childTnLst>
+                          </p:cTn>
+                        </p:par>
+                        <p:par>
+                          <p:cTn id="32" fill="hold">
+                            <p:stCondLst>
+                              <p:cond delay="3000"/>
+                            </p:stCondLst>
+                            <p:childTnLst>
+                              <p:par>
+                                <p:cTn id="33" presetID="35" presetClass="path" presetSubtype="0" accel="50000" decel="50000" fill="hold" grpId="1" nodeType="afterEffect">
+                                  <p:stCondLst>
+                                    <p:cond delay="0"/>
+                                  </p:stCondLst>
+                                  <p:childTnLst>
+                                    <p:animMotion origin="layout" path="M 0 -4.07407E-6 L 0.34896 -4.07407E-6 " pathEditMode="relative" rAng="0" ptsTypes="AA">
+                                      <p:cBhvr>
+                                        <p:cTn id="34" dur="250" spd="-100000" fill="hold"/>
+                                        <p:tgtEl>
+                                          <p:spTgt spid="15"/>
+                                        </p:tgtEl>
+                                        <p:attrNameLst>
+                                          <p:attrName>ppt_x</p:attrName>
+                                          <p:attrName>ppt_y</p:attrName>
+                                        </p:attrNameLst>
+                                      </p:cBhvr>
+                                      <p:rCtr x="17448" y="0"/>
+                                    </p:animMotion>
+                                  </p:childTnLst>
+                                </p:cTn>
+                              </p:par>
+                            </p:childTnLst>
+                          </p:cTn>
+                        </p:par>
+                        <p:par>
+                          <p:cTn id="35" fill="hold">
+                            <p:stCondLst>
+                              <p:cond delay="3500"/>
+                            </p:stCondLst>
+                            <p:childTnLst>
+                              <p:par>
+                                <p:cTn id="36" presetID="2" presetClass="entr" presetSubtype="8" fill="hold" grpId="0" nodeType="afterEffect">
+                                  <p:stCondLst>
+                                    <p:cond delay="0"/>
+                                  </p:stCondLst>
+                                  <p:childTnLst>
+                                    <p:set>
+                                      <p:cBhvr>
+                                        <p:cTn id="37" dur="1" fill="hold">
+                                          <p:stCondLst>
+                                            <p:cond delay="0"/>
+                                          </p:stCondLst>
+                                        </p:cTn>
+                                        <p:tgtEl>
+                                          <p:spTgt spid="10"/>
+                                        </p:tgtEl>
+                                        <p:attrNameLst>
+                                          <p:attrName>style.visibility</p:attrName>
+                                        </p:attrNameLst>
+                                      </p:cBhvr>
+                                      <p:to>
+                                        <p:strVal val="visible"/>
+                                      </p:to>
+                                    </p:set>
+                                    <p:anim calcmode="lin" valueType="num">
+                                      <p:cBhvr additive="base">
+                                        <p:cTn id="38" dur="10" fill="hold"/>
+                                        <p:tgtEl>
+                                          <p:spTgt spid="10"/>
+                                        </p:tgtEl>
+                                        <p:attrNameLst>
+                                          <p:attrName>ppt_x</p:attrName>
+                                        </p:attrNameLst>
+                                      </p:cBhvr>
+                                      <p:tavLst>
+                                        <p:tav tm="0">
+                                          <p:val>
+                                            <p:strVal val="0-#ppt_w/2"/>
+                                          </p:val>
+                                        </p:tav>
+                                        <p:tav tm="100000">
+                                          <p:val>
+                                            <p:strVal val="#ppt_x"/>
+                                          </p:val>
+                                        </p:tav>
+                                      </p:tavLst>
+                                    </p:anim>
+                                    <p:anim calcmode="lin" valueType="num">
+                                      <p:cBhvr additive="base">
+                                        <p:cTn id="39" dur="10" fill="hold"/>
+                                        <p:tgtEl>
+                                          <p:spTgt spid="10"/>
+                                        </p:tgtEl>
+                                        <p:attrNameLst>
+                                          <p:attrName>ppt_y</p:attrName>
+                                        </p:attrNameLst>
+                                      </p:cBhvr>
+                                      <p:tavLst>
+                                        <p:tav tm="0">
+                                          <p:val>
+                                            <p:strVal val="#ppt_y"/>
+                                          </p:val>
+                                        </p:tav>
+                                        <p:tav tm="100000">
+                                          <p:val>
+                                            <p:strVal val="#ppt_y"/>
+                                          </p:val>
+                                        </p:tav>
+                                      </p:tavLst>
+                                    </p:anim>
+                                  </p:childTnLst>
+                                </p:cTn>
+                              </p:par>
+                            </p:childTnLst>
+                          </p:cTn>
+                        </p:par>
+                      </p:childTnLst>
+                    </p:cTn>
+                  </p:par>
+                </p:childTnLst>
+              </p:cTn>
+              <p:prevCondLst>
+                <p:cond evt="onPrev" delay="0">
+                  <p:tgtEl>
+                    <p:sldTgt/>
+                  </p:tgtEl>
+                </p:cond>
+              </p:prevCondLst>
+              <p:nextCondLst>
+                <p:cond evt="onNext" delay="0">
+                  <p:tgtEl>
+                    <p:sldTgt/>
+                  </p:tgtEl>
+                </p:cond>
+              </p:nextCondLst>
+            </p:seq>
+          </p:childTnLst>
+        </p:cTn>
+      </p:par>
+    </p:tnLst>
+    <p:bldLst>
+      <p:bldP spid="15" grpId="0"/>
+      <p:bldP spid="15" grpId="1"/>
+      <p:bldP spid="26" grpId="0"/>
+      <p:bldP spid="26" grpId="1"/>
+      <p:bldP spid="26" grpId="2"/>
+      <p:bldP spid="16" grpId="0"/>
+      <p:bldP spid="10" grpId="0" animBg="1" autoUpdateAnimBg="0"/>
+    </p:bldLst>
+  </p:timing>
+</p:sld>
+</file>
+
+<file path=ppt/slides/slide7.xml><?xml version="1.0" encoding="utf-8"?>
+<p:sld xmlns:a="http://schemas.openxmlformats.org/drawingml/2006/main" xmlns:r="http://schemas.openxmlformats.org/officeDocument/2006/relationships" xmlns:p="http://schemas.openxmlformats.org/presentationml/2006/main">
+  <p:cSld>
+    <p:spTree>
+      <p:nvGrpSpPr>
+        <p:cNvPr id="1" name=""/>
+        <p:cNvGrpSpPr/>
+        <p:nvPr/>
+      </p:nvGrpSpPr>
+      <p:grpSpPr>
+        <a:xfrm>
+          <a:off x="0" y="0"/>
+          <a:ext cx="0" cy="0"/>
+          <a:chOff x="0" y="0"/>
+          <a:chExt cx="0" cy="0"/>
+        </a:xfrm>
+      </p:grpSpPr>
+      <p:sp>
+        <p:nvSpPr>
+          <p:cNvPr id="15" name="矩形 14"/>
+          <p:cNvSpPr/>
+          <p:nvPr/>
+        </p:nvSpPr>
+        <p:spPr>
+          <a:xfrm>
+            <a:off x="253" y="196280"/>
+            <a:ext cx="144049" cy="504056"/>
+          </a:xfrm>
+          <a:prstGeom prst="rect">
+            <a:avLst/>
+          </a:prstGeom>
+          <a:solidFill>
+            <a:schemeClr val="accent1"/>
+          </a:solidFill>
+          <a:ln>
+            <a:noFill/>
+          </a:ln>
+        </p:spPr>
+        <p:style>
+          <a:lnRef idx="2">
+            <a:schemeClr val="accent1">
+              <a:shade val="50000"/>
+            </a:schemeClr>
+          </a:lnRef>
+          <a:fillRef idx="1">
+            <a:schemeClr val="accent1"/>
+          </a:fillRef>
+          <a:effectRef idx="0">
+            <a:schemeClr val="accent1"/>
+          </a:effectRef>
+          <a:fontRef idx="minor">
+            <a:schemeClr val="lt1"/>
+          </a:fontRef>
+        </p:style>
+        <p:txBody>
+          <a:bodyPr lIns="68584" tIns="34292" rIns="68584" bIns="34292" rtlCol="0" anchor="ctr"/>
+          <a:lstStyle/>
+          <a:p>
+            <a:pPr marL="0" marR="0" lvl="0" indent="0" algn="ctr" defTabSz="685165" rtl="0" eaLnBrk="1" fontAlgn="auto" latinLnBrk="0" hangingPunct="1">
+              <a:lnSpc>
+                <a:spcPct val="100000"/>
+              </a:lnSpc>
+              <a:spcBef>
+                <a:spcPts val="0"/>
+              </a:spcBef>
+              <a:spcAft>
+                <a:spcPts val="0"/>
+              </a:spcAft>
+              <a:buClrTx/>
+              <a:buSzTx/>
+              <a:buFontTx/>
+              <a:buNone/>
+              <a:defRPr/>
+            </a:pPr>
+            <a:endParaRPr kumimoji="0" lang="zh-CN" altLang="en-US" sz="1400" b="0" i="0" u="none" strike="noStrike" kern="1200" cap="none" spc="0" normalizeH="0" baseline="0" noProof="0" dirty="0">
+              <a:ln>
+                <a:noFill/>
+              </a:ln>
+              <a:solidFill>
+                <a:srgbClr val="E7E6E6">
+                  <a:lumMod val="50000"/>
+                </a:srgbClr>
+              </a:solidFill>
+              <a:effectLst/>
+              <a:uLnTx/>
+              <a:uFillTx/>
+              <a:latin typeface="Calibri" panose="020F0502020204030204"/>
+              <a:ea typeface="宋体" panose="02010600030101010101" pitchFamily="2" charset="-122"/>
+              <a:cs typeface="+mn-ea"/>
+              <a:sym typeface="+mn-lt"/>
+            </a:endParaRPr>
+          </a:p>
+        </p:txBody>
+      </p:sp>
+      <p:sp>
+        <p:nvSpPr>
+          <p:cNvPr id="7" name="文本框 6"/>
+          <p:cNvSpPr txBox="1"/>
+          <p:nvPr/>
+        </p:nvSpPr>
+        <p:spPr>
+          <a:xfrm>
+            <a:off x="251520" y="204373"/>
+            <a:ext cx="3672408" cy="461665"/>
+          </a:xfrm>
+          <a:prstGeom prst="rect">
+            <a:avLst/>
+          </a:prstGeom>
+          <a:noFill/>
+        </p:spPr>
+        <p:txBody>
+          <a:bodyPr wrap="square">
+            <a:spAutoFit/>
+          </a:bodyPr>
+          <a:lstStyle/>
+          <a:p>
+            <a:pPr marL="0" marR="0" lvl="0" indent="0" algn="l" defTabSz="914400" rtl="0" eaLnBrk="1" fontAlgn="auto" latinLnBrk="0" hangingPunct="1">
+              <a:lnSpc>
+                <a:spcPct val="100000"/>
+              </a:lnSpc>
+              <a:spcBef>
+                <a:spcPts val="0"/>
+              </a:spcBef>
+              <a:spcAft>
+                <a:spcPts val="0"/>
+              </a:spcAft>
+              <a:buClrTx/>
+              <a:buSzTx/>
+              <a:buFontTx/>
+              <a:buNone/>
+              <a:defRPr/>
+            </a:pPr>
+            <a:r>
+              <a:rPr kumimoji="0" lang="zh-CN" altLang="en-US" sz="2400" b="1" i="0" u="none" strike="noStrike" kern="100" cap="none" spc="0" normalizeH="0" baseline="0" noProof="0" dirty="0">
+                <a:ln>
+                  <a:noFill/>
+                </a:ln>
+                <a:solidFill>
+                  <a:prstClr val="black">
+                    <a:lumMod val="50000"/>
+                    <a:lumOff val="50000"/>
+                  </a:prstClr>
+                </a:solidFill>
+                <a:effectLst/>
+                <a:uLnTx/>
+                <a:uFillTx/>
+                <a:latin typeface="方正兰亭超细黑简体" panose="02000000000000000000" pitchFamily="2" charset="-122"/>
+                <a:ea typeface="方正兰亭超细黑简体" panose="02000000000000000000" pitchFamily="2" charset="-122"/>
+                <a:cs typeface="Times New Roman" panose="02020603050405020304" pitchFamily="18" charset="0"/>
+              </a:rPr>
+              <a:t>系统展示</a:t>
+            </a:r>
+            <a:r>
+              <a:rPr kumimoji="0" lang="en-US" altLang="zh-CN" sz="2400" b="1" i="0" u="none" strike="noStrike" kern="100" cap="none" spc="0" normalizeH="0" baseline="0" noProof="0" dirty="0">
+                <a:ln>
+                  <a:noFill/>
+                </a:ln>
+                <a:solidFill>
+                  <a:prstClr val="black">
+                    <a:lumMod val="50000"/>
+                    <a:lumOff val="50000"/>
+                  </a:prstClr>
+                </a:solidFill>
+                <a:effectLst/>
+                <a:uLnTx/>
+                <a:uFillTx/>
+                <a:latin typeface="方正兰亭超细黑简体" panose="02000000000000000000" pitchFamily="2" charset="-122"/>
+                <a:ea typeface="方正兰亭超细黑简体" panose="02000000000000000000" pitchFamily="2" charset="-122"/>
+                <a:cs typeface="Times New Roman" panose="02020603050405020304" pitchFamily="18" charset="0"/>
+              </a:rPr>
+              <a:t>——</a:t>
+            </a:r>
+            <a:r>
+              <a:rPr kumimoji="0" lang="zh-CN" altLang="en-US" sz="2400" b="1" i="0" u="none" strike="noStrike" kern="100" cap="none" spc="0" normalizeH="0" baseline="0" noProof="0" dirty="0">
+                <a:ln>
+                  <a:noFill/>
+                </a:ln>
+                <a:solidFill>
+                  <a:prstClr val="black">
+                    <a:lumMod val="50000"/>
+                    <a:lumOff val="50000"/>
+                  </a:prstClr>
+                </a:solidFill>
+                <a:effectLst/>
+                <a:uLnTx/>
+                <a:uFillTx/>
+                <a:latin typeface="方正兰亭超细黑简体" panose="02000000000000000000" pitchFamily="2" charset="-122"/>
+                <a:ea typeface="方正兰亭超细黑简体" panose="02000000000000000000" pitchFamily="2" charset="-122"/>
+                <a:cs typeface="Times New Roman" panose="02020603050405020304" pitchFamily="18" charset="0"/>
+              </a:rPr>
+              <a:t>主页</a:t>
+            </a:r>
+            <a:endParaRPr kumimoji="0" lang="zh-CN" altLang="en-US" sz="2400" b="1" i="0" u="none" strike="noStrike" kern="1200" cap="none" spc="0" normalizeH="0" baseline="0" noProof="0" dirty="0">
+              <a:ln>
+                <a:noFill/>
+              </a:ln>
+              <a:solidFill>
+                <a:srgbClr val="093B5C"/>
+              </a:solidFill>
+              <a:effectLst/>
+              <a:uLnTx/>
+              <a:uFillTx/>
+              <a:latin typeface="方正兰亭超细黑简体" panose="02000000000000000000" pitchFamily="2" charset="-122"/>
+              <a:ea typeface="方正兰亭超细黑简体" panose="02000000000000000000" pitchFamily="2" charset="-122"/>
+              <a:cs typeface="+mn-cs"/>
+            </a:endParaRPr>
+          </a:p>
+        </p:txBody>
+      </p:sp>
+      <p:pic>
+        <p:nvPicPr>
+          <p:cNvPr id="4" name="图片 3">
+            <a:extLst>
+              <a:ext uri="{FF2B5EF4-FFF2-40B4-BE49-F238E27FC236}">
+                <a16:creationId xmlns:a16="http://schemas.microsoft.com/office/drawing/2014/main" id="{1B782DE7-8E36-02E8-5D6B-81E9EB2F0874}"/>
+              </a:ext>
+            </a:extLst>
+          </p:cNvPr>
+          <p:cNvPicPr>
+            <a:picLocks noChangeAspect="1"/>
+          </p:cNvPicPr>
+          <p:nvPr/>
+        </p:nvPicPr>
+        <p:blipFill>
+          <a:blip r:embed="rId3"/>
+          <a:stretch>
+            <a:fillRect/>
+          </a:stretch>
+        </p:blipFill>
+        <p:spPr>
+          <a:xfrm>
+            <a:off x="0" y="700336"/>
+            <a:ext cx="9144000" cy="4440826"/>
+          </a:xfrm>
+          <a:prstGeom prst="rect">
+            <a:avLst/>
+          </a:prstGeom>
+        </p:spPr>
+      </p:pic>
+    </p:spTree>
+    <p:extLst>
+      <p:ext uri="{BB962C8B-B14F-4D97-AF65-F5344CB8AC3E}">
+        <p14:creationId xmlns:p14="http://schemas.microsoft.com/office/powerpoint/2010/main" val="871826077"/>
+      </p:ext>
+    </p:extLst>
+  </p:cSld>
+  <p:clrMapOvr>
+    <a:masterClrMapping/>
+  </p:clrMapOvr>
+  <p:transition spd="med" advClick="0">
+    <p:random/>
+  </p:transition>
+</p:sld>
+</file>
+
+<file path=ppt/slides/slide8.xml><?xml version="1.0" encoding="utf-8"?>
+<p:sld xmlns:a="http://schemas.openxmlformats.org/drawingml/2006/main" xmlns:r="http://schemas.openxmlformats.org/officeDocument/2006/relationships" xmlns:p="http://schemas.openxmlformats.org/presentationml/2006/main">
+  <p:cSld>
+    <p:spTree>
+      <p:nvGrpSpPr>
+        <p:cNvPr id="1" name=""/>
+        <p:cNvGrpSpPr/>
+        <p:nvPr/>
+      </p:nvGrpSpPr>
+      <p:grpSpPr>
+        <a:xfrm>
+          <a:off x="0" y="0"/>
+          <a:ext cx="0" cy="0"/>
+          <a:chOff x="0" y="0"/>
+          <a:chExt cx="0" cy="0"/>
+        </a:xfrm>
+      </p:grpSpPr>
+      <p:sp>
+        <p:nvSpPr>
+          <p:cNvPr id="15" name="矩形 14"/>
+          <p:cNvSpPr/>
+          <p:nvPr/>
+        </p:nvSpPr>
+        <p:spPr>
+          <a:xfrm>
+            <a:off x="253" y="196280"/>
+            <a:ext cx="144049" cy="504056"/>
+          </a:xfrm>
+          <a:prstGeom prst="rect">
+            <a:avLst/>
+          </a:prstGeom>
+          <a:solidFill>
+            <a:schemeClr val="accent1"/>
+          </a:solidFill>
+          <a:ln>
+            <a:noFill/>
+          </a:ln>
+        </p:spPr>
+        <p:style>
+          <a:lnRef idx="2">
+            <a:schemeClr val="accent1">
+              <a:shade val="50000"/>
+            </a:schemeClr>
+          </a:lnRef>
+          <a:fillRef idx="1">
+            <a:schemeClr val="accent1"/>
+          </a:fillRef>
+          <a:effectRef idx="0">
+            <a:schemeClr val="accent1"/>
+          </a:effectRef>
+          <a:fontRef idx="minor">
+            <a:schemeClr val="lt1"/>
+          </a:fontRef>
+        </p:style>
+        <p:txBody>
+          <a:bodyPr lIns="68584" tIns="34292" rIns="68584" bIns="34292" rtlCol="0" anchor="ctr"/>
+          <a:lstStyle/>
+          <a:p>
+            <a:pPr marL="0" marR="0" lvl="0" indent="0" algn="ctr" defTabSz="685165" rtl="0" eaLnBrk="1" fontAlgn="auto" latinLnBrk="0" hangingPunct="1">
+              <a:lnSpc>
+                <a:spcPct val="100000"/>
+              </a:lnSpc>
+              <a:spcBef>
+                <a:spcPts val="0"/>
+              </a:spcBef>
+              <a:spcAft>
+                <a:spcPts val="0"/>
+              </a:spcAft>
+              <a:buClrTx/>
+              <a:buSzTx/>
+              <a:buFontTx/>
+              <a:buNone/>
+              <a:defRPr/>
+            </a:pPr>
+            <a:endParaRPr kumimoji="0" lang="zh-CN" altLang="en-US" sz="1400" b="0" i="0" u="none" strike="noStrike" kern="1200" cap="none" spc="0" normalizeH="0" baseline="0" noProof="0" dirty="0">
+              <a:ln>
+                <a:noFill/>
+              </a:ln>
+              <a:solidFill>
+                <a:srgbClr val="E7E6E6">
+                  <a:lumMod val="50000"/>
+                </a:srgbClr>
+              </a:solidFill>
+              <a:effectLst/>
+              <a:uLnTx/>
+              <a:uFillTx/>
+              <a:latin typeface="Calibri" panose="020F0502020204030204"/>
+              <a:ea typeface="宋体" panose="02010600030101010101" pitchFamily="2" charset="-122"/>
+              <a:cs typeface="+mn-ea"/>
+              <a:sym typeface="+mn-lt"/>
+            </a:endParaRPr>
+          </a:p>
+        </p:txBody>
+      </p:sp>
+      <p:sp>
+        <p:nvSpPr>
+          <p:cNvPr id="7" name="文本框 6"/>
+          <p:cNvSpPr txBox="1"/>
+          <p:nvPr/>
+        </p:nvSpPr>
+        <p:spPr>
+          <a:xfrm>
+            <a:off x="251520" y="204373"/>
+            <a:ext cx="3672408" cy="461665"/>
+          </a:xfrm>
+          <a:prstGeom prst="rect">
+            <a:avLst/>
+          </a:prstGeom>
+          <a:noFill/>
+        </p:spPr>
+        <p:txBody>
+          <a:bodyPr wrap="square">
+            <a:spAutoFit/>
+          </a:bodyPr>
+          <a:lstStyle/>
+          <a:p>
+            <a:pPr marL="0" marR="0" lvl="0" indent="0" algn="l" defTabSz="914400" rtl="0" eaLnBrk="1" fontAlgn="auto" latinLnBrk="0" hangingPunct="1">
+              <a:lnSpc>
+                <a:spcPct val="100000"/>
+              </a:lnSpc>
+              <a:spcBef>
+                <a:spcPts val="0"/>
+              </a:spcBef>
+              <a:spcAft>
+                <a:spcPts val="0"/>
+              </a:spcAft>
+              <a:buClrTx/>
+              <a:buSzTx/>
+              <a:buFontTx/>
+              <a:buNone/>
+              <a:defRPr/>
+            </a:pPr>
+            <a:r>
+              <a:rPr kumimoji="0" lang="zh-CN" altLang="en-US" sz="2400" b="1" i="0" u="none" strike="noStrike" kern="100" cap="none" spc="0" normalizeH="0" baseline="0" noProof="0" dirty="0">
+                <a:ln>
+                  <a:noFill/>
+                </a:ln>
+                <a:solidFill>
+                  <a:prstClr val="black">
+                    <a:lumMod val="50000"/>
+                    <a:lumOff val="50000"/>
+                  </a:prstClr>
+                </a:solidFill>
+                <a:effectLst/>
+                <a:uLnTx/>
+                <a:uFillTx/>
+                <a:latin typeface="方正兰亭超细黑简体" panose="02000000000000000000" pitchFamily="2" charset="-122"/>
+                <a:ea typeface="方正兰亭超细黑简体" panose="02000000000000000000" pitchFamily="2" charset="-122"/>
+                <a:cs typeface="Times New Roman" panose="02020603050405020304" pitchFamily="18" charset="0"/>
+              </a:rPr>
+              <a:t>系统展示</a:t>
+            </a:r>
+            <a:r>
+              <a:rPr kumimoji="0" lang="en-US" altLang="zh-CN" sz="2400" b="1" i="0" u="none" strike="noStrike" kern="100" cap="none" spc="0" normalizeH="0" baseline="0" noProof="0" dirty="0">
+                <a:ln>
+                  <a:noFill/>
+                </a:ln>
+                <a:solidFill>
+                  <a:prstClr val="black">
+                    <a:lumMod val="50000"/>
+                    <a:lumOff val="50000"/>
+                  </a:prstClr>
+                </a:solidFill>
+                <a:effectLst/>
+                <a:uLnTx/>
+                <a:uFillTx/>
+                <a:latin typeface="方正兰亭超细黑简体" panose="02000000000000000000" pitchFamily="2" charset="-122"/>
+                <a:ea typeface="方正兰亭超细黑简体" panose="02000000000000000000" pitchFamily="2" charset="-122"/>
+                <a:cs typeface="Times New Roman" panose="02020603050405020304" pitchFamily="18" charset="0"/>
+              </a:rPr>
+              <a:t>——</a:t>
+            </a:r>
+            <a:r>
+              <a:rPr lang="zh-CN" altLang="en-US" sz="2400" b="1" kern="100" dirty="0">
+                <a:solidFill>
+                  <a:prstClr val="black">
+                    <a:lumMod val="50000"/>
+                    <a:lumOff val="50000"/>
+                  </a:prstClr>
+                </a:solidFill>
+                <a:latin typeface="方正兰亭超细黑简体" panose="02000000000000000000" pitchFamily="2" charset="-122"/>
+                <a:ea typeface="方正兰亭超细黑简体" panose="02000000000000000000" pitchFamily="2" charset="-122"/>
+                <a:cs typeface="Times New Roman" panose="02020603050405020304" pitchFamily="18" charset="0"/>
+              </a:rPr>
+              <a:t>商品详情</a:t>
+            </a:r>
+            <a:endParaRPr kumimoji="0" lang="zh-CN" altLang="en-US" sz="2400" b="1" i="0" u="none" strike="noStrike" kern="1200" cap="none" spc="0" normalizeH="0" baseline="0" noProof="0" dirty="0">
+              <a:ln>
+                <a:noFill/>
+              </a:ln>
+              <a:solidFill>
+                <a:srgbClr val="093B5C"/>
+              </a:solidFill>
+              <a:effectLst/>
+              <a:uLnTx/>
+              <a:uFillTx/>
+              <a:latin typeface="方正兰亭超细黑简体" panose="02000000000000000000" pitchFamily="2" charset="-122"/>
+              <a:ea typeface="方正兰亭超细黑简体" panose="02000000000000000000" pitchFamily="2" charset="-122"/>
+              <a:cs typeface="+mn-cs"/>
+            </a:endParaRPr>
+          </a:p>
+        </p:txBody>
+      </p:sp>
+      <p:pic>
+        <p:nvPicPr>
+          <p:cNvPr id="6" name="图片 5">
+            <a:extLst>
+              <a:ext uri="{FF2B5EF4-FFF2-40B4-BE49-F238E27FC236}">
+                <a16:creationId xmlns:a16="http://schemas.microsoft.com/office/drawing/2014/main" id="{23E24A2B-3306-386F-7B65-33BD1BA88E6A}"/>
+              </a:ext>
+            </a:extLst>
+          </p:cNvPr>
+          <p:cNvPicPr>
+            <a:picLocks noChangeAspect="1"/>
+          </p:cNvPicPr>
+          <p:nvPr/>
+        </p:nvPicPr>
+        <p:blipFill>
+          <a:blip r:embed="rId3"/>
+          <a:stretch>
+            <a:fillRect/>
+          </a:stretch>
+        </p:blipFill>
+        <p:spPr>
+          <a:xfrm>
+            <a:off x="144302" y="1058659"/>
+            <a:ext cx="5998625" cy="3027769"/>
+          </a:xfrm>
+          <a:prstGeom prst="rect">
+            <a:avLst/>
+          </a:prstGeom>
+        </p:spPr>
+      </p:pic>
+      <p:pic>
+        <p:nvPicPr>
+          <p:cNvPr id="11" name="图片 10">
+            <a:extLst>
+              <a:ext uri="{FF2B5EF4-FFF2-40B4-BE49-F238E27FC236}">
+                <a16:creationId xmlns:a16="http://schemas.microsoft.com/office/drawing/2014/main" id="{01579F50-0A33-60C9-AF7A-481F7C1AAEEE}"/>
+              </a:ext>
+            </a:extLst>
+          </p:cNvPr>
+          <p:cNvPicPr>
+            <a:picLocks noChangeAspect="1"/>
+          </p:cNvPicPr>
+          <p:nvPr/>
+        </p:nvPicPr>
+        <p:blipFill>
+          <a:blip r:embed="rId4"/>
+          <a:stretch>
+            <a:fillRect/>
+          </a:stretch>
+        </p:blipFill>
+        <p:spPr>
+          <a:xfrm>
+            <a:off x="3527596" y="2837495"/>
+            <a:ext cx="5472608" cy="1488780"/>
+          </a:xfrm>
+          <a:prstGeom prst="rect">
+            <a:avLst/>
+          </a:prstGeom>
+        </p:spPr>
+      </p:pic>
+      <p:cxnSp>
+        <p:nvCxnSpPr>
+          <p:cNvPr id="13" name="直接连接符 12">
+            <a:extLst>
+              <a:ext uri="{FF2B5EF4-FFF2-40B4-BE49-F238E27FC236}">
+                <a16:creationId xmlns:a16="http://schemas.microsoft.com/office/drawing/2014/main" id="{72AD8535-9A95-3E9B-B5F0-0393E051777E}"/>
+              </a:ext>
+            </a:extLst>
+          </p:cNvPr>
+          <p:cNvCxnSpPr>
+            <a:cxnSpLocks/>
+          </p:cNvCxnSpPr>
+          <p:nvPr/>
+        </p:nvCxnSpPr>
+        <p:spPr>
+          <a:xfrm flipV="1">
+            <a:off x="4500245" y="1678832"/>
+            <a:ext cx="2160240" cy="828092"/>
+          </a:xfrm>
+          <a:prstGeom prst="line">
+            <a:avLst/>
+          </a:prstGeom>
+        </p:spPr>
+        <p:style>
+          <a:lnRef idx="1">
+            <a:schemeClr val="dk1"/>
+          </a:lnRef>
+          <a:fillRef idx="0">
+            <a:schemeClr val="dk1"/>
+          </a:fillRef>
+          <a:effectRef idx="0">
+            <a:schemeClr val="dk1"/>
+          </a:effectRef>
+          <a:fontRef idx="minor">
+            <a:schemeClr val="tx1"/>
+          </a:fontRef>
+        </p:style>
+      </p:cxnSp>
+      <p:sp>
+        <p:nvSpPr>
+          <p:cNvPr id="17" name="文本框 16">
+            <a:extLst>
+              <a:ext uri="{FF2B5EF4-FFF2-40B4-BE49-F238E27FC236}">
+                <a16:creationId xmlns:a16="http://schemas.microsoft.com/office/drawing/2014/main" id="{53562B4F-7562-3CBC-3C68-38FF0EA4387E}"/>
+              </a:ext>
+            </a:extLst>
+          </p:cNvPr>
+          <p:cNvSpPr txBox="1"/>
+          <p:nvPr/>
+        </p:nvSpPr>
+        <p:spPr>
+          <a:xfrm>
+            <a:off x="6781777" y="2080755"/>
+            <a:ext cx="2074951" cy="400110"/>
+          </a:xfrm>
+          <a:prstGeom prst="rect">
+            <a:avLst/>
+          </a:prstGeom>
+          <a:noFill/>
+        </p:spPr>
+        <p:txBody>
+          <a:bodyPr wrap="square" rtlCol="0">
+            <a:spAutoFit/>
+          </a:bodyPr>
+          <a:lstStyle/>
+          <a:p>
+            <a:pPr marL="342900" indent="-342900" algn="just">
+              <a:buClr>
+                <a:srgbClr val="9BAFB5"/>
+              </a:buClr>
+              <a:buFont typeface="Arial" panose="020B0604020202020204" pitchFamily="34" charset="0"/>
+              <a:buChar char="•"/>
+              <a:defRPr/>
+            </a:pPr>
+            <a:r>
+              <a:rPr lang="zh-CN" altLang="en-US" sz="2000" b="1" dirty="0">
+                <a:solidFill>
+                  <a:srgbClr val="AEAEAE"/>
+                </a:solidFill>
+                <a:latin typeface="Gill Sans MT" panose="020B0502020104020203"/>
+                <a:ea typeface="方正兰亭超细黑简体" panose="02000000000000000000"/>
+              </a:rPr>
+              <a:t>添加至收藏夹</a:t>
+            </a:r>
+            <a:endParaRPr lang="zh-CN" altLang="en-US" sz="2000" b="1" dirty="0">
+              <a:solidFill>
+                <a:srgbClr val="AEAEAE"/>
+              </a:solidFill>
+            </a:endParaRPr>
+          </a:p>
+        </p:txBody>
+      </p:sp>
+      <p:cxnSp>
+        <p:nvCxnSpPr>
+          <p:cNvPr id="19" name="直接连接符 18">
+            <a:extLst>
+              <a:ext uri="{FF2B5EF4-FFF2-40B4-BE49-F238E27FC236}">
+                <a16:creationId xmlns:a16="http://schemas.microsoft.com/office/drawing/2014/main" id="{B0939AE3-9790-A480-0689-A294DFDC39D1}"/>
+              </a:ext>
+            </a:extLst>
+          </p:cNvPr>
+          <p:cNvCxnSpPr/>
+          <p:nvPr/>
+        </p:nvCxnSpPr>
+        <p:spPr>
+          <a:xfrm flipV="1">
+            <a:off x="5148317" y="2218892"/>
+            <a:ext cx="1512168" cy="288032"/>
+          </a:xfrm>
+          <a:prstGeom prst="line">
+            <a:avLst/>
+          </a:prstGeom>
+        </p:spPr>
+        <p:style>
+          <a:lnRef idx="1">
+            <a:schemeClr val="dk1"/>
+          </a:lnRef>
+          <a:fillRef idx="0">
+            <a:schemeClr val="dk1"/>
+          </a:fillRef>
+          <a:effectRef idx="0">
+            <a:schemeClr val="dk1"/>
+          </a:effectRef>
+          <a:fontRef idx="minor">
+            <a:schemeClr val="tx1"/>
+          </a:fontRef>
+        </p:style>
+      </p:cxnSp>
+      <p:cxnSp>
+        <p:nvCxnSpPr>
+          <p:cNvPr id="22" name="直接连接符 21">
+            <a:extLst>
+              <a:ext uri="{FF2B5EF4-FFF2-40B4-BE49-F238E27FC236}">
+                <a16:creationId xmlns:a16="http://schemas.microsoft.com/office/drawing/2014/main" id="{185C974E-442E-BC67-A6CA-D28B42821E7E}"/>
+              </a:ext>
+            </a:extLst>
+          </p:cNvPr>
+          <p:cNvCxnSpPr>
+            <a:cxnSpLocks/>
+          </p:cNvCxnSpPr>
+          <p:nvPr/>
+        </p:nvCxnSpPr>
+        <p:spPr>
+          <a:xfrm flipV="1">
+            <a:off x="3924181" y="1076854"/>
+            <a:ext cx="2736304" cy="1430070"/>
+          </a:xfrm>
+          <a:prstGeom prst="line">
+            <a:avLst/>
+          </a:prstGeom>
+        </p:spPr>
+        <p:style>
+          <a:lnRef idx="1">
+            <a:schemeClr val="dk1"/>
+          </a:lnRef>
+          <a:fillRef idx="0">
+            <a:schemeClr val="dk1"/>
+          </a:fillRef>
+          <a:effectRef idx="0">
+            <a:schemeClr val="dk1"/>
+          </a:effectRef>
+          <a:fontRef idx="minor">
+            <a:schemeClr val="tx1"/>
+          </a:fontRef>
+        </p:style>
+      </p:cxnSp>
+      <p:sp>
+        <p:nvSpPr>
+          <p:cNvPr id="23" name="文本框 22">
+            <a:extLst>
+              <a:ext uri="{FF2B5EF4-FFF2-40B4-BE49-F238E27FC236}">
+                <a16:creationId xmlns:a16="http://schemas.microsoft.com/office/drawing/2014/main" id="{73D6C5D6-5FE3-13F1-9A63-E657CF56D305}"/>
+              </a:ext>
+            </a:extLst>
+          </p:cNvPr>
+          <p:cNvSpPr txBox="1"/>
+          <p:nvPr/>
+        </p:nvSpPr>
+        <p:spPr>
+          <a:xfrm>
+            <a:off x="6767703" y="1478777"/>
+            <a:ext cx="1872208" cy="400110"/>
+          </a:xfrm>
+          <a:prstGeom prst="rect">
+            <a:avLst/>
+          </a:prstGeom>
+          <a:noFill/>
+        </p:spPr>
+        <p:txBody>
+          <a:bodyPr wrap="square" rtlCol="0">
+            <a:spAutoFit/>
+          </a:bodyPr>
+          <a:lstStyle/>
+          <a:p>
+            <a:pPr marL="342900" indent="-342900" algn="just">
+              <a:buClr>
+                <a:srgbClr val="9BAFB5"/>
+              </a:buClr>
+              <a:buFont typeface="Arial" panose="020B0604020202020204" pitchFamily="34" charset="0"/>
+              <a:buChar char="•"/>
+              <a:defRPr/>
+            </a:pPr>
+            <a:r>
+              <a:rPr lang="zh-CN" altLang="en-US" sz="2000" b="1" dirty="0">
+                <a:solidFill>
+                  <a:srgbClr val="AEAEAE"/>
+                </a:solidFill>
+                <a:latin typeface="Gill Sans MT" panose="020B0502020104020203"/>
+                <a:ea typeface="方正兰亭超细黑简体" panose="02000000000000000000"/>
+              </a:rPr>
+              <a:t>加入购物车</a:t>
+            </a:r>
+            <a:endParaRPr lang="zh-CN" altLang="en-US" sz="2000" b="1" dirty="0">
+              <a:solidFill>
+                <a:srgbClr val="AEAEAE"/>
+              </a:solidFill>
+            </a:endParaRPr>
+          </a:p>
+        </p:txBody>
+      </p:sp>
+      <p:sp>
+        <p:nvSpPr>
+          <p:cNvPr id="24" name="文本框 23">
+            <a:extLst>
+              <a:ext uri="{FF2B5EF4-FFF2-40B4-BE49-F238E27FC236}">
+                <a16:creationId xmlns:a16="http://schemas.microsoft.com/office/drawing/2014/main" id="{702BA6F8-37B6-8196-8973-5E506078FC20}"/>
+              </a:ext>
+            </a:extLst>
+          </p:cNvPr>
+          <p:cNvSpPr txBox="1"/>
+          <p:nvPr/>
+        </p:nvSpPr>
+        <p:spPr>
+          <a:xfrm>
+            <a:off x="6764442" y="876799"/>
+            <a:ext cx="1872208" cy="400110"/>
+          </a:xfrm>
+          <a:prstGeom prst="rect">
+            <a:avLst/>
+          </a:prstGeom>
+          <a:noFill/>
+        </p:spPr>
+        <p:txBody>
+          <a:bodyPr wrap="square" rtlCol="0">
+            <a:spAutoFit/>
+          </a:bodyPr>
+          <a:lstStyle/>
+          <a:p>
+            <a:pPr marL="342900" indent="-342900" algn="just">
+              <a:buClr>
+                <a:srgbClr val="9BAFB5"/>
+              </a:buClr>
+              <a:buFont typeface="Arial" panose="020B0604020202020204" pitchFamily="34" charset="0"/>
+              <a:buChar char="•"/>
+              <a:defRPr/>
+            </a:pPr>
+            <a:r>
+              <a:rPr lang="zh-CN" altLang="en-US" sz="2000" b="1" dirty="0">
+                <a:solidFill>
+                  <a:srgbClr val="AEAEAE"/>
+                </a:solidFill>
+                <a:latin typeface="Gill Sans MT" panose="020B0502020104020203"/>
+                <a:ea typeface="方正兰亭超细黑简体" panose="02000000000000000000"/>
+              </a:rPr>
+              <a:t>数量选择</a:t>
+            </a:r>
+            <a:endParaRPr lang="zh-CN" altLang="en-US" sz="2000" b="1" dirty="0">
+              <a:solidFill>
+                <a:srgbClr val="AEAEAE"/>
+              </a:solidFill>
+            </a:endParaRPr>
+          </a:p>
+        </p:txBody>
+      </p:sp>
+      <p:sp>
+        <p:nvSpPr>
+          <p:cNvPr id="26" name="文本框 25">
+            <a:extLst>
+              <a:ext uri="{FF2B5EF4-FFF2-40B4-BE49-F238E27FC236}">
+                <a16:creationId xmlns:a16="http://schemas.microsoft.com/office/drawing/2014/main" id="{45C5665A-708E-7BC2-8E57-D82038752E72}"/>
+              </a:ext>
+            </a:extLst>
+          </p:cNvPr>
+          <p:cNvSpPr txBox="1"/>
+          <p:nvPr/>
+        </p:nvSpPr>
+        <p:spPr>
+          <a:xfrm>
+            <a:off x="1079612" y="4278994"/>
+            <a:ext cx="1872208" cy="400110"/>
+          </a:xfrm>
+          <a:prstGeom prst="rect">
+            <a:avLst/>
+          </a:prstGeom>
+          <a:noFill/>
+        </p:spPr>
+        <p:txBody>
+          <a:bodyPr wrap="square" rtlCol="0">
+            <a:spAutoFit/>
+          </a:bodyPr>
+          <a:lstStyle/>
+          <a:p>
+            <a:pPr algn="just">
+              <a:buClr>
+                <a:srgbClr val="9BAFB5"/>
+              </a:buClr>
+              <a:defRPr/>
+            </a:pPr>
+            <a:r>
+              <a:rPr lang="zh-CN" altLang="en-US" sz="2000" b="1" dirty="0">
+                <a:solidFill>
+                  <a:srgbClr val="AEAEAE"/>
+                </a:solidFill>
+                <a:ea typeface="方正兰亭超细黑简体" panose="02000000000000000000"/>
+              </a:rPr>
+              <a:t>商品信息</a:t>
+            </a:r>
+          </a:p>
+        </p:txBody>
+      </p:sp>
+      <p:sp>
+        <p:nvSpPr>
+          <p:cNvPr id="28" name="文本框 27">
+            <a:extLst>
+              <a:ext uri="{FF2B5EF4-FFF2-40B4-BE49-F238E27FC236}">
+                <a16:creationId xmlns:a16="http://schemas.microsoft.com/office/drawing/2014/main" id="{367D9D8C-FF30-AA75-4493-0DB4ED80D43E}"/>
+              </a:ext>
+            </a:extLst>
+          </p:cNvPr>
+          <p:cNvSpPr txBox="1"/>
+          <p:nvPr/>
+        </p:nvSpPr>
+        <p:spPr>
+          <a:xfrm>
+            <a:off x="5778388" y="4494438"/>
+            <a:ext cx="1241884" cy="369332"/>
+          </a:xfrm>
+          <a:prstGeom prst="rect">
+            <a:avLst/>
+          </a:prstGeom>
+          <a:noFill/>
+        </p:spPr>
+        <p:txBody>
+          <a:bodyPr wrap="square">
+            <a:spAutoFit/>
+          </a:bodyPr>
+          <a:lstStyle/>
+          <a:p>
+            <a:pPr algn="just">
+              <a:buClr>
+                <a:srgbClr val="9BAFB5"/>
+              </a:buClr>
+              <a:defRPr/>
+            </a:pPr>
+            <a:r>
+              <a:rPr lang="zh-CN" altLang="en-US" sz="1800" b="1" dirty="0">
+                <a:solidFill>
+                  <a:srgbClr val="AEAEAE"/>
+                </a:solidFill>
+                <a:ea typeface="方正兰亭超细黑简体" panose="02000000000000000000"/>
+              </a:rPr>
+              <a:t>相似推荐</a:t>
+            </a:r>
+          </a:p>
+        </p:txBody>
+      </p:sp>
+    </p:spTree>
+    <p:extLst>
+      <p:ext uri="{BB962C8B-B14F-4D97-AF65-F5344CB8AC3E}">
+        <p14:creationId xmlns:p14="http://schemas.microsoft.com/office/powerpoint/2010/main" val="3006670419"/>
+      </p:ext>
+    </p:extLst>
+  </p:cSld>
+  <p:clrMapOvr>
+    <a:masterClrMapping/>
+  </p:clrMapOvr>
+  <p:transition spd="med" advClick="0">
+    <p:random/>
+  </p:transition>
+</p:sld>
+</file>
+
+<file path=ppt/slides/slide9.xml><?xml version="1.0" encoding="utf-8"?>
+<p:sld xmlns:a="http://schemas.openxmlformats.org/drawingml/2006/main" xmlns:r="http://schemas.openxmlformats.org/officeDocument/2006/relationships" xmlns:p="http://schemas.openxmlformats.org/presentationml/2006/main">
+  <p:cSld>
+    <p:spTree>
+      <p:nvGrpSpPr>
+        <p:cNvPr id="1" name=""/>
+        <p:cNvGrpSpPr/>
+        <p:nvPr/>
+      </p:nvGrpSpPr>
+      <p:grpSpPr>
+        <a:xfrm>
+          <a:off x="0" y="0"/>
+          <a:ext cx="0" cy="0"/>
+          <a:chOff x="0" y="0"/>
+          <a:chExt cx="0" cy="0"/>
+        </a:xfrm>
+      </p:grpSpPr>
+      <p:sp>
+        <p:nvSpPr>
+          <p:cNvPr id="15" name="文本框 12"/>
+          <p:cNvSpPr txBox="1">
+            <a:spLocks noChangeArrowheads="1"/>
+          </p:cNvSpPr>
+          <p:nvPr/>
+        </p:nvSpPr>
+        <p:spPr bwMode="auto">
+          <a:xfrm>
+            <a:off x="4391980" y="1495179"/>
+            <a:ext cx="4064705" cy="500137"/>
+          </a:xfrm>
+          <a:prstGeom prst="rect">
+            <a:avLst/>
+          </a:prstGeom>
+          <a:noFill/>
+          <a:ln>
+            <a:noFill/>
+          </a:ln>
+          <a:extLst>
+            <a:ext uri="{909E8E84-426E-40DD-AFC4-6F175D3DCCD1}">
+              <a14:hiddenFill xmlns:a14="http://schemas.microsoft.com/office/drawing/2010/main">
+                <a:solidFill>
+                  <a:srgbClr val="FFFFFF"/>
+                </a:solidFill>
+              </a14:hiddenFill>
+            </a:ext>
+            <a:ext uri="{91240B29-F687-4F45-9708-019B960494DF}">
+              <a14:hiddenLine xmlns:a14="http://schemas.microsoft.com/office/drawing/2010/main" w="9525">
+                <a:solidFill>
+                  <a:srgbClr val="000000"/>
+                </a:solidFill>
+                <a:miter lim="800000"/>
+                <a:headEnd/>
+                <a:tailEnd/>
+              </a14:hiddenLine>
+            </a:ext>
+          </a:extLst>
+        </p:spPr>
+        <p:txBody>
+          <a:bodyPr wrap="square" lIns="68580" tIns="34290" rIns="68580" bIns="34290">
+            <a:spAutoFit/>
+          </a:bodyPr>
+          <a:lstStyle>
+            <a:lvl1pPr>
+              <a:defRPr sz="1300">
+                <a:solidFill>
+                  <a:schemeClr val="tx1"/>
+                </a:solidFill>
+                <a:latin typeface="方正正黑简体" pitchFamily="2" charset="-122"/>
+                <a:ea typeface="方正正黑简体" pitchFamily="2" charset="-122"/>
+              </a:defRPr>
+            </a:lvl1pPr>
+            <a:lvl2pPr marL="742950" indent="-285750">
+              <a:defRPr sz="1300">
+                <a:solidFill>
+                  <a:schemeClr val="tx1"/>
+                </a:solidFill>
+                <a:latin typeface="方正正黑简体" pitchFamily="2" charset="-122"/>
+                <a:ea typeface="方正正黑简体" pitchFamily="2" charset="-122"/>
+              </a:defRPr>
+            </a:lvl2pPr>
+            <a:lvl3pPr marL="1143000" indent="-228600">
+              <a:defRPr sz="1300">
+                <a:solidFill>
+                  <a:schemeClr val="tx1"/>
+                </a:solidFill>
+                <a:latin typeface="方正正黑简体" pitchFamily="2" charset="-122"/>
+                <a:ea typeface="方正正黑简体" pitchFamily="2" charset="-122"/>
+              </a:defRPr>
+            </a:lvl3pPr>
+            <a:lvl4pPr marL="1600200" indent="-228600">
+              <a:defRPr sz="1300">
+                <a:solidFill>
+                  <a:schemeClr val="tx1"/>
+                </a:solidFill>
+                <a:latin typeface="方正正黑简体" pitchFamily="2" charset="-122"/>
+                <a:ea typeface="方正正黑简体" pitchFamily="2" charset="-122"/>
+              </a:defRPr>
+            </a:lvl4pPr>
+            <a:lvl5pPr marL="2057400" indent="-228600">
+              <a:defRPr sz="1300">
+                <a:solidFill>
+                  <a:schemeClr val="tx1"/>
+                </a:solidFill>
+                <a:latin typeface="方正正黑简体" pitchFamily="2" charset="-122"/>
+                <a:ea typeface="方正正黑简体" pitchFamily="2" charset="-122"/>
+              </a:defRPr>
+            </a:lvl5pPr>
+            <a:lvl6pPr marL="2514600" indent="-228600" defTabSz="685800" fontAlgn="base">
+              <a:spcBef>
+                <a:spcPct val="0"/>
+              </a:spcBef>
+              <a:spcAft>
+                <a:spcPct val="0"/>
+              </a:spcAft>
+              <a:defRPr sz="1300">
+                <a:solidFill>
+                  <a:schemeClr val="tx1"/>
+                </a:solidFill>
+                <a:latin typeface="方正正黑简体" pitchFamily="2" charset="-122"/>
+                <a:ea typeface="方正正黑简体" pitchFamily="2" charset="-122"/>
+              </a:defRPr>
+            </a:lvl6pPr>
+            <a:lvl7pPr marL="2971800" indent="-228600" defTabSz="685800" fontAlgn="base">
+              <a:spcBef>
+                <a:spcPct val="0"/>
+              </a:spcBef>
+              <a:spcAft>
+                <a:spcPct val="0"/>
+              </a:spcAft>
+              <a:defRPr sz="1300">
+                <a:solidFill>
+                  <a:schemeClr val="tx1"/>
+                </a:solidFill>
+                <a:latin typeface="方正正黑简体" pitchFamily="2" charset="-122"/>
+                <a:ea typeface="方正正黑简体" pitchFamily="2" charset="-122"/>
+              </a:defRPr>
+            </a:lvl7pPr>
+            <a:lvl8pPr marL="3429000" indent="-228600" defTabSz="685800" fontAlgn="base">
+              <a:spcBef>
+                <a:spcPct val="0"/>
+              </a:spcBef>
+              <a:spcAft>
+                <a:spcPct val="0"/>
+              </a:spcAft>
+              <a:defRPr sz="1300">
+                <a:solidFill>
+                  <a:schemeClr val="tx1"/>
+                </a:solidFill>
+                <a:latin typeface="方正正黑简体" pitchFamily="2" charset="-122"/>
+                <a:ea typeface="方正正黑简体" pitchFamily="2" charset="-122"/>
+              </a:defRPr>
+            </a:lvl8pPr>
+            <a:lvl9pPr marL="3886200" indent="-228600" defTabSz="685800" fontAlgn="base">
+              <a:spcBef>
+                <a:spcPct val="0"/>
+              </a:spcBef>
+              <a:spcAft>
+                <a:spcPct val="0"/>
+              </a:spcAft>
+              <a:defRPr sz="1300">
+                <a:solidFill>
+                  <a:schemeClr val="tx1"/>
+                </a:solidFill>
+                <a:latin typeface="方正正黑简体" pitchFamily="2" charset="-122"/>
+                <a:ea typeface="方正正黑简体" pitchFamily="2" charset="-122"/>
+              </a:defRPr>
+            </a:lvl9pPr>
+          </a:lstStyle>
+          <a:p>
+            <a:pPr algn="ctr"/>
+            <a:r>
+              <a:rPr lang="zh-CN" altLang="en-US" sz="2800" b="1" kern="100">
+                <a:solidFill>
+                  <a:schemeClr val="tx1">
+                    <a:lumMod val="50000"/>
+                    <a:lumOff val="50000"/>
+                  </a:schemeClr>
+                </a:solidFill>
+                <a:latin typeface="方正兰亭超细黑简体" panose="02000000000000000000" pitchFamily="2" charset="-122"/>
+                <a:ea typeface="方正兰亭超细黑简体" panose="02000000000000000000" pitchFamily="2" charset="-122"/>
+                <a:cs typeface="Times New Roman" panose="02020603050405020304" pitchFamily="18" charset="0"/>
+              </a:rPr>
+              <a:t>数据库设计</a:t>
+            </a:r>
+            <a:endParaRPr lang="zh-CN" altLang="en-US" sz="2800" b="1" dirty="0">
+              <a:solidFill>
+                <a:srgbClr val="093B5C"/>
+              </a:solidFill>
+              <a:latin typeface="方正兰亭超细黑简体" panose="02000000000000000000" pitchFamily="2" charset="-122"/>
+              <a:ea typeface="方正兰亭超细黑简体" panose="02000000000000000000" pitchFamily="2" charset="-122"/>
+            </a:endParaRPr>
+          </a:p>
+        </p:txBody>
+      </p:sp>
+      <p:sp>
+        <p:nvSpPr>
+          <p:cNvPr id="26" name="文本框 12"/>
+          <p:cNvSpPr txBox="1">
+            <a:spLocks noChangeArrowheads="1"/>
+          </p:cNvSpPr>
+          <p:nvPr/>
+        </p:nvSpPr>
+        <p:spPr bwMode="auto">
+          <a:xfrm>
+            <a:off x="4824028" y="2270428"/>
+            <a:ext cx="1007297" cy="1454244"/>
+          </a:xfrm>
+          <a:prstGeom prst="rect">
+            <a:avLst/>
+          </a:prstGeom>
+          <a:noFill/>
+          <a:ln>
+            <a:noFill/>
+          </a:ln>
+          <a:extLst>
+            <a:ext uri="{909E8E84-426E-40DD-AFC4-6F175D3DCCD1}">
+              <a14:hiddenFill xmlns:a14="http://schemas.microsoft.com/office/drawing/2010/main">
+                <a:solidFill>
+                  <a:srgbClr val="FFFFFF"/>
+                </a:solidFill>
+              </a14:hiddenFill>
+            </a:ext>
+            <a:ext uri="{91240B29-F687-4F45-9708-019B960494DF}">
+              <a14:hiddenLine xmlns:a14="http://schemas.microsoft.com/office/drawing/2010/main" w="9525">
+                <a:solidFill>
+                  <a:srgbClr val="000000"/>
+                </a:solidFill>
+                <a:miter lim="800000"/>
+                <a:headEnd/>
+                <a:tailEnd/>
+              </a14:hiddenLine>
+            </a:ext>
+          </a:extLst>
+        </p:spPr>
+        <p:txBody>
+          <a:bodyPr wrap="square" lIns="68580" tIns="34290" rIns="68580" bIns="34290">
+            <a:spAutoFit/>
+          </a:bodyPr>
+          <a:lstStyle>
+            <a:lvl1pPr>
+              <a:defRPr sz="1300">
+                <a:solidFill>
+                  <a:schemeClr val="tx1"/>
+                </a:solidFill>
+                <a:latin typeface="方正正黑简体" pitchFamily="2" charset="-122"/>
+                <a:ea typeface="方正正黑简体" pitchFamily="2" charset="-122"/>
+              </a:defRPr>
+            </a:lvl1pPr>
+            <a:lvl2pPr marL="742950" indent="-285750">
+              <a:defRPr sz="1300">
+                <a:solidFill>
+                  <a:schemeClr val="tx1"/>
+                </a:solidFill>
+                <a:latin typeface="方正正黑简体" pitchFamily="2" charset="-122"/>
+                <a:ea typeface="方正正黑简体" pitchFamily="2" charset="-122"/>
+              </a:defRPr>
+            </a:lvl2pPr>
+            <a:lvl3pPr marL="1143000" indent="-228600">
+              <a:defRPr sz="1300">
+                <a:solidFill>
+                  <a:schemeClr val="tx1"/>
+                </a:solidFill>
+                <a:latin typeface="方正正黑简体" pitchFamily="2" charset="-122"/>
+                <a:ea typeface="方正正黑简体" pitchFamily="2" charset="-122"/>
+              </a:defRPr>
+            </a:lvl3pPr>
+            <a:lvl4pPr marL="1600200" indent="-228600">
+              <a:defRPr sz="1300">
+                <a:solidFill>
+                  <a:schemeClr val="tx1"/>
+                </a:solidFill>
+                <a:latin typeface="方正正黑简体" pitchFamily="2" charset="-122"/>
+                <a:ea typeface="方正正黑简体" pitchFamily="2" charset="-122"/>
+              </a:defRPr>
+            </a:lvl4pPr>
+            <a:lvl5pPr marL="2057400" indent="-228600">
+              <a:defRPr sz="1300">
+                <a:solidFill>
+                  <a:schemeClr val="tx1"/>
+                </a:solidFill>
+                <a:latin typeface="方正正黑简体" pitchFamily="2" charset="-122"/>
+                <a:ea typeface="方正正黑简体" pitchFamily="2" charset="-122"/>
+              </a:defRPr>
+            </a:lvl5pPr>
+            <a:lvl6pPr marL="2514600" indent="-228600" defTabSz="685800" fontAlgn="base">
+              <a:spcBef>
+                <a:spcPct val="0"/>
+              </a:spcBef>
+              <a:spcAft>
+                <a:spcPct val="0"/>
+              </a:spcAft>
+              <a:defRPr sz="1300">
+                <a:solidFill>
+                  <a:schemeClr val="tx1"/>
+                </a:solidFill>
+                <a:latin typeface="方正正黑简体" pitchFamily="2" charset="-122"/>
+                <a:ea typeface="方正正黑简体" pitchFamily="2" charset="-122"/>
+              </a:defRPr>
+            </a:lvl6pPr>
+            <a:lvl7pPr marL="2971800" indent="-228600" defTabSz="685800" fontAlgn="base">
+              <a:spcBef>
+                <a:spcPct val="0"/>
+              </a:spcBef>
+              <a:spcAft>
+                <a:spcPct val="0"/>
+              </a:spcAft>
+              <a:defRPr sz="1300">
+                <a:solidFill>
+                  <a:schemeClr val="tx1"/>
+                </a:solidFill>
+                <a:latin typeface="方正正黑简体" pitchFamily="2" charset="-122"/>
+                <a:ea typeface="方正正黑简体" pitchFamily="2" charset="-122"/>
+              </a:defRPr>
+            </a:lvl7pPr>
+            <a:lvl8pPr marL="3429000" indent="-228600" defTabSz="685800" fontAlgn="base">
+              <a:spcBef>
+                <a:spcPct val="0"/>
+              </a:spcBef>
+              <a:spcAft>
+                <a:spcPct val="0"/>
+              </a:spcAft>
+              <a:defRPr sz="1300">
+                <a:solidFill>
+                  <a:schemeClr val="tx1"/>
+                </a:solidFill>
+                <a:latin typeface="方正正黑简体" pitchFamily="2" charset="-122"/>
+                <a:ea typeface="方正正黑简体" pitchFamily="2" charset="-122"/>
+              </a:defRPr>
+            </a:lvl8pPr>
+            <a:lvl9pPr marL="3886200" indent="-228600" defTabSz="685800" fontAlgn="base">
+              <a:spcBef>
+                <a:spcPct val="0"/>
+              </a:spcBef>
+              <a:spcAft>
+                <a:spcPct val="0"/>
+              </a:spcAft>
+              <a:defRPr sz="1300">
+                <a:solidFill>
+                  <a:schemeClr val="tx1"/>
+                </a:solidFill>
+                <a:latin typeface="方正正黑简体" pitchFamily="2" charset="-122"/>
+                <a:ea typeface="方正正黑简体" pitchFamily="2" charset="-122"/>
+              </a:defRPr>
+            </a:lvl9pPr>
+          </a:lstStyle>
+          <a:p>
+            <a:pPr algn="ctr"/>
+            <a:r>
+              <a:rPr lang="en-US" altLang="zh-CN" sz="9000" dirty="0">
+                <a:solidFill>
+                  <a:schemeClr val="tx1">
+                    <a:lumMod val="50000"/>
+                    <a:lumOff val="50000"/>
+                  </a:schemeClr>
+                </a:solidFill>
+                <a:latin typeface="AgencyFB" panose="02000806040000020003" pitchFamily="2" charset="0"/>
+                <a:ea typeface="微软雅黑" panose="020B0503020204020204" pitchFamily="34" charset="-122"/>
+              </a:rPr>
+              <a:t>3</a:t>
             </a:r>
             <a:endParaRPr lang="zh-CN" altLang="en-US" sz="9000" dirty="0">
               <a:solidFill>
@@ -8865,1455 +14232,6 @@
 </p:sld>
 </file>
 
-<file path=ppt/slides/slide5.xml><?xml version="1.0" encoding="utf-8"?>
-<p:sld xmlns:a="http://schemas.openxmlformats.org/drawingml/2006/main" xmlns:r="http://schemas.openxmlformats.org/officeDocument/2006/relationships" xmlns:p="http://schemas.openxmlformats.org/presentationml/2006/main">
-  <p:cSld>
-    <p:spTree>
-      <p:nvGrpSpPr>
-        <p:cNvPr id="1" name=""/>
-        <p:cNvGrpSpPr/>
-        <p:nvPr/>
-      </p:nvGrpSpPr>
-      <p:grpSpPr>
-        <a:xfrm>
-          <a:off x="0" y="0"/>
-          <a:ext cx="0" cy="0"/>
-          <a:chOff x="0" y="0"/>
-          <a:chExt cx="0" cy="0"/>
-        </a:xfrm>
-      </p:grpSpPr>
-      <p:sp>
-        <p:nvSpPr>
-          <p:cNvPr id="15" name="矩形 14"/>
-          <p:cNvSpPr/>
-          <p:nvPr/>
-        </p:nvSpPr>
-        <p:spPr>
-          <a:xfrm>
-            <a:off x="253" y="196280"/>
-            <a:ext cx="144049" cy="504056"/>
-          </a:xfrm>
-          <a:prstGeom prst="rect">
-            <a:avLst/>
-          </a:prstGeom>
-          <a:solidFill>
-            <a:schemeClr val="accent1"/>
-          </a:solidFill>
-          <a:ln>
-            <a:noFill/>
-          </a:ln>
-        </p:spPr>
-        <p:style>
-          <a:lnRef idx="2">
-            <a:schemeClr val="accent1">
-              <a:shade val="50000"/>
-            </a:schemeClr>
-          </a:lnRef>
-          <a:fillRef idx="1">
-            <a:schemeClr val="accent1"/>
-          </a:fillRef>
-          <a:effectRef idx="0">
-            <a:schemeClr val="accent1"/>
-          </a:effectRef>
-          <a:fontRef idx="minor">
-            <a:schemeClr val="lt1"/>
-          </a:fontRef>
-        </p:style>
-        <p:txBody>
-          <a:bodyPr lIns="68584" tIns="34292" rIns="68584" bIns="34292" rtlCol="0" anchor="ctr"/>
-          <a:lstStyle/>
-          <a:p>
-            <a:pPr marL="0" marR="0" lvl="0" indent="0" algn="ctr" defTabSz="685165" rtl="0" eaLnBrk="1" fontAlgn="auto" latinLnBrk="0" hangingPunct="1">
-              <a:lnSpc>
-                <a:spcPct val="100000"/>
-              </a:lnSpc>
-              <a:spcBef>
-                <a:spcPts val="0"/>
-              </a:spcBef>
-              <a:spcAft>
-                <a:spcPts val="0"/>
-              </a:spcAft>
-              <a:buClrTx/>
-              <a:buSzTx/>
-              <a:buFontTx/>
-              <a:buNone/>
-              <a:defRPr/>
-            </a:pPr>
-            <a:endParaRPr kumimoji="0" lang="zh-CN" altLang="en-US" sz="1400" b="0" i="0" u="none" strike="noStrike" kern="1200" cap="none" spc="0" normalizeH="0" baseline="0" noProof="0" dirty="0">
-              <a:ln>
-                <a:noFill/>
-              </a:ln>
-              <a:solidFill>
-                <a:srgbClr val="E7E6E6">
-                  <a:lumMod val="50000"/>
-                </a:srgbClr>
-              </a:solidFill>
-              <a:effectLst/>
-              <a:uLnTx/>
-              <a:uFillTx/>
-              <a:latin typeface="Calibri" panose="020F0502020204030204"/>
-              <a:ea typeface="宋体" panose="02010600030101010101" pitchFamily="2" charset="-122"/>
-              <a:cs typeface="+mn-ea"/>
-              <a:sym typeface="+mn-lt"/>
-            </a:endParaRPr>
-          </a:p>
-        </p:txBody>
-      </p:sp>
-      <p:sp>
-        <p:nvSpPr>
-          <p:cNvPr id="7" name="文本框 6"/>
-          <p:cNvSpPr txBox="1"/>
-          <p:nvPr/>
-        </p:nvSpPr>
-        <p:spPr>
-          <a:xfrm>
-            <a:off x="251520" y="204373"/>
-            <a:ext cx="1437766" cy="461665"/>
-          </a:xfrm>
-          <a:prstGeom prst="rect">
-            <a:avLst/>
-          </a:prstGeom>
-          <a:noFill/>
-        </p:spPr>
-        <p:txBody>
-          <a:bodyPr wrap="square">
-            <a:spAutoFit/>
-          </a:bodyPr>
-          <a:lstStyle/>
-          <a:p>
-            <a:pPr marL="0" marR="0" lvl="0" indent="0" algn="l" defTabSz="914400" rtl="0" eaLnBrk="1" fontAlgn="auto" latinLnBrk="0" hangingPunct="1">
-              <a:lnSpc>
-                <a:spcPct val="100000"/>
-              </a:lnSpc>
-              <a:spcBef>
-                <a:spcPts val="0"/>
-              </a:spcBef>
-              <a:spcAft>
-                <a:spcPts val="0"/>
-              </a:spcAft>
-              <a:buClrTx/>
-              <a:buSzTx/>
-              <a:buFontTx/>
-              <a:buNone/>
-              <a:defRPr/>
-            </a:pPr>
-            <a:r>
-              <a:rPr kumimoji="0" lang="zh-CN" altLang="en-US" sz="2400" b="1" i="0" u="none" strike="noStrike" kern="100" cap="none" spc="0" normalizeH="0" baseline="0" noProof="0" dirty="0">
-                <a:ln>
-                  <a:noFill/>
-                </a:ln>
-                <a:solidFill>
-                  <a:prstClr val="black">
-                    <a:lumMod val="50000"/>
-                    <a:lumOff val="50000"/>
-                  </a:prstClr>
-                </a:solidFill>
-                <a:effectLst/>
-                <a:uLnTx/>
-                <a:uFillTx/>
-                <a:latin typeface="方正兰亭超细黑简体" panose="02000000000000000000" pitchFamily="2" charset="-122"/>
-                <a:ea typeface="方正兰亭超细黑简体" panose="02000000000000000000" pitchFamily="2" charset="-122"/>
-                <a:cs typeface="Times New Roman" panose="02020603050405020304" pitchFamily="18" charset="0"/>
-              </a:rPr>
-              <a:t>流程图</a:t>
-            </a:r>
-            <a:endParaRPr kumimoji="0" lang="zh-CN" altLang="en-US" sz="2400" b="1" i="0" u="none" strike="noStrike" kern="1200" cap="none" spc="0" normalizeH="0" baseline="0" noProof="0" dirty="0">
-              <a:ln>
-                <a:noFill/>
-              </a:ln>
-              <a:solidFill>
-                <a:srgbClr val="093B5C"/>
-              </a:solidFill>
-              <a:effectLst/>
-              <a:uLnTx/>
-              <a:uFillTx/>
-              <a:latin typeface="方正兰亭超细黑简体" panose="02000000000000000000" pitchFamily="2" charset="-122"/>
-              <a:ea typeface="方正兰亭超细黑简体" panose="02000000000000000000" pitchFamily="2" charset="-122"/>
-              <a:cs typeface="+mn-cs"/>
-            </a:endParaRPr>
-          </a:p>
-        </p:txBody>
-      </p:sp>
-      <p:pic>
-        <p:nvPicPr>
-          <p:cNvPr id="2" name="图片 1">
-            <a:extLst>
-              <a:ext uri="{FF2B5EF4-FFF2-40B4-BE49-F238E27FC236}">
-                <a16:creationId xmlns:a16="http://schemas.microsoft.com/office/drawing/2014/main" id="{750EA7AE-28DA-12BE-652F-222A2A496C5D}"/>
-              </a:ext>
-            </a:extLst>
-          </p:cNvPr>
-          <p:cNvPicPr>
-            <a:picLocks noChangeAspect="1"/>
-          </p:cNvPicPr>
-          <p:nvPr/>
-        </p:nvPicPr>
-        <p:blipFill>
-          <a:blip r:embed="rId3"/>
-          <a:stretch>
-            <a:fillRect/>
-          </a:stretch>
-        </p:blipFill>
-        <p:spPr>
-          <a:xfrm>
-            <a:off x="539552" y="649330"/>
-            <a:ext cx="8195552" cy="4399855"/>
-          </a:xfrm>
-          <a:prstGeom prst="rect">
-            <a:avLst/>
-          </a:prstGeom>
-        </p:spPr>
-      </p:pic>
-    </p:spTree>
-  </p:cSld>
-  <p:clrMapOvr>
-    <a:masterClrMapping/>
-  </p:clrMapOvr>
-  <p:transition spd="med" advClick="0">
-    <p:random/>
-  </p:transition>
-</p:sld>
-</file>
-
-<file path=ppt/slides/slide6.xml><?xml version="1.0" encoding="utf-8"?>
-<p:sld xmlns:a="http://schemas.openxmlformats.org/drawingml/2006/main" xmlns:r="http://schemas.openxmlformats.org/officeDocument/2006/relationships" xmlns:p="http://schemas.openxmlformats.org/presentationml/2006/main">
-  <p:cSld>
-    <p:spTree>
-      <p:nvGrpSpPr>
-        <p:cNvPr id="1" name=""/>
-        <p:cNvGrpSpPr/>
-        <p:nvPr/>
-      </p:nvGrpSpPr>
-      <p:grpSpPr>
-        <a:xfrm>
-          <a:off x="0" y="0"/>
-          <a:ext cx="0" cy="0"/>
-          <a:chOff x="0" y="0"/>
-          <a:chExt cx="0" cy="0"/>
-        </a:xfrm>
-      </p:grpSpPr>
-      <p:pic>
-        <p:nvPicPr>
-          <p:cNvPr id="4" name="图片 3"/>
-          <p:cNvPicPr>
-            <a:picLocks noChangeAspect="1"/>
-          </p:cNvPicPr>
-          <p:nvPr/>
-        </p:nvPicPr>
-        <p:blipFill>
-          <a:blip r:embed="rId7" cstate="screen">
-            <a:extLst>
-              <a:ext uri="{28A0092B-C50C-407E-A947-70E740481C1C}">
-                <a14:useLocalDpi xmlns:a14="http://schemas.microsoft.com/office/drawing/2010/main" val="0"/>
-              </a:ext>
-            </a:extLst>
-          </a:blip>
-          <a:srcRect l="17632" r="49845" b="47264"/>
-          <a:stretch>
-            <a:fillRect/>
-          </a:stretch>
-        </p:blipFill>
-        <p:spPr>
-          <a:xfrm>
-            <a:off x="6192180" y="0"/>
-            <a:ext cx="2124236" cy="3616660"/>
-          </a:xfrm>
-          <a:prstGeom prst="rect">
-            <a:avLst/>
-          </a:prstGeom>
-        </p:spPr>
-      </p:pic>
-      <p:sp>
-        <p:nvSpPr>
-          <p:cNvPr id="6" name="PA_文本框 6"/>
-          <p:cNvSpPr txBox="1"/>
-          <p:nvPr>
-            <p:custDataLst>
-              <p:tags r:id="rId1"/>
-            </p:custDataLst>
-          </p:nvPr>
-        </p:nvSpPr>
-        <p:spPr>
-          <a:xfrm>
-            <a:off x="971600" y="2777612"/>
-            <a:ext cx="2584525" cy="700769"/>
-          </a:xfrm>
-          <a:prstGeom prst="rect">
-            <a:avLst/>
-          </a:prstGeom>
-          <a:noFill/>
-        </p:spPr>
-        <p:txBody>
-          <a:bodyPr wrap="square" rtlCol="0" anchor="ctr">
-            <a:spAutoFit/>
-          </a:bodyPr>
-          <a:lstStyle/>
-          <a:p>
-            <a:pPr>
-              <a:lnSpc>
-                <a:spcPct val="120000"/>
-              </a:lnSpc>
-            </a:pPr>
-            <a:r>
-              <a:rPr lang="en-US" altLang="zh-CN" sz="3600" b="1" dirty="0">
-                <a:solidFill>
-                  <a:schemeClr val="accent1"/>
-                </a:solidFill>
-                <a:latin typeface="方正兰亭超细黑简体" panose="02000000000000000000" pitchFamily="2" charset="-122"/>
-                <a:ea typeface="方正兰亭超细黑简体" panose="02000000000000000000" pitchFamily="2" charset="-122"/>
-              </a:rPr>
-              <a:t>  </a:t>
-            </a:r>
-            <a:r>
-              <a:rPr lang="en-US" altLang="zh-CN" sz="3200" b="1" dirty="0">
-                <a:solidFill>
-                  <a:schemeClr val="accent1"/>
-                </a:solidFill>
-                <a:latin typeface="方正兰亭超细黑简体" panose="02000000000000000000" pitchFamily="2" charset="-122"/>
-                <a:ea typeface="方正兰亭超细黑简体" panose="02000000000000000000" pitchFamily="2" charset="-122"/>
-              </a:rPr>
-              <a:t>Thanks</a:t>
-            </a:r>
-            <a:endParaRPr lang="zh-CN" altLang="en-US" sz="3200" b="1" dirty="0">
-              <a:solidFill>
-                <a:schemeClr val="accent1"/>
-              </a:solidFill>
-              <a:latin typeface="方正兰亭超细黑简体" panose="02000000000000000000" pitchFamily="2" charset="-122"/>
-              <a:ea typeface="方正兰亭超细黑简体" panose="02000000000000000000" pitchFamily="2" charset="-122"/>
-            </a:endParaRPr>
-          </a:p>
-        </p:txBody>
-      </p:sp>
-      <p:sp>
-        <p:nvSpPr>
-          <p:cNvPr id="7" name="PA_半闭框 7"/>
-          <p:cNvSpPr/>
-          <p:nvPr>
-            <p:custDataLst>
-              <p:tags r:id="rId2"/>
-            </p:custDataLst>
-          </p:nvPr>
-        </p:nvSpPr>
-        <p:spPr>
-          <a:xfrm>
-            <a:off x="971600" y="2779146"/>
-            <a:ext cx="2124236" cy="972108"/>
-          </a:xfrm>
-          <a:prstGeom prst="halfFrame">
-            <a:avLst>
-              <a:gd name="adj1" fmla="val 889"/>
-              <a:gd name="adj2" fmla="val 1333"/>
-            </a:avLst>
-          </a:prstGeom>
-          <a:solidFill>
-            <a:srgbClr val="65686F"/>
-          </a:solidFill>
-          <a:ln>
-            <a:noFill/>
-          </a:ln>
-        </p:spPr>
-        <p:style>
-          <a:lnRef idx="2">
-            <a:schemeClr val="accent1">
-              <a:shade val="50000"/>
-            </a:schemeClr>
-          </a:lnRef>
-          <a:fillRef idx="1">
-            <a:schemeClr val="accent1"/>
-          </a:fillRef>
-          <a:effectRef idx="0">
-            <a:schemeClr val="accent1"/>
-          </a:effectRef>
-          <a:fontRef idx="minor">
-            <a:schemeClr val="lt1"/>
-          </a:fontRef>
-        </p:style>
-        <p:txBody>
-          <a:bodyPr rtlCol="0" anchor="ctr"/>
-          <a:lstStyle/>
-          <a:p>
-            <a:pPr algn="ctr"/>
-            <a:endParaRPr lang="zh-CN" altLang="en-US">
-              <a:solidFill>
-                <a:schemeClr val="tx1"/>
-              </a:solidFill>
-            </a:endParaRPr>
-          </a:p>
-        </p:txBody>
-      </p:sp>
-      <p:sp>
-        <p:nvSpPr>
-          <p:cNvPr id="9" name="文本框 9"/>
-          <p:cNvSpPr txBox="1"/>
-          <p:nvPr/>
-        </p:nvSpPr>
-        <p:spPr>
-          <a:xfrm>
-            <a:off x="2581134" y="3416806"/>
-            <a:ext cx="1989647" cy="295145"/>
-          </a:xfrm>
-          <a:prstGeom prst="rect">
-            <a:avLst/>
-          </a:prstGeom>
-          <a:noFill/>
-        </p:spPr>
-        <p:txBody>
-          <a:bodyPr wrap="none" rtlCol="0" anchor="ctr">
-            <a:spAutoFit/>
-          </a:bodyPr>
-          <a:lstStyle/>
-          <a:p>
-            <a:pPr algn="ctr">
-              <a:lnSpc>
-                <a:spcPct val="120000"/>
-              </a:lnSpc>
-            </a:pPr>
-            <a:r>
-              <a:rPr lang="zh-CN" altLang="en-US" sz="1200" b="1" spc="300" dirty="0">
-                <a:solidFill>
-                  <a:schemeClr val="tx1">
-                    <a:lumMod val="65000"/>
-                    <a:lumOff val="35000"/>
-                  </a:schemeClr>
-                </a:solidFill>
-                <a:latin typeface="方正兰亭超细黑简体" panose="02000000000000000000" pitchFamily="2" charset="-122"/>
-                <a:ea typeface="方正兰亭超细黑简体" panose="02000000000000000000" pitchFamily="2" charset="-122"/>
-              </a:rPr>
-              <a:t>时间：</a:t>
-            </a:r>
-            <a:r>
-              <a:rPr lang="en-US" altLang="zh-CN" sz="1200" b="1" spc="300" dirty="0">
-                <a:solidFill>
-                  <a:schemeClr val="tx1">
-                    <a:lumMod val="65000"/>
-                    <a:lumOff val="35000"/>
-                  </a:schemeClr>
-                </a:solidFill>
-                <a:latin typeface="方正兰亭超细黑简体" panose="02000000000000000000" pitchFamily="2" charset="-122"/>
-                <a:ea typeface="方正兰亭超细黑简体" panose="02000000000000000000" pitchFamily="2" charset="-122"/>
-              </a:rPr>
-              <a:t>2022.12.25</a:t>
-            </a:r>
-            <a:endParaRPr lang="zh-CN" altLang="en-US" sz="1200" b="1" spc="300" dirty="0">
-              <a:solidFill>
-                <a:schemeClr val="tx1">
-                  <a:lumMod val="65000"/>
-                  <a:lumOff val="35000"/>
-                </a:schemeClr>
-              </a:solidFill>
-              <a:latin typeface="方正兰亭超细黑简体" panose="02000000000000000000" pitchFamily="2" charset="-122"/>
-              <a:ea typeface="方正兰亭超细黑简体" panose="02000000000000000000" pitchFamily="2" charset="-122"/>
-            </a:endParaRPr>
-          </a:p>
-        </p:txBody>
-      </p:sp>
-      <p:sp>
-        <p:nvSpPr>
-          <p:cNvPr id="10" name="PA_文本框 6"/>
-          <p:cNvSpPr txBox="1"/>
-          <p:nvPr>
-            <p:custDataLst>
-              <p:tags r:id="rId3"/>
-            </p:custDataLst>
-          </p:nvPr>
-        </p:nvSpPr>
-        <p:spPr>
-          <a:xfrm>
-            <a:off x="1691680" y="1158966"/>
-            <a:ext cx="817853" cy="1459759"/>
-          </a:xfrm>
-          <a:prstGeom prst="rect">
-            <a:avLst/>
-          </a:prstGeom>
-          <a:noFill/>
-        </p:spPr>
-        <p:txBody>
-          <a:bodyPr wrap="none" rtlCol="0" anchor="ctr">
-            <a:spAutoFit/>
-          </a:bodyPr>
-          <a:lstStyle/>
-          <a:p>
-            <a:pPr>
-              <a:lnSpc>
-                <a:spcPct val="120000"/>
-              </a:lnSpc>
-            </a:pPr>
-            <a:r>
-              <a:rPr lang="en-US" altLang="zh-CN" sz="8000" b="1" dirty="0">
-                <a:solidFill>
-                  <a:schemeClr val="tx1">
-                    <a:lumMod val="75000"/>
-                    <a:lumOff val="25000"/>
-                  </a:schemeClr>
-                </a:solidFill>
-                <a:latin typeface="方正兰亭超细黑简体" panose="02000000000000000000" pitchFamily="2" charset="-122"/>
-                <a:ea typeface="方正兰亭超细黑简体" panose="02000000000000000000" pitchFamily="2" charset="-122"/>
-              </a:rPr>
-              <a:t>2</a:t>
-            </a:r>
-            <a:endParaRPr lang="zh-CN" altLang="en-US" sz="8000" b="1" dirty="0">
-              <a:solidFill>
-                <a:schemeClr val="tx1">
-                  <a:lumMod val="75000"/>
-                  <a:lumOff val="25000"/>
-                </a:schemeClr>
-              </a:solidFill>
-              <a:latin typeface="方正兰亭超细黑简体" panose="02000000000000000000" pitchFamily="2" charset="-122"/>
-              <a:ea typeface="方正兰亭超细黑简体" panose="02000000000000000000" pitchFamily="2" charset="-122"/>
-            </a:endParaRPr>
-          </a:p>
-        </p:txBody>
-      </p:sp>
-      <p:sp>
-        <p:nvSpPr>
-          <p:cNvPr id="11" name="PA_文本框 6"/>
-          <p:cNvSpPr txBox="1"/>
-          <p:nvPr>
-            <p:custDataLst>
-              <p:tags r:id="rId4"/>
-            </p:custDataLst>
-          </p:nvPr>
-        </p:nvSpPr>
-        <p:spPr>
-          <a:xfrm>
-            <a:off x="3445637" y="1202600"/>
-            <a:ext cx="1451038" cy="1444498"/>
-          </a:xfrm>
-          <a:prstGeom prst="rect">
-            <a:avLst/>
-          </a:prstGeom>
-          <a:noFill/>
-        </p:spPr>
-        <p:txBody>
-          <a:bodyPr wrap="none" rtlCol="0" anchor="ctr">
-            <a:spAutoFit/>
-          </a:bodyPr>
-          <a:lstStyle/>
-          <a:p>
-            <a:pPr>
-              <a:lnSpc>
-                <a:spcPct val="120000"/>
-              </a:lnSpc>
-            </a:pPr>
-            <a:r>
-              <a:rPr lang="en-US" altLang="zh-CN" sz="8000" b="1" dirty="0">
-                <a:solidFill>
-                  <a:schemeClr val="tx1">
-                    <a:lumMod val="75000"/>
-                    <a:lumOff val="25000"/>
-                  </a:schemeClr>
-                </a:solidFill>
-                <a:latin typeface="方正兰亭超细黑简体" panose="02000000000000000000" pitchFamily="2" charset="-122"/>
-                <a:ea typeface="方正兰亭超细黑简体" panose="02000000000000000000" pitchFamily="2" charset="-122"/>
-              </a:rPr>
-              <a:t>22</a:t>
-            </a:r>
-            <a:endParaRPr lang="zh-CN" altLang="en-US" sz="8000" b="1" dirty="0">
-              <a:solidFill>
-                <a:schemeClr val="tx1">
-                  <a:lumMod val="75000"/>
-                  <a:lumOff val="25000"/>
-                </a:schemeClr>
-              </a:solidFill>
-              <a:latin typeface="方正兰亭超细黑简体" panose="02000000000000000000" pitchFamily="2" charset="-122"/>
-              <a:ea typeface="方正兰亭超细黑简体" panose="02000000000000000000" pitchFamily="2" charset="-122"/>
-            </a:endParaRPr>
-          </a:p>
-        </p:txBody>
-      </p:sp>
-      <p:sp>
-        <p:nvSpPr>
-          <p:cNvPr id="12" name="PA_半闭框 7"/>
-          <p:cNvSpPr/>
-          <p:nvPr>
-            <p:custDataLst>
-              <p:tags r:id="rId5"/>
-            </p:custDataLst>
-          </p:nvPr>
-        </p:nvSpPr>
-        <p:spPr>
-          <a:xfrm flipH="1" flipV="1">
-            <a:off x="3619293" y="3063385"/>
-            <a:ext cx="961390" cy="675640"/>
-          </a:xfrm>
-          <a:prstGeom prst="halfFrame">
-            <a:avLst>
-              <a:gd name="adj1" fmla="val 889"/>
-              <a:gd name="adj2" fmla="val 1333"/>
-            </a:avLst>
-          </a:prstGeom>
-          <a:solidFill>
-            <a:srgbClr val="65686F"/>
-          </a:solidFill>
-          <a:ln>
-            <a:noFill/>
-          </a:ln>
-        </p:spPr>
-        <p:style>
-          <a:lnRef idx="2">
-            <a:schemeClr val="accent1">
-              <a:shade val="50000"/>
-            </a:schemeClr>
-          </a:lnRef>
-          <a:fillRef idx="1">
-            <a:schemeClr val="accent1"/>
-          </a:fillRef>
-          <a:effectRef idx="0">
-            <a:schemeClr val="accent1"/>
-          </a:effectRef>
-          <a:fontRef idx="minor">
-            <a:schemeClr val="lt1"/>
-          </a:fontRef>
-        </p:style>
-        <p:txBody>
-          <a:bodyPr rtlCol="0" anchor="ctr"/>
-          <a:lstStyle/>
-          <a:p>
-            <a:pPr algn="ctr"/>
-            <a:endParaRPr lang="zh-CN" altLang="en-US">
-              <a:solidFill>
-                <a:schemeClr val="tx1"/>
-              </a:solidFill>
-            </a:endParaRPr>
-          </a:p>
-        </p:txBody>
-      </p:sp>
-      <p:pic>
-        <p:nvPicPr>
-          <p:cNvPr id="1028" name="Picture 4"/>
-          <p:cNvPicPr>
-            <a:picLocks noChangeAspect="1" noChangeArrowheads="1"/>
-          </p:cNvPicPr>
-          <p:nvPr/>
-        </p:nvPicPr>
-        <p:blipFill>
-          <a:blip r:embed="rId8" cstate="print">
-            <a:biLevel thresh="75000"/>
-            <a:extLst>
-              <a:ext uri="{BEBA8EAE-BF5A-486C-A8C5-ECC9F3942E4B}">
-                <a14:imgProps xmlns:a14="http://schemas.microsoft.com/office/drawing/2010/main">
-                  <a14:imgLayer r:embed="rId9">
-                    <a14:imgEffect>
-                      <a14:colorTemperature colorTemp="11200"/>
-                    </a14:imgEffect>
-                    <a14:imgEffect>
-                      <a14:saturation sat="0"/>
-                    </a14:imgEffect>
-                  </a14:imgLayer>
-                </a14:imgProps>
-              </a:ext>
-              <a:ext uri="{28A0092B-C50C-407E-A947-70E740481C1C}">
-                <a14:useLocalDpi xmlns:a14="http://schemas.microsoft.com/office/drawing/2010/main" val="0"/>
-              </a:ext>
-            </a:extLst>
-          </a:blip>
-          <a:srcRect/>
-          <a:stretch>
-            <a:fillRect/>
-          </a:stretch>
-        </p:blipFill>
-        <p:spPr bwMode="auto">
-          <a:xfrm>
-            <a:off x="2568658" y="1570439"/>
-            <a:ext cx="817853" cy="817853"/>
-          </a:xfrm>
-          <a:prstGeom prst="rect">
-            <a:avLst/>
-          </a:prstGeom>
-          <a:noFill/>
-          <a:extLst>
-            <a:ext uri="{909E8E84-426E-40DD-AFC4-6F175D3DCCD1}">
-              <a14:hiddenFill xmlns:a14="http://schemas.microsoft.com/office/drawing/2010/main">
-                <a:solidFill>
-                  <a:srgbClr val="FFFFFF"/>
-                </a:solidFill>
-              </a14:hiddenFill>
-            </a:ext>
-          </a:extLst>
-        </p:spPr>
-      </p:pic>
-    </p:spTree>
-    <p:extLst>
-      <p:ext uri="{BB962C8B-B14F-4D97-AF65-F5344CB8AC3E}">
-        <p14:creationId xmlns:p14="http://schemas.microsoft.com/office/powerpoint/2010/main" val="1991181608"/>
-      </p:ext>
-    </p:extLst>
-  </p:cSld>
-  <p:clrMapOvr>
-    <a:masterClrMapping/>
-  </p:clrMapOvr>
-  <p:transition spd="med" advClick="0">
-    <p:random/>
-  </p:transition>
-  <p:timing>
-    <p:tnLst>
-      <p:par>
-        <p:cTn id="1" dur="indefinite" restart="never" nodeType="tmRoot">
-          <p:childTnLst>
-            <p:seq concurrent="1" nextAc="seek">
-              <p:cTn id="2" dur="indefinite" nodeType="mainSeq">
-                <p:childTnLst>
-                  <p:par>
-                    <p:cTn id="3" fill="hold">
-                      <p:stCondLst>
-                        <p:cond delay="indefinite"/>
-                        <p:cond evt="onBegin" delay="0">
-                          <p:tn val="2"/>
-                        </p:cond>
-                      </p:stCondLst>
-                      <p:childTnLst>
-                        <p:par>
-                          <p:cTn id="4" fill="hold">
-                            <p:stCondLst>
-                              <p:cond delay="0"/>
-                            </p:stCondLst>
-                            <p:childTnLst>
-                              <p:par>
-                                <p:cTn id="5" presetID="2" presetClass="entr" presetSubtype="2" fill="hold" nodeType="afterEffect">
-                                  <p:stCondLst>
-                                    <p:cond delay="0"/>
-                                  </p:stCondLst>
-                                  <p:childTnLst>
-                                    <p:set>
-                                      <p:cBhvr>
-                                        <p:cTn id="6" dur="1" fill="hold">
-                                          <p:stCondLst>
-                                            <p:cond delay="0"/>
-                                          </p:stCondLst>
-                                        </p:cTn>
-                                        <p:tgtEl>
-                                          <p:spTgt spid="4"/>
-                                        </p:tgtEl>
-                                        <p:attrNameLst>
-                                          <p:attrName>style.visibility</p:attrName>
-                                        </p:attrNameLst>
-                                      </p:cBhvr>
-                                      <p:to>
-                                        <p:strVal val="visible"/>
-                                      </p:to>
-                                    </p:set>
-                                    <p:anim calcmode="lin" valueType="num">
-                                      <p:cBhvr additive="base">
-                                        <p:cTn id="7" dur="500" fill="hold"/>
-                                        <p:tgtEl>
-                                          <p:spTgt spid="4"/>
-                                        </p:tgtEl>
-                                        <p:attrNameLst>
-                                          <p:attrName>ppt_x</p:attrName>
-                                        </p:attrNameLst>
-                                      </p:cBhvr>
-                                      <p:tavLst>
-                                        <p:tav tm="0">
-                                          <p:val>
-                                            <p:strVal val="1+#ppt_w/2"/>
-                                          </p:val>
-                                        </p:tav>
-                                        <p:tav tm="100000">
-                                          <p:val>
-                                            <p:strVal val="#ppt_x"/>
-                                          </p:val>
-                                        </p:tav>
-                                      </p:tavLst>
-                                    </p:anim>
-                                    <p:anim calcmode="lin" valueType="num">
-                                      <p:cBhvr additive="base">
-                                        <p:cTn id="8" dur="500" fill="hold"/>
-                                        <p:tgtEl>
-                                          <p:spTgt spid="4"/>
-                                        </p:tgtEl>
-                                        <p:attrNameLst>
-                                          <p:attrName>ppt_y</p:attrName>
-                                        </p:attrNameLst>
-                                      </p:cBhvr>
-                                      <p:tavLst>
-                                        <p:tav tm="0">
-                                          <p:val>
-                                            <p:strVal val="#ppt_y"/>
-                                          </p:val>
-                                        </p:tav>
-                                        <p:tav tm="100000">
-                                          <p:val>
-                                            <p:strVal val="#ppt_y"/>
-                                          </p:val>
-                                        </p:tav>
-                                      </p:tavLst>
-                                    </p:anim>
-                                  </p:childTnLst>
-                                </p:cTn>
-                              </p:par>
-                            </p:childTnLst>
-                          </p:cTn>
-                        </p:par>
-                        <p:par>
-                          <p:cTn id="9" fill="hold">
-                            <p:stCondLst>
-                              <p:cond delay="500"/>
-                            </p:stCondLst>
-                            <p:childTnLst>
-                              <p:par>
-                                <p:cTn id="10" presetID="10" presetClass="entr" presetSubtype="0" fill="hold" nodeType="afterEffect">
-                                  <p:stCondLst>
-                                    <p:cond delay="0"/>
-                                  </p:stCondLst>
-                                  <p:childTnLst>
-                                    <p:set>
-                                      <p:cBhvr>
-                                        <p:cTn id="11" dur="1" fill="hold">
-                                          <p:stCondLst>
-                                            <p:cond delay="0"/>
-                                          </p:stCondLst>
-                                        </p:cTn>
-                                        <p:tgtEl>
-                                          <p:spTgt spid="4"/>
-                                        </p:tgtEl>
-                                        <p:attrNameLst>
-                                          <p:attrName>style.visibility</p:attrName>
-                                        </p:attrNameLst>
-                                      </p:cBhvr>
-                                      <p:to>
-                                        <p:strVal val="visible"/>
-                                      </p:to>
-                                    </p:set>
-                                    <p:animEffect transition="in" filter="fade">
-                                      <p:cBhvr>
-                                        <p:cTn id="12" dur="250"/>
-                                        <p:tgtEl>
-                                          <p:spTgt spid="4"/>
-                                        </p:tgtEl>
-                                      </p:cBhvr>
-                                    </p:animEffect>
-                                  </p:childTnLst>
-                                </p:cTn>
-                              </p:par>
-                            </p:childTnLst>
-                          </p:cTn>
-                        </p:par>
-                        <p:par>
-                          <p:cTn id="13" fill="hold">
-                            <p:stCondLst>
-                              <p:cond delay="1000"/>
-                            </p:stCondLst>
-                            <p:childTnLst>
-                              <p:par>
-                                <p:cTn id="14" presetID="2" presetClass="entr" presetSubtype="1" fill="hold" grpId="0" nodeType="afterEffect">
-                                  <p:stCondLst>
-                                    <p:cond delay="0"/>
-                                  </p:stCondLst>
-                                  <p:childTnLst>
-                                    <p:set>
-                                      <p:cBhvr>
-                                        <p:cTn id="15" dur="1" fill="hold">
-                                          <p:stCondLst>
-                                            <p:cond delay="0"/>
-                                          </p:stCondLst>
-                                        </p:cTn>
-                                        <p:tgtEl>
-                                          <p:spTgt spid="10"/>
-                                        </p:tgtEl>
-                                        <p:attrNameLst>
-                                          <p:attrName>style.visibility</p:attrName>
-                                        </p:attrNameLst>
-                                      </p:cBhvr>
-                                      <p:to>
-                                        <p:strVal val="visible"/>
-                                      </p:to>
-                                    </p:set>
-                                    <p:anim calcmode="lin" valueType="num">
-                                      <p:cBhvr additive="base">
-                                        <p:cTn id="16" dur="250" fill="hold"/>
-                                        <p:tgtEl>
-                                          <p:spTgt spid="10"/>
-                                        </p:tgtEl>
-                                        <p:attrNameLst>
-                                          <p:attrName>ppt_x</p:attrName>
-                                        </p:attrNameLst>
-                                      </p:cBhvr>
-                                      <p:tavLst>
-                                        <p:tav tm="0">
-                                          <p:val>
-                                            <p:strVal val="#ppt_x"/>
-                                          </p:val>
-                                        </p:tav>
-                                        <p:tav tm="100000">
-                                          <p:val>
-                                            <p:strVal val="#ppt_x"/>
-                                          </p:val>
-                                        </p:tav>
-                                      </p:tavLst>
-                                    </p:anim>
-                                    <p:anim calcmode="lin" valueType="num">
-                                      <p:cBhvr additive="base">
-                                        <p:cTn id="17" dur="250" fill="hold"/>
-                                        <p:tgtEl>
-                                          <p:spTgt spid="10"/>
-                                        </p:tgtEl>
-                                        <p:attrNameLst>
-                                          <p:attrName>ppt_y</p:attrName>
-                                        </p:attrNameLst>
-                                      </p:cBhvr>
-                                      <p:tavLst>
-                                        <p:tav tm="0">
-                                          <p:val>
-                                            <p:strVal val="0-#ppt_h/2"/>
-                                          </p:val>
-                                        </p:tav>
-                                        <p:tav tm="100000">
-                                          <p:val>
-                                            <p:strVal val="#ppt_y"/>
-                                          </p:val>
-                                        </p:tav>
-                                      </p:tavLst>
-                                    </p:anim>
-                                  </p:childTnLst>
-                                </p:cTn>
-                              </p:par>
-                            </p:childTnLst>
-                          </p:cTn>
-                        </p:par>
-                        <p:par>
-                          <p:cTn id="18" fill="hold">
-                            <p:stCondLst>
-                              <p:cond delay="1500"/>
-                            </p:stCondLst>
-                            <p:childTnLst>
-                              <p:par>
-                                <p:cTn id="19" presetID="2" presetClass="entr" presetSubtype="1" fill="hold" nodeType="afterEffect">
-                                  <p:stCondLst>
-                                    <p:cond delay="0"/>
-                                  </p:stCondLst>
-                                  <p:childTnLst>
-                                    <p:set>
-                                      <p:cBhvr>
-                                        <p:cTn id="20" dur="1" fill="hold">
-                                          <p:stCondLst>
-                                            <p:cond delay="0"/>
-                                          </p:stCondLst>
-                                        </p:cTn>
-                                        <p:tgtEl>
-                                          <p:spTgt spid="1028"/>
-                                        </p:tgtEl>
-                                        <p:attrNameLst>
-                                          <p:attrName>style.visibility</p:attrName>
-                                        </p:attrNameLst>
-                                      </p:cBhvr>
-                                      <p:to>
-                                        <p:strVal val="visible"/>
-                                      </p:to>
-                                    </p:set>
-                                    <p:anim calcmode="lin" valueType="num">
-                                      <p:cBhvr additive="base">
-                                        <p:cTn id="21" dur="250" fill="hold"/>
-                                        <p:tgtEl>
-                                          <p:spTgt spid="1028"/>
-                                        </p:tgtEl>
-                                        <p:attrNameLst>
-                                          <p:attrName>ppt_x</p:attrName>
-                                        </p:attrNameLst>
-                                      </p:cBhvr>
-                                      <p:tavLst>
-                                        <p:tav tm="0">
-                                          <p:val>
-                                            <p:strVal val="#ppt_x"/>
-                                          </p:val>
-                                        </p:tav>
-                                        <p:tav tm="100000">
-                                          <p:val>
-                                            <p:strVal val="#ppt_x"/>
-                                          </p:val>
-                                        </p:tav>
-                                      </p:tavLst>
-                                    </p:anim>
-                                    <p:anim calcmode="lin" valueType="num">
-                                      <p:cBhvr additive="base">
-                                        <p:cTn id="22" dur="250" fill="hold"/>
-                                        <p:tgtEl>
-                                          <p:spTgt spid="1028"/>
-                                        </p:tgtEl>
-                                        <p:attrNameLst>
-                                          <p:attrName>ppt_y</p:attrName>
-                                        </p:attrNameLst>
-                                      </p:cBhvr>
-                                      <p:tavLst>
-                                        <p:tav tm="0">
-                                          <p:val>
-                                            <p:strVal val="0-#ppt_h/2"/>
-                                          </p:val>
-                                        </p:tav>
-                                        <p:tav tm="100000">
-                                          <p:val>
-                                            <p:strVal val="#ppt_y"/>
-                                          </p:val>
-                                        </p:tav>
-                                      </p:tavLst>
-                                    </p:anim>
-                                  </p:childTnLst>
-                                </p:cTn>
-                              </p:par>
-                            </p:childTnLst>
-                          </p:cTn>
-                        </p:par>
-                        <p:par>
-                          <p:cTn id="23" fill="hold">
-                            <p:stCondLst>
-                              <p:cond delay="2000"/>
-                            </p:stCondLst>
-                            <p:childTnLst>
-                              <p:par>
-                                <p:cTn id="24" presetID="2" presetClass="entr" presetSubtype="1" fill="hold" grpId="0" nodeType="afterEffect">
-                                  <p:stCondLst>
-                                    <p:cond delay="0"/>
-                                  </p:stCondLst>
-                                  <p:childTnLst>
-                                    <p:set>
-                                      <p:cBhvr>
-                                        <p:cTn id="25" dur="1" fill="hold">
-                                          <p:stCondLst>
-                                            <p:cond delay="0"/>
-                                          </p:stCondLst>
-                                        </p:cTn>
-                                        <p:tgtEl>
-                                          <p:spTgt spid="11"/>
-                                        </p:tgtEl>
-                                        <p:attrNameLst>
-                                          <p:attrName>style.visibility</p:attrName>
-                                        </p:attrNameLst>
-                                      </p:cBhvr>
-                                      <p:to>
-                                        <p:strVal val="visible"/>
-                                      </p:to>
-                                    </p:set>
-                                    <p:anim calcmode="lin" valueType="num">
-                                      <p:cBhvr additive="base">
-                                        <p:cTn id="26" dur="250" fill="hold"/>
-                                        <p:tgtEl>
-                                          <p:spTgt spid="11"/>
-                                        </p:tgtEl>
-                                        <p:attrNameLst>
-                                          <p:attrName>ppt_x</p:attrName>
-                                        </p:attrNameLst>
-                                      </p:cBhvr>
-                                      <p:tavLst>
-                                        <p:tav tm="0">
-                                          <p:val>
-                                            <p:strVal val="#ppt_x"/>
-                                          </p:val>
-                                        </p:tav>
-                                        <p:tav tm="100000">
-                                          <p:val>
-                                            <p:strVal val="#ppt_x"/>
-                                          </p:val>
-                                        </p:tav>
-                                      </p:tavLst>
-                                    </p:anim>
-                                    <p:anim calcmode="lin" valueType="num">
-                                      <p:cBhvr additive="base">
-                                        <p:cTn id="27" dur="250" fill="hold"/>
-                                        <p:tgtEl>
-                                          <p:spTgt spid="11"/>
-                                        </p:tgtEl>
-                                        <p:attrNameLst>
-                                          <p:attrName>ppt_y</p:attrName>
-                                        </p:attrNameLst>
-                                      </p:cBhvr>
-                                      <p:tavLst>
-                                        <p:tav tm="0">
-                                          <p:val>
-                                            <p:strVal val="0-#ppt_h/2"/>
-                                          </p:val>
-                                        </p:tav>
-                                        <p:tav tm="100000">
-                                          <p:val>
-                                            <p:strVal val="#ppt_y"/>
-                                          </p:val>
-                                        </p:tav>
-                                      </p:tavLst>
-                                    </p:anim>
-                                  </p:childTnLst>
-                                </p:cTn>
-                              </p:par>
-                            </p:childTnLst>
-                          </p:cTn>
-                        </p:par>
-                        <p:par>
-                          <p:cTn id="28" fill="hold">
-                            <p:stCondLst>
-                              <p:cond delay="2500"/>
-                            </p:stCondLst>
-                            <p:childTnLst>
-                              <p:par>
-                                <p:cTn id="29" presetID="2" presetClass="entr" presetSubtype="8" fill="hold" grpId="0" nodeType="afterEffect">
-                                  <p:stCondLst>
-                                    <p:cond delay="0"/>
-                                  </p:stCondLst>
-                                  <p:childTnLst>
-                                    <p:set>
-                                      <p:cBhvr>
-                                        <p:cTn id="30" dur="1" fill="hold">
-                                          <p:stCondLst>
-                                            <p:cond delay="0"/>
-                                          </p:stCondLst>
-                                        </p:cTn>
-                                        <p:tgtEl>
-                                          <p:spTgt spid="7"/>
-                                        </p:tgtEl>
-                                        <p:attrNameLst>
-                                          <p:attrName>style.visibility</p:attrName>
-                                        </p:attrNameLst>
-                                      </p:cBhvr>
-                                      <p:to>
-                                        <p:strVal val="visible"/>
-                                      </p:to>
-                                    </p:set>
-                                    <p:anim calcmode="lin" valueType="num">
-                                      <p:cBhvr additive="base">
-                                        <p:cTn id="31" dur="250" fill="hold"/>
-                                        <p:tgtEl>
-                                          <p:spTgt spid="7"/>
-                                        </p:tgtEl>
-                                        <p:attrNameLst>
-                                          <p:attrName>ppt_x</p:attrName>
-                                        </p:attrNameLst>
-                                      </p:cBhvr>
-                                      <p:tavLst>
-                                        <p:tav tm="0">
-                                          <p:val>
-                                            <p:strVal val="0-#ppt_w/2"/>
-                                          </p:val>
-                                        </p:tav>
-                                        <p:tav tm="100000">
-                                          <p:val>
-                                            <p:strVal val="#ppt_x"/>
-                                          </p:val>
-                                        </p:tav>
-                                      </p:tavLst>
-                                    </p:anim>
-                                    <p:anim calcmode="lin" valueType="num">
-                                      <p:cBhvr additive="base">
-                                        <p:cTn id="32" dur="250" fill="hold"/>
-                                        <p:tgtEl>
-                                          <p:spTgt spid="7"/>
-                                        </p:tgtEl>
-                                        <p:attrNameLst>
-                                          <p:attrName>ppt_y</p:attrName>
-                                        </p:attrNameLst>
-                                      </p:cBhvr>
-                                      <p:tavLst>
-                                        <p:tav tm="0">
-                                          <p:val>
-                                            <p:strVal val="#ppt_y"/>
-                                          </p:val>
-                                        </p:tav>
-                                        <p:tav tm="100000">
-                                          <p:val>
-                                            <p:strVal val="#ppt_y"/>
-                                          </p:val>
-                                        </p:tav>
-                                      </p:tavLst>
-                                    </p:anim>
-                                  </p:childTnLst>
-                                </p:cTn>
-                              </p:par>
-                            </p:childTnLst>
-                          </p:cTn>
-                        </p:par>
-                        <p:par>
-                          <p:cTn id="33" fill="hold">
-                            <p:stCondLst>
-                              <p:cond delay="3000"/>
-                            </p:stCondLst>
-                            <p:childTnLst>
-                              <p:par>
-                                <p:cTn id="34" presetID="53" presetClass="entr" presetSubtype="16" fill="hold" grpId="0" nodeType="afterEffect">
-                                  <p:stCondLst>
-                                    <p:cond delay="0"/>
-                                  </p:stCondLst>
-                                  <p:childTnLst>
-                                    <p:set>
-                                      <p:cBhvr>
-                                        <p:cTn id="35" dur="1" fill="hold">
-                                          <p:stCondLst>
-                                            <p:cond delay="0"/>
-                                          </p:stCondLst>
-                                        </p:cTn>
-                                        <p:tgtEl>
-                                          <p:spTgt spid="6"/>
-                                        </p:tgtEl>
-                                        <p:attrNameLst>
-                                          <p:attrName>style.visibility</p:attrName>
-                                        </p:attrNameLst>
-                                      </p:cBhvr>
-                                      <p:to>
-                                        <p:strVal val="visible"/>
-                                      </p:to>
-                                    </p:set>
-                                    <p:anim calcmode="lin" valueType="num">
-                                      <p:cBhvr>
-                                        <p:cTn id="36" dur="250" fill="hold"/>
-                                        <p:tgtEl>
-                                          <p:spTgt spid="6"/>
-                                        </p:tgtEl>
-                                        <p:attrNameLst>
-                                          <p:attrName>ppt_w</p:attrName>
-                                        </p:attrNameLst>
-                                      </p:cBhvr>
-                                      <p:tavLst>
-                                        <p:tav tm="0">
-                                          <p:val>
-                                            <p:fltVal val="0"/>
-                                          </p:val>
-                                        </p:tav>
-                                        <p:tav tm="100000">
-                                          <p:val>
-                                            <p:strVal val="#ppt_w"/>
-                                          </p:val>
-                                        </p:tav>
-                                      </p:tavLst>
-                                    </p:anim>
-                                    <p:anim calcmode="lin" valueType="num">
-                                      <p:cBhvr>
-                                        <p:cTn id="37" dur="250" fill="hold"/>
-                                        <p:tgtEl>
-                                          <p:spTgt spid="6"/>
-                                        </p:tgtEl>
-                                        <p:attrNameLst>
-                                          <p:attrName>ppt_h</p:attrName>
-                                        </p:attrNameLst>
-                                      </p:cBhvr>
-                                      <p:tavLst>
-                                        <p:tav tm="0">
-                                          <p:val>
-                                            <p:fltVal val="0"/>
-                                          </p:val>
-                                        </p:tav>
-                                        <p:tav tm="100000">
-                                          <p:val>
-                                            <p:strVal val="#ppt_h"/>
-                                          </p:val>
-                                        </p:tav>
-                                      </p:tavLst>
-                                    </p:anim>
-                                    <p:animEffect transition="in" filter="fade">
-                                      <p:cBhvr>
-                                        <p:cTn id="38" dur="250"/>
-                                        <p:tgtEl>
-                                          <p:spTgt spid="6"/>
-                                        </p:tgtEl>
-                                      </p:cBhvr>
-                                    </p:animEffect>
-                                  </p:childTnLst>
-                                </p:cTn>
-                              </p:par>
-                            </p:childTnLst>
-                          </p:cTn>
-                        </p:par>
-                        <p:par>
-                          <p:cTn id="39" fill="hold">
-                            <p:stCondLst>
-                              <p:cond delay="3500"/>
-                            </p:stCondLst>
-                            <p:childTnLst>
-                              <p:par>
-                                <p:cTn id="40" presetID="2" presetClass="entr" presetSubtype="2" fill="hold" grpId="0" nodeType="afterEffect">
-                                  <p:stCondLst>
-                                    <p:cond delay="0"/>
-                                  </p:stCondLst>
-                                  <p:childTnLst>
-                                    <p:set>
-                                      <p:cBhvr>
-                                        <p:cTn id="41" dur="1" fill="hold">
-                                          <p:stCondLst>
-                                            <p:cond delay="0"/>
-                                          </p:stCondLst>
-                                        </p:cTn>
-                                        <p:tgtEl>
-                                          <p:spTgt spid="12"/>
-                                        </p:tgtEl>
-                                        <p:attrNameLst>
-                                          <p:attrName>style.visibility</p:attrName>
-                                        </p:attrNameLst>
-                                      </p:cBhvr>
-                                      <p:to>
-                                        <p:strVal val="visible"/>
-                                      </p:to>
-                                    </p:set>
-                                    <p:anim calcmode="lin" valueType="num">
-                                      <p:cBhvr additive="base">
-                                        <p:cTn id="42" dur="250" fill="hold"/>
-                                        <p:tgtEl>
-                                          <p:spTgt spid="12"/>
-                                        </p:tgtEl>
-                                        <p:attrNameLst>
-                                          <p:attrName>ppt_x</p:attrName>
-                                        </p:attrNameLst>
-                                      </p:cBhvr>
-                                      <p:tavLst>
-                                        <p:tav tm="0">
-                                          <p:val>
-                                            <p:strVal val="1+#ppt_w/2"/>
-                                          </p:val>
-                                        </p:tav>
-                                        <p:tav tm="100000">
-                                          <p:val>
-                                            <p:strVal val="#ppt_x"/>
-                                          </p:val>
-                                        </p:tav>
-                                      </p:tavLst>
-                                    </p:anim>
-                                    <p:anim calcmode="lin" valueType="num">
-                                      <p:cBhvr additive="base">
-                                        <p:cTn id="43" dur="250" fill="hold"/>
-                                        <p:tgtEl>
-                                          <p:spTgt spid="12"/>
-                                        </p:tgtEl>
-                                        <p:attrNameLst>
-                                          <p:attrName>ppt_y</p:attrName>
-                                        </p:attrNameLst>
-                                      </p:cBhvr>
-                                      <p:tavLst>
-                                        <p:tav tm="0">
-                                          <p:val>
-                                            <p:strVal val="#ppt_y"/>
-                                          </p:val>
-                                        </p:tav>
-                                        <p:tav tm="100000">
-                                          <p:val>
-                                            <p:strVal val="#ppt_y"/>
-                                          </p:val>
-                                        </p:tav>
-                                      </p:tavLst>
-                                    </p:anim>
-                                  </p:childTnLst>
-                                </p:cTn>
-                              </p:par>
-                            </p:childTnLst>
-                          </p:cTn>
-                        </p:par>
-                        <p:par>
-                          <p:cTn id="44" fill="hold">
-                            <p:stCondLst>
-                              <p:cond delay="4000"/>
-                            </p:stCondLst>
-                            <p:childTnLst>
-                              <p:par>
-                                <p:cTn id="45" presetID="50" presetClass="entr" presetSubtype="0" decel="100000" fill="hold" grpId="0" nodeType="afterEffect">
-                                  <p:stCondLst>
-                                    <p:cond delay="0"/>
-                                  </p:stCondLst>
-                                  <p:childTnLst>
-                                    <p:set>
-                                      <p:cBhvr>
-                                        <p:cTn id="46" dur="1" fill="hold">
-                                          <p:stCondLst>
-                                            <p:cond delay="0"/>
-                                          </p:stCondLst>
-                                        </p:cTn>
-                                        <p:tgtEl>
-                                          <p:spTgt spid="9"/>
-                                        </p:tgtEl>
-                                        <p:attrNameLst>
-                                          <p:attrName>style.visibility</p:attrName>
-                                        </p:attrNameLst>
-                                      </p:cBhvr>
-                                      <p:to>
-                                        <p:strVal val="visible"/>
-                                      </p:to>
-                                    </p:set>
-                                    <p:anim calcmode="lin" valueType="num">
-                                      <p:cBhvr>
-                                        <p:cTn id="47" dur="500" fill="hold"/>
-                                        <p:tgtEl>
-                                          <p:spTgt spid="9"/>
-                                        </p:tgtEl>
-                                        <p:attrNameLst>
-                                          <p:attrName>ppt_w</p:attrName>
-                                        </p:attrNameLst>
-                                      </p:cBhvr>
-                                      <p:tavLst>
-                                        <p:tav tm="0">
-                                          <p:val>
-                                            <p:strVal val="#ppt_w+.3"/>
-                                          </p:val>
-                                        </p:tav>
-                                        <p:tav tm="100000">
-                                          <p:val>
-                                            <p:strVal val="#ppt_w"/>
-                                          </p:val>
-                                        </p:tav>
-                                      </p:tavLst>
-                                    </p:anim>
-                                    <p:anim calcmode="lin" valueType="num">
-                                      <p:cBhvr>
-                                        <p:cTn id="48" dur="500" fill="hold"/>
-                                        <p:tgtEl>
-                                          <p:spTgt spid="9"/>
-                                        </p:tgtEl>
-                                        <p:attrNameLst>
-                                          <p:attrName>ppt_h</p:attrName>
-                                        </p:attrNameLst>
-                                      </p:cBhvr>
-                                      <p:tavLst>
-                                        <p:tav tm="0">
-                                          <p:val>
-                                            <p:strVal val="#ppt_h"/>
-                                          </p:val>
-                                        </p:tav>
-                                        <p:tav tm="100000">
-                                          <p:val>
-                                            <p:strVal val="#ppt_h"/>
-                                          </p:val>
-                                        </p:tav>
-                                      </p:tavLst>
-                                    </p:anim>
-                                    <p:animEffect transition="in" filter="fade">
-                                      <p:cBhvr>
-                                        <p:cTn id="49" dur="500"/>
-                                        <p:tgtEl>
-                                          <p:spTgt spid="9"/>
-                                        </p:tgtEl>
-                                      </p:cBhvr>
-                                    </p:animEffect>
-                                  </p:childTnLst>
-                                </p:cTn>
-                              </p:par>
-                            </p:childTnLst>
-                          </p:cTn>
-                        </p:par>
-                      </p:childTnLst>
-                    </p:cTn>
-                  </p:par>
-                </p:childTnLst>
-              </p:cTn>
-              <p:prevCondLst>
-                <p:cond evt="onPrev" delay="0">
-                  <p:tgtEl>
-                    <p:sldTgt/>
-                  </p:tgtEl>
-                </p:cond>
-              </p:prevCondLst>
-              <p:nextCondLst>
-                <p:cond evt="onNext" delay="0">
-                  <p:tgtEl>
-                    <p:sldTgt/>
-                  </p:tgtEl>
-                </p:cond>
-              </p:nextCondLst>
-            </p:seq>
-          </p:childTnLst>
-        </p:cTn>
-      </p:par>
-    </p:tnLst>
-    <p:bldLst>
-      <p:bldP spid="6" grpId="0"/>
-      <p:bldP spid="7" grpId="0" animBg="1" autoUpdateAnimBg="0"/>
-      <p:bldP spid="9" grpId="0"/>
-      <p:bldP spid="10" grpId="0"/>
-      <p:bldP spid="11" grpId="0"/>
-      <p:bldP spid="12" grpId="0" bldLvl="0" animBg="1" autoUpdateAnimBg="0"/>
-    </p:bldLst>
-  </p:timing>
-</p:sld>
-</file>
-
 <file path=ppt/tags/tag1.xml><?xml version="1.0" encoding="utf-8"?>
 <p:tagLst xmlns:a="http://schemas.openxmlformats.org/drawingml/2006/main" xmlns:r="http://schemas.openxmlformats.org/officeDocument/2006/relationships" xmlns:p="http://schemas.openxmlformats.org/presentationml/2006/main">
   <p:tag name="PA" val="v3.0.1"/>
@@ -10333,6 +14251,12 @@
 </file>
 
 <file path=ppt/tags/tag12.xml><?xml version="1.0" encoding="utf-8"?>
+<p:tagLst xmlns:a="http://schemas.openxmlformats.org/drawingml/2006/main" xmlns:r="http://schemas.openxmlformats.org/officeDocument/2006/relationships" xmlns:p="http://schemas.openxmlformats.org/presentationml/2006/main">
+  <p:tag name="PA" val="v3.0.1"/>
+</p:tagLst>
+</file>
+
+<file path=ppt/tags/tag13.xml><?xml version="1.0" encoding="utf-8"?>
 <p:tagLst xmlns:a="http://schemas.openxmlformats.org/drawingml/2006/main" xmlns:r="http://schemas.openxmlformats.org/officeDocument/2006/relationships" xmlns:p="http://schemas.openxmlformats.org/presentationml/2006/main">
   <p:tag name="PA" val="v3.0.1"/>
 </p:tagLst>

--- a/database_report/Database_CyberSeller.pptx
+++ b/database_report/Database_CyberSeller.pptx
@@ -5,7 +5,7 @@
     <p:sldMasterId id="2147483648" r:id="rId1"/>
   </p:sldMasterIdLst>
   <p:notesMasterIdLst>
-    <p:notesMasterId r:id="rId13"/>
+    <p:notesMasterId r:id="rId17"/>
   </p:notesMasterIdLst>
   <p:sldIdLst>
     <p:sldId id="256" r:id="rId2"/>
@@ -16,9 +16,13 @@
     <p:sldId id="311" r:id="rId7"/>
     <p:sldId id="308" r:id="rId8"/>
     <p:sldId id="312" r:id="rId9"/>
-    <p:sldId id="296" r:id="rId10"/>
-    <p:sldId id="309" r:id="rId11"/>
-    <p:sldId id="307" r:id="rId12"/>
+    <p:sldId id="313" r:id="rId10"/>
+    <p:sldId id="314" r:id="rId11"/>
+    <p:sldId id="315" r:id="rId12"/>
+    <p:sldId id="296" r:id="rId13"/>
+    <p:sldId id="317" r:id="rId14"/>
+    <p:sldId id="318" r:id="rId15"/>
+    <p:sldId id="307" r:id="rId16"/>
   </p:sldIdLst>
   <p:sldSz cx="9144000" cy="5145088"/>
   <p:notesSz cx="6858000" cy="9144000"/>
@@ -130,8 +134,12 @@
             <p14:sldId id="311"/>
             <p14:sldId id="308"/>
             <p14:sldId id="312"/>
+            <p14:sldId id="313"/>
+            <p14:sldId id="314"/>
+            <p14:sldId id="315"/>
             <p14:sldId id="296"/>
-            <p14:sldId id="309"/>
+            <p14:sldId id="317"/>
+            <p14:sldId id="318"/>
             <p14:sldId id="307"/>
           </p14:sldIdLst>
         </p14:section>
@@ -580,6 +588,463 @@
 </p:notes>
 </file>
 
+<file path=ppt/notesSlides/notesSlide10.xml><?xml version="1.0" encoding="utf-8"?>
+<p:notes xmlns:a="http://schemas.openxmlformats.org/drawingml/2006/main" xmlns:r="http://schemas.openxmlformats.org/officeDocument/2006/relationships" xmlns:p="http://schemas.openxmlformats.org/presentationml/2006/main">
+  <p:cSld>
+    <p:spTree>
+      <p:nvGrpSpPr>
+        <p:cNvPr id="1" name=""/>
+        <p:cNvGrpSpPr/>
+        <p:nvPr/>
+      </p:nvGrpSpPr>
+      <p:grpSpPr>
+        <a:xfrm>
+          <a:off x="0" y="0"/>
+          <a:ext cx="0" cy="0"/>
+          <a:chOff x="0" y="0"/>
+          <a:chExt cx="0" cy="0"/>
+        </a:xfrm>
+      </p:grpSpPr>
+      <p:sp>
+        <p:nvSpPr>
+          <p:cNvPr id="2" name="幻灯片图像占位符 1"/>
+          <p:cNvSpPr>
+            <a:spLocks noGrp="1" noRot="1" noChangeAspect="1"/>
+          </p:cNvSpPr>
+          <p:nvPr>
+            <p:ph type="sldImg"/>
+          </p:nvPr>
+        </p:nvSpPr>
+        <p:spPr/>
+      </p:sp>
+      <p:sp>
+        <p:nvSpPr>
+          <p:cNvPr id="3" name="备注占位符 2"/>
+          <p:cNvSpPr>
+            <a:spLocks noGrp="1"/>
+          </p:cNvSpPr>
+          <p:nvPr>
+            <p:ph type="body" idx="1"/>
+          </p:nvPr>
+        </p:nvSpPr>
+        <p:spPr/>
+        <p:txBody>
+          <a:bodyPr/>
+          <a:lstStyle/>
+          <a:p>
+            <a:endParaRPr lang="zh-CN" altLang="en-US"/>
+          </a:p>
+        </p:txBody>
+      </p:sp>
+      <p:sp>
+        <p:nvSpPr>
+          <p:cNvPr id="4" name="灯片编号占位符 3"/>
+          <p:cNvSpPr>
+            <a:spLocks noGrp="1"/>
+          </p:cNvSpPr>
+          <p:nvPr>
+            <p:ph type="sldNum" sz="quarter" idx="10"/>
+          </p:nvPr>
+        </p:nvSpPr>
+        <p:spPr/>
+        <p:txBody>
+          <a:bodyPr/>
+          <a:lstStyle/>
+          <a:p>
+            <a:pPr marL="0" marR="0" lvl="0" indent="0" algn="r" defTabSz="914400" rtl="0" eaLnBrk="1" fontAlgn="auto" latinLnBrk="0" hangingPunct="1">
+              <a:lnSpc>
+                <a:spcPct val="100000"/>
+              </a:lnSpc>
+              <a:spcBef>
+                <a:spcPts val="0"/>
+              </a:spcBef>
+              <a:spcAft>
+                <a:spcPts val="0"/>
+              </a:spcAft>
+              <a:buClrTx/>
+              <a:buSzTx/>
+              <a:buFontTx/>
+              <a:buNone/>
+              <a:defRPr/>
+            </a:pPr>
+            <a:fld id="{D34C0232-94FA-4EBE-BB9B-79FBE486032D}" type="slidenum">
+              <a:rPr kumimoji="0" lang="zh-CN" altLang="en-US" sz="1200" b="0" i="0" u="none" strike="noStrike" kern="1200" cap="none" spc="0" normalizeH="0" baseline="0" noProof="0" smtClean="0">
+                <a:ln>
+                  <a:noFill/>
+                </a:ln>
+                <a:solidFill>
+                  <a:prstClr val="black"/>
+                </a:solidFill>
+                <a:effectLst/>
+                <a:uLnTx/>
+                <a:uFillTx/>
+                <a:latin typeface="Calibri" panose="020F0502020204030204"/>
+                <a:ea typeface="宋体" panose="02010600030101010101" pitchFamily="2" charset="-122"/>
+                <a:cs typeface="+mn-cs"/>
+              </a:rPr>
+              <a:t>11</a:t>
+            </a:fld>
+            <a:endParaRPr kumimoji="0" lang="zh-CN" altLang="en-US" sz="1200" b="0" i="0" u="none" strike="noStrike" kern="1200" cap="none" spc="0" normalizeH="0" baseline="0" noProof="0">
+              <a:ln>
+                <a:noFill/>
+              </a:ln>
+              <a:solidFill>
+                <a:prstClr val="black"/>
+              </a:solidFill>
+              <a:effectLst/>
+              <a:uLnTx/>
+              <a:uFillTx/>
+              <a:latin typeface="Calibri" panose="020F0502020204030204"/>
+              <a:ea typeface="宋体" panose="02010600030101010101" pitchFamily="2" charset="-122"/>
+              <a:cs typeface="+mn-cs"/>
+            </a:endParaRPr>
+          </a:p>
+        </p:txBody>
+      </p:sp>
+    </p:spTree>
+    <p:extLst>
+      <p:ext uri="{BB962C8B-B14F-4D97-AF65-F5344CB8AC3E}">
+        <p14:creationId xmlns:p14="http://schemas.microsoft.com/office/powerpoint/2010/main" val="1678112666"/>
+      </p:ext>
+    </p:extLst>
+  </p:cSld>
+  <p:clrMapOvr>
+    <a:masterClrMapping/>
+  </p:clrMapOvr>
+</p:notes>
+</file>
+
+<file path=ppt/notesSlides/notesSlide11.xml><?xml version="1.0" encoding="utf-8"?>
+<p:notes xmlns:a="http://schemas.openxmlformats.org/drawingml/2006/main" xmlns:r="http://schemas.openxmlformats.org/officeDocument/2006/relationships" xmlns:p="http://schemas.openxmlformats.org/presentationml/2006/main">
+  <p:cSld>
+    <p:spTree>
+      <p:nvGrpSpPr>
+        <p:cNvPr id="1" name=""/>
+        <p:cNvGrpSpPr/>
+        <p:nvPr/>
+      </p:nvGrpSpPr>
+      <p:grpSpPr>
+        <a:xfrm>
+          <a:off x="0" y="0"/>
+          <a:ext cx="0" cy="0"/>
+          <a:chOff x="0" y="0"/>
+          <a:chExt cx="0" cy="0"/>
+        </a:xfrm>
+      </p:grpSpPr>
+      <p:sp>
+        <p:nvSpPr>
+          <p:cNvPr id="2" name="幻灯片图像占位符 1"/>
+          <p:cNvSpPr>
+            <a:spLocks noGrp="1" noRot="1" noChangeAspect="1"/>
+          </p:cNvSpPr>
+          <p:nvPr>
+            <p:ph type="sldImg"/>
+          </p:nvPr>
+        </p:nvSpPr>
+        <p:spPr/>
+      </p:sp>
+      <p:sp>
+        <p:nvSpPr>
+          <p:cNvPr id="3" name="备注占位符 2"/>
+          <p:cNvSpPr>
+            <a:spLocks noGrp="1"/>
+          </p:cNvSpPr>
+          <p:nvPr>
+            <p:ph type="body" idx="1"/>
+          </p:nvPr>
+        </p:nvSpPr>
+        <p:spPr/>
+        <p:txBody>
+          <a:bodyPr/>
+          <a:lstStyle/>
+          <a:p>
+            <a:endParaRPr lang="zh-CN" altLang="en-US"/>
+          </a:p>
+        </p:txBody>
+      </p:sp>
+      <p:sp>
+        <p:nvSpPr>
+          <p:cNvPr id="4" name="灯片编号占位符 3"/>
+          <p:cNvSpPr>
+            <a:spLocks noGrp="1"/>
+          </p:cNvSpPr>
+          <p:nvPr>
+            <p:ph type="sldNum" sz="quarter" idx="10"/>
+          </p:nvPr>
+        </p:nvSpPr>
+        <p:spPr/>
+        <p:txBody>
+          <a:bodyPr/>
+          <a:lstStyle/>
+          <a:p>
+            <a:fld id="{E44DF715-C661-4A4B-BB5A-CE67FF753190}" type="slidenum">
+              <a:rPr lang="zh-CN" altLang="en-US" smtClean="0"/>
+              <a:t>12</a:t>
+            </a:fld>
+            <a:endParaRPr lang="zh-CN" altLang="en-US"/>
+          </a:p>
+        </p:txBody>
+      </p:sp>
+    </p:spTree>
+  </p:cSld>
+  <p:clrMapOvr>
+    <a:masterClrMapping/>
+  </p:clrMapOvr>
+</p:notes>
+</file>
+
+<file path=ppt/notesSlides/notesSlide12.xml><?xml version="1.0" encoding="utf-8"?>
+<p:notes xmlns:a="http://schemas.openxmlformats.org/drawingml/2006/main" xmlns:r="http://schemas.openxmlformats.org/officeDocument/2006/relationships" xmlns:p="http://schemas.openxmlformats.org/presentationml/2006/main">
+  <p:cSld>
+    <p:spTree>
+      <p:nvGrpSpPr>
+        <p:cNvPr id="1" name=""/>
+        <p:cNvGrpSpPr/>
+        <p:nvPr/>
+      </p:nvGrpSpPr>
+      <p:grpSpPr>
+        <a:xfrm>
+          <a:off x="0" y="0"/>
+          <a:ext cx="0" cy="0"/>
+          <a:chOff x="0" y="0"/>
+          <a:chExt cx="0" cy="0"/>
+        </a:xfrm>
+      </p:grpSpPr>
+      <p:sp>
+        <p:nvSpPr>
+          <p:cNvPr id="2" name="幻灯片图像占位符 1"/>
+          <p:cNvSpPr>
+            <a:spLocks noGrp="1" noRot="1" noChangeAspect="1"/>
+          </p:cNvSpPr>
+          <p:nvPr>
+            <p:ph type="sldImg"/>
+          </p:nvPr>
+        </p:nvSpPr>
+        <p:spPr/>
+      </p:sp>
+      <p:sp>
+        <p:nvSpPr>
+          <p:cNvPr id="3" name="备注占位符 2"/>
+          <p:cNvSpPr>
+            <a:spLocks noGrp="1"/>
+          </p:cNvSpPr>
+          <p:nvPr>
+            <p:ph type="body" idx="1"/>
+          </p:nvPr>
+        </p:nvSpPr>
+        <p:spPr/>
+        <p:txBody>
+          <a:bodyPr/>
+          <a:lstStyle/>
+          <a:p>
+            <a:endParaRPr lang="zh-CN" altLang="en-US"/>
+          </a:p>
+        </p:txBody>
+      </p:sp>
+      <p:sp>
+        <p:nvSpPr>
+          <p:cNvPr id="4" name="灯片编号占位符 3"/>
+          <p:cNvSpPr>
+            <a:spLocks noGrp="1"/>
+          </p:cNvSpPr>
+          <p:nvPr>
+            <p:ph type="sldNum" sz="quarter" idx="10"/>
+          </p:nvPr>
+        </p:nvSpPr>
+        <p:spPr/>
+        <p:txBody>
+          <a:bodyPr/>
+          <a:lstStyle/>
+          <a:p>
+            <a:pPr marL="0" marR="0" lvl="0" indent="0" algn="r" defTabSz="914400" rtl="0" eaLnBrk="1" fontAlgn="auto" latinLnBrk="0" hangingPunct="1">
+              <a:lnSpc>
+                <a:spcPct val="100000"/>
+              </a:lnSpc>
+              <a:spcBef>
+                <a:spcPts val="0"/>
+              </a:spcBef>
+              <a:spcAft>
+                <a:spcPts val="0"/>
+              </a:spcAft>
+              <a:buClrTx/>
+              <a:buSzTx/>
+              <a:buFontTx/>
+              <a:buNone/>
+              <a:defRPr/>
+            </a:pPr>
+            <a:fld id="{D34C0232-94FA-4EBE-BB9B-79FBE486032D}" type="slidenum">
+              <a:rPr kumimoji="0" lang="zh-CN" altLang="en-US" sz="1200" b="0" i="0" u="none" strike="noStrike" kern="1200" cap="none" spc="0" normalizeH="0" baseline="0" noProof="0" smtClean="0">
+                <a:ln>
+                  <a:noFill/>
+                </a:ln>
+                <a:solidFill>
+                  <a:prstClr val="black"/>
+                </a:solidFill>
+                <a:effectLst/>
+                <a:uLnTx/>
+                <a:uFillTx/>
+                <a:latin typeface="Calibri" panose="020F0502020204030204"/>
+                <a:ea typeface="宋体" panose="02010600030101010101" pitchFamily="2" charset="-122"/>
+                <a:cs typeface="+mn-cs"/>
+              </a:rPr>
+              <a:t>13</a:t>
+            </a:fld>
+            <a:endParaRPr kumimoji="0" lang="zh-CN" altLang="en-US" sz="1200" b="0" i="0" u="none" strike="noStrike" kern="1200" cap="none" spc="0" normalizeH="0" baseline="0" noProof="0">
+              <a:ln>
+                <a:noFill/>
+              </a:ln>
+              <a:solidFill>
+                <a:prstClr val="black"/>
+              </a:solidFill>
+              <a:effectLst/>
+              <a:uLnTx/>
+              <a:uFillTx/>
+              <a:latin typeface="Calibri" panose="020F0502020204030204"/>
+              <a:ea typeface="宋体" panose="02010600030101010101" pitchFamily="2" charset="-122"/>
+              <a:cs typeface="+mn-cs"/>
+            </a:endParaRPr>
+          </a:p>
+        </p:txBody>
+      </p:sp>
+    </p:spTree>
+    <p:extLst>
+      <p:ext uri="{BB962C8B-B14F-4D97-AF65-F5344CB8AC3E}">
+        <p14:creationId xmlns:p14="http://schemas.microsoft.com/office/powerpoint/2010/main" val="1723978449"/>
+      </p:ext>
+    </p:extLst>
+  </p:cSld>
+  <p:clrMapOvr>
+    <a:masterClrMapping/>
+  </p:clrMapOvr>
+</p:notes>
+</file>
+
+<file path=ppt/notesSlides/notesSlide13.xml><?xml version="1.0" encoding="utf-8"?>
+<p:notes xmlns:a="http://schemas.openxmlformats.org/drawingml/2006/main" xmlns:r="http://schemas.openxmlformats.org/officeDocument/2006/relationships" xmlns:p="http://schemas.openxmlformats.org/presentationml/2006/main">
+  <p:cSld>
+    <p:spTree>
+      <p:nvGrpSpPr>
+        <p:cNvPr id="1" name=""/>
+        <p:cNvGrpSpPr/>
+        <p:nvPr/>
+      </p:nvGrpSpPr>
+      <p:grpSpPr>
+        <a:xfrm>
+          <a:off x="0" y="0"/>
+          <a:ext cx="0" cy="0"/>
+          <a:chOff x="0" y="0"/>
+          <a:chExt cx="0" cy="0"/>
+        </a:xfrm>
+      </p:grpSpPr>
+      <p:sp>
+        <p:nvSpPr>
+          <p:cNvPr id="2" name="幻灯片图像占位符 1"/>
+          <p:cNvSpPr>
+            <a:spLocks noGrp="1" noRot="1" noChangeAspect="1"/>
+          </p:cNvSpPr>
+          <p:nvPr>
+            <p:ph type="sldImg"/>
+          </p:nvPr>
+        </p:nvSpPr>
+        <p:spPr/>
+      </p:sp>
+      <p:sp>
+        <p:nvSpPr>
+          <p:cNvPr id="3" name="备注占位符 2"/>
+          <p:cNvSpPr>
+            <a:spLocks noGrp="1"/>
+          </p:cNvSpPr>
+          <p:nvPr>
+            <p:ph type="body" idx="1"/>
+          </p:nvPr>
+        </p:nvSpPr>
+        <p:spPr/>
+        <p:txBody>
+          <a:bodyPr/>
+          <a:lstStyle/>
+          <a:p>
+            <a:endParaRPr lang="zh-CN" altLang="en-US"/>
+          </a:p>
+        </p:txBody>
+      </p:sp>
+      <p:sp>
+        <p:nvSpPr>
+          <p:cNvPr id="4" name="灯片编号占位符 3"/>
+          <p:cNvSpPr>
+            <a:spLocks noGrp="1"/>
+          </p:cNvSpPr>
+          <p:nvPr>
+            <p:ph type="sldNum" sz="quarter" idx="10"/>
+          </p:nvPr>
+        </p:nvSpPr>
+        <p:spPr/>
+        <p:txBody>
+          <a:bodyPr/>
+          <a:lstStyle/>
+          <a:p>
+            <a:pPr marL="0" marR="0" lvl="0" indent="0" algn="r" defTabSz="914400" rtl="0" eaLnBrk="1" fontAlgn="auto" latinLnBrk="0" hangingPunct="1">
+              <a:lnSpc>
+                <a:spcPct val="100000"/>
+              </a:lnSpc>
+              <a:spcBef>
+                <a:spcPts val="0"/>
+              </a:spcBef>
+              <a:spcAft>
+                <a:spcPts val="0"/>
+              </a:spcAft>
+              <a:buClrTx/>
+              <a:buSzTx/>
+              <a:buFontTx/>
+              <a:buNone/>
+              <a:defRPr/>
+            </a:pPr>
+            <a:fld id="{D34C0232-94FA-4EBE-BB9B-79FBE486032D}" type="slidenum">
+              <a:rPr kumimoji="0" lang="zh-CN" altLang="en-US" sz="1200" b="0" i="0" u="none" strike="noStrike" kern="1200" cap="none" spc="0" normalizeH="0" baseline="0" noProof="0" smtClean="0">
+                <a:ln>
+                  <a:noFill/>
+                </a:ln>
+                <a:solidFill>
+                  <a:prstClr val="black"/>
+                </a:solidFill>
+                <a:effectLst/>
+                <a:uLnTx/>
+                <a:uFillTx/>
+                <a:latin typeface="Calibri" panose="020F0502020204030204"/>
+                <a:ea typeface="宋体" panose="02010600030101010101" pitchFamily="2" charset="-122"/>
+                <a:cs typeface="+mn-cs"/>
+              </a:rPr>
+              <a:t>14</a:t>
+            </a:fld>
+            <a:endParaRPr kumimoji="0" lang="zh-CN" altLang="en-US" sz="1200" b="0" i="0" u="none" strike="noStrike" kern="1200" cap="none" spc="0" normalizeH="0" baseline="0" noProof="0">
+              <a:ln>
+                <a:noFill/>
+              </a:ln>
+              <a:solidFill>
+                <a:prstClr val="black"/>
+              </a:solidFill>
+              <a:effectLst/>
+              <a:uLnTx/>
+              <a:uFillTx/>
+              <a:latin typeface="Calibri" panose="020F0502020204030204"/>
+              <a:ea typeface="宋体" panose="02010600030101010101" pitchFamily="2" charset="-122"/>
+              <a:cs typeface="+mn-cs"/>
+            </a:endParaRPr>
+          </a:p>
+        </p:txBody>
+      </p:sp>
+    </p:spTree>
+    <p:extLst>
+      <p:ext uri="{BB962C8B-B14F-4D97-AF65-F5344CB8AC3E}">
+        <p14:creationId xmlns:p14="http://schemas.microsoft.com/office/powerpoint/2010/main" val="1458320538"/>
+      </p:ext>
+    </p:extLst>
+  </p:cSld>
+  <p:clrMapOvr>
+    <a:masterClrMapping/>
+  </p:clrMapOvr>
+</p:notes>
+</file>
+
 <file path=ppt/notesSlides/notesSlide2.xml><?xml version="1.0" encoding="utf-8"?>
 <p:notes xmlns:a="http://schemas.openxmlformats.org/drawingml/2006/main" xmlns:r="http://schemas.openxmlformats.org/officeDocument/2006/relationships" xmlns:p="http://schemas.openxmlformats.org/presentationml/2006/main">
   <p:cSld>
@@ -1305,15 +1770,62 @@
           <a:bodyPr/>
           <a:lstStyle/>
           <a:p>
-            <a:fld id="{E44DF715-C661-4A4B-BB5A-CE67FF753190}" type="slidenum">
-              <a:rPr lang="zh-CN" altLang="en-US" smtClean="0"/>
+            <a:pPr marL="0" marR="0" lvl="0" indent="0" algn="r" defTabSz="914400" rtl="0" eaLnBrk="1" fontAlgn="auto" latinLnBrk="0" hangingPunct="1">
+              <a:lnSpc>
+                <a:spcPct val="100000"/>
+              </a:lnSpc>
+              <a:spcBef>
+                <a:spcPts val="0"/>
+              </a:spcBef>
+              <a:spcAft>
+                <a:spcPts val="0"/>
+              </a:spcAft>
+              <a:buClrTx/>
+              <a:buSzTx/>
+              <a:buFontTx/>
+              <a:buNone/>
+              <a:defRPr/>
+            </a:pPr>
+            <a:fld id="{D34C0232-94FA-4EBE-BB9B-79FBE486032D}" type="slidenum">
+              <a:rPr kumimoji="0" lang="zh-CN" altLang="en-US" sz="1200" b="0" i="0" u="none" strike="noStrike" kern="1200" cap="none" spc="0" normalizeH="0" baseline="0" noProof="0" smtClean="0">
+                <a:ln>
+                  <a:noFill/>
+                </a:ln>
+                <a:solidFill>
+                  <a:prstClr val="black"/>
+                </a:solidFill>
+                <a:effectLst/>
+                <a:uLnTx/>
+                <a:uFillTx/>
+                <a:latin typeface="Calibri" panose="020F0502020204030204"/>
+                <a:ea typeface="宋体" panose="02010600030101010101" pitchFamily="2" charset="-122"/>
+                <a:cs typeface="+mn-cs"/>
+              </a:rPr>
               <a:t>9</a:t>
             </a:fld>
-            <a:endParaRPr lang="zh-CN" altLang="en-US"/>
+            <a:endParaRPr kumimoji="0" lang="zh-CN" altLang="en-US" sz="1200" b="0" i="0" u="none" strike="noStrike" kern="1200" cap="none" spc="0" normalizeH="0" baseline="0" noProof="0">
+              <a:ln>
+                <a:noFill/>
+              </a:ln>
+              <a:solidFill>
+                <a:prstClr val="black"/>
+              </a:solidFill>
+              <a:effectLst/>
+              <a:uLnTx/>
+              <a:uFillTx/>
+              <a:latin typeface="Calibri" panose="020F0502020204030204"/>
+              <a:ea typeface="宋体" panose="02010600030101010101" pitchFamily="2" charset="-122"/>
+              <a:cs typeface="+mn-cs"/>
+            </a:endParaRPr>
           </a:p>
         </p:txBody>
       </p:sp>
     </p:spTree>
+    <p:extLst>
+      <p:ext uri="{BB962C8B-B14F-4D97-AF65-F5344CB8AC3E}">
+        <p14:creationId xmlns:p14="http://schemas.microsoft.com/office/powerpoint/2010/main" val="3579952948"/>
+      </p:ext>
+    </p:extLst>
   </p:cSld>
   <p:clrMapOvr>
     <a:masterClrMapping/>
@@ -1437,7 +1949,7 @@
     </p:spTree>
     <p:extLst>
       <p:ext uri="{BB962C8B-B14F-4D97-AF65-F5344CB8AC3E}">
-        <p14:creationId xmlns:p14="http://schemas.microsoft.com/office/powerpoint/2010/main" val="3377820079"/>
+        <p14:creationId xmlns:p14="http://schemas.microsoft.com/office/powerpoint/2010/main" val="159777774"/>
       </p:ext>
     </p:extLst>
   </p:cSld>
@@ -5870,6 +6382,36 @@
           <a:chExt cx="0" cy="0"/>
         </a:xfrm>
       </p:grpSpPr>
+      <p:pic>
+        <p:nvPicPr>
+          <p:cNvPr id="12" name="图片 11">
+            <a:extLst>
+              <a:ext uri="{FF2B5EF4-FFF2-40B4-BE49-F238E27FC236}">
+                <a16:creationId xmlns:a16="http://schemas.microsoft.com/office/drawing/2014/main" id="{E0E9A617-95A5-2D84-D879-6D33B3C43296}"/>
+              </a:ext>
+            </a:extLst>
+          </p:cNvPr>
+          <p:cNvPicPr>
+            <a:picLocks noChangeAspect="1"/>
+          </p:cNvPicPr>
+          <p:nvPr/>
+        </p:nvPicPr>
+        <p:blipFill>
+          <a:blip r:embed="rId3"/>
+          <a:stretch>
+            <a:fillRect/>
+          </a:stretch>
+        </p:blipFill>
+        <p:spPr>
+          <a:xfrm>
+            <a:off x="395536" y="2395904"/>
+            <a:ext cx="5148031" cy="2414344"/>
+          </a:xfrm>
+          <a:prstGeom prst="rect">
+            <a:avLst/>
+          </a:prstGeom>
+        </p:spPr>
+      </p:pic>
       <p:sp>
         <p:nvSpPr>
           <p:cNvPr id="15" name="矩形 14"/>
@@ -5947,12 +6489,484 @@
           </a:p>
         </p:txBody>
       </p:sp>
+      <p:sp>
+        <p:nvSpPr>
+          <p:cNvPr id="7" name="文本框 6"/>
+          <p:cNvSpPr txBox="1"/>
+          <p:nvPr/>
+        </p:nvSpPr>
+        <p:spPr>
+          <a:xfrm>
+            <a:off x="251520" y="204373"/>
+            <a:ext cx="3672408" cy="461665"/>
+          </a:xfrm>
+          <a:prstGeom prst="rect">
+            <a:avLst/>
+          </a:prstGeom>
+          <a:noFill/>
+        </p:spPr>
+        <p:txBody>
+          <a:bodyPr wrap="square">
+            <a:spAutoFit/>
+          </a:bodyPr>
+          <a:lstStyle/>
+          <a:p>
+            <a:pPr marL="0" marR="0" lvl="0" indent="0" algn="l" defTabSz="914400" rtl="0" eaLnBrk="1" fontAlgn="auto" latinLnBrk="0" hangingPunct="1">
+              <a:lnSpc>
+                <a:spcPct val="100000"/>
+              </a:lnSpc>
+              <a:spcBef>
+                <a:spcPts val="0"/>
+              </a:spcBef>
+              <a:spcAft>
+                <a:spcPts val="0"/>
+              </a:spcAft>
+              <a:buClrTx/>
+              <a:buSzTx/>
+              <a:buFontTx/>
+              <a:buNone/>
+              <a:defRPr/>
+            </a:pPr>
+            <a:r>
+              <a:rPr kumimoji="0" lang="zh-CN" altLang="en-US" sz="2400" b="1" i="0" u="none" strike="noStrike" kern="100" cap="none" spc="0" normalizeH="0" baseline="0" noProof="0" dirty="0">
+                <a:ln>
+                  <a:noFill/>
+                </a:ln>
+                <a:solidFill>
+                  <a:prstClr val="black">
+                    <a:lumMod val="50000"/>
+                    <a:lumOff val="50000"/>
+                  </a:prstClr>
+                </a:solidFill>
+                <a:effectLst/>
+                <a:uLnTx/>
+                <a:uFillTx/>
+                <a:latin typeface="方正兰亭超细黑简体" panose="02000000000000000000" pitchFamily="2" charset="-122"/>
+                <a:ea typeface="方正兰亭超细黑简体" panose="02000000000000000000" pitchFamily="2" charset="-122"/>
+                <a:cs typeface="Times New Roman" panose="02020603050405020304" pitchFamily="18" charset="0"/>
+              </a:rPr>
+              <a:t>系统展示</a:t>
+            </a:r>
+            <a:r>
+              <a:rPr kumimoji="0" lang="en-US" altLang="zh-CN" sz="2400" b="1" i="0" u="none" strike="noStrike" kern="100" cap="none" spc="0" normalizeH="0" baseline="0" noProof="0" dirty="0">
+                <a:ln>
+                  <a:noFill/>
+                </a:ln>
+                <a:solidFill>
+                  <a:prstClr val="black">
+                    <a:lumMod val="50000"/>
+                    <a:lumOff val="50000"/>
+                  </a:prstClr>
+                </a:solidFill>
+                <a:effectLst/>
+                <a:uLnTx/>
+                <a:uFillTx/>
+                <a:latin typeface="方正兰亭超细黑简体" panose="02000000000000000000" pitchFamily="2" charset="-122"/>
+                <a:ea typeface="方正兰亭超细黑简体" panose="02000000000000000000" pitchFamily="2" charset="-122"/>
+                <a:cs typeface="Times New Roman" panose="02020603050405020304" pitchFamily="18" charset="0"/>
+              </a:rPr>
+              <a:t>——</a:t>
+            </a:r>
+            <a:r>
+              <a:rPr kumimoji="0" lang="zh-CN" altLang="en-US" sz="2400" b="1" i="0" u="none" strike="noStrike" kern="100" cap="none" spc="0" normalizeH="0" baseline="0" noProof="0" dirty="0">
+                <a:ln>
+                  <a:noFill/>
+                </a:ln>
+                <a:solidFill>
+                  <a:prstClr val="black">
+                    <a:lumMod val="50000"/>
+                    <a:lumOff val="50000"/>
+                  </a:prstClr>
+                </a:solidFill>
+                <a:effectLst/>
+                <a:uLnTx/>
+                <a:uFillTx/>
+                <a:latin typeface="方正兰亭超细黑简体" panose="02000000000000000000" pitchFamily="2" charset="-122"/>
+                <a:ea typeface="方正兰亭超细黑简体" panose="02000000000000000000" pitchFamily="2" charset="-122"/>
+                <a:cs typeface="Times New Roman" panose="02020603050405020304" pitchFamily="18" charset="0"/>
+              </a:rPr>
+              <a:t>支付系统</a:t>
+            </a:r>
+            <a:endParaRPr kumimoji="0" lang="zh-CN" altLang="en-US" sz="2400" b="1" i="0" u="none" strike="noStrike" kern="1200" cap="none" spc="0" normalizeH="0" baseline="0" noProof="0" dirty="0">
+              <a:ln>
+                <a:noFill/>
+              </a:ln>
+              <a:solidFill>
+                <a:srgbClr val="093B5C"/>
+              </a:solidFill>
+              <a:effectLst/>
+              <a:uLnTx/>
+              <a:uFillTx/>
+              <a:latin typeface="方正兰亭超细黑简体" panose="02000000000000000000" pitchFamily="2" charset="-122"/>
+              <a:ea typeface="方正兰亭超细黑简体" panose="02000000000000000000" pitchFamily="2" charset="-122"/>
+              <a:cs typeface="+mn-cs"/>
+            </a:endParaRPr>
+          </a:p>
+        </p:txBody>
+      </p:sp>
+      <p:sp>
+        <p:nvSpPr>
+          <p:cNvPr id="8" name="文本框 7">
+            <a:extLst>
+              <a:ext uri="{FF2B5EF4-FFF2-40B4-BE49-F238E27FC236}">
+                <a16:creationId xmlns:a16="http://schemas.microsoft.com/office/drawing/2014/main" id="{DF2D3988-D02E-E5B4-32CE-22204258E8DD}"/>
+              </a:ext>
+            </a:extLst>
+          </p:cNvPr>
+          <p:cNvSpPr txBox="1"/>
+          <p:nvPr/>
+        </p:nvSpPr>
+        <p:spPr>
+          <a:xfrm>
+            <a:off x="5760132" y="3814784"/>
+            <a:ext cx="2840355" cy="400110"/>
+          </a:xfrm>
+          <a:prstGeom prst="rect">
+            <a:avLst/>
+          </a:prstGeom>
+          <a:noFill/>
+        </p:spPr>
+        <p:txBody>
+          <a:bodyPr wrap="square" rtlCol="0">
+            <a:spAutoFit/>
+          </a:bodyPr>
+          <a:lstStyle/>
+          <a:p>
+            <a:pPr marL="342900" indent="-342900" algn="just">
+              <a:buClr>
+                <a:srgbClr val="9BAFB5"/>
+              </a:buClr>
+              <a:buFont typeface="Arial" panose="020B0604020202020204" pitchFamily="34" charset="0"/>
+              <a:buChar char="•"/>
+              <a:defRPr/>
+            </a:pPr>
+            <a:r>
+              <a:rPr lang="zh-CN" altLang="en-US" sz="2000" b="1" dirty="0">
+                <a:solidFill>
+                  <a:srgbClr val="AEAEAE"/>
+                </a:solidFill>
+                <a:latin typeface="Gill Sans MT" panose="020B0502020104020203"/>
+                <a:ea typeface="方正兰亭超细黑简体" panose="02000000000000000000"/>
+              </a:rPr>
+              <a:t>选择地址并进行支付</a:t>
+            </a:r>
+            <a:endParaRPr lang="zh-CN" altLang="en-US" sz="2000" b="1" dirty="0">
+              <a:solidFill>
+                <a:srgbClr val="AEAEAE"/>
+              </a:solidFill>
+            </a:endParaRPr>
+          </a:p>
+        </p:txBody>
+      </p:sp>
       <p:pic>
         <p:nvPicPr>
-          <p:cNvPr id="2" name="图片 1">
+          <p:cNvPr id="9" name="图片 8">
             <a:extLst>
               <a:ext uri="{FF2B5EF4-FFF2-40B4-BE49-F238E27FC236}">
-                <a16:creationId xmlns:a16="http://schemas.microsoft.com/office/drawing/2014/main" id="{750EA7AE-28DA-12BE-652F-222A2A496C5D}"/>
+                <a16:creationId xmlns:a16="http://schemas.microsoft.com/office/drawing/2014/main" id="{82F06CF6-A4FD-83C6-ED35-AC3347CF3889}"/>
+              </a:ext>
+            </a:extLst>
+          </p:cNvPr>
+          <p:cNvPicPr>
+            <a:picLocks noChangeAspect="1"/>
+          </p:cNvPicPr>
+          <p:nvPr/>
+        </p:nvPicPr>
+        <p:blipFill>
+          <a:blip r:embed="rId4"/>
+          <a:stretch>
+            <a:fillRect/>
+          </a:stretch>
+        </p:blipFill>
+        <p:spPr>
+          <a:xfrm>
+            <a:off x="3632443" y="860727"/>
+            <a:ext cx="4860032" cy="2367708"/>
+          </a:xfrm>
+          <a:prstGeom prst="rect">
+            <a:avLst/>
+          </a:prstGeom>
+        </p:spPr>
+      </p:pic>
+      <p:sp>
+        <p:nvSpPr>
+          <p:cNvPr id="13" name="文本框 12">
+            <a:extLst>
+              <a:ext uri="{FF2B5EF4-FFF2-40B4-BE49-F238E27FC236}">
+                <a16:creationId xmlns:a16="http://schemas.microsoft.com/office/drawing/2014/main" id="{ACB91AF3-1B99-B652-9121-7632226F9281}"/>
+              </a:ext>
+            </a:extLst>
+          </p:cNvPr>
+          <p:cNvSpPr txBox="1"/>
+          <p:nvPr/>
+        </p:nvSpPr>
+        <p:spPr>
+          <a:xfrm>
+            <a:off x="503548" y="1421425"/>
+            <a:ext cx="2840355" cy="400110"/>
+          </a:xfrm>
+          <a:prstGeom prst="rect">
+            <a:avLst/>
+          </a:prstGeom>
+          <a:noFill/>
+        </p:spPr>
+        <p:txBody>
+          <a:bodyPr wrap="square" rtlCol="0">
+            <a:spAutoFit/>
+          </a:bodyPr>
+          <a:lstStyle/>
+          <a:p>
+            <a:pPr marL="342900" indent="-342900" algn="just">
+              <a:buClr>
+                <a:srgbClr val="9BAFB5"/>
+              </a:buClr>
+              <a:buFont typeface="Arial" panose="020B0604020202020204" pitchFamily="34" charset="0"/>
+              <a:buChar char="•"/>
+              <a:defRPr/>
+            </a:pPr>
+            <a:r>
+              <a:rPr lang="zh-CN" altLang="en-US" sz="2000" b="1" dirty="0">
+                <a:solidFill>
+                  <a:srgbClr val="AEAEAE"/>
+                </a:solidFill>
+                <a:latin typeface="Gill Sans MT" panose="020B0502020104020203"/>
+                <a:ea typeface="方正兰亭超细黑简体" panose="02000000000000000000"/>
+              </a:rPr>
+              <a:t>选择商品并确认订单</a:t>
+            </a:r>
+            <a:endParaRPr lang="zh-CN" altLang="en-US" sz="2000" b="1" dirty="0">
+              <a:solidFill>
+                <a:srgbClr val="AEAEAE"/>
+              </a:solidFill>
+            </a:endParaRPr>
+          </a:p>
+        </p:txBody>
+      </p:sp>
+    </p:spTree>
+    <p:extLst>
+      <p:ext uri="{BB962C8B-B14F-4D97-AF65-F5344CB8AC3E}">
+        <p14:creationId xmlns:p14="http://schemas.microsoft.com/office/powerpoint/2010/main" val="2337649835"/>
+      </p:ext>
+    </p:extLst>
+  </p:cSld>
+  <p:clrMapOvr>
+    <a:masterClrMapping/>
+  </p:clrMapOvr>
+  <p:transition spd="med" advClick="0">
+    <p:random/>
+  </p:transition>
+</p:sld>
+</file>
+
+<file path=ppt/slides/slide11.xml><?xml version="1.0" encoding="utf-8"?>
+<p:sld xmlns:a="http://schemas.openxmlformats.org/drawingml/2006/main" xmlns:r="http://schemas.openxmlformats.org/officeDocument/2006/relationships" xmlns:p="http://schemas.openxmlformats.org/presentationml/2006/main">
+  <p:cSld>
+    <p:spTree>
+      <p:nvGrpSpPr>
+        <p:cNvPr id="1" name=""/>
+        <p:cNvGrpSpPr/>
+        <p:nvPr/>
+      </p:nvGrpSpPr>
+      <p:grpSpPr>
+        <a:xfrm>
+          <a:off x="0" y="0"/>
+          <a:ext cx="0" cy="0"/>
+          <a:chOff x="0" y="0"/>
+          <a:chExt cx="0" cy="0"/>
+        </a:xfrm>
+      </p:grpSpPr>
+      <p:sp>
+        <p:nvSpPr>
+          <p:cNvPr id="15" name="矩形 14"/>
+          <p:cNvSpPr/>
+          <p:nvPr/>
+        </p:nvSpPr>
+        <p:spPr>
+          <a:xfrm>
+            <a:off x="253" y="196280"/>
+            <a:ext cx="144049" cy="504056"/>
+          </a:xfrm>
+          <a:prstGeom prst="rect">
+            <a:avLst/>
+          </a:prstGeom>
+          <a:solidFill>
+            <a:schemeClr val="accent1"/>
+          </a:solidFill>
+          <a:ln>
+            <a:noFill/>
+          </a:ln>
+        </p:spPr>
+        <p:style>
+          <a:lnRef idx="2">
+            <a:schemeClr val="accent1">
+              <a:shade val="50000"/>
+            </a:schemeClr>
+          </a:lnRef>
+          <a:fillRef idx="1">
+            <a:schemeClr val="accent1"/>
+          </a:fillRef>
+          <a:effectRef idx="0">
+            <a:schemeClr val="accent1"/>
+          </a:effectRef>
+          <a:fontRef idx="minor">
+            <a:schemeClr val="lt1"/>
+          </a:fontRef>
+        </p:style>
+        <p:txBody>
+          <a:bodyPr lIns="68584" tIns="34292" rIns="68584" bIns="34292" rtlCol="0" anchor="ctr"/>
+          <a:lstStyle/>
+          <a:p>
+            <a:pPr marL="0" marR="0" lvl="0" indent="0" algn="ctr" defTabSz="685165" rtl="0" eaLnBrk="1" fontAlgn="auto" latinLnBrk="0" hangingPunct="1">
+              <a:lnSpc>
+                <a:spcPct val="100000"/>
+              </a:lnSpc>
+              <a:spcBef>
+                <a:spcPts val="0"/>
+              </a:spcBef>
+              <a:spcAft>
+                <a:spcPts val="0"/>
+              </a:spcAft>
+              <a:buClrTx/>
+              <a:buSzTx/>
+              <a:buFontTx/>
+              <a:buNone/>
+              <a:defRPr/>
+            </a:pPr>
+            <a:endParaRPr kumimoji="0" lang="zh-CN" altLang="en-US" sz="1400" b="0" i="0" u="none" strike="noStrike" kern="1200" cap="none" spc="0" normalizeH="0" baseline="0" noProof="0" dirty="0">
+              <a:ln>
+                <a:noFill/>
+              </a:ln>
+              <a:solidFill>
+                <a:srgbClr val="E7E6E6">
+                  <a:lumMod val="50000"/>
+                </a:srgbClr>
+              </a:solidFill>
+              <a:effectLst/>
+              <a:uLnTx/>
+              <a:uFillTx/>
+              <a:latin typeface="Calibri" panose="020F0502020204030204"/>
+              <a:ea typeface="宋体" panose="02010600030101010101" pitchFamily="2" charset="-122"/>
+              <a:cs typeface="+mn-ea"/>
+              <a:sym typeface="+mn-lt"/>
+            </a:endParaRPr>
+          </a:p>
+        </p:txBody>
+      </p:sp>
+      <p:sp>
+        <p:nvSpPr>
+          <p:cNvPr id="7" name="文本框 6"/>
+          <p:cNvSpPr txBox="1"/>
+          <p:nvPr/>
+        </p:nvSpPr>
+        <p:spPr>
+          <a:xfrm>
+            <a:off x="251520" y="204373"/>
+            <a:ext cx="3672408" cy="461665"/>
+          </a:xfrm>
+          <a:prstGeom prst="rect">
+            <a:avLst/>
+          </a:prstGeom>
+          <a:noFill/>
+        </p:spPr>
+        <p:txBody>
+          <a:bodyPr wrap="square">
+            <a:spAutoFit/>
+          </a:bodyPr>
+          <a:lstStyle/>
+          <a:p>
+            <a:pPr marL="0" marR="0" lvl="0" indent="0" algn="l" defTabSz="914400" rtl="0" eaLnBrk="1" fontAlgn="auto" latinLnBrk="0" hangingPunct="1">
+              <a:lnSpc>
+                <a:spcPct val="100000"/>
+              </a:lnSpc>
+              <a:spcBef>
+                <a:spcPts val="0"/>
+              </a:spcBef>
+              <a:spcAft>
+                <a:spcPts val="0"/>
+              </a:spcAft>
+              <a:buClrTx/>
+              <a:buSzTx/>
+              <a:buFontTx/>
+              <a:buNone/>
+              <a:defRPr/>
+            </a:pPr>
+            <a:r>
+              <a:rPr kumimoji="0" lang="zh-CN" altLang="en-US" sz="2400" b="1" i="0" u="none" strike="noStrike" kern="100" cap="none" spc="0" normalizeH="0" baseline="0" noProof="0" dirty="0">
+                <a:ln>
+                  <a:noFill/>
+                </a:ln>
+                <a:solidFill>
+                  <a:prstClr val="black">
+                    <a:lumMod val="50000"/>
+                    <a:lumOff val="50000"/>
+                  </a:prstClr>
+                </a:solidFill>
+                <a:effectLst/>
+                <a:uLnTx/>
+                <a:uFillTx/>
+                <a:latin typeface="方正兰亭超细黑简体" panose="02000000000000000000" pitchFamily="2" charset="-122"/>
+                <a:ea typeface="方正兰亭超细黑简体" panose="02000000000000000000" pitchFamily="2" charset="-122"/>
+                <a:cs typeface="Times New Roman" panose="02020603050405020304" pitchFamily="18" charset="0"/>
+              </a:rPr>
+              <a:t>系统展示</a:t>
+            </a:r>
+            <a:r>
+              <a:rPr kumimoji="0" lang="en-US" altLang="zh-CN" sz="2400" b="1" i="0" u="none" strike="noStrike" kern="100" cap="none" spc="0" normalizeH="0" baseline="0" noProof="0" dirty="0">
+                <a:ln>
+                  <a:noFill/>
+                </a:ln>
+                <a:solidFill>
+                  <a:prstClr val="black">
+                    <a:lumMod val="50000"/>
+                    <a:lumOff val="50000"/>
+                  </a:prstClr>
+                </a:solidFill>
+                <a:effectLst/>
+                <a:uLnTx/>
+                <a:uFillTx/>
+                <a:latin typeface="方正兰亭超细黑简体" panose="02000000000000000000" pitchFamily="2" charset="-122"/>
+                <a:ea typeface="方正兰亭超细黑简体" panose="02000000000000000000" pitchFamily="2" charset="-122"/>
+                <a:cs typeface="Times New Roman" panose="02020603050405020304" pitchFamily="18" charset="0"/>
+              </a:rPr>
+              <a:t>——</a:t>
+            </a:r>
+            <a:r>
+              <a:rPr lang="zh-CN" altLang="en-US" sz="2400" b="1" kern="100" dirty="0">
+                <a:solidFill>
+                  <a:prstClr val="black">
+                    <a:lumMod val="50000"/>
+                    <a:lumOff val="50000"/>
+                  </a:prstClr>
+                </a:solidFill>
+                <a:latin typeface="方正兰亭超细黑简体" panose="02000000000000000000" pitchFamily="2" charset="-122"/>
+                <a:ea typeface="方正兰亭超细黑简体" panose="02000000000000000000" pitchFamily="2" charset="-122"/>
+                <a:cs typeface="Times New Roman" panose="02020603050405020304" pitchFamily="18" charset="0"/>
+              </a:rPr>
+              <a:t>数据分析</a:t>
+            </a:r>
+            <a:endParaRPr kumimoji="0" lang="zh-CN" altLang="en-US" sz="2400" b="1" i="0" u="none" strike="noStrike" kern="1200" cap="none" spc="0" normalizeH="0" baseline="0" noProof="0" dirty="0">
+              <a:ln>
+                <a:noFill/>
+              </a:ln>
+              <a:solidFill>
+                <a:srgbClr val="093B5C"/>
+              </a:solidFill>
+              <a:effectLst/>
+              <a:uLnTx/>
+              <a:uFillTx/>
+              <a:latin typeface="方正兰亭超细黑简体" panose="02000000000000000000" pitchFamily="2" charset="-122"/>
+              <a:ea typeface="方正兰亭超细黑简体" panose="02000000000000000000" pitchFamily="2" charset="-122"/>
+              <a:cs typeface="+mn-cs"/>
+            </a:endParaRPr>
+          </a:p>
+        </p:txBody>
+      </p:sp>
+      <p:pic>
+        <p:nvPicPr>
+          <p:cNvPr id="3" name="图片 2">
+            <a:extLst>
+              <a:ext uri="{FF2B5EF4-FFF2-40B4-BE49-F238E27FC236}">
+                <a16:creationId xmlns:a16="http://schemas.microsoft.com/office/drawing/2014/main" id="{22878155-FD29-967F-F735-B8FCE1C34352}"/>
               </a:ext>
             </a:extLst>
           </p:cNvPr>
@@ -5969,8 +6983,8 @@
         </p:blipFill>
         <p:spPr>
           <a:xfrm>
-            <a:off x="539552" y="649330"/>
-            <a:ext cx="8195552" cy="4399855"/>
+            <a:off x="258759" y="757321"/>
+            <a:ext cx="8532154" cy="4190993"/>
           </a:xfrm>
           <a:prstGeom prst="rect">
             <a:avLst/>
@@ -5980,7 +6994,7 @@
     </p:spTree>
     <p:extLst>
       <p:ext uri="{BB962C8B-B14F-4D97-AF65-F5344CB8AC3E}">
-        <p14:creationId xmlns:p14="http://schemas.microsoft.com/office/powerpoint/2010/main" val="1227418379"/>
+        <p14:creationId xmlns:p14="http://schemas.microsoft.com/office/powerpoint/2010/main" val="3820349017"/>
       </p:ext>
     </p:extLst>
   </p:cSld>
@@ -5993,7 +7007,1694 @@
 </p:sld>
 </file>
 
-<file path=ppt/slides/slide11.xml><?xml version="1.0" encoding="utf-8"?>
+<file path=ppt/slides/slide12.xml><?xml version="1.0" encoding="utf-8"?>
+<p:sld xmlns:a="http://schemas.openxmlformats.org/drawingml/2006/main" xmlns:r="http://schemas.openxmlformats.org/officeDocument/2006/relationships" xmlns:p="http://schemas.openxmlformats.org/presentationml/2006/main">
+  <p:cSld>
+    <p:spTree>
+      <p:nvGrpSpPr>
+        <p:cNvPr id="1" name=""/>
+        <p:cNvGrpSpPr/>
+        <p:nvPr/>
+      </p:nvGrpSpPr>
+      <p:grpSpPr>
+        <a:xfrm>
+          <a:off x="0" y="0"/>
+          <a:ext cx="0" cy="0"/>
+          <a:chOff x="0" y="0"/>
+          <a:chExt cx="0" cy="0"/>
+        </a:xfrm>
+      </p:grpSpPr>
+      <p:sp>
+        <p:nvSpPr>
+          <p:cNvPr id="15" name="文本框 12"/>
+          <p:cNvSpPr txBox="1">
+            <a:spLocks noChangeArrowheads="1"/>
+          </p:cNvSpPr>
+          <p:nvPr/>
+        </p:nvSpPr>
+        <p:spPr bwMode="auto">
+          <a:xfrm>
+            <a:off x="4391980" y="1495179"/>
+            <a:ext cx="4064705" cy="500137"/>
+          </a:xfrm>
+          <a:prstGeom prst="rect">
+            <a:avLst/>
+          </a:prstGeom>
+          <a:noFill/>
+          <a:ln>
+            <a:noFill/>
+          </a:ln>
+          <a:extLst>
+            <a:ext uri="{909E8E84-426E-40DD-AFC4-6F175D3DCCD1}">
+              <a14:hiddenFill xmlns:a14="http://schemas.microsoft.com/office/drawing/2010/main">
+                <a:solidFill>
+                  <a:srgbClr val="FFFFFF"/>
+                </a:solidFill>
+              </a14:hiddenFill>
+            </a:ext>
+            <a:ext uri="{91240B29-F687-4F45-9708-019B960494DF}">
+              <a14:hiddenLine xmlns:a14="http://schemas.microsoft.com/office/drawing/2010/main" w="9525">
+                <a:solidFill>
+                  <a:srgbClr val="000000"/>
+                </a:solidFill>
+                <a:miter lim="800000"/>
+                <a:headEnd/>
+                <a:tailEnd/>
+              </a14:hiddenLine>
+            </a:ext>
+          </a:extLst>
+        </p:spPr>
+        <p:txBody>
+          <a:bodyPr wrap="square" lIns="68580" tIns="34290" rIns="68580" bIns="34290">
+            <a:spAutoFit/>
+          </a:bodyPr>
+          <a:lstStyle>
+            <a:lvl1pPr>
+              <a:defRPr sz="1300">
+                <a:solidFill>
+                  <a:schemeClr val="tx1"/>
+                </a:solidFill>
+                <a:latin typeface="方正正黑简体" pitchFamily="2" charset="-122"/>
+                <a:ea typeface="方正正黑简体" pitchFamily="2" charset="-122"/>
+              </a:defRPr>
+            </a:lvl1pPr>
+            <a:lvl2pPr marL="742950" indent="-285750">
+              <a:defRPr sz="1300">
+                <a:solidFill>
+                  <a:schemeClr val="tx1"/>
+                </a:solidFill>
+                <a:latin typeface="方正正黑简体" pitchFamily="2" charset="-122"/>
+                <a:ea typeface="方正正黑简体" pitchFamily="2" charset="-122"/>
+              </a:defRPr>
+            </a:lvl2pPr>
+            <a:lvl3pPr marL="1143000" indent="-228600">
+              <a:defRPr sz="1300">
+                <a:solidFill>
+                  <a:schemeClr val="tx1"/>
+                </a:solidFill>
+                <a:latin typeface="方正正黑简体" pitchFamily="2" charset="-122"/>
+                <a:ea typeface="方正正黑简体" pitchFamily="2" charset="-122"/>
+              </a:defRPr>
+            </a:lvl3pPr>
+            <a:lvl4pPr marL="1600200" indent="-228600">
+              <a:defRPr sz="1300">
+                <a:solidFill>
+                  <a:schemeClr val="tx1"/>
+                </a:solidFill>
+                <a:latin typeface="方正正黑简体" pitchFamily="2" charset="-122"/>
+                <a:ea typeface="方正正黑简体" pitchFamily="2" charset="-122"/>
+              </a:defRPr>
+            </a:lvl4pPr>
+            <a:lvl5pPr marL="2057400" indent="-228600">
+              <a:defRPr sz="1300">
+                <a:solidFill>
+                  <a:schemeClr val="tx1"/>
+                </a:solidFill>
+                <a:latin typeface="方正正黑简体" pitchFamily="2" charset="-122"/>
+                <a:ea typeface="方正正黑简体" pitchFamily="2" charset="-122"/>
+              </a:defRPr>
+            </a:lvl5pPr>
+            <a:lvl6pPr marL="2514600" indent="-228600" defTabSz="685800" fontAlgn="base">
+              <a:spcBef>
+                <a:spcPct val="0"/>
+              </a:spcBef>
+              <a:spcAft>
+                <a:spcPct val="0"/>
+              </a:spcAft>
+              <a:defRPr sz="1300">
+                <a:solidFill>
+                  <a:schemeClr val="tx1"/>
+                </a:solidFill>
+                <a:latin typeface="方正正黑简体" pitchFamily="2" charset="-122"/>
+                <a:ea typeface="方正正黑简体" pitchFamily="2" charset="-122"/>
+              </a:defRPr>
+            </a:lvl6pPr>
+            <a:lvl7pPr marL="2971800" indent="-228600" defTabSz="685800" fontAlgn="base">
+              <a:spcBef>
+                <a:spcPct val="0"/>
+              </a:spcBef>
+              <a:spcAft>
+                <a:spcPct val="0"/>
+              </a:spcAft>
+              <a:defRPr sz="1300">
+                <a:solidFill>
+                  <a:schemeClr val="tx1"/>
+                </a:solidFill>
+                <a:latin typeface="方正正黑简体" pitchFamily="2" charset="-122"/>
+                <a:ea typeface="方正正黑简体" pitchFamily="2" charset="-122"/>
+              </a:defRPr>
+            </a:lvl7pPr>
+            <a:lvl8pPr marL="3429000" indent="-228600" defTabSz="685800" fontAlgn="base">
+              <a:spcBef>
+                <a:spcPct val="0"/>
+              </a:spcBef>
+              <a:spcAft>
+                <a:spcPct val="0"/>
+              </a:spcAft>
+              <a:defRPr sz="1300">
+                <a:solidFill>
+                  <a:schemeClr val="tx1"/>
+                </a:solidFill>
+                <a:latin typeface="方正正黑简体" pitchFamily="2" charset="-122"/>
+                <a:ea typeface="方正正黑简体" pitchFamily="2" charset="-122"/>
+              </a:defRPr>
+            </a:lvl8pPr>
+            <a:lvl9pPr marL="3886200" indent="-228600" defTabSz="685800" fontAlgn="base">
+              <a:spcBef>
+                <a:spcPct val="0"/>
+              </a:spcBef>
+              <a:spcAft>
+                <a:spcPct val="0"/>
+              </a:spcAft>
+              <a:defRPr sz="1300">
+                <a:solidFill>
+                  <a:schemeClr val="tx1"/>
+                </a:solidFill>
+                <a:latin typeface="方正正黑简体" pitchFamily="2" charset="-122"/>
+                <a:ea typeface="方正正黑简体" pitchFamily="2" charset="-122"/>
+              </a:defRPr>
+            </a:lvl9pPr>
+          </a:lstStyle>
+          <a:p>
+            <a:pPr algn="ctr"/>
+            <a:r>
+              <a:rPr lang="zh-CN" altLang="en-US" sz="2800" b="1" kern="100">
+                <a:solidFill>
+                  <a:schemeClr val="tx1">
+                    <a:lumMod val="50000"/>
+                    <a:lumOff val="50000"/>
+                  </a:schemeClr>
+                </a:solidFill>
+                <a:latin typeface="方正兰亭超细黑简体" panose="02000000000000000000" pitchFamily="2" charset="-122"/>
+                <a:ea typeface="方正兰亭超细黑简体" panose="02000000000000000000" pitchFamily="2" charset="-122"/>
+                <a:cs typeface="Times New Roman" panose="02020603050405020304" pitchFamily="18" charset="0"/>
+              </a:rPr>
+              <a:t>数据库设计</a:t>
+            </a:r>
+            <a:endParaRPr lang="zh-CN" altLang="en-US" sz="2800" b="1" dirty="0">
+              <a:solidFill>
+                <a:srgbClr val="093B5C"/>
+              </a:solidFill>
+              <a:latin typeface="方正兰亭超细黑简体" panose="02000000000000000000" pitchFamily="2" charset="-122"/>
+              <a:ea typeface="方正兰亭超细黑简体" panose="02000000000000000000" pitchFamily="2" charset="-122"/>
+            </a:endParaRPr>
+          </a:p>
+        </p:txBody>
+      </p:sp>
+      <p:sp>
+        <p:nvSpPr>
+          <p:cNvPr id="26" name="文本框 12"/>
+          <p:cNvSpPr txBox="1">
+            <a:spLocks noChangeArrowheads="1"/>
+          </p:cNvSpPr>
+          <p:nvPr/>
+        </p:nvSpPr>
+        <p:spPr bwMode="auto">
+          <a:xfrm>
+            <a:off x="4824028" y="2270428"/>
+            <a:ext cx="1007297" cy="1454244"/>
+          </a:xfrm>
+          <a:prstGeom prst="rect">
+            <a:avLst/>
+          </a:prstGeom>
+          <a:noFill/>
+          <a:ln>
+            <a:noFill/>
+          </a:ln>
+          <a:extLst>
+            <a:ext uri="{909E8E84-426E-40DD-AFC4-6F175D3DCCD1}">
+              <a14:hiddenFill xmlns:a14="http://schemas.microsoft.com/office/drawing/2010/main">
+                <a:solidFill>
+                  <a:srgbClr val="FFFFFF"/>
+                </a:solidFill>
+              </a14:hiddenFill>
+            </a:ext>
+            <a:ext uri="{91240B29-F687-4F45-9708-019B960494DF}">
+              <a14:hiddenLine xmlns:a14="http://schemas.microsoft.com/office/drawing/2010/main" w="9525">
+                <a:solidFill>
+                  <a:srgbClr val="000000"/>
+                </a:solidFill>
+                <a:miter lim="800000"/>
+                <a:headEnd/>
+                <a:tailEnd/>
+              </a14:hiddenLine>
+            </a:ext>
+          </a:extLst>
+        </p:spPr>
+        <p:txBody>
+          <a:bodyPr wrap="square" lIns="68580" tIns="34290" rIns="68580" bIns="34290">
+            <a:spAutoFit/>
+          </a:bodyPr>
+          <a:lstStyle>
+            <a:lvl1pPr>
+              <a:defRPr sz="1300">
+                <a:solidFill>
+                  <a:schemeClr val="tx1"/>
+                </a:solidFill>
+                <a:latin typeface="方正正黑简体" pitchFamily="2" charset="-122"/>
+                <a:ea typeface="方正正黑简体" pitchFamily="2" charset="-122"/>
+              </a:defRPr>
+            </a:lvl1pPr>
+            <a:lvl2pPr marL="742950" indent="-285750">
+              <a:defRPr sz="1300">
+                <a:solidFill>
+                  <a:schemeClr val="tx1"/>
+                </a:solidFill>
+                <a:latin typeface="方正正黑简体" pitchFamily="2" charset="-122"/>
+                <a:ea typeface="方正正黑简体" pitchFamily="2" charset="-122"/>
+              </a:defRPr>
+            </a:lvl2pPr>
+            <a:lvl3pPr marL="1143000" indent="-228600">
+              <a:defRPr sz="1300">
+                <a:solidFill>
+                  <a:schemeClr val="tx1"/>
+                </a:solidFill>
+                <a:latin typeface="方正正黑简体" pitchFamily="2" charset="-122"/>
+                <a:ea typeface="方正正黑简体" pitchFamily="2" charset="-122"/>
+              </a:defRPr>
+            </a:lvl3pPr>
+            <a:lvl4pPr marL="1600200" indent="-228600">
+              <a:defRPr sz="1300">
+                <a:solidFill>
+                  <a:schemeClr val="tx1"/>
+                </a:solidFill>
+                <a:latin typeface="方正正黑简体" pitchFamily="2" charset="-122"/>
+                <a:ea typeface="方正正黑简体" pitchFamily="2" charset="-122"/>
+              </a:defRPr>
+            </a:lvl4pPr>
+            <a:lvl5pPr marL="2057400" indent="-228600">
+              <a:defRPr sz="1300">
+                <a:solidFill>
+                  <a:schemeClr val="tx1"/>
+                </a:solidFill>
+                <a:latin typeface="方正正黑简体" pitchFamily="2" charset="-122"/>
+                <a:ea typeface="方正正黑简体" pitchFamily="2" charset="-122"/>
+              </a:defRPr>
+            </a:lvl5pPr>
+            <a:lvl6pPr marL="2514600" indent="-228600" defTabSz="685800" fontAlgn="base">
+              <a:spcBef>
+                <a:spcPct val="0"/>
+              </a:spcBef>
+              <a:spcAft>
+                <a:spcPct val="0"/>
+              </a:spcAft>
+              <a:defRPr sz="1300">
+                <a:solidFill>
+                  <a:schemeClr val="tx1"/>
+                </a:solidFill>
+                <a:latin typeface="方正正黑简体" pitchFamily="2" charset="-122"/>
+                <a:ea typeface="方正正黑简体" pitchFamily="2" charset="-122"/>
+              </a:defRPr>
+            </a:lvl6pPr>
+            <a:lvl7pPr marL="2971800" indent="-228600" defTabSz="685800" fontAlgn="base">
+              <a:spcBef>
+                <a:spcPct val="0"/>
+              </a:spcBef>
+              <a:spcAft>
+                <a:spcPct val="0"/>
+              </a:spcAft>
+              <a:defRPr sz="1300">
+                <a:solidFill>
+                  <a:schemeClr val="tx1"/>
+                </a:solidFill>
+                <a:latin typeface="方正正黑简体" pitchFamily="2" charset="-122"/>
+                <a:ea typeface="方正正黑简体" pitchFamily="2" charset="-122"/>
+              </a:defRPr>
+            </a:lvl7pPr>
+            <a:lvl8pPr marL="3429000" indent="-228600" defTabSz="685800" fontAlgn="base">
+              <a:spcBef>
+                <a:spcPct val="0"/>
+              </a:spcBef>
+              <a:spcAft>
+                <a:spcPct val="0"/>
+              </a:spcAft>
+              <a:defRPr sz="1300">
+                <a:solidFill>
+                  <a:schemeClr val="tx1"/>
+                </a:solidFill>
+                <a:latin typeface="方正正黑简体" pitchFamily="2" charset="-122"/>
+                <a:ea typeface="方正正黑简体" pitchFamily="2" charset="-122"/>
+              </a:defRPr>
+            </a:lvl8pPr>
+            <a:lvl9pPr marL="3886200" indent="-228600" defTabSz="685800" fontAlgn="base">
+              <a:spcBef>
+                <a:spcPct val="0"/>
+              </a:spcBef>
+              <a:spcAft>
+                <a:spcPct val="0"/>
+              </a:spcAft>
+              <a:defRPr sz="1300">
+                <a:solidFill>
+                  <a:schemeClr val="tx1"/>
+                </a:solidFill>
+                <a:latin typeface="方正正黑简体" pitchFamily="2" charset="-122"/>
+                <a:ea typeface="方正正黑简体" pitchFamily="2" charset="-122"/>
+              </a:defRPr>
+            </a:lvl9pPr>
+          </a:lstStyle>
+          <a:p>
+            <a:pPr algn="ctr"/>
+            <a:r>
+              <a:rPr lang="en-US" altLang="zh-CN" sz="9000" dirty="0">
+                <a:solidFill>
+                  <a:schemeClr val="tx1">
+                    <a:lumMod val="50000"/>
+                    <a:lumOff val="50000"/>
+                  </a:schemeClr>
+                </a:solidFill>
+                <a:latin typeface="AgencyFB" panose="02000806040000020003" pitchFamily="2" charset="0"/>
+                <a:ea typeface="微软雅黑" panose="020B0503020204020204" pitchFamily="34" charset="-122"/>
+              </a:rPr>
+              <a:t>3</a:t>
+            </a:r>
+            <a:endParaRPr lang="zh-CN" altLang="en-US" sz="9000" dirty="0">
+              <a:solidFill>
+                <a:schemeClr val="tx1">
+                  <a:lumMod val="50000"/>
+                  <a:lumOff val="50000"/>
+                </a:schemeClr>
+              </a:solidFill>
+              <a:latin typeface="AgencyFB" panose="02000806040000020003" pitchFamily="2" charset="0"/>
+              <a:ea typeface="微软雅黑" panose="020B0503020204020204" pitchFamily="34" charset="-122"/>
+            </a:endParaRPr>
+          </a:p>
+        </p:txBody>
+      </p:sp>
+      <p:sp>
+        <p:nvSpPr>
+          <p:cNvPr id="16" name="文本框 14"/>
+          <p:cNvSpPr txBox="1">
+            <a:spLocks noChangeArrowheads="1"/>
+          </p:cNvSpPr>
+          <p:nvPr/>
+        </p:nvSpPr>
+        <p:spPr bwMode="auto">
+          <a:xfrm>
+            <a:off x="3959932" y="2680556"/>
+            <a:ext cx="1378848" cy="284693"/>
+          </a:xfrm>
+          <a:prstGeom prst="rect">
+            <a:avLst/>
+          </a:prstGeom>
+          <a:noFill/>
+          <a:ln>
+            <a:noFill/>
+          </a:ln>
+          <a:extLst>
+            <a:ext uri="{909E8E84-426E-40DD-AFC4-6F175D3DCCD1}">
+              <a14:hiddenFill xmlns:a14="http://schemas.microsoft.com/office/drawing/2010/main">
+                <a:solidFill>
+                  <a:srgbClr val="FFFFFF"/>
+                </a:solidFill>
+              </a14:hiddenFill>
+            </a:ext>
+            <a:ext uri="{91240B29-F687-4F45-9708-019B960494DF}">
+              <a14:hiddenLine xmlns:a14="http://schemas.microsoft.com/office/drawing/2010/main" w="9525">
+                <a:solidFill>
+                  <a:srgbClr val="000000"/>
+                </a:solidFill>
+                <a:miter lim="800000"/>
+                <a:headEnd/>
+                <a:tailEnd/>
+              </a14:hiddenLine>
+            </a:ext>
+          </a:extLst>
+        </p:spPr>
+        <p:txBody>
+          <a:bodyPr wrap="square" lIns="68580" tIns="34290" rIns="68580" bIns="34290">
+            <a:spAutoFit/>
+          </a:bodyPr>
+          <a:lstStyle>
+            <a:lvl1pPr>
+              <a:defRPr sz="1300">
+                <a:solidFill>
+                  <a:schemeClr val="tx1"/>
+                </a:solidFill>
+                <a:latin typeface="方正正黑简体" pitchFamily="2" charset="-122"/>
+                <a:ea typeface="方正正黑简体" pitchFamily="2" charset="-122"/>
+              </a:defRPr>
+            </a:lvl1pPr>
+            <a:lvl2pPr marL="742950" indent="-285750">
+              <a:defRPr sz="1300">
+                <a:solidFill>
+                  <a:schemeClr val="tx1"/>
+                </a:solidFill>
+                <a:latin typeface="方正正黑简体" pitchFamily="2" charset="-122"/>
+                <a:ea typeface="方正正黑简体" pitchFamily="2" charset="-122"/>
+              </a:defRPr>
+            </a:lvl2pPr>
+            <a:lvl3pPr marL="1143000" indent="-228600">
+              <a:defRPr sz="1300">
+                <a:solidFill>
+                  <a:schemeClr val="tx1"/>
+                </a:solidFill>
+                <a:latin typeface="方正正黑简体" pitchFamily="2" charset="-122"/>
+                <a:ea typeface="方正正黑简体" pitchFamily="2" charset="-122"/>
+              </a:defRPr>
+            </a:lvl3pPr>
+            <a:lvl4pPr marL="1600200" indent="-228600">
+              <a:defRPr sz="1300">
+                <a:solidFill>
+                  <a:schemeClr val="tx1"/>
+                </a:solidFill>
+                <a:latin typeface="方正正黑简体" pitchFamily="2" charset="-122"/>
+                <a:ea typeface="方正正黑简体" pitchFamily="2" charset="-122"/>
+              </a:defRPr>
+            </a:lvl4pPr>
+            <a:lvl5pPr marL="2057400" indent="-228600">
+              <a:defRPr sz="1300">
+                <a:solidFill>
+                  <a:schemeClr val="tx1"/>
+                </a:solidFill>
+                <a:latin typeface="方正正黑简体" pitchFamily="2" charset="-122"/>
+                <a:ea typeface="方正正黑简体" pitchFamily="2" charset="-122"/>
+              </a:defRPr>
+            </a:lvl5pPr>
+            <a:lvl6pPr marL="2514600" indent="-228600" defTabSz="685800" fontAlgn="base">
+              <a:spcBef>
+                <a:spcPct val="0"/>
+              </a:spcBef>
+              <a:spcAft>
+                <a:spcPct val="0"/>
+              </a:spcAft>
+              <a:defRPr sz="1300">
+                <a:solidFill>
+                  <a:schemeClr val="tx1"/>
+                </a:solidFill>
+                <a:latin typeface="方正正黑简体" pitchFamily="2" charset="-122"/>
+                <a:ea typeface="方正正黑简体" pitchFamily="2" charset="-122"/>
+              </a:defRPr>
+            </a:lvl6pPr>
+            <a:lvl7pPr marL="2971800" indent="-228600" defTabSz="685800" fontAlgn="base">
+              <a:spcBef>
+                <a:spcPct val="0"/>
+              </a:spcBef>
+              <a:spcAft>
+                <a:spcPct val="0"/>
+              </a:spcAft>
+              <a:defRPr sz="1300">
+                <a:solidFill>
+                  <a:schemeClr val="tx1"/>
+                </a:solidFill>
+                <a:latin typeface="方正正黑简体" pitchFamily="2" charset="-122"/>
+                <a:ea typeface="方正正黑简体" pitchFamily="2" charset="-122"/>
+              </a:defRPr>
+            </a:lvl7pPr>
+            <a:lvl8pPr marL="3429000" indent="-228600" defTabSz="685800" fontAlgn="base">
+              <a:spcBef>
+                <a:spcPct val="0"/>
+              </a:spcBef>
+              <a:spcAft>
+                <a:spcPct val="0"/>
+              </a:spcAft>
+              <a:defRPr sz="1300">
+                <a:solidFill>
+                  <a:schemeClr val="tx1"/>
+                </a:solidFill>
+                <a:latin typeface="方正正黑简体" pitchFamily="2" charset="-122"/>
+                <a:ea typeface="方正正黑简体" pitchFamily="2" charset="-122"/>
+              </a:defRPr>
+            </a:lvl8pPr>
+            <a:lvl9pPr marL="3886200" indent="-228600" defTabSz="685800" fontAlgn="base">
+              <a:spcBef>
+                <a:spcPct val="0"/>
+              </a:spcBef>
+              <a:spcAft>
+                <a:spcPct val="0"/>
+              </a:spcAft>
+              <a:defRPr sz="1300">
+                <a:solidFill>
+                  <a:schemeClr val="tx1"/>
+                </a:solidFill>
+                <a:latin typeface="方正正黑简体" pitchFamily="2" charset="-122"/>
+                <a:ea typeface="方正正黑简体" pitchFamily="2" charset="-122"/>
+              </a:defRPr>
+            </a:lvl9pPr>
+          </a:lstStyle>
+          <a:p>
+            <a:pPr algn="ctr" eaLnBrk="1" hangingPunct="1"/>
+            <a:r>
+              <a:rPr lang="en-US" altLang="zh-CN" sz="1400" dirty="0">
+                <a:solidFill>
+                  <a:schemeClr val="tx1">
+                    <a:lumMod val="50000"/>
+                    <a:lumOff val="50000"/>
+                  </a:schemeClr>
+                </a:solidFill>
+                <a:latin typeface="微软雅黑" panose="020B0503020204020204" pitchFamily="34" charset="-122"/>
+                <a:ea typeface="微软雅黑" panose="020B0503020204020204" pitchFamily="34" charset="-122"/>
+              </a:rPr>
+              <a:t>PART ONE</a:t>
+            </a:r>
+            <a:endParaRPr lang="zh-CN" altLang="en-US" sz="1400" dirty="0">
+              <a:solidFill>
+                <a:schemeClr val="tx1">
+                  <a:lumMod val="50000"/>
+                  <a:lumOff val="50000"/>
+                </a:schemeClr>
+              </a:solidFill>
+              <a:latin typeface="微软雅黑" panose="020B0503020204020204" pitchFamily="34" charset="-122"/>
+              <a:ea typeface="微软雅黑" panose="020B0503020204020204" pitchFamily="34" charset="-122"/>
+            </a:endParaRPr>
+          </a:p>
+        </p:txBody>
+      </p:sp>
+      <p:pic>
+        <p:nvPicPr>
+          <p:cNvPr id="9" name="图片 8"/>
+          <p:cNvPicPr>
+            <a:picLocks noChangeAspect="1"/>
+          </p:cNvPicPr>
+          <p:nvPr/>
+        </p:nvPicPr>
+        <p:blipFill>
+          <a:blip r:embed="rId4" cstate="screen">
+            <a:extLst>
+              <a:ext uri="{28A0092B-C50C-407E-A947-70E740481C1C}">
+                <a14:useLocalDpi xmlns:a14="http://schemas.microsoft.com/office/drawing/2010/main" val="0"/>
+              </a:ext>
+            </a:extLst>
+          </a:blip>
+          <a:srcRect l="17632" r="49845" b="47264"/>
+          <a:stretch>
+            <a:fillRect/>
+          </a:stretch>
+        </p:blipFill>
+        <p:spPr>
+          <a:xfrm flipH="1">
+            <a:off x="2159732" y="0"/>
+            <a:ext cx="2088232" cy="3040091"/>
+          </a:xfrm>
+          <a:prstGeom prst="rect">
+            <a:avLst/>
+          </a:prstGeom>
+        </p:spPr>
+      </p:pic>
+      <p:sp>
+        <p:nvSpPr>
+          <p:cNvPr id="10" name="PA_半闭框 7"/>
+          <p:cNvSpPr/>
+          <p:nvPr>
+            <p:custDataLst>
+              <p:tags r:id="rId1"/>
+            </p:custDataLst>
+          </p:nvPr>
+        </p:nvSpPr>
+        <p:spPr>
+          <a:xfrm flipH="1">
+            <a:off x="4463987" y="2320516"/>
+            <a:ext cx="1296144" cy="720080"/>
+          </a:xfrm>
+          <a:prstGeom prst="halfFrame">
+            <a:avLst>
+              <a:gd name="adj1" fmla="val 889"/>
+              <a:gd name="adj2" fmla="val 1333"/>
+            </a:avLst>
+          </a:prstGeom>
+          <a:solidFill>
+            <a:srgbClr val="65686F"/>
+          </a:solidFill>
+          <a:ln>
+            <a:noFill/>
+          </a:ln>
+        </p:spPr>
+        <p:style>
+          <a:lnRef idx="2">
+            <a:schemeClr val="accent1">
+              <a:shade val="50000"/>
+            </a:schemeClr>
+          </a:lnRef>
+          <a:fillRef idx="1">
+            <a:schemeClr val="accent1"/>
+          </a:fillRef>
+          <a:effectRef idx="0">
+            <a:schemeClr val="accent1"/>
+          </a:effectRef>
+          <a:fontRef idx="minor">
+            <a:schemeClr val="lt1"/>
+          </a:fontRef>
+        </p:style>
+        <p:txBody>
+          <a:bodyPr rtlCol="0" anchor="ctr"/>
+          <a:lstStyle/>
+          <a:p>
+            <a:pPr algn="ctr"/>
+            <a:endParaRPr lang="zh-CN" altLang="en-US">
+              <a:solidFill>
+                <a:schemeClr val="tx1"/>
+              </a:solidFill>
+            </a:endParaRPr>
+          </a:p>
+        </p:txBody>
+      </p:sp>
+    </p:spTree>
+  </p:cSld>
+  <p:clrMapOvr>
+    <a:masterClrMapping/>
+  </p:clrMapOvr>
+  <p:transition spd="med" advClick="0">
+    <p:random/>
+  </p:transition>
+  <p:timing>
+    <p:tnLst>
+      <p:par>
+        <p:cTn id="1" dur="indefinite" restart="never" nodeType="tmRoot">
+          <p:childTnLst>
+            <p:seq concurrent="1" nextAc="seek">
+              <p:cTn id="2" dur="indefinite" nodeType="mainSeq">
+                <p:childTnLst>
+                  <p:par>
+                    <p:cTn id="3" fill="hold">
+                      <p:stCondLst>
+                        <p:cond delay="indefinite"/>
+                        <p:cond evt="onBegin" delay="0">
+                          <p:tn val="2"/>
+                        </p:cond>
+                      </p:stCondLst>
+                      <p:childTnLst>
+                        <p:par>
+                          <p:cTn id="4" fill="hold">
+                            <p:stCondLst>
+                              <p:cond delay="0"/>
+                            </p:stCondLst>
+                            <p:childTnLst>
+                              <p:par>
+                                <p:cTn id="5" presetID="47" presetClass="entr" presetSubtype="0" fill="hold" nodeType="afterEffect">
+                                  <p:stCondLst>
+                                    <p:cond delay="0"/>
+                                  </p:stCondLst>
+                                  <p:childTnLst>
+                                    <p:set>
+                                      <p:cBhvr>
+                                        <p:cTn id="6" dur="1" fill="hold">
+                                          <p:stCondLst>
+                                            <p:cond delay="0"/>
+                                          </p:stCondLst>
+                                        </p:cTn>
+                                        <p:tgtEl>
+                                          <p:spTgt spid="9"/>
+                                        </p:tgtEl>
+                                        <p:attrNameLst>
+                                          <p:attrName>style.visibility</p:attrName>
+                                        </p:attrNameLst>
+                                      </p:cBhvr>
+                                      <p:to>
+                                        <p:strVal val="visible"/>
+                                      </p:to>
+                                    </p:set>
+                                    <p:animEffect transition="in" filter="fade">
+                                      <p:cBhvr>
+                                        <p:cTn id="7" dur="250"/>
+                                        <p:tgtEl>
+                                          <p:spTgt spid="9"/>
+                                        </p:tgtEl>
+                                      </p:cBhvr>
+                                    </p:animEffect>
+                                    <p:anim calcmode="lin" valueType="num">
+                                      <p:cBhvr>
+                                        <p:cTn id="8" dur="250" fill="hold"/>
+                                        <p:tgtEl>
+                                          <p:spTgt spid="9"/>
+                                        </p:tgtEl>
+                                        <p:attrNameLst>
+                                          <p:attrName>ppt_x</p:attrName>
+                                        </p:attrNameLst>
+                                      </p:cBhvr>
+                                      <p:tavLst>
+                                        <p:tav tm="0">
+                                          <p:val>
+                                            <p:strVal val="#ppt_x"/>
+                                          </p:val>
+                                        </p:tav>
+                                        <p:tav tm="100000">
+                                          <p:val>
+                                            <p:strVal val="#ppt_x"/>
+                                          </p:val>
+                                        </p:tav>
+                                      </p:tavLst>
+                                    </p:anim>
+                                    <p:anim calcmode="lin" valueType="num">
+                                      <p:cBhvr>
+                                        <p:cTn id="9" dur="250" fill="hold"/>
+                                        <p:tgtEl>
+                                          <p:spTgt spid="9"/>
+                                        </p:tgtEl>
+                                        <p:attrNameLst>
+                                          <p:attrName>ppt_y</p:attrName>
+                                        </p:attrNameLst>
+                                      </p:cBhvr>
+                                      <p:tavLst>
+                                        <p:tav tm="0">
+                                          <p:val>
+                                            <p:strVal val="#ppt_y-.1"/>
+                                          </p:val>
+                                        </p:tav>
+                                        <p:tav tm="100000">
+                                          <p:val>
+                                            <p:strVal val="#ppt_y"/>
+                                          </p:val>
+                                        </p:tav>
+                                      </p:tavLst>
+                                    </p:anim>
+                                  </p:childTnLst>
+                                </p:cTn>
+                              </p:par>
+                            </p:childTnLst>
+                          </p:cTn>
+                        </p:par>
+                        <p:par>
+                          <p:cTn id="10" fill="hold">
+                            <p:stCondLst>
+                              <p:cond delay="500"/>
+                            </p:stCondLst>
+                            <p:childTnLst>
+                              <p:par>
+                                <p:cTn id="11" presetID="53" presetClass="entr" presetSubtype="16" fill="hold" grpId="0" nodeType="afterEffect">
+                                  <p:stCondLst>
+                                    <p:cond delay="0"/>
+                                  </p:stCondLst>
+                                  <p:childTnLst>
+                                    <p:set>
+                                      <p:cBhvr>
+                                        <p:cTn id="12" dur="1" fill="hold">
+                                          <p:stCondLst>
+                                            <p:cond delay="0"/>
+                                          </p:stCondLst>
+                                        </p:cTn>
+                                        <p:tgtEl>
+                                          <p:spTgt spid="26"/>
+                                        </p:tgtEl>
+                                        <p:attrNameLst>
+                                          <p:attrName>style.visibility</p:attrName>
+                                        </p:attrNameLst>
+                                      </p:cBhvr>
+                                      <p:to>
+                                        <p:strVal val="visible"/>
+                                      </p:to>
+                                    </p:set>
+                                    <p:anim calcmode="lin" valueType="num">
+                                      <p:cBhvr>
+                                        <p:cTn id="13" dur="250" fill="hold"/>
+                                        <p:tgtEl>
+                                          <p:spTgt spid="26"/>
+                                        </p:tgtEl>
+                                        <p:attrNameLst>
+                                          <p:attrName>ppt_w</p:attrName>
+                                        </p:attrNameLst>
+                                      </p:cBhvr>
+                                      <p:tavLst>
+                                        <p:tav tm="0">
+                                          <p:val>
+                                            <p:fltVal val="0"/>
+                                          </p:val>
+                                        </p:tav>
+                                        <p:tav tm="100000">
+                                          <p:val>
+                                            <p:strVal val="#ppt_w"/>
+                                          </p:val>
+                                        </p:tav>
+                                      </p:tavLst>
+                                    </p:anim>
+                                    <p:anim calcmode="lin" valueType="num">
+                                      <p:cBhvr>
+                                        <p:cTn id="14" dur="250" fill="hold"/>
+                                        <p:tgtEl>
+                                          <p:spTgt spid="26"/>
+                                        </p:tgtEl>
+                                        <p:attrNameLst>
+                                          <p:attrName>ppt_h</p:attrName>
+                                        </p:attrNameLst>
+                                      </p:cBhvr>
+                                      <p:tavLst>
+                                        <p:tav tm="0">
+                                          <p:val>
+                                            <p:fltVal val="0"/>
+                                          </p:val>
+                                        </p:tav>
+                                        <p:tav tm="100000">
+                                          <p:val>
+                                            <p:strVal val="#ppt_h"/>
+                                          </p:val>
+                                        </p:tav>
+                                      </p:tavLst>
+                                    </p:anim>
+                                    <p:animEffect transition="in" filter="fade">
+                                      <p:cBhvr>
+                                        <p:cTn id="15" dur="250"/>
+                                        <p:tgtEl>
+                                          <p:spTgt spid="26"/>
+                                        </p:tgtEl>
+                                      </p:cBhvr>
+                                    </p:animEffect>
+                                  </p:childTnLst>
+                                </p:cTn>
+                              </p:par>
+                            </p:childTnLst>
+                          </p:cTn>
+                        </p:par>
+                        <p:par>
+                          <p:cTn id="16" fill="hold">
+                            <p:stCondLst>
+                              <p:cond delay="1000"/>
+                            </p:stCondLst>
+                            <p:childTnLst>
+                              <p:par>
+                                <p:cTn id="17" presetID="6" presetClass="emph" presetSubtype="0" decel="100000" fill="hold" grpId="1" nodeType="afterEffect">
+                                  <p:stCondLst>
+                                    <p:cond delay="0"/>
+                                  </p:stCondLst>
+                                  <p:childTnLst>
+                                    <p:animScale>
+                                      <p:cBhvr>
+                                        <p:cTn id="18" dur="10" fill="hold"/>
+                                        <p:tgtEl>
+                                          <p:spTgt spid="26"/>
+                                        </p:tgtEl>
+                                      </p:cBhvr>
+                                      <p:by x="120000" y="120000"/>
+                                    </p:animScale>
+                                  </p:childTnLst>
+                                </p:cTn>
+                              </p:par>
+                            </p:childTnLst>
+                          </p:cTn>
+                        </p:par>
+                        <p:par>
+                          <p:cTn id="19" fill="hold">
+                            <p:stCondLst>
+                              <p:cond delay="1500"/>
+                            </p:stCondLst>
+                            <p:childTnLst>
+                              <p:par>
+                                <p:cTn id="20" presetID="6" presetClass="emph" presetSubtype="0" decel="100000" fill="hold" grpId="2" nodeType="afterEffect">
+                                  <p:stCondLst>
+                                    <p:cond delay="0"/>
+                                  </p:stCondLst>
+                                  <p:childTnLst>
+                                    <p:animScale>
+                                      <p:cBhvr>
+                                        <p:cTn id="21" dur="10" fill="hold"/>
+                                        <p:tgtEl>
+                                          <p:spTgt spid="26"/>
+                                        </p:tgtEl>
+                                      </p:cBhvr>
+                                      <p:by x="83000" y="83000"/>
+                                    </p:animScale>
+                                  </p:childTnLst>
+                                </p:cTn>
+                              </p:par>
+                            </p:childTnLst>
+                          </p:cTn>
+                        </p:par>
+                        <p:par>
+                          <p:cTn id="22" fill="hold">
+                            <p:stCondLst>
+                              <p:cond delay="2000"/>
+                            </p:stCondLst>
+                            <p:childTnLst>
+                              <p:par>
+                                <p:cTn id="23" presetID="10" presetClass="entr" presetSubtype="0" fill="hold" grpId="0" nodeType="afterEffect">
+                                  <p:stCondLst>
+                                    <p:cond delay="0"/>
+                                  </p:stCondLst>
+                                  <p:childTnLst>
+                                    <p:set>
+                                      <p:cBhvr>
+                                        <p:cTn id="24" dur="1" fill="hold">
+                                          <p:stCondLst>
+                                            <p:cond delay="0"/>
+                                          </p:stCondLst>
+                                        </p:cTn>
+                                        <p:tgtEl>
+                                          <p:spTgt spid="16"/>
+                                        </p:tgtEl>
+                                        <p:attrNameLst>
+                                          <p:attrName>style.visibility</p:attrName>
+                                        </p:attrNameLst>
+                                      </p:cBhvr>
+                                      <p:to>
+                                        <p:strVal val="visible"/>
+                                      </p:to>
+                                    </p:set>
+                                    <p:animEffect transition="in" filter="fade">
+                                      <p:cBhvr>
+                                        <p:cTn id="25" dur="10"/>
+                                        <p:tgtEl>
+                                          <p:spTgt spid="16"/>
+                                        </p:tgtEl>
+                                      </p:cBhvr>
+                                    </p:animEffect>
+                                  </p:childTnLst>
+                                </p:cTn>
+                              </p:par>
+                            </p:childTnLst>
+                          </p:cTn>
+                        </p:par>
+                        <p:par>
+                          <p:cTn id="26" fill="hold">
+                            <p:stCondLst>
+                              <p:cond delay="2500"/>
+                            </p:stCondLst>
+                            <p:childTnLst>
+                              <p:par>
+                                <p:cTn id="27" presetID="53" presetClass="entr" presetSubtype="16" fill="hold" grpId="0" nodeType="afterEffect">
+                                  <p:stCondLst>
+                                    <p:cond delay="0"/>
+                                  </p:stCondLst>
+                                  <p:childTnLst>
+                                    <p:set>
+                                      <p:cBhvr>
+                                        <p:cTn id="28" dur="1" fill="hold">
+                                          <p:stCondLst>
+                                            <p:cond delay="0"/>
+                                          </p:stCondLst>
+                                        </p:cTn>
+                                        <p:tgtEl>
+                                          <p:spTgt spid="15"/>
+                                        </p:tgtEl>
+                                        <p:attrNameLst>
+                                          <p:attrName>style.visibility</p:attrName>
+                                        </p:attrNameLst>
+                                      </p:cBhvr>
+                                      <p:to>
+                                        <p:strVal val="visible"/>
+                                      </p:to>
+                                    </p:set>
+                                    <p:anim calcmode="lin" valueType="num">
+                                      <p:cBhvr>
+                                        <p:cTn id="29" dur="250" fill="hold"/>
+                                        <p:tgtEl>
+                                          <p:spTgt spid="15"/>
+                                        </p:tgtEl>
+                                        <p:attrNameLst>
+                                          <p:attrName>ppt_w</p:attrName>
+                                        </p:attrNameLst>
+                                      </p:cBhvr>
+                                      <p:tavLst>
+                                        <p:tav tm="0">
+                                          <p:val>
+                                            <p:fltVal val="0"/>
+                                          </p:val>
+                                        </p:tav>
+                                        <p:tav tm="100000">
+                                          <p:val>
+                                            <p:strVal val="#ppt_w"/>
+                                          </p:val>
+                                        </p:tav>
+                                      </p:tavLst>
+                                    </p:anim>
+                                    <p:anim calcmode="lin" valueType="num">
+                                      <p:cBhvr>
+                                        <p:cTn id="30" dur="250" fill="hold"/>
+                                        <p:tgtEl>
+                                          <p:spTgt spid="15"/>
+                                        </p:tgtEl>
+                                        <p:attrNameLst>
+                                          <p:attrName>ppt_h</p:attrName>
+                                        </p:attrNameLst>
+                                      </p:cBhvr>
+                                      <p:tavLst>
+                                        <p:tav tm="0">
+                                          <p:val>
+                                            <p:fltVal val="0"/>
+                                          </p:val>
+                                        </p:tav>
+                                        <p:tav tm="100000">
+                                          <p:val>
+                                            <p:strVal val="#ppt_h"/>
+                                          </p:val>
+                                        </p:tav>
+                                      </p:tavLst>
+                                    </p:anim>
+                                    <p:animEffect transition="in" filter="fade">
+                                      <p:cBhvr>
+                                        <p:cTn id="31" dur="250"/>
+                                        <p:tgtEl>
+                                          <p:spTgt spid="15"/>
+                                        </p:tgtEl>
+                                      </p:cBhvr>
+                                    </p:animEffect>
+                                  </p:childTnLst>
+                                </p:cTn>
+                              </p:par>
+                            </p:childTnLst>
+                          </p:cTn>
+                        </p:par>
+                        <p:par>
+                          <p:cTn id="32" fill="hold">
+                            <p:stCondLst>
+                              <p:cond delay="3000"/>
+                            </p:stCondLst>
+                            <p:childTnLst>
+                              <p:par>
+                                <p:cTn id="33" presetID="35" presetClass="path" presetSubtype="0" accel="50000" decel="50000" fill="hold" grpId="1" nodeType="afterEffect">
+                                  <p:stCondLst>
+                                    <p:cond delay="0"/>
+                                  </p:stCondLst>
+                                  <p:childTnLst>
+                                    <p:animMotion origin="layout" path="M 0 -4.07407E-6 L 0.34896 -4.07407E-6 " pathEditMode="relative" rAng="0" ptsTypes="AA">
+                                      <p:cBhvr>
+                                        <p:cTn id="34" dur="250" spd="-100000" fill="hold"/>
+                                        <p:tgtEl>
+                                          <p:spTgt spid="15"/>
+                                        </p:tgtEl>
+                                        <p:attrNameLst>
+                                          <p:attrName>ppt_x</p:attrName>
+                                          <p:attrName>ppt_y</p:attrName>
+                                        </p:attrNameLst>
+                                      </p:cBhvr>
+                                      <p:rCtr x="17448" y="0"/>
+                                    </p:animMotion>
+                                  </p:childTnLst>
+                                </p:cTn>
+                              </p:par>
+                            </p:childTnLst>
+                          </p:cTn>
+                        </p:par>
+                        <p:par>
+                          <p:cTn id="35" fill="hold">
+                            <p:stCondLst>
+                              <p:cond delay="3500"/>
+                            </p:stCondLst>
+                            <p:childTnLst>
+                              <p:par>
+                                <p:cTn id="36" presetID="2" presetClass="entr" presetSubtype="8" fill="hold" grpId="0" nodeType="afterEffect">
+                                  <p:stCondLst>
+                                    <p:cond delay="0"/>
+                                  </p:stCondLst>
+                                  <p:childTnLst>
+                                    <p:set>
+                                      <p:cBhvr>
+                                        <p:cTn id="37" dur="1" fill="hold">
+                                          <p:stCondLst>
+                                            <p:cond delay="0"/>
+                                          </p:stCondLst>
+                                        </p:cTn>
+                                        <p:tgtEl>
+                                          <p:spTgt spid="10"/>
+                                        </p:tgtEl>
+                                        <p:attrNameLst>
+                                          <p:attrName>style.visibility</p:attrName>
+                                        </p:attrNameLst>
+                                      </p:cBhvr>
+                                      <p:to>
+                                        <p:strVal val="visible"/>
+                                      </p:to>
+                                    </p:set>
+                                    <p:anim calcmode="lin" valueType="num">
+                                      <p:cBhvr additive="base">
+                                        <p:cTn id="38" dur="10" fill="hold"/>
+                                        <p:tgtEl>
+                                          <p:spTgt spid="10"/>
+                                        </p:tgtEl>
+                                        <p:attrNameLst>
+                                          <p:attrName>ppt_x</p:attrName>
+                                        </p:attrNameLst>
+                                      </p:cBhvr>
+                                      <p:tavLst>
+                                        <p:tav tm="0">
+                                          <p:val>
+                                            <p:strVal val="0-#ppt_w/2"/>
+                                          </p:val>
+                                        </p:tav>
+                                        <p:tav tm="100000">
+                                          <p:val>
+                                            <p:strVal val="#ppt_x"/>
+                                          </p:val>
+                                        </p:tav>
+                                      </p:tavLst>
+                                    </p:anim>
+                                    <p:anim calcmode="lin" valueType="num">
+                                      <p:cBhvr additive="base">
+                                        <p:cTn id="39" dur="10" fill="hold"/>
+                                        <p:tgtEl>
+                                          <p:spTgt spid="10"/>
+                                        </p:tgtEl>
+                                        <p:attrNameLst>
+                                          <p:attrName>ppt_y</p:attrName>
+                                        </p:attrNameLst>
+                                      </p:cBhvr>
+                                      <p:tavLst>
+                                        <p:tav tm="0">
+                                          <p:val>
+                                            <p:strVal val="#ppt_y"/>
+                                          </p:val>
+                                        </p:tav>
+                                        <p:tav tm="100000">
+                                          <p:val>
+                                            <p:strVal val="#ppt_y"/>
+                                          </p:val>
+                                        </p:tav>
+                                      </p:tavLst>
+                                    </p:anim>
+                                  </p:childTnLst>
+                                </p:cTn>
+                              </p:par>
+                            </p:childTnLst>
+                          </p:cTn>
+                        </p:par>
+                      </p:childTnLst>
+                    </p:cTn>
+                  </p:par>
+                </p:childTnLst>
+              </p:cTn>
+              <p:prevCondLst>
+                <p:cond evt="onPrev" delay="0">
+                  <p:tgtEl>
+                    <p:sldTgt/>
+                  </p:tgtEl>
+                </p:cond>
+              </p:prevCondLst>
+              <p:nextCondLst>
+                <p:cond evt="onNext" delay="0">
+                  <p:tgtEl>
+                    <p:sldTgt/>
+                  </p:tgtEl>
+                </p:cond>
+              </p:nextCondLst>
+            </p:seq>
+          </p:childTnLst>
+        </p:cTn>
+      </p:par>
+    </p:tnLst>
+    <p:bldLst>
+      <p:bldP spid="15" grpId="0"/>
+      <p:bldP spid="15" grpId="1"/>
+      <p:bldP spid="26" grpId="0"/>
+      <p:bldP spid="26" grpId="1"/>
+      <p:bldP spid="26" grpId="2"/>
+      <p:bldP spid="16" grpId="0"/>
+      <p:bldP spid="10" grpId="0" animBg="1" autoUpdateAnimBg="0"/>
+    </p:bldLst>
+  </p:timing>
+</p:sld>
+</file>
+
+<file path=ppt/slides/slide13.xml><?xml version="1.0" encoding="utf-8"?>
+<p:sld xmlns:a="http://schemas.openxmlformats.org/drawingml/2006/main" xmlns:r="http://schemas.openxmlformats.org/officeDocument/2006/relationships" xmlns:p="http://schemas.openxmlformats.org/presentationml/2006/main">
+  <p:cSld>
+    <p:spTree>
+      <p:nvGrpSpPr>
+        <p:cNvPr id="1" name=""/>
+        <p:cNvGrpSpPr/>
+        <p:nvPr/>
+      </p:nvGrpSpPr>
+      <p:grpSpPr>
+        <a:xfrm>
+          <a:off x="0" y="0"/>
+          <a:ext cx="0" cy="0"/>
+          <a:chOff x="0" y="0"/>
+          <a:chExt cx="0" cy="0"/>
+        </a:xfrm>
+      </p:grpSpPr>
+      <p:sp>
+        <p:nvSpPr>
+          <p:cNvPr id="15" name="矩形 14"/>
+          <p:cNvSpPr/>
+          <p:nvPr/>
+        </p:nvSpPr>
+        <p:spPr>
+          <a:xfrm>
+            <a:off x="253" y="196280"/>
+            <a:ext cx="144049" cy="504056"/>
+          </a:xfrm>
+          <a:prstGeom prst="rect">
+            <a:avLst/>
+          </a:prstGeom>
+          <a:solidFill>
+            <a:schemeClr val="accent1"/>
+          </a:solidFill>
+          <a:ln>
+            <a:noFill/>
+          </a:ln>
+        </p:spPr>
+        <p:style>
+          <a:lnRef idx="2">
+            <a:schemeClr val="accent1">
+              <a:shade val="50000"/>
+            </a:schemeClr>
+          </a:lnRef>
+          <a:fillRef idx="1">
+            <a:schemeClr val="accent1"/>
+          </a:fillRef>
+          <a:effectRef idx="0">
+            <a:schemeClr val="accent1"/>
+          </a:effectRef>
+          <a:fontRef idx="minor">
+            <a:schemeClr val="lt1"/>
+          </a:fontRef>
+        </p:style>
+        <p:txBody>
+          <a:bodyPr lIns="68584" tIns="34292" rIns="68584" bIns="34292" rtlCol="0" anchor="ctr"/>
+          <a:lstStyle/>
+          <a:p>
+            <a:pPr marL="0" marR="0" lvl="0" indent="0" algn="ctr" defTabSz="685165" rtl="0" eaLnBrk="1" fontAlgn="auto" latinLnBrk="0" hangingPunct="1">
+              <a:lnSpc>
+                <a:spcPct val="100000"/>
+              </a:lnSpc>
+              <a:spcBef>
+                <a:spcPts val="0"/>
+              </a:spcBef>
+              <a:spcAft>
+                <a:spcPts val="0"/>
+              </a:spcAft>
+              <a:buClrTx/>
+              <a:buSzTx/>
+              <a:buFontTx/>
+              <a:buNone/>
+              <a:defRPr/>
+            </a:pPr>
+            <a:endParaRPr kumimoji="0" lang="zh-CN" altLang="en-US" sz="1400" b="0" i="0" u="none" strike="noStrike" kern="1200" cap="none" spc="0" normalizeH="0" baseline="0" noProof="0" dirty="0">
+              <a:ln>
+                <a:noFill/>
+              </a:ln>
+              <a:solidFill>
+                <a:srgbClr val="E7E6E6">
+                  <a:lumMod val="50000"/>
+                </a:srgbClr>
+              </a:solidFill>
+              <a:effectLst/>
+              <a:uLnTx/>
+              <a:uFillTx/>
+              <a:latin typeface="Calibri" panose="020F0502020204030204"/>
+              <a:ea typeface="宋体" panose="02010600030101010101" pitchFamily="2" charset="-122"/>
+              <a:cs typeface="+mn-ea"/>
+              <a:sym typeface="+mn-lt"/>
+            </a:endParaRPr>
+          </a:p>
+        </p:txBody>
+      </p:sp>
+      <p:sp>
+        <p:nvSpPr>
+          <p:cNvPr id="7" name="文本框 6"/>
+          <p:cNvSpPr txBox="1"/>
+          <p:nvPr/>
+        </p:nvSpPr>
+        <p:spPr>
+          <a:xfrm>
+            <a:off x="251520" y="204373"/>
+            <a:ext cx="3672408" cy="461665"/>
+          </a:xfrm>
+          <a:prstGeom prst="rect">
+            <a:avLst/>
+          </a:prstGeom>
+          <a:noFill/>
+        </p:spPr>
+        <p:txBody>
+          <a:bodyPr wrap="square">
+            <a:spAutoFit/>
+          </a:bodyPr>
+          <a:lstStyle/>
+          <a:p>
+            <a:pPr marL="0" marR="0" lvl="0" indent="0" algn="l" defTabSz="914400" rtl="0" eaLnBrk="1" fontAlgn="auto" latinLnBrk="0" hangingPunct="1">
+              <a:lnSpc>
+                <a:spcPct val="100000"/>
+              </a:lnSpc>
+              <a:spcBef>
+                <a:spcPts val="0"/>
+              </a:spcBef>
+              <a:spcAft>
+                <a:spcPts val="0"/>
+              </a:spcAft>
+              <a:buClrTx/>
+              <a:buSzTx/>
+              <a:buFontTx/>
+              <a:buNone/>
+              <a:defRPr/>
+            </a:pPr>
+            <a:r>
+              <a:rPr lang="zh-CN" altLang="en-US" sz="2400" b="1" kern="100" dirty="0">
+                <a:solidFill>
+                  <a:prstClr val="black">
+                    <a:lumMod val="50000"/>
+                    <a:lumOff val="50000"/>
+                  </a:prstClr>
+                </a:solidFill>
+                <a:latin typeface="方正兰亭超细黑简体" panose="02000000000000000000" pitchFamily="2" charset="-122"/>
+                <a:ea typeface="方正兰亭超细黑简体" panose="02000000000000000000" pitchFamily="2" charset="-122"/>
+                <a:cs typeface="Times New Roman" panose="02020603050405020304" pitchFamily="18" charset="0"/>
+              </a:rPr>
+              <a:t>数据库设计</a:t>
+            </a:r>
+            <a:r>
+              <a:rPr kumimoji="0" lang="en-US" altLang="zh-CN" sz="2400" b="1" i="0" u="none" strike="noStrike" kern="100" cap="none" spc="0" normalizeH="0" baseline="0" noProof="0" dirty="0">
+                <a:ln>
+                  <a:noFill/>
+                </a:ln>
+                <a:solidFill>
+                  <a:prstClr val="black">
+                    <a:lumMod val="50000"/>
+                    <a:lumOff val="50000"/>
+                  </a:prstClr>
+                </a:solidFill>
+                <a:effectLst/>
+                <a:uLnTx/>
+                <a:uFillTx/>
+                <a:latin typeface="方正兰亭超细黑简体" panose="02000000000000000000" pitchFamily="2" charset="-122"/>
+                <a:ea typeface="方正兰亭超细黑简体" panose="02000000000000000000" pitchFamily="2" charset="-122"/>
+                <a:cs typeface="Times New Roman" panose="02020603050405020304" pitchFamily="18" charset="0"/>
+              </a:rPr>
+              <a:t>——</a:t>
+            </a:r>
+            <a:r>
+              <a:rPr lang="zh-CN" altLang="en-US" sz="2400" b="1" kern="100" dirty="0">
+                <a:solidFill>
+                  <a:prstClr val="black">
+                    <a:lumMod val="50000"/>
+                    <a:lumOff val="50000"/>
+                  </a:prstClr>
+                </a:solidFill>
+                <a:latin typeface="方正兰亭超细黑简体" panose="02000000000000000000" pitchFamily="2" charset="-122"/>
+                <a:ea typeface="方正兰亭超细黑简体" panose="02000000000000000000" pitchFamily="2" charset="-122"/>
+                <a:cs typeface="Times New Roman" panose="02020603050405020304" pitchFamily="18" charset="0"/>
+              </a:rPr>
+              <a:t>数据流图</a:t>
+            </a:r>
+            <a:endParaRPr kumimoji="0" lang="zh-CN" altLang="en-US" sz="2400" b="1" i="0" u="none" strike="noStrike" kern="1200" cap="none" spc="0" normalizeH="0" baseline="0" noProof="0" dirty="0">
+              <a:ln>
+                <a:noFill/>
+              </a:ln>
+              <a:solidFill>
+                <a:srgbClr val="093B5C"/>
+              </a:solidFill>
+              <a:effectLst/>
+              <a:uLnTx/>
+              <a:uFillTx/>
+              <a:latin typeface="方正兰亭超细黑简体" panose="02000000000000000000" pitchFamily="2" charset="-122"/>
+              <a:ea typeface="方正兰亭超细黑简体" panose="02000000000000000000" pitchFamily="2" charset="-122"/>
+              <a:cs typeface="+mn-cs"/>
+            </a:endParaRPr>
+          </a:p>
+        </p:txBody>
+      </p:sp>
+      <p:pic>
+        <p:nvPicPr>
+          <p:cNvPr id="3" name="图片 2">
+            <a:extLst>
+              <a:ext uri="{FF2B5EF4-FFF2-40B4-BE49-F238E27FC236}">
+                <a16:creationId xmlns:a16="http://schemas.microsoft.com/office/drawing/2014/main" id="{A7BA05F6-8E1D-1A9F-92CF-3DEB12010BC3}"/>
+              </a:ext>
+            </a:extLst>
+          </p:cNvPr>
+          <p:cNvPicPr>
+            <a:picLocks noChangeAspect="1"/>
+          </p:cNvPicPr>
+          <p:nvPr/>
+        </p:nvPicPr>
+        <p:blipFill>
+          <a:blip r:embed="rId3" cstate="print">
+            <a:extLst>
+              <a:ext uri="{28A0092B-C50C-407E-A947-70E740481C1C}">
+                <a14:useLocalDpi xmlns:a14="http://schemas.microsoft.com/office/drawing/2010/main" val="0"/>
+              </a:ext>
+            </a:extLst>
+          </a:blip>
+          <a:stretch>
+            <a:fillRect/>
+          </a:stretch>
+        </p:blipFill>
+        <p:spPr>
+          <a:xfrm>
+            <a:off x="0" y="782813"/>
+            <a:ext cx="9144000" cy="4362275"/>
+          </a:xfrm>
+          <a:prstGeom prst="rect">
+            <a:avLst/>
+          </a:prstGeom>
+        </p:spPr>
+      </p:pic>
+    </p:spTree>
+    <p:extLst>
+      <p:ext uri="{BB962C8B-B14F-4D97-AF65-F5344CB8AC3E}">
+        <p14:creationId xmlns:p14="http://schemas.microsoft.com/office/powerpoint/2010/main" val="1842459715"/>
+      </p:ext>
+    </p:extLst>
+  </p:cSld>
+  <p:clrMapOvr>
+    <a:masterClrMapping/>
+  </p:clrMapOvr>
+  <p:transition spd="med" advClick="0">
+    <p:random/>
+  </p:transition>
+</p:sld>
+</file>
+
+<file path=ppt/slides/slide14.xml><?xml version="1.0" encoding="utf-8"?>
+<p:sld xmlns:a="http://schemas.openxmlformats.org/drawingml/2006/main" xmlns:r="http://schemas.openxmlformats.org/officeDocument/2006/relationships" xmlns:p="http://schemas.openxmlformats.org/presentationml/2006/main">
+  <p:cSld>
+    <p:spTree>
+      <p:nvGrpSpPr>
+        <p:cNvPr id="1" name=""/>
+        <p:cNvGrpSpPr/>
+        <p:nvPr/>
+      </p:nvGrpSpPr>
+      <p:grpSpPr>
+        <a:xfrm>
+          <a:off x="0" y="0"/>
+          <a:ext cx="0" cy="0"/>
+          <a:chOff x="0" y="0"/>
+          <a:chExt cx="0" cy="0"/>
+        </a:xfrm>
+      </p:grpSpPr>
+      <p:sp>
+        <p:nvSpPr>
+          <p:cNvPr id="15" name="矩形 14"/>
+          <p:cNvSpPr/>
+          <p:nvPr/>
+        </p:nvSpPr>
+        <p:spPr>
+          <a:xfrm>
+            <a:off x="253" y="196280"/>
+            <a:ext cx="144049" cy="504056"/>
+          </a:xfrm>
+          <a:prstGeom prst="rect">
+            <a:avLst/>
+          </a:prstGeom>
+          <a:solidFill>
+            <a:schemeClr val="accent1"/>
+          </a:solidFill>
+          <a:ln>
+            <a:noFill/>
+          </a:ln>
+        </p:spPr>
+        <p:style>
+          <a:lnRef idx="2">
+            <a:schemeClr val="accent1">
+              <a:shade val="50000"/>
+            </a:schemeClr>
+          </a:lnRef>
+          <a:fillRef idx="1">
+            <a:schemeClr val="accent1"/>
+          </a:fillRef>
+          <a:effectRef idx="0">
+            <a:schemeClr val="accent1"/>
+          </a:effectRef>
+          <a:fontRef idx="minor">
+            <a:schemeClr val="lt1"/>
+          </a:fontRef>
+        </p:style>
+        <p:txBody>
+          <a:bodyPr lIns="68584" tIns="34292" rIns="68584" bIns="34292" rtlCol="0" anchor="ctr"/>
+          <a:lstStyle/>
+          <a:p>
+            <a:pPr marL="0" marR="0" lvl="0" indent="0" algn="ctr" defTabSz="685165" rtl="0" eaLnBrk="1" fontAlgn="auto" latinLnBrk="0" hangingPunct="1">
+              <a:lnSpc>
+                <a:spcPct val="100000"/>
+              </a:lnSpc>
+              <a:spcBef>
+                <a:spcPts val="0"/>
+              </a:spcBef>
+              <a:spcAft>
+                <a:spcPts val="0"/>
+              </a:spcAft>
+              <a:buClrTx/>
+              <a:buSzTx/>
+              <a:buFontTx/>
+              <a:buNone/>
+              <a:defRPr/>
+            </a:pPr>
+            <a:endParaRPr kumimoji="0" lang="zh-CN" altLang="en-US" sz="1400" b="0" i="0" u="none" strike="noStrike" kern="1200" cap="none" spc="0" normalizeH="0" baseline="0" noProof="0" dirty="0">
+              <a:ln>
+                <a:noFill/>
+              </a:ln>
+              <a:solidFill>
+                <a:srgbClr val="E7E6E6">
+                  <a:lumMod val="50000"/>
+                </a:srgbClr>
+              </a:solidFill>
+              <a:effectLst/>
+              <a:uLnTx/>
+              <a:uFillTx/>
+              <a:latin typeface="Calibri" panose="020F0502020204030204"/>
+              <a:ea typeface="宋体" panose="02010600030101010101" pitchFamily="2" charset="-122"/>
+              <a:cs typeface="+mn-ea"/>
+              <a:sym typeface="+mn-lt"/>
+            </a:endParaRPr>
+          </a:p>
+        </p:txBody>
+      </p:sp>
+      <p:sp>
+        <p:nvSpPr>
+          <p:cNvPr id="7" name="文本框 6"/>
+          <p:cNvSpPr txBox="1"/>
+          <p:nvPr/>
+        </p:nvSpPr>
+        <p:spPr>
+          <a:xfrm>
+            <a:off x="251520" y="204373"/>
+            <a:ext cx="3672408" cy="461665"/>
+          </a:xfrm>
+          <a:prstGeom prst="rect">
+            <a:avLst/>
+          </a:prstGeom>
+          <a:noFill/>
+        </p:spPr>
+        <p:txBody>
+          <a:bodyPr wrap="square">
+            <a:spAutoFit/>
+          </a:bodyPr>
+          <a:lstStyle/>
+          <a:p>
+            <a:pPr marL="0" marR="0" lvl="0" indent="0" algn="l" defTabSz="914400" rtl="0" eaLnBrk="1" fontAlgn="auto" latinLnBrk="0" hangingPunct="1">
+              <a:lnSpc>
+                <a:spcPct val="100000"/>
+              </a:lnSpc>
+              <a:spcBef>
+                <a:spcPts val="0"/>
+              </a:spcBef>
+              <a:spcAft>
+                <a:spcPts val="0"/>
+              </a:spcAft>
+              <a:buClrTx/>
+              <a:buSzTx/>
+              <a:buFontTx/>
+              <a:buNone/>
+              <a:defRPr/>
+            </a:pPr>
+            <a:r>
+              <a:rPr lang="zh-CN" altLang="en-US" sz="2400" b="1" kern="100" dirty="0">
+                <a:solidFill>
+                  <a:prstClr val="black">
+                    <a:lumMod val="50000"/>
+                    <a:lumOff val="50000"/>
+                  </a:prstClr>
+                </a:solidFill>
+                <a:latin typeface="方正兰亭超细黑简体" panose="02000000000000000000" pitchFamily="2" charset="-122"/>
+                <a:ea typeface="方正兰亭超细黑简体" panose="02000000000000000000" pitchFamily="2" charset="-122"/>
+                <a:cs typeface="Times New Roman" panose="02020603050405020304" pitchFamily="18" charset="0"/>
+              </a:rPr>
+              <a:t>数据库设计</a:t>
+            </a:r>
+            <a:r>
+              <a:rPr kumimoji="0" lang="en-US" altLang="zh-CN" sz="2400" b="1" i="0" u="none" strike="noStrike" kern="100" cap="none" spc="0" normalizeH="0" baseline="0" noProof="0" dirty="0">
+                <a:ln>
+                  <a:noFill/>
+                </a:ln>
+                <a:solidFill>
+                  <a:prstClr val="black">
+                    <a:lumMod val="50000"/>
+                    <a:lumOff val="50000"/>
+                  </a:prstClr>
+                </a:solidFill>
+                <a:effectLst/>
+                <a:uLnTx/>
+                <a:uFillTx/>
+                <a:latin typeface="方正兰亭超细黑简体" panose="02000000000000000000" pitchFamily="2" charset="-122"/>
+                <a:ea typeface="方正兰亭超细黑简体" panose="02000000000000000000" pitchFamily="2" charset="-122"/>
+                <a:cs typeface="Times New Roman" panose="02020603050405020304" pitchFamily="18" charset="0"/>
+              </a:rPr>
+              <a:t>——ER</a:t>
+            </a:r>
+            <a:r>
+              <a:rPr kumimoji="0" lang="zh-CN" altLang="en-US" sz="2400" b="1" i="0" u="none" strike="noStrike" kern="100" cap="none" spc="0" normalizeH="0" baseline="0" noProof="0" dirty="0">
+                <a:ln>
+                  <a:noFill/>
+                </a:ln>
+                <a:solidFill>
+                  <a:prstClr val="black">
+                    <a:lumMod val="50000"/>
+                    <a:lumOff val="50000"/>
+                  </a:prstClr>
+                </a:solidFill>
+                <a:effectLst/>
+                <a:uLnTx/>
+                <a:uFillTx/>
+                <a:latin typeface="方正兰亭超细黑简体" panose="02000000000000000000" pitchFamily="2" charset="-122"/>
+                <a:ea typeface="方正兰亭超细黑简体" panose="02000000000000000000" pitchFamily="2" charset="-122"/>
+                <a:cs typeface="Times New Roman" panose="02020603050405020304" pitchFamily="18" charset="0"/>
+              </a:rPr>
+              <a:t>图</a:t>
+            </a:r>
+            <a:endParaRPr kumimoji="0" lang="zh-CN" altLang="en-US" sz="2400" b="1" i="0" u="none" strike="noStrike" kern="1200" cap="none" spc="0" normalizeH="0" baseline="0" noProof="0" dirty="0">
+              <a:ln>
+                <a:noFill/>
+              </a:ln>
+              <a:solidFill>
+                <a:srgbClr val="093B5C"/>
+              </a:solidFill>
+              <a:effectLst/>
+              <a:uLnTx/>
+              <a:uFillTx/>
+              <a:latin typeface="方正兰亭超细黑简体" panose="02000000000000000000" pitchFamily="2" charset="-122"/>
+              <a:ea typeface="方正兰亭超细黑简体" panose="02000000000000000000" pitchFamily="2" charset="-122"/>
+              <a:cs typeface="+mn-cs"/>
+            </a:endParaRPr>
+          </a:p>
+        </p:txBody>
+      </p:sp>
+      <p:pic>
+        <p:nvPicPr>
+          <p:cNvPr id="4" name="图片 3">
+            <a:extLst>
+              <a:ext uri="{FF2B5EF4-FFF2-40B4-BE49-F238E27FC236}">
+                <a16:creationId xmlns:a16="http://schemas.microsoft.com/office/drawing/2014/main" id="{6EB09758-FBC7-5CA8-AD6C-732AEAE5A1A6}"/>
+              </a:ext>
+            </a:extLst>
+          </p:cNvPr>
+          <p:cNvPicPr>
+            <a:picLocks noChangeAspect="1"/>
+          </p:cNvPicPr>
+          <p:nvPr/>
+        </p:nvPicPr>
+        <p:blipFill>
+          <a:blip r:embed="rId3">
+            <a:extLst>
+              <a:ext uri="{28A0092B-C50C-407E-A947-70E740481C1C}">
+                <a14:useLocalDpi xmlns:a14="http://schemas.microsoft.com/office/drawing/2010/main" val="0"/>
+              </a:ext>
+            </a:extLst>
+          </a:blip>
+          <a:stretch>
+            <a:fillRect/>
+          </a:stretch>
+        </p:blipFill>
+        <p:spPr>
+          <a:xfrm>
+            <a:off x="822302" y="739585"/>
+            <a:ext cx="7499396" cy="4405503"/>
+          </a:xfrm>
+          <a:prstGeom prst="rect">
+            <a:avLst/>
+          </a:prstGeom>
+        </p:spPr>
+      </p:pic>
+    </p:spTree>
+    <p:extLst>
+      <p:ext uri="{BB962C8B-B14F-4D97-AF65-F5344CB8AC3E}">
+        <p14:creationId xmlns:p14="http://schemas.microsoft.com/office/powerpoint/2010/main" val="990860404"/>
+      </p:ext>
+    </p:extLst>
+  </p:cSld>
+  <p:clrMapOvr>
+    <a:masterClrMapping/>
+  </p:clrMapOvr>
+  <p:transition spd="med" advClick="0">
+    <p:random/>
+  </p:transition>
+</p:sld>
+</file>
+
+<file path=ppt/slides/slide15.xml><?xml version="1.0" encoding="utf-8"?>
 <p:sld xmlns:a="http://schemas.openxmlformats.org/drawingml/2006/main" xmlns:r="http://schemas.openxmlformats.org/officeDocument/2006/relationships" xmlns:p="http://schemas.openxmlformats.org/presentationml/2006/main">
   <p:cSld>
     <p:spTree>
@@ -10935,7 +13636,33 @@
                 <a:latin typeface="Gill Sans MT" panose="020B0502020104020203"/>
                 <a:ea typeface="方正兰亭超细黑简体" panose="02000000000000000000"/>
               </a:rPr>
-              <a:t>集成了商品预览、支付结算、数据分析、商品出售等模块</a:t>
+              <a:t>集成了商品预览、商品出售</a:t>
+            </a:r>
+            <a:r>
+              <a:rPr lang="zh-CN" altLang="en-US" sz="2000" b="1" dirty="0">
+                <a:solidFill>
+                  <a:srgbClr val="AEAEAE"/>
+                </a:solidFill>
+                <a:latin typeface="Gill Sans MT" panose="020B0502020104020203"/>
+                <a:ea typeface="方正兰亭超细黑简体" panose="02000000000000000000"/>
+              </a:rPr>
+              <a:t>、</a:t>
+            </a:r>
+            <a:r>
+              <a:rPr kumimoji="0" lang="zh-CN" altLang="en-US" sz="2000" b="1" i="0" u="none" strike="noStrike" kern="1200" cap="none" spc="0" normalizeH="0" baseline="0" noProof="0" dirty="0">
+                <a:ln>
+                  <a:noFill/>
+                </a:ln>
+                <a:solidFill>
+                  <a:srgbClr val="AEAEAE"/>
+                </a:solidFill>
+                <a:effectLst/>
+                <a:uLnTx/>
+                <a:uFillTx/>
+                <a:latin typeface="Gill Sans MT" panose="020B0502020104020203"/>
+                <a:ea typeface="方正兰亭超细黑简体" panose="02000000000000000000"/>
+              </a:rPr>
+              <a:t>支付系统、数据分析等模块</a:t>
             </a:r>
             <a:endParaRPr lang="zh-CN" altLang="en-US" sz="2000" b="1" dirty="0">
               <a:solidFill>
@@ -12388,6 +15115,188 @@
           </a:prstGeom>
         </p:spPr>
       </p:pic>
+      <p:cxnSp>
+        <p:nvCxnSpPr>
+          <p:cNvPr id="8" name="直接连接符 7">
+            <a:extLst>
+              <a:ext uri="{FF2B5EF4-FFF2-40B4-BE49-F238E27FC236}">
+                <a16:creationId xmlns:a16="http://schemas.microsoft.com/office/drawing/2014/main" id="{B900DE04-7A06-B2D1-C624-6A088CFBB7AB}"/>
+              </a:ext>
+            </a:extLst>
+          </p:cNvPr>
+          <p:cNvCxnSpPr/>
+          <p:nvPr/>
+        </p:nvCxnSpPr>
+        <p:spPr>
+          <a:xfrm flipV="1">
+            <a:off x="2879812" y="484312"/>
+            <a:ext cx="2052228" cy="2160240"/>
+          </a:xfrm>
+          <a:prstGeom prst="line">
+            <a:avLst/>
+          </a:prstGeom>
+        </p:spPr>
+        <p:style>
+          <a:lnRef idx="1">
+            <a:schemeClr val="dk1"/>
+          </a:lnRef>
+          <a:fillRef idx="0">
+            <a:schemeClr val="dk1"/>
+          </a:fillRef>
+          <a:effectRef idx="0">
+            <a:schemeClr val="dk1"/>
+          </a:effectRef>
+          <a:fontRef idx="minor">
+            <a:schemeClr val="tx1"/>
+          </a:fontRef>
+        </p:style>
+      </p:cxnSp>
+      <p:sp>
+        <p:nvSpPr>
+          <p:cNvPr id="10" name="文本框 9">
+            <a:extLst>
+              <a:ext uri="{FF2B5EF4-FFF2-40B4-BE49-F238E27FC236}">
+                <a16:creationId xmlns:a16="http://schemas.microsoft.com/office/drawing/2014/main" id="{D146A43C-2917-C4FF-30FD-61AE781E136F}"/>
+              </a:ext>
+            </a:extLst>
+          </p:cNvPr>
+          <p:cNvSpPr txBox="1"/>
+          <p:nvPr/>
+        </p:nvSpPr>
+        <p:spPr>
+          <a:xfrm>
+            <a:off x="4949788" y="238801"/>
+            <a:ext cx="1872208" cy="400110"/>
+          </a:xfrm>
+          <a:prstGeom prst="rect">
+            <a:avLst/>
+          </a:prstGeom>
+          <a:noFill/>
+        </p:spPr>
+        <p:txBody>
+          <a:bodyPr wrap="square" rtlCol="0">
+            <a:spAutoFit/>
+          </a:bodyPr>
+          <a:lstStyle/>
+          <a:p>
+            <a:pPr marL="342900" indent="-342900" algn="just">
+              <a:buClr>
+                <a:srgbClr val="9BAFB5"/>
+              </a:buClr>
+              <a:buFont typeface="Arial" panose="020B0604020202020204" pitchFamily="34" charset="0"/>
+              <a:buChar char="•"/>
+              <a:defRPr/>
+            </a:pPr>
+            <a:r>
+              <a:rPr lang="zh-CN" altLang="en-US" sz="2000" b="1" dirty="0">
+                <a:solidFill>
+                  <a:srgbClr val="AEAEAE"/>
+                </a:solidFill>
+                <a:latin typeface="Gill Sans MT" panose="020B0502020104020203"/>
+                <a:ea typeface="方正兰亭超细黑简体" panose="02000000000000000000"/>
+              </a:rPr>
+              <a:t>站内搜索</a:t>
+            </a:r>
+            <a:endParaRPr lang="zh-CN" altLang="en-US" sz="2000" b="1" dirty="0">
+              <a:solidFill>
+                <a:srgbClr val="AEAEAE"/>
+              </a:solidFill>
+            </a:endParaRPr>
+          </a:p>
+        </p:txBody>
+      </p:sp>
+      <p:cxnSp>
+        <p:nvCxnSpPr>
+          <p:cNvPr id="12" name="直接连接符 11">
+            <a:extLst>
+              <a:ext uri="{FF2B5EF4-FFF2-40B4-BE49-F238E27FC236}">
+                <a16:creationId xmlns:a16="http://schemas.microsoft.com/office/drawing/2014/main" id="{00A8ABC3-0A98-4219-DEEE-B0160422618B}"/>
+              </a:ext>
+            </a:extLst>
+          </p:cNvPr>
+          <p:cNvCxnSpPr>
+            <a:cxnSpLocks/>
+          </p:cNvCxnSpPr>
+          <p:nvPr/>
+        </p:nvCxnSpPr>
+        <p:spPr>
+          <a:xfrm flipV="1">
+            <a:off x="6264188" y="556320"/>
+            <a:ext cx="926501" cy="1296144"/>
+          </a:xfrm>
+          <a:prstGeom prst="line">
+            <a:avLst/>
+          </a:prstGeom>
+        </p:spPr>
+        <p:style>
+          <a:lnRef idx="1">
+            <a:schemeClr val="dk1"/>
+          </a:lnRef>
+          <a:fillRef idx="0">
+            <a:schemeClr val="dk1"/>
+          </a:fillRef>
+          <a:effectRef idx="0">
+            <a:schemeClr val="dk1"/>
+          </a:effectRef>
+          <a:fontRef idx="minor">
+            <a:schemeClr val="tx1"/>
+          </a:fontRef>
+        </p:style>
+      </p:cxnSp>
+      <p:sp>
+        <p:nvSpPr>
+          <p:cNvPr id="13" name="文本框 12">
+            <a:extLst>
+              <a:ext uri="{FF2B5EF4-FFF2-40B4-BE49-F238E27FC236}">
+                <a16:creationId xmlns:a16="http://schemas.microsoft.com/office/drawing/2014/main" id="{EA40CE40-3645-C220-5C63-AB515303FC85}"/>
+              </a:ext>
+            </a:extLst>
+          </p:cNvPr>
+          <p:cNvSpPr txBox="1"/>
+          <p:nvPr/>
+        </p:nvSpPr>
+        <p:spPr>
+          <a:xfrm>
+            <a:off x="7190689" y="235150"/>
+            <a:ext cx="1872208" cy="400110"/>
+          </a:xfrm>
+          <a:prstGeom prst="rect">
+            <a:avLst/>
+          </a:prstGeom>
+          <a:noFill/>
+        </p:spPr>
+        <p:txBody>
+          <a:bodyPr wrap="square" rtlCol="0">
+            <a:spAutoFit/>
+          </a:bodyPr>
+          <a:lstStyle/>
+          <a:p>
+            <a:pPr marL="342900" indent="-342900" algn="just">
+              <a:buClr>
+                <a:srgbClr val="9BAFB5"/>
+              </a:buClr>
+              <a:buFont typeface="Arial" panose="020B0604020202020204" pitchFamily="34" charset="0"/>
+              <a:buChar char="•"/>
+              <a:defRPr/>
+            </a:pPr>
+            <a:r>
+              <a:rPr lang="zh-CN" altLang="en-US" sz="2000" b="1" dirty="0">
+                <a:solidFill>
+                  <a:srgbClr val="AEAEAE"/>
+                </a:solidFill>
+                <a:latin typeface="Gill Sans MT" panose="020B0502020104020203"/>
+                <a:ea typeface="方正兰亭超细黑简体" panose="02000000000000000000"/>
+              </a:rPr>
+              <a:t>滚动推送</a:t>
+            </a:r>
+            <a:endParaRPr lang="zh-CN" altLang="en-US" sz="2000" b="1" dirty="0">
+              <a:solidFill>
+                <a:srgbClr val="AEAEAE"/>
+              </a:solidFill>
+            </a:endParaRPr>
+          </a:p>
+        </p:txBody>
+      </p:sp>
     </p:spTree>
     <p:extLst>
       <p:ext uri="{BB962C8B-B14F-4D97-AF65-F5344CB8AC3E}">
@@ -13068,593 +15977,20 @@
       </p:grpSpPr>
       <p:sp>
         <p:nvSpPr>
-          <p:cNvPr id="15" name="文本框 12"/>
-          <p:cNvSpPr txBox="1">
-            <a:spLocks noChangeArrowheads="1"/>
-          </p:cNvSpPr>
+          <p:cNvPr id="15" name="矩形 14"/>
+          <p:cNvSpPr/>
           <p:nvPr/>
         </p:nvSpPr>
-        <p:spPr bwMode="auto">
+        <p:spPr>
           <a:xfrm>
-            <a:off x="4391980" y="1495179"/>
-            <a:ext cx="4064705" cy="500137"/>
+            <a:off x="253" y="196280"/>
+            <a:ext cx="144049" cy="504056"/>
           </a:xfrm>
           <a:prstGeom prst="rect">
             <a:avLst/>
           </a:prstGeom>
-          <a:noFill/>
-          <a:ln>
-            <a:noFill/>
-          </a:ln>
-          <a:extLst>
-            <a:ext uri="{909E8E84-426E-40DD-AFC4-6F175D3DCCD1}">
-              <a14:hiddenFill xmlns:a14="http://schemas.microsoft.com/office/drawing/2010/main">
-                <a:solidFill>
-                  <a:srgbClr val="FFFFFF"/>
-                </a:solidFill>
-              </a14:hiddenFill>
-            </a:ext>
-            <a:ext uri="{91240B29-F687-4F45-9708-019B960494DF}">
-              <a14:hiddenLine xmlns:a14="http://schemas.microsoft.com/office/drawing/2010/main" w="9525">
-                <a:solidFill>
-                  <a:srgbClr val="000000"/>
-                </a:solidFill>
-                <a:miter lim="800000"/>
-                <a:headEnd/>
-                <a:tailEnd/>
-              </a14:hiddenLine>
-            </a:ext>
-          </a:extLst>
-        </p:spPr>
-        <p:txBody>
-          <a:bodyPr wrap="square" lIns="68580" tIns="34290" rIns="68580" bIns="34290">
-            <a:spAutoFit/>
-          </a:bodyPr>
-          <a:lstStyle>
-            <a:lvl1pPr>
-              <a:defRPr sz="1300">
-                <a:solidFill>
-                  <a:schemeClr val="tx1"/>
-                </a:solidFill>
-                <a:latin typeface="方正正黑简体" pitchFamily="2" charset="-122"/>
-                <a:ea typeface="方正正黑简体" pitchFamily="2" charset="-122"/>
-              </a:defRPr>
-            </a:lvl1pPr>
-            <a:lvl2pPr marL="742950" indent="-285750">
-              <a:defRPr sz="1300">
-                <a:solidFill>
-                  <a:schemeClr val="tx1"/>
-                </a:solidFill>
-                <a:latin typeface="方正正黑简体" pitchFamily="2" charset="-122"/>
-                <a:ea typeface="方正正黑简体" pitchFamily="2" charset="-122"/>
-              </a:defRPr>
-            </a:lvl2pPr>
-            <a:lvl3pPr marL="1143000" indent="-228600">
-              <a:defRPr sz="1300">
-                <a:solidFill>
-                  <a:schemeClr val="tx1"/>
-                </a:solidFill>
-                <a:latin typeface="方正正黑简体" pitchFamily="2" charset="-122"/>
-                <a:ea typeface="方正正黑简体" pitchFamily="2" charset="-122"/>
-              </a:defRPr>
-            </a:lvl3pPr>
-            <a:lvl4pPr marL="1600200" indent="-228600">
-              <a:defRPr sz="1300">
-                <a:solidFill>
-                  <a:schemeClr val="tx1"/>
-                </a:solidFill>
-                <a:latin typeface="方正正黑简体" pitchFamily="2" charset="-122"/>
-                <a:ea typeface="方正正黑简体" pitchFamily="2" charset="-122"/>
-              </a:defRPr>
-            </a:lvl4pPr>
-            <a:lvl5pPr marL="2057400" indent="-228600">
-              <a:defRPr sz="1300">
-                <a:solidFill>
-                  <a:schemeClr val="tx1"/>
-                </a:solidFill>
-                <a:latin typeface="方正正黑简体" pitchFamily="2" charset="-122"/>
-                <a:ea typeface="方正正黑简体" pitchFamily="2" charset="-122"/>
-              </a:defRPr>
-            </a:lvl5pPr>
-            <a:lvl6pPr marL="2514600" indent="-228600" defTabSz="685800" fontAlgn="base">
-              <a:spcBef>
-                <a:spcPct val="0"/>
-              </a:spcBef>
-              <a:spcAft>
-                <a:spcPct val="0"/>
-              </a:spcAft>
-              <a:defRPr sz="1300">
-                <a:solidFill>
-                  <a:schemeClr val="tx1"/>
-                </a:solidFill>
-                <a:latin typeface="方正正黑简体" pitchFamily="2" charset="-122"/>
-                <a:ea typeface="方正正黑简体" pitchFamily="2" charset="-122"/>
-              </a:defRPr>
-            </a:lvl6pPr>
-            <a:lvl7pPr marL="2971800" indent="-228600" defTabSz="685800" fontAlgn="base">
-              <a:spcBef>
-                <a:spcPct val="0"/>
-              </a:spcBef>
-              <a:spcAft>
-                <a:spcPct val="0"/>
-              </a:spcAft>
-              <a:defRPr sz="1300">
-                <a:solidFill>
-                  <a:schemeClr val="tx1"/>
-                </a:solidFill>
-                <a:latin typeface="方正正黑简体" pitchFamily="2" charset="-122"/>
-                <a:ea typeface="方正正黑简体" pitchFamily="2" charset="-122"/>
-              </a:defRPr>
-            </a:lvl7pPr>
-            <a:lvl8pPr marL="3429000" indent="-228600" defTabSz="685800" fontAlgn="base">
-              <a:spcBef>
-                <a:spcPct val="0"/>
-              </a:spcBef>
-              <a:spcAft>
-                <a:spcPct val="0"/>
-              </a:spcAft>
-              <a:defRPr sz="1300">
-                <a:solidFill>
-                  <a:schemeClr val="tx1"/>
-                </a:solidFill>
-                <a:latin typeface="方正正黑简体" pitchFamily="2" charset="-122"/>
-                <a:ea typeface="方正正黑简体" pitchFamily="2" charset="-122"/>
-              </a:defRPr>
-            </a:lvl8pPr>
-            <a:lvl9pPr marL="3886200" indent="-228600" defTabSz="685800" fontAlgn="base">
-              <a:spcBef>
-                <a:spcPct val="0"/>
-              </a:spcBef>
-              <a:spcAft>
-                <a:spcPct val="0"/>
-              </a:spcAft>
-              <a:defRPr sz="1300">
-                <a:solidFill>
-                  <a:schemeClr val="tx1"/>
-                </a:solidFill>
-                <a:latin typeface="方正正黑简体" pitchFamily="2" charset="-122"/>
-                <a:ea typeface="方正正黑简体" pitchFamily="2" charset="-122"/>
-              </a:defRPr>
-            </a:lvl9pPr>
-          </a:lstStyle>
-          <a:p>
-            <a:pPr algn="ctr"/>
-            <a:r>
-              <a:rPr lang="zh-CN" altLang="en-US" sz="2800" b="1" kern="100">
-                <a:solidFill>
-                  <a:schemeClr val="tx1">
-                    <a:lumMod val="50000"/>
-                    <a:lumOff val="50000"/>
-                  </a:schemeClr>
-                </a:solidFill>
-                <a:latin typeface="方正兰亭超细黑简体" panose="02000000000000000000" pitchFamily="2" charset="-122"/>
-                <a:ea typeface="方正兰亭超细黑简体" panose="02000000000000000000" pitchFamily="2" charset="-122"/>
-                <a:cs typeface="Times New Roman" panose="02020603050405020304" pitchFamily="18" charset="0"/>
-              </a:rPr>
-              <a:t>数据库设计</a:t>
-            </a:r>
-            <a:endParaRPr lang="zh-CN" altLang="en-US" sz="2800" b="1" dirty="0">
-              <a:solidFill>
-                <a:srgbClr val="093B5C"/>
-              </a:solidFill>
-              <a:latin typeface="方正兰亭超细黑简体" panose="02000000000000000000" pitchFamily="2" charset="-122"/>
-              <a:ea typeface="方正兰亭超细黑简体" panose="02000000000000000000" pitchFamily="2" charset="-122"/>
-            </a:endParaRPr>
-          </a:p>
-        </p:txBody>
-      </p:sp>
-      <p:sp>
-        <p:nvSpPr>
-          <p:cNvPr id="26" name="文本框 12"/>
-          <p:cNvSpPr txBox="1">
-            <a:spLocks noChangeArrowheads="1"/>
-          </p:cNvSpPr>
-          <p:nvPr/>
-        </p:nvSpPr>
-        <p:spPr bwMode="auto">
-          <a:xfrm>
-            <a:off x="4824028" y="2270428"/>
-            <a:ext cx="1007297" cy="1454244"/>
-          </a:xfrm>
-          <a:prstGeom prst="rect">
-            <a:avLst/>
-          </a:prstGeom>
-          <a:noFill/>
-          <a:ln>
-            <a:noFill/>
-          </a:ln>
-          <a:extLst>
-            <a:ext uri="{909E8E84-426E-40DD-AFC4-6F175D3DCCD1}">
-              <a14:hiddenFill xmlns:a14="http://schemas.microsoft.com/office/drawing/2010/main">
-                <a:solidFill>
-                  <a:srgbClr val="FFFFFF"/>
-                </a:solidFill>
-              </a14:hiddenFill>
-            </a:ext>
-            <a:ext uri="{91240B29-F687-4F45-9708-019B960494DF}">
-              <a14:hiddenLine xmlns:a14="http://schemas.microsoft.com/office/drawing/2010/main" w="9525">
-                <a:solidFill>
-                  <a:srgbClr val="000000"/>
-                </a:solidFill>
-                <a:miter lim="800000"/>
-                <a:headEnd/>
-                <a:tailEnd/>
-              </a14:hiddenLine>
-            </a:ext>
-          </a:extLst>
-        </p:spPr>
-        <p:txBody>
-          <a:bodyPr wrap="square" lIns="68580" tIns="34290" rIns="68580" bIns="34290">
-            <a:spAutoFit/>
-          </a:bodyPr>
-          <a:lstStyle>
-            <a:lvl1pPr>
-              <a:defRPr sz="1300">
-                <a:solidFill>
-                  <a:schemeClr val="tx1"/>
-                </a:solidFill>
-                <a:latin typeface="方正正黑简体" pitchFamily="2" charset="-122"/>
-                <a:ea typeface="方正正黑简体" pitchFamily="2" charset="-122"/>
-              </a:defRPr>
-            </a:lvl1pPr>
-            <a:lvl2pPr marL="742950" indent="-285750">
-              <a:defRPr sz="1300">
-                <a:solidFill>
-                  <a:schemeClr val="tx1"/>
-                </a:solidFill>
-                <a:latin typeface="方正正黑简体" pitchFamily="2" charset="-122"/>
-                <a:ea typeface="方正正黑简体" pitchFamily="2" charset="-122"/>
-              </a:defRPr>
-            </a:lvl2pPr>
-            <a:lvl3pPr marL="1143000" indent="-228600">
-              <a:defRPr sz="1300">
-                <a:solidFill>
-                  <a:schemeClr val="tx1"/>
-                </a:solidFill>
-                <a:latin typeface="方正正黑简体" pitchFamily="2" charset="-122"/>
-                <a:ea typeface="方正正黑简体" pitchFamily="2" charset="-122"/>
-              </a:defRPr>
-            </a:lvl3pPr>
-            <a:lvl4pPr marL="1600200" indent="-228600">
-              <a:defRPr sz="1300">
-                <a:solidFill>
-                  <a:schemeClr val="tx1"/>
-                </a:solidFill>
-                <a:latin typeface="方正正黑简体" pitchFamily="2" charset="-122"/>
-                <a:ea typeface="方正正黑简体" pitchFamily="2" charset="-122"/>
-              </a:defRPr>
-            </a:lvl4pPr>
-            <a:lvl5pPr marL="2057400" indent="-228600">
-              <a:defRPr sz="1300">
-                <a:solidFill>
-                  <a:schemeClr val="tx1"/>
-                </a:solidFill>
-                <a:latin typeface="方正正黑简体" pitchFamily="2" charset="-122"/>
-                <a:ea typeface="方正正黑简体" pitchFamily="2" charset="-122"/>
-              </a:defRPr>
-            </a:lvl5pPr>
-            <a:lvl6pPr marL="2514600" indent="-228600" defTabSz="685800" fontAlgn="base">
-              <a:spcBef>
-                <a:spcPct val="0"/>
-              </a:spcBef>
-              <a:spcAft>
-                <a:spcPct val="0"/>
-              </a:spcAft>
-              <a:defRPr sz="1300">
-                <a:solidFill>
-                  <a:schemeClr val="tx1"/>
-                </a:solidFill>
-                <a:latin typeface="方正正黑简体" pitchFamily="2" charset="-122"/>
-                <a:ea typeface="方正正黑简体" pitchFamily="2" charset="-122"/>
-              </a:defRPr>
-            </a:lvl6pPr>
-            <a:lvl7pPr marL="2971800" indent="-228600" defTabSz="685800" fontAlgn="base">
-              <a:spcBef>
-                <a:spcPct val="0"/>
-              </a:spcBef>
-              <a:spcAft>
-                <a:spcPct val="0"/>
-              </a:spcAft>
-              <a:defRPr sz="1300">
-                <a:solidFill>
-                  <a:schemeClr val="tx1"/>
-                </a:solidFill>
-                <a:latin typeface="方正正黑简体" pitchFamily="2" charset="-122"/>
-                <a:ea typeface="方正正黑简体" pitchFamily="2" charset="-122"/>
-              </a:defRPr>
-            </a:lvl7pPr>
-            <a:lvl8pPr marL="3429000" indent="-228600" defTabSz="685800" fontAlgn="base">
-              <a:spcBef>
-                <a:spcPct val="0"/>
-              </a:spcBef>
-              <a:spcAft>
-                <a:spcPct val="0"/>
-              </a:spcAft>
-              <a:defRPr sz="1300">
-                <a:solidFill>
-                  <a:schemeClr val="tx1"/>
-                </a:solidFill>
-                <a:latin typeface="方正正黑简体" pitchFamily="2" charset="-122"/>
-                <a:ea typeface="方正正黑简体" pitchFamily="2" charset="-122"/>
-              </a:defRPr>
-            </a:lvl8pPr>
-            <a:lvl9pPr marL="3886200" indent="-228600" defTabSz="685800" fontAlgn="base">
-              <a:spcBef>
-                <a:spcPct val="0"/>
-              </a:spcBef>
-              <a:spcAft>
-                <a:spcPct val="0"/>
-              </a:spcAft>
-              <a:defRPr sz="1300">
-                <a:solidFill>
-                  <a:schemeClr val="tx1"/>
-                </a:solidFill>
-                <a:latin typeface="方正正黑简体" pitchFamily="2" charset="-122"/>
-                <a:ea typeface="方正正黑简体" pitchFamily="2" charset="-122"/>
-              </a:defRPr>
-            </a:lvl9pPr>
-          </a:lstStyle>
-          <a:p>
-            <a:pPr algn="ctr"/>
-            <a:r>
-              <a:rPr lang="en-US" altLang="zh-CN" sz="9000" dirty="0">
-                <a:solidFill>
-                  <a:schemeClr val="tx1">
-                    <a:lumMod val="50000"/>
-                    <a:lumOff val="50000"/>
-                  </a:schemeClr>
-                </a:solidFill>
-                <a:latin typeface="AgencyFB" panose="02000806040000020003" pitchFamily="2" charset="0"/>
-                <a:ea typeface="微软雅黑" panose="020B0503020204020204" pitchFamily="34" charset="-122"/>
-              </a:rPr>
-              <a:t>3</a:t>
-            </a:r>
-            <a:endParaRPr lang="zh-CN" altLang="en-US" sz="9000" dirty="0">
-              <a:solidFill>
-                <a:schemeClr val="tx1">
-                  <a:lumMod val="50000"/>
-                  <a:lumOff val="50000"/>
-                </a:schemeClr>
-              </a:solidFill>
-              <a:latin typeface="AgencyFB" panose="02000806040000020003" pitchFamily="2" charset="0"/>
-              <a:ea typeface="微软雅黑" panose="020B0503020204020204" pitchFamily="34" charset="-122"/>
-            </a:endParaRPr>
-          </a:p>
-        </p:txBody>
-      </p:sp>
-      <p:sp>
-        <p:nvSpPr>
-          <p:cNvPr id="16" name="文本框 14"/>
-          <p:cNvSpPr txBox="1">
-            <a:spLocks noChangeArrowheads="1"/>
-          </p:cNvSpPr>
-          <p:nvPr/>
-        </p:nvSpPr>
-        <p:spPr bwMode="auto">
-          <a:xfrm>
-            <a:off x="3959932" y="2680556"/>
-            <a:ext cx="1378848" cy="284693"/>
-          </a:xfrm>
-          <a:prstGeom prst="rect">
-            <a:avLst/>
-          </a:prstGeom>
-          <a:noFill/>
-          <a:ln>
-            <a:noFill/>
-          </a:ln>
-          <a:extLst>
-            <a:ext uri="{909E8E84-426E-40DD-AFC4-6F175D3DCCD1}">
-              <a14:hiddenFill xmlns:a14="http://schemas.microsoft.com/office/drawing/2010/main">
-                <a:solidFill>
-                  <a:srgbClr val="FFFFFF"/>
-                </a:solidFill>
-              </a14:hiddenFill>
-            </a:ext>
-            <a:ext uri="{91240B29-F687-4F45-9708-019B960494DF}">
-              <a14:hiddenLine xmlns:a14="http://schemas.microsoft.com/office/drawing/2010/main" w="9525">
-                <a:solidFill>
-                  <a:srgbClr val="000000"/>
-                </a:solidFill>
-                <a:miter lim="800000"/>
-                <a:headEnd/>
-                <a:tailEnd/>
-              </a14:hiddenLine>
-            </a:ext>
-          </a:extLst>
-        </p:spPr>
-        <p:txBody>
-          <a:bodyPr wrap="square" lIns="68580" tIns="34290" rIns="68580" bIns="34290">
-            <a:spAutoFit/>
-          </a:bodyPr>
-          <a:lstStyle>
-            <a:lvl1pPr>
-              <a:defRPr sz="1300">
-                <a:solidFill>
-                  <a:schemeClr val="tx1"/>
-                </a:solidFill>
-                <a:latin typeface="方正正黑简体" pitchFamily="2" charset="-122"/>
-                <a:ea typeface="方正正黑简体" pitchFamily="2" charset="-122"/>
-              </a:defRPr>
-            </a:lvl1pPr>
-            <a:lvl2pPr marL="742950" indent="-285750">
-              <a:defRPr sz="1300">
-                <a:solidFill>
-                  <a:schemeClr val="tx1"/>
-                </a:solidFill>
-                <a:latin typeface="方正正黑简体" pitchFamily="2" charset="-122"/>
-                <a:ea typeface="方正正黑简体" pitchFamily="2" charset="-122"/>
-              </a:defRPr>
-            </a:lvl2pPr>
-            <a:lvl3pPr marL="1143000" indent="-228600">
-              <a:defRPr sz="1300">
-                <a:solidFill>
-                  <a:schemeClr val="tx1"/>
-                </a:solidFill>
-                <a:latin typeface="方正正黑简体" pitchFamily="2" charset="-122"/>
-                <a:ea typeface="方正正黑简体" pitchFamily="2" charset="-122"/>
-              </a:defRPr>
-            </a:lvl3pPr>
-            <a:lvl4pPr marL="1600200" indent="-228600">
-              <a:defRPr sz="1300">
-                <a:solidFill>
-                  <a:schemeClr val="tx1"/>
-                </a:solidFill>
-                <a:latin typeface="方正正黑简体" pitchFamily="2" charset="-122"/>
-                <a:ea typeface="方正正黑简体" pitchFamily="2" charset="-122"/>
-              </a:defRPr>
-            </a:lvl4pPr>
-            <a:lvl5pPr marL="2057400" indent="-228600">
-              <a:defRPr sz="1300">
-                <a:solidFill>
-                  <a:schemeClr val="tx1"/>
-                </a:solidFill>
-                <a:latin typeface="方正正黑简体" pitchFamily="2" charset="-122"/>
-                <a:ea typeface="方正正黑简体" pitchFamily="2" charset="-122"/>
-              </a:defRPr>
-            </a:lvl5pPr>
-            <a:lvl6pPr marL="2514600" indent="-228600" defTabSz="685800" fontAlgn="base">
-              <a:spcBef>
-                <a:spcPct val="0"/>
-              </a:spcBef>
-              <a:spcAft>
-                <a:spcPct val="0"/>
-              </a:spcAft>
-              <a:defRPr sz="1300">
-                <a:solidFill>
-                  <a:schemeClr val="tx1"/>
-                </a:solidFill>
-                <a:latin typeface="方正正黑简体" pitchFamily="2" charset="-122"/>
-                <a:ea typeface="方正正黑简体" pitchFamily="2" charset="-122"/>
-              </a:defRPr>
-            </a:lvl6pPr>
-            <a:lvl7pPr marL="2971800" indent="-228600" defTabSz="685800" fontAlgn="base">
-              <a:spcBef>
-                <a:spcPct val="0"/>
-              </a:spcBef>
-              <a:spcAft>
-                <a:spcPct val="0"/>
-              </a:spcAft>
-              <a:defRPr sz="1300">
-                <a:solidFill>
-                  <a:schemeClr val="tx1"/>
-                </a:solidFill>
-                <a:latin typeface="方正正黑简体" pitchFamily="2" charset="-122"/>
-                <a:ea typeface="方正正黑简体" pitchFamily="2" charset="-122"/>
-              </a:defRPr>
-            </a:lvl7pPr>
-            <a:lvl8pPr marL="3429000" indent="-228600" defTabSz="685800" fontAlgn="base">
-              <a:spcBef>
-                <a:spcPct val="0"/>
-              </a:spcBef>
-              <a:spcAft>
-                <a:spcPct val="0"/>
-              </a:spcAft>
-              <a:defRPr sz="1300">
-                <a:solidFill>
-                  <a:schemeClr val="tx1"/>
-                </a:solidFill>
-                <a:latin typeface="方正正黑简体" pitchFamily="2" charset="-122"/>
-                <a:ea typeface="方正正黑简体" pitchFamily="2" charset="-122"/>
-              </a:defRPr>
-            </a:lvl8pPr>
-            <a:lvl9pPr marL="3886200" indent="-228600" defTabSz="685800" fontAlgn="base">
-              <a:spcBef>
-                <a:spcPct val="0"/>
-              </a:spcBef>
-              <a:spcAft>
-                <a:spcPct val="0"/>
-              </a:spcAft>
-              <a:defRPr sz="1300">
-                <a:solidFill>
-                  <a:schemeClr val="tx1"/>
-                </a:solidFill>
-                <a:latin typeface="方正正黑简体" pitchFamily="2" charset="-122"/>
-                <a:ea typeface="方正正黑简体" pitchFamily="2" charset="-122"/>
-              </a:defRPr>
-            </a:lvl9pPr>
-          </a:lstStyle>
-          <a:p>
-            <a:pPr algn="ctr" eaLnBrk="1" hangingPunct="1"/>
-            <a:r>
-              <a:rPr lang="en-US" altLang="zh-CN" sz="1400" dirty="0">
-                <a:solidFill>
-                  <a:schemeClr val="tx1">
-                    <a:lumMod val="50000"/>
-                    <a:lumOff val="50000"/>
-                  </a:schemeClr>
-                </a:solidFill>
-                <a:latin typeface="微软雅黑" panose="020B0503020204020204" pitchFamily="34" charset="-122"/>
-                <a:ea typeface="微软雅黑" panose="020B0503020204020204" pitchFamily="34" charset="-122"/>
-              </a:rPr>
-              <a:t>PART ONE</a:t>
-            </a:r>
-            <a:endParaRPr lang="zh-CN" altLang="en-US" sz="1400" dirty="0">
-              <a:solidFill>
-                <a:schemeClr val="tx1">
-                  <a:lumMod val="50000"/>
-                  <a:lumOff val="50000"/>
-                </a:schemeClr>
-              </a:solidFill>
-              <a:latin typeface="微软雅黑" panose="020B0503020204020204" pitchFamily="34" charset="-122"/>
-              <a:ea typeface="微软雅黑" panose="020B0503020204020204" pitchFamily="34" charset="-122"/>
-            </a:endParaRPr>
-          </a:p>
-        </p:txBody>
-      </p:sp>
-      <p:pic>
-        <p:nvPicPr>
-          <p:cNvPr id="9" name="图片 8"/>
-          <p:cNvPicPr>
-            <a:picLocks noChangeAspect="1"/>
-          </p:cNvPicPr>
-          <p:nvPr/>
-        </p:nvPicPr>
-        <p:blipFill>
-          <a:blip r:embed="rId4" cstate="screen">
-            <a:extLst>
-              <a:ext uri="{28A0092B-C50C-407E-A947-70E740481C1C}">
-                <a14:useLocalDpi xmlns:a14="http://schemas.microsoft.com/office/drawing/2010/main" val="0"/>
-              </a:ext>
-            </a:extLst>
-          </a:blip>
-          <a:srcRect l="17632" r="49845" b="47264"/>
-          <a:stretch>
-            <a:fillRect/>
-          </a:stretch>
-        </p:blipFill>
-        <p:spPr>
-          <a:xfrm flipH="1">
-            <a:off x="2159732" y="0"/>
-            <a:ext cx="2088232" cy="3040091"/>
-          </a:xfrm>
-          <a:prstGeom prst="rect">
-            <a:avLst/>
-          </a:prstGeom>
-        </p:spPr>
-      </p:pic>
-      <p:sp>
-        <p:nvSpPr>
-          <p:cNvPr id="10" name="PA_半闭框 7"/>
-          <p:cNvSpPr/>
-          <p:nvPr>
-            <p:custDataLst>
-              <p:tags r:id="rId1"/>
-            </p:custDataLst>
-          </p:nvPr>
-        </p:nvSpPr>
-        <p:spPr>
-          <a:xfrm flipH="1">
-            <a:off x="4463987" y="2320516"/>
-            <a:ext cx="1296144" cy="720080"/>
-          </a:xfrm>
-          <a:prstGeom prst="halfFrame">
-            <a:avLst>
-              <a:gd name="adj1" fmla="val 889"/>
-              <a:gd name="adj2" fmla="val 1333"/>
-            </a:avLst>
-          </a:prstGeom>
           <a:solidFill>
-            <a:srgbClr val="65686F"/>
+            <a:schemeClr val="accent1"/>
           </a:solidFill>
           <a:ln>
             <a:noFill/>
@@ -13677,19 +16013,472 @@
           </a:fontRef>
         </p:style>
         <p:txBody>
-          <a:bodyPr rtlCol="0" anchor="ctr"/>
+          <a:bodyPr lIns="68584" tIns="34292" rIns="68584" bIns="34292" rtlCol="0" anchor="ctr"/>
           <a:lstStyle/>
           <a:p>
-            <a:pPr algn="ctr"/>
-            <a:endParaRPr lang="zh-CN" altLang="en-US">
+            <a:pPr marL="0" marR="0" lvl="0" indent="0" algn="ctr" defTabSz="685165" rtl="0" eaLnBrk="1" fontAlgn="auto" latinLnBrk="0" hangingPunct="1">
+              <a:lnSpc>
+                <a:spcPct val="100000"/>
+              </a:lnSpc>
+              <a:spcBef>
+                <a:spcPts val="0"/>
+              </a:spcBef>
+              <a:spcAft>
+                <a:spcPts val="0"/>
+              </a:spcAft>
+              <a:buClrTx/>
+              <a:buSzTx/>
+              <a:buFontTx/>
+              <a:buNone/>
+              <a:defRPr/>
+            </a:pPr>
+            <a:endParaRPr kumimoji="0" lang="zh-CN" altLang="en-US" sz="1400" b="0" i="0" u="none" strike="noStrike" kern="1200" cap="none" spc="0" normalizeH="0" baseline="0" noProof="0" dirty="0">
+              <a:ln>
+                <a:noFill/>
+              </a:ln>
               <a:solidFill>
-                <a:schemeClr val="tx1"/>
+                <a:srgbClr val="E7E6E6">
+                  <a:lumMod val="50000"/>
+                </a:srgbClr>
+              </a:solidFill>
+              <a:effectLst/>
+              <a:uLnTx/>
+              <a:uFillTx/>
+              <a:latin typeface="Calibri" panose="020F0502020204030204"/>
+              <a:ea typeface="宋体" panose="02010600030101010101" pitchFamily="2" charset="-122"/>
+              <a:cs typeface="+mn-ea"/>
+              <a:sym typeface="+mn-lt"/>
+            </a:endParaRPr>
+          </a:p>
+        </p:txBody>
+      </p:sp>
+      <p:sp>
+        <p:nvSpPr>
+          <p:cNvPr id="7" name="文本框 6"/>
+          <p:cNvSpPr txBox="1"/>
+          <p:nvPr/>
+        </p:nvSpPr>
+        <p:spPr>
+          <a:xfrm>
+            <a:off x="251520" y="204373"/>
+            <a:ext cx="3672408" cy="461665"/>
+          </a:xfrm>
+          <a:prstGeom prst="rect">
+            <a:avLst/>
+          </a:prstGeom>
+          <a:noFill/>
+        </p:spPr>
+        <p:txBody>
+          <a:bodyPr wrap="square">
+            <a:spAutoFit/>
+          </a:bodyPr>
+          <a:lstStyle/>
+          <a:p>
+            <a:pPr marL="0" marR="0" lvl="0" indent="0" algn="l" defTabSz="914400" rtl="0" eaLnBrk="1" fontAlgn="auto" latinLnBrk="0" hangingPunct="1">
+              <a:lnSpc>
+                <a:spcPct val="100000"/>
+              </a:lnSpc>
+              <a:spcBef>
+                <a:spcPts val="0"/>
+              </a:spcBef>
+              <a:spcAft>
+                <a:spcPts val="0"/>
+              </a:spcAft>
+              <a:buClrTx/>
+              <a:buSzTx/>
+              <a:buFontTx/>
+              <a:buNone/>
+              <a:defRPr/>
+            </a:pPr>
+            <a:r>
+              <a:rPr kumimoji="0" lang="zh-CN" altLang="en-US" sz="2400" b="1" i="0" u="none" strike="noStrike" kern="100" cap="none" spc="0" normalizeH="0" baseline="0" noProof="0" dirty="0">
+                <a:ln>
+                  <a:noFill/>
+                </a:ln>
+                <a:solidFill>
+                  <a:prstClr val="black">
+                    <a:lumMod val="50000"/>
+                    <a:lumOff val="50000"/>
+                  </a:prstClr>
+                </a:solidFill>
+                <a:effectLst/>
+                <a:uLnTx/>
+                <a:uFillTx/>
+                <a:latin typeface="方正兰亭超细黑简体" panose="02000000000000000000" pitchFamily="2" charset="-122"/>
+                <a:ea typeface="方正兰亭超细黑简体" panose="02000000000000000000" pitchFamily="2" charset="-122"/>
+                <a:cs typeface="Times New Roman" panose="02020603050405020304" pitchFamily="18" charset="0"/>
+              </a:rPr>
+              <a:t>系统展示</a:t>
+            </a:r>
+            <a:r>
+              <a:rPr kumimoji="0" lang="en-US" altLang="zh-CN" sz="2400" b="1" i="0" u="none" strike="noStrike" kern="100" cap="none" spc="0" normalizeH="0" baseline="0" noProof="0" dirty="0">
+                <a:ln>
+                  <a:noFill/>
+                </a:ln>
+                <a:solidFill>
+                  <a:prstClr val="black">
+                    <a:lumMod val="50000"/>
+                    <a:lumOff val="50000"/>
+                  </a:prstClr>
+                </a:solidFill>
+                <a:effectLst/>
+                <a:uLnTx/>
+                <a:uFillTx/>
+                <a:latin typeface="方正兰亭超细黑简体" panose="02000000000000000000" pitchFamily="2" charset="-122"/>
+                <a:ea typeface="方正兰亭超细黑简体" panose="02000000000000000000" pitchFamily="2" charset="-122"/>
+                <a:cs typeface="Times New Roman" panose="02020603050405020304" pitchFamily="18" charset="0"/>
+              </a:rPr>
+              <a:t>——</a:t>
+            </a:r>
+            <a:r>
+              <a:rPr kumimoji="0" lang="zh-CN" altLang="en-US" sz="2400" b="1" i="0" u="none" strike="noStrike" kern="100" cap="none" spc="0" normalizeH="0" baseline="0" noProof="0" dirty="0">
+                <a:ln>
+                  <a:noFill/>
+                </a:ln>
+                <a:solidFill>
+                  <a:prstClr val="black">
+                    <a:lumMod val="50000"/>
+                    <a:lumOff val="50000"/>
+                  </a:prstClr>
+                </a:solidFill>
+                <a:effectLst/>
+                <a:uLnTx/>
+                <a:uFillTx/>
+                <a:latin typeface="方正兰亭超细黑简体" panose="02000000000000000000" pitchFamily="2" charset="-122"/>
+                <a:ea typeface="方正兰亭超细黑简体" panose="02000000000000000000" pitchFamily="2" charset="-122"/>
+                <a:cs typeface="Times New Roman" panose="02020603050405020304" pitchFamily="18" charset="0"/>
+              </a:rPr>
+              <a:t>出售商品</a:t>
+            </a:r>
+            <a:endParaRPr kumimoji="0" lang="zh-CN" altLang="en-US" sz="2400" b="1" i="0" u="none" strike="noStrike" kern="1200" cap="none" spc="0" normalizeH="0" baseline="0" noProof="0" dirty="0">
+              <a:ln>
+                <a:noFill/>
+              </a:ln>
+              <a:solidFill>
+                <a:srgbClr val="093B5C"/>
+              </a:solidFill>
+              <a:effectLst/>
+              <a:uLnTx/>
+              <a:uFillTx/>
+              <a:latin typeface="方正兰亭超细黑简体" panose="02000000000000000000" pitchFamily="2" charset="-122"/>
+              <a:ea typeface="方正兰亭超细黑简体" panose="02000000000000000000" pitchFamily="2" charset="-122"/>
+              <a:cs typeface="+mn-cs"/>
+            </a:endParaRPr>
+          </a:p>
+        </p:txBody>
+      </p:sp>
+      <p:sp>
+        <p:nvSpPr>
+          <p:cNvPr id="24" name="文本框 23">
+            <a:extLst>
+              <a:ext uri="{FF2B5EF4-FFF2-40B4-BE49-F238E27FC236}">
+                <a16:creationId xmlns:a16="http://schemas.microsoft.com/office/drawing/2014/main" id="{702BA6F8-37B6-8196-8973-5E506078FC20}"/>
+              </a:ext>
+            </a:extLst>
+          </p:cNvPr>
+          <p:cNvSpPr txBox="1"/>
+          <p:nvPr/>
+        </p:nvSpPr>
+        <p:spPr>
+          <a:xfrm>
+            <a:off x="7567206" y="1024372"/>
+            <a:ext cx="1872208" cy="400110"/>
+          </a:xfrm>
+          <a:prstGeom prst="rect">
+            <a:avLst/>
+          </a:prstGeom>
+          <a:noFill/>
+        </p:spPr>
+        <p:txBody>
+          <a:bodyPr wrap="square" rtlCol="0">
+            <a:spAutoFit/>
+          </a:bodyPr>
+          <a:lstStyle/>
+          <a:p>
+            <a:pPr marL="342900" indent="-342900" algn="just">
+              <a:buClr>
+                <a:srgbClr val="9BAFB5"/>
+              </a:buClr>
+              <a:buFont typeface="Arial" panose="020B0604020202020204" pitchFamily="34" charset="0"/>
+              <a:buChar char="•"/>
+              <a:defRPr/>
+            </a:pPr>
+            <a:r>
+              <a:rPr lang="zh-CN" altLang="en-US" sz="2000" b="1" dirty="0">
+                <a:solidFill>
+                  <a:srgbClr val="AEAEAE"/>
+                </a:solidFill>
+                <a:latin typeface="Gill Sans MT" panose="020B0502020104020203"/>
+                <a:ea typeface="方正兰亭超细黑简体" panose="02000000000000000000"/>
+              </a:rPr>
+              <a:t>修改库存</a:t>
+            </a:r>
+            <a:endParaRPr lang="zh-CN" altLang="en-US" sz="2000" b="1" dirty="0">
+              <a:solidFill>
+                <a:srgbClr val="AEAEAE"/>
               </a:solidFill>
             </a:endParaRPr>
           </a:p>
         </p:txBody>
       </p:sp>
+      <p:sp>
+        <p:nvSpPr>
+          <p:cNvPr id="26" name="文本框 25">
+            <a:extLst>
+              <a:ext uri="{FF2B5EF4-FFF2-40B4-BE49-F238E27FC236}">
+                <a16:creationId xmlns:a16="http://schemas.microsoft.com/office/drawing/2014/main" id="{45C5665A-708E-7BC2-8E57-D82038752E72}"/>
+              </a:ext>
+            </a:extLst>
+          </p:cNvPr>
+          <p:cNvSpPr txBox="1"/>
+          <p:nvPr/>
+        </p:nvSpPr>
+        <p:spPr>
+          <a:xfrm>
+            <a:off x="611560" y="4409106"/>
+            <a:ext cx="1872208" cy="400110"/>
+          </a:xfrm>
+          <a:prstGeom prst="rect">
+            <a:avLst/>
+          </a:prstGeom>
+          <a:noFill/>
+        </p:spPr>
+        <p:txBody>
+          <a:bodyPr wrap="square" rtlCol="0">
+            <a:spAutoFit/>
+          </a:bodyPr>
+          <a:lstStyle/>
+          <a:p>
+            <a:pPr algn="just">
+              <a:buClr>
+                <a:srgbClr val="9BAFB5"/>
+              </a:buClr>
+              <a:defRPr/>
+            </a:pPr>
+            <a:r>
+              <a:rPr lang="zh-CN" altLang="en-US" sz="2000" b="1" dirty="0">
+                <a:solidFill>
+                  <a:srgbClr val="AEAEAE"/>
+                </a:solidFill>
+                <a:ea typeface="方正兰亭超细黑简体" panose="02000000000000000000"/>
+              </a:rPr>
+              <a:t>发售新产品</a:t>
+            </a:r>
+          </a:p>
+        </p:txBody>
+      </p:sp>
+      <p:sp>
+        <p:nvSpPr>
+          <p:cNvPr id="28" name="文本框 27">
+            <a:extLst>
+              <a:ext uri="{FF2B5EF4-FFF2-40B4-BE49-F238E27FC236}">
+                <a16:creationId xmlns:a16="http://schemas.microsoft.com/office/drawing/2014/main" id="{367D9D8C-FF30-AA75-4493-0DB4ED80D43E}"/>
+              </a:ext>
+            </a:extLst>
+          </p:cNvPr>
+          <p:cNvSpPr txBox="1"/>
+          <p:nvPr/>
+        </p:nvSpPr>
+        <p:spPr>
+          <a:xfrm>
+            <a:off x="4242781" y="4444512"/>
+            <a:ext cx="2430016" cy="369332"/>
+          </a:xfrm>
+          <a:prstGeom prst="rect">
+            <a:avLst/>
+          </a:prstGeom>
+          <a:noFill/>
+        </p:spPr>
+        <p:txBody>
+          <a:bodyPr wrap="square">
+            <a:spAutoFit/>
+          </a:bodyPr>
+          <a:lstStyle/>
+          <a:p>
+            <a:pPr algn="just">
+              <a:buClr>
+                <a:srgbClr val="9BAFB5"/>
+              </a:buClr>
+              <a:defRPr/>
+            </a:pPr>
+            <a:r>
+              <a:rPr lang="zh-CN" altLang="en-US" sz="1800" b="1" dirty="0">
+                <a:solidFill>
+                  <a:srgbClr val="AEAEAE"/>
+                </a:solidFill>
+                <a:ea typeface="方正兰亭超细黑简体" panose="02000000000000000000"/>
+              </a:rPr>
+              <a:t>待售列表管理</a:t>
+            </a:r>
+          </a:p>
+        </p:txBody>
+      </p:sp>
+      <p:pic>
+        <p:nvPicPr>
+          <p:cNvPr id="3" name="图片 2">
+            <a:extLst>
+              <a:ext uri="{FF2B5EF4-FFF2-40B4-BE49-F238E27FC236}">
+                <a16:creationId xmlns:a16="http://schemas.microsoft.com/office/drawing/2014/main" id="{E0085BAF-BDA4-9E88-D78D-D6C4DC4B131F}"/>
+              </a:ext>
+            </a:extLst>
+          </p:cNvPr>
+          <p:cNvPicPr>
+            <a:picLocks noChangeAspect="1"/>
+          </p:cNvPicPr>
+          <p:nvPr/>
+        </p:nvPicPr>
+        <p:blipFill>
+          <a:blip r:embed="rId3"/>
+          <a:stretch>
+            <a:fillRect/>
+          </a:stretch>
+        </p:blipFill>
+        <p:spPr>
+          <a:xfrm>
+            <a:off x="144302" y="861526"/>
+            <a:ext cx="7411895" cy="3387498"/>
+          </a:xfrm>
+          <a:prstGeom prst="rect">
+            <a:avLst/>
+          </a:prstGeom>
+        </p:spPr>
+      </p:pic>
+      <p:cxnSp>
+        <p:nvCxnSpPr>
+          <p:cNvPr id="5" name="直接连接符 4">
+            <a:extLst>
+              <a:ext uri="{FF2B5EF4-FFF2-40B4-BE49-F238E27FC236}">
+                <a16:creationId xmlns:a16="http://schemas.microsoft.com/office/drawing/2014/main" id="{3F6E063D-96D7-69B4-96D5-F0DDC013E306}"/>
+              </a:ext>
+            </a:extLst>
+          </p:cNvPr>
+          <p:cNvCxnSpPr>
+            <a:endCxn id="24" idx="1"/>
+          </p:cNvCxnSpPr>
+          <p:nvPr/>
+        </p:nvCxnSpPr>
+        <p:spPr>
+          <a:xfrm flipV="1">
+            <a:off x="5778388" y="1224427"/>
+            <a:ext cx="1788818" cy="736049"/>
+          </a:xfrm>
+          <a:prstGeom prst="line">
+            <a:avLst/>
+          </a:prstGeom>
+        </p:spPr>
+        <p:style>
+          <a:lnRef idx="1">
+            <a:schemeClr val="accent1"/>
+          </a:lnRef>
+          <a:fillRef idx="0">
+            <a:schemeClr val="accent1"/>
+          </a:fillRef>
+          <a:effectRef idx="0">
+            <a:schemeClr val="accent1"/>
+          </a:effectRef>
+          <a:fontRef idx="minor">
+            <a:schemeClr val="tx1"/>
+          </a:fontRef>
+        </p:style>
+      </p:cxnSp>
+      <p:sp>
+        <p:nvSpPr>
+          <p:cNvPr id="8" name="文本框 7">
+            <a:extLst>
+              <a:ext uri="{FF2B5EF4-FFF2-40B4-BE49-F238E27FC236}">
+                <a16:creationId xmlns:a16="http://schemas.microsoft.com/office/drawing/2014/main" id="{DF2D3988-D02E-E5B4-32CE-22204258E8DD}"/>
+              </a:ext>
+            </a:extLst>
+          </p:cNvPr>
+          <p:cNvSpPr txBox="1"/>
+          <p:nvPr/>
+        </p:nvSpPr>
+        <p:spPr>
+          <a:xfrm>
+            <a:off x="7567206" y="2355220"/>
+            <a:ext cx="1872208" cy="400110"/>
+          </a:xfrm>
+          <a:prstGeom prst="rect">
+            <a:avLst/>
+          </a:prstGeom>
+          <a:noFill/>
+        </p:spPr>
+        <p:txBody>
+          <a:bodyPr wrap="square" rtlCol="0">
+            <a:spAutoFit/>
+          </a:bodyPr>
+          <a:lstStyle/>
+          <a:p>
+            <a:pPr marL="342900" indent="-342900" algn="just">
+              <a:buClr>
+                <a:srgbClr val="9BAFB5"/>
+              </a:buClr>
+              <a:buFont typeface="Arial" panose="020B0604020202020204" pitchFamily="34" charset="0"/>
+              <a:buChar char="•"/>
+              <a:defRPr/>
+            </a:pPr>
+            <a:r>
+              <a:rPr lang="zh-CN" altLang="en-US" sz="2000" b="1" dirty="0">
+                <a:solidFill>
+                  <a:srgbClr val="AEAEAE"/>
+                </a:solidFill>
+                <a:latin typeface="Gill Sans MT" panose="020B0502020104020203"/>
+                <a:ea typeface="方正兰亭超细黑简体" panose="02000000000000000000"/>
+              </a:rPr>
+              <a:t>下架商品</a:t>
+            </a:r>
+            <a:endParaRPr lang="zh-CN" altLang="en-US" sz="2000" b="1" dirty="0">
+              <a:solidFill>
+                <a:srgbClr val="AEAEAE"/>
+              </a:solidFill>
+            </a:endParaRPr>
+          </a:p>
+        </p:txBody>
+      </p:sp>
+      <p:cxnSp>
+        <p:nvCxnSpPr>
+          <p:cNvPr id="10" name="直接连接符 9">
+            <a:extLst>
+              <a:ext uri="{FF2B5EF4-FFF2-40B4-BE49-F238E27FC236}">
+                <a16:creationId xmlns:a16="http://schemas.microsoft.com/office/drawing/2014/main" id="{9776CD32-F8F3-745C-F2B2-6AB0363A4FBE}"/>
+              </a:ext>
+            </a:extLst>
+          </p:cNvPr>
+          <p:cNvCxnSpPr>
+            <a:endCxn id="8" idx="1"/>
+          </p:cNvCxnSpPr>
+          <p:nvPr/>
+        </p:nvCxnSpPr>
+        <p:spPr>
+          <a:xfrm>
+            <a:off x="7128284" y="2160531"/>
+            <a:ext cx="438922" cy="394744"/>
+          </a:xfrm>
+          <a:prstGeom prst="line">
+            <a:avLst/>
+          </a:prstGeom>
+        </p:spPr>
+        <p:style>
+          <a:lnRef idx="1">
+            <a:schemeClr val="accent1"/>
+          </a:lnRef>
+          <a:fillRef idx="0">
+            <a:schemeClr val="accent1"/>
+          </a:fillRef>
+          <a:effectRef idx="0">
+            <a:schemeClr val="accent1"/>
+          </a:effectRef>
+          <a:fontRef idx="minor">
+            <a:schemeClr val="tx1"/>
+          </a:fontRef>
+        </p:style>
+      </p:cxnSp>
     </p:spTree>
+    <p:extLst>
+      <p:ext uri="{BB962C8B-B14F-4D97-AF65-F5344CB8AC3E}">
+        <p14:creationId xmlns:p14="http://schemas.microsoft.com/office/powerpoint/2010/main" val="198304825"/>
+      </p:ext>
+    </p:extLst>
   </p:cSld>
   <p:clrMapOvr>
     <a:masterClrMapping/>
@@ -13697,538 +16486,6 @@
   <p:transition spd="med" advClick="0">
     <p:random/>
   </p:transition>
-  <p:timing>
-    <p:tnLst>
-      <p:par>
-        <p:cTn id="1" dur="indefinite" restart="never" nodeType="tmRoot">
-          <p:childTnLst>
-            <p:seq concurrent="1" nextAc="seek">
-              <p:cTn id="2" dur="indefinite" nodeType="mainSeq">
-                <p:childTnLst>
-                  <p:par>
-                    <p:cTn id="3" fill="hold">
-                      <p:stCondLst>
-                        <p:cond delay="indefinite"/>
-                        <p:cond evt="onBegin" delay="0">
-                          <p:tn val="2"/>
-                        </p:cond>
-                      </p:stCondLst>
-                      <p:childTnLst>
-                        <p:par>
-                          <p:cTn id="4" fill="hold">
-                            <p:stCondLst>
-                              <p:cond delay="0"/>
-                            </p:stCondLst>
-                            <p:childTnLst>
-                              <p:par>
-                                <p:cTn id="5" presetID="47" presetClass="entr" presetSubtype="0" fill="hold" nodeType="afterEffect">
-                                  <p:stCondLst>
-                                    <p:cond delay="0"/>
-                                  </p:stCondLst>
-                                  <p:childTnLst>
-                                    <p:set>
-                                      <p:cBhvr>
-                                        <p:cTn id="6" dur="1" fill="hold">
-                                          <p:stCondLst>
-                                            <p:cond delay="0"/>
-                                          </p:stCondLst>
-                                        </p:cTn>
-                                        <p:tgtEl>
-                                          <p:spTgt spid="9"/>
-                                        </p:tgtEl>
-                                        <p:attrNameLst>
-                                          <p:attrName>style.visibility</p:attrName>
-                                        </p:attrNameLst>
-                                      </p:cBhvr>
-                                      <p:to>
-                                        <p:strVal val="visible"/>
-                                      </p:to>
-                                    </p:set>
-                                    <p:animEffect transition="in" filter="fade">
-                                      <p:cBhvr>
-                                        <p:cTn id="7" dur="250"/>
-                                        <p:tgtEl>
-                                          <p:spTgt spid="9"/>
-                                        </p:tgtEl>
-                                      </p:cBhvr>
-                                    </p:animEffect>
-                                    <p:anim calcmode="lin" valueType="num">
-                                      <p:cBhvr>
-                                        <p:cTn id="8" dur="250" fill="hold"/>
-                                        <p:tgtEl>
-                                          <p:spTgt spid="9"/>
-                                        </p:tgtEl>
-                                        <p:attrNameLst>
-                                          <p:attrName>ppt_x</p:attrName>
-                                        </p:attrNameLst>
-                                      </p:cBhvr>
-                                      <p:tavLst>
-                                        <p:tav tm="0">
-                                          <p:val>
-                                            <p:strVal val="#ppt_x"/>
-                                          </p:val>
-                                        </p:tav>
-                                        <p:tav tm="100000">
-                                          <p:val>
-                                            <p:strVal val="#ppt_x"/>
-                                          </p:val>
-                                        </p:tav>
-                                      </p:tavLst>
-                                    </p:anim>
-                                    <p:anim calcmode="lin" valueType="num">
-                                      <p:cBhvr>
-                                        <p:cTn id="9" dur="250" fill="hold"/>
-                                        <p:tgtEl>
-                                          <p:spTgt spid="9"/>
-                                        </p:tgtEl>
-                                        <p:attrNameLst>
-                                          <p:attrName>ppt_y</p:attrName>
-                                        </p:attrNameLst>
-                                      </p:cBhvr>
-                                      <p:tavLst>
-                                        <p:tav tm="0">
-                                          <p:val>
-                                            <p:strVal val="#ppt_y-.1"/>
-                                          </p:val>
-                                        </p:tav>
-                                        <p:tav tm="100000">
-                                          <p:val>
-                                            <p:strVal val="#ppt_y"/>
-                                          </p:val>
-                                        </p:tav>
-                                      </p:tavLst>
-                                    </p:anim>
-                                  </p:childTnLst>
-                                </p:cTn>
-                              </p:par>
-                            </p:childTnLst>
-                          </p:cTn>
-                        </p:par>
-                        <p:par>
-                          <p:cTn id="10" fill="hold">
-                            <p:stCondLst>
-                              <p:cond delay="500"/>
-                            </p:stCondLst>
-                            <p:childTnLst>
-                              <p:par>
-                                <p:cTn id="11" presetID="53" presetClass="entr" presetSubtype="16" fill="hold" grpId="0" nodeType="afterEffect">
-                                  <p:stCondLst>
-                                    <p:cond delay="0"/>
-                                  </p:stCondLst>
-                                  <p:childTnLst>
-                                    <p:set>
-                                      <p:cBhvr>
-                                        <p:cTn id="12" dur="1" fill="hold">
-                                          <p:stCondLst>
-                                            <p:cond delay="0"/>
-                                          </p:stCondLst>
-                                        </p:cTn>
-                                        <p:tgtEl>
-                                          <p:spTgt spid="26"/>
-                                        </p:tgtEl>
-                                        <p:attrNameLst>
-                                          <p:attrName>style.visibility</p:attrName>
-                                        </p:attrNameLst>
-                                      </p:cBhvr>
-                                      <p:to>
-                                        <p:strVal val="visible"/>
-                                      </p:to>
-                                    </p:set>
-                                    <p:anim calcmode="lin" valueType="num">
-                                      <p:cBhvr>
-                                        <p:cTn id="13" dur="250" fill="hold"/>
-                                        <p:tgtEl>
-                                          <p:spTgt spid="26"/>
-                                        </p:tgtEl>
-                                        <p:attrNameLst>
-                                          <p:attrName>ppt_w</p:attrName>
-                                        </p:attrNameLst>
-                                      </p:cBhvr>
-                                      <p:tavLst>
-                                        <p:tav tm="0">
-                                          <p:val>
-                                            <p:fltVal val="0"/>
-                                          </p:val>
-                                        </p:tav>
-                                        <p:tav tm="100000">
-                                          <p:val>
-                                            <p:strVal val="#ppt_w"/>
-                                          </p:val>
-                                        </p:tav>
-                                      </p:tavLst>
-                                    </p:anim>
-                                    <p:anim calcmode="lin" valueType="num">
-                                      <p:cBhvr>
-                                        <p:cTn id="14" dur="250" fill="hold"/>
-                                        <p:tgtEl>
-                                          <p:spTgt spid="26"/>
-                                        </p:tgtEl>
-                                        <p:attrNameLst>
-                                          <p:attrName>ppt_h</p:attrName>
-                                        </p:attrNameLst>
-                                      </p:cBhvr>
-                                      <p:tavLst>
-                                        <p:tav tm="0">
-                                          <p:val>
-                                            <p:fltVal val="0"/>
-                                          </p:val>
-                                        </p:tav>
-                                        <p:tav tm="100000">
-                                          <p:val>
-                                            <p:strVal val="#ppt_h"/>
-                                          </p:val>
-                                        </p:tav>
-                                      </p:tavLst>
-                                    </p:anim>
-                                    <p:animEffect transition="in" filter="fade">
-                                      <p:cBhvr>
-                                        <p:cTn id="15" dur="250"/>
-                                        <p:tgtEl>
-                                          <p:spTgt spid="26"/>
-                                        </p:tgtEl>
-                                      </p:cBhvr>
-                                    </p:animEffect>
-                                  </p:childTnLst>
-                                </p:cTn>
-                              </p:par>
-                            </p:childTnLst>
-                          </p:cTn>
-                        </p:par>
-                        <p:par>
-                          <p:cTn id="16" fill="hold">
-                            <p:stCondLst>
-                              <p:cond delay="1000"/>
-                            </p:stCondLst>
-                            <p:childTnLst>
-                              <p:par>
-                                <p:cTn id="17" presetID="6" presetClass="emph" presetSubtype="0" decel="100000" fill="hold" grpId="1" nodeType="afterEffect">
-                                  <p:stCondLst>
-                                    <p:cond delay="0"/>
-                                  </p:stCondLst>
-                                  <p:childTnLst>
-                                    <p:animScale>
-                                      <p:cBhvr>
-                                        <p:cTn id="18" dur="10" fill="hold"/>
-                                        <p:tgtEl>
-                                          <p:spTgt spid="26"/>
-                                        </p:tgtEl>
-                                      </p:cBhvr>
-                                      <p:by x="120000" y="120000"/>
-                                    </p:animScale>
-                                  </p:childTnLst>
-                                </p:cTn>
-                              </p:par>
-                            </p:childTnLst>
-                          </p:cTn>
-                        </p:par>
-                        <p:par>
-                          <p:cTn id="19" fill="hold">
-                            <p:stCondLst>
-                              <p:cond delay="1500"/>
-                            </p:stCondLst>
-                            <p:childTnLst>
-                              <p:par>
-                                <p:cTn id="20" presetID="6" presetClass="emph" presetSubtype="0" decel="100000" fill="hold" grpId="2" nodeType="afterEffect">
-                                  <p:stCondLst>
-                                    <p:cond delay="0"/>
-                                  </p:stCondLst>
-                                  <p:childTnLst>
-                                    <p:animScale>
-                                      <p:cBhvr>
-                                        <p:cTn id="21" dur="10" fill="hold"/>
-                                        <p:tgtEl>
-                                          <p:spTgt spid="26"/>
-                                        </p:tgtEl>
-                                      </p:cBhvr>
-                                      <p:by x="83000" y="83000"/>
-                                    </p:animScale>
-                                  </p:childTnLst>
-                                </p:cTn>
-                              </p:par>
-                            </p:childTnLst>
-                          </p:cTn>
-                        </p:par>
-                        <p:par>
-                          <p:cTn id="22" fill="hold">
-                            <p:stCondLst>
-                              <p:cond delay="2000"/>
-                            </p:stCondLst>
-                            <p:childTnLst>
-                              <p:par>
-                                <p:cTn id="23" presetID="10" presetClass="entr" presetSubtype="0" fill="hold" grpId="0" nodeType="afterEffect">
-                                  <p:stCondLst>
-                                    <p:cond delay="0"/>
-                                  </p:stCondLst>
-                                  <p:childTnLst>
-                                    <p:set>
-                                      <p:cBhvr>
-                                        <p:cTn id="24" dur="1" fill="hold">
-                                          <p:stCondLst>
-                                            <p:cond delay="0"/>
-                                          </p:stCondLst>
-                                        </p:cTn>
-                                        <p:tgtEl>
-                                          <p:spTgt spid="16"/>
-                                        </p:tgtEl>
-                                        <p:attrNameLst>
-                                          <p:attrName>style.visibility</p:attrName>
-                                        </p:attrNameLst>
-                                      </p:cBhvr>
-                                      <p:to>
-                                        <p:strVal val="visible"/>
-                                      </p:to>
-                                    </p:set>
-                                    <p:animEffect transition="in" filter="fade">
-                                      <p:cBhvr>
-                                        <p:cTn id="25" dur="10"/>
-                                        <p:tgtEl>
-                                          <p:spTgt spid="16"/>
-                                        </p:tgtEl>
-                                      </p:cBhvr>
-                                    </p:animEffect>
-                                  </p:childTnLst>
-                                </p:cTn>
-                              </p:par>
-                            </p:childTnLst>
-                          </p:cTn>
-                        </p:par>
-                        <p:par>
-                          <p:cTn id="26" fill="hold">
-                            <p:stCondLst>
-                              <p:cond delay="2500"/>
-                            </p:stCondLst>
-                            <p:childTnLst>
-                              <p:par>
-                                <p:cTn id="27" presetID="53" presetClass="entr" presetSubtype="16" fill="hold" grpId="0" nodeType="afterEffect">
-                                  <p:stCondLst>
-                                    <p:cond delay="0"/>
-                                  </p:stCondLst>
-                                  <p:childTnLst>
-                                    <p:set>
-                                      <p:cBhvr>
-                                        <p:cTn id="28" dur="1" fill="hold">
-                                          <p:stCondLst>
-                                            <p:cond delay="0"/>
-                                          </p:stCondLst>
-                                        </p:cTn>
-                                        <p:tgtEl>
-                                          <p:spTgt spid="15"/>
-                                        </p:tgtEl>
-                                        <p:attrNameLst>
-                                          <p:attrName>style.visibility</p:attrName>
-                                        </p:attrNameLst>
-                                      </p:cBhvr>
-                                      <p:to>
-                                        <p:strVal val="visible"/>
-                                      </p:to>
-                                    </p:set>
-                                    <p:anim calcmode="lin" valueType="num">
-                                      <p:cBhvr>
-                                        <p:cTn id="29" dur="250" fill="hold"/>
-                                        <p:tgtEl>
-                                          <p:spTgt spid="15"/>
-                                        </p:tgtEl>
-                                        <p:attrNameLst>
-                                          <p:attrName>ppt_w</p:attrName>
-                                        </p:attrNameLst>
-                                      </p:cBhvr>
-                                      <p:tavLst>
-                                        <p:tav tm="0">
-                                          <p:val>
-                                            <p:fltVal val="0"/>
-                                          </p:val>
-                                        </p:tav>
-                                        <p:tav tm="100000">
-                                          <p:val>
-                                            <p:strVal val="#ppt_w"/>
-                                          </p:val>
-                                        </p:tav>
-                                      </p:tavLst>
-                                    </p:anim>
-                                    <p:anim calcmode="lin" valueType="num">
-                                      <p:cBhvr>
-                                        <p:cTn id="30" dur="250" fill="hold"/>
-                                        <p:tgtEl>
-                                          <p:spTgt spid="15"/>
-                                        </p:tgtEl>
-                                        <p:attrNameLst>
-                                          <p:attrName>ppt_h</p:attrName>
-                                        </p:attrNameLst>
-                                      </p:cBhvr>
-                                      <p:tavLst>
-                                        <p:tav tm="0">
-                                          <p:val>
-                                            <p:fltVal val="0"/>
-                                          </p:val>
-                                        </p:tav>
-                                        <p:tav tm="100000">
-                                          <p:val>
-                                            <p:strVal val="#ppt_h"/>
-                                          </p:val>
-                                        </p:tav>
-                                      </p:tavLst>
-                                    </p:anim>
-                                    <p:animEffect transition="in" filter="fade">
-                                      <p:cBhvr>
-                                        <p:cTn id="31" dur="250"/>
-                                        <p:tgtEl>
-                                          <p:spTgt spid="15"/>
-                                        </p:tgtEl>
-                                      </p:cBhvr>
-                                    </p:animEffect>
-                                  </p:childTnLst>
-                                </p:cTn>
-                              </p:par>
-                            </p:childTnLst>
-                          </p:cTn>
-                        </p:par>
-                        <p:par>
-                          <p:cTn id="32" fill="hold">
-                            <p:stCondLst>
-                              <p:cond delay="3000"/>
-                            </p:stCondLst>
-                            <p:childTnLst>
-                              <p:par>
-                                <p:cTn id="33" presetID="35" presetClass="path" presetSubtype="0" accel="50000" decel="50000" fill="hold" grpId="1" nodeType="afterEffect">
-                                  <p:stCondLst>
-                                    <p:cond delay="0"/>
-                                  </p:stCondLst>
-                                  <p:childTnLst>
-                                    <p:animMotion origin="layout" path="M 0 -4.07407E-6 L 0.34896 -4.07407E-6 " pathEditMode="relative" rAng="0" ptsTypes="AA">
-                                      <p:cBhvr>
-                                        <p:cTn id="34" dur="250" spd="-100000" fill="hold"/>
-                                        <p:tgtEl>
-                                          <p:spTgt spid="15"/>
-                                        </p:tgtEl>
-                                        <p:attrNameLst>
-                                          <p:attrName>ppt_x</p:attrName>
-                                          <p:attrName>ppt_y</p:attrName>
-                                        </p:attrNameLst>
-                                      </p:cBhvr>
-                                      <p:rCtr x="17448" y="0"/>
-                                    </p:animMotion>
-                                  </p:childTnLst>
-                                </p:cTn>
-                              </p:par>
-                            </p:childTnLst>
-                          </p:cTn>
-                        </p:par>
-                        <p:par>
-                          <p:cTn id="35" fill="hold">
-                            <p:stCondLst>
-                              <p:cond delay="3500"/>
-                            </p:stCondLst>
-                            <p:childTnLst>
-                              <p:par>
-                                <p:cTn id="36" presetID="2" presetClass="entr" presetSubtype="8" fill="hold" grpId="0" nodeType="afterEffect">
-                                  <p:stCondLst>
-                                    <p:cond delay="0"/>
-                                  </p:stCondLst>
-                                  <p:childTnLst>
-                                    <p:set>
-                                      <p:cBhvr>
-                                        <p:cTn id="37" dur="1" fill="hold">
-                                          <p:stCondLst>
-                                            <p:cond delay="0"/>
-                                          </p:stCondLst>
-                                        </p:cTn>
-                                        <p:tgtEl>
-                                          <p:spTgt spid="10"/>
-                                        </p:tgtEl>
-                                        <p:attrNameLst>
-                                          <p:attrName>style.visibility</p:attrName>
-                                        </p:attrNameLst>
-                                      </p:cBhvr>
-                                      <p:to>
-                                        <p:strVal val="visible"/>
-                                      </p:to>
-                                    </p:set>
-                                    <p:anim calcmode="lin" valueType="num">
-                                      <p:cBhvr additive="base">
-                                        <p:cTn id="38" dur="10" fill="hold"/>
-                                        <p:tgtEl>
-                                          <p:spTgt spid="10"/>
-                                        </p:tgtEl>
-                                        <p:attrNameLst>
-                                          <p:attrName>ppt_x</p:attrName>
-                                        </p:attrNameLst>
-                                      </p:cBhvr>
-                                      <p:tavLst>
-                                        <p:tav tm="0">
-                                          <p:val>
-                                            <p:strVal val="0-#ppt_w/2"/>
-                                          </p:val>
-                                        </p:tav>
-                                        <p:tav tm="100000">
-                                          <p:val>
-                                            <p:strVal val="#ppt_x"/>
-                                          </p:val>
-                                        </p:tav>
-                                      </p:tavLst>
-                                    </p:anim>
-                                    <p:anim calcmode="lin" valueType="num">
-                                      <p:cBhvr additive="base">
-                                        <p:cTn id="39" dur="10" fill="hold"/>
-                                        <p:tgtEl>
-                                          <p:spTgt spid="10"/>
-                                        </p:tgtEl>
-                                        <p:attrNameLst>
-                                          <p:attrName>ppt_y</p:attrName>
-                                        </p:attrNameLst>
-                                      </p:cBhvr>
-                                      <p:tavLst>
-                                        <p:tav tm="0">
-                                          <p:val>
-                                            <p:strVal val="#ppt_y"/>
-                                          </p:val>
-                                        </p:tav>
-                                        <p:tav tm="100000">
-                                          <p:val>
-                                            <p:strVal val="#ppt_y"/>
-                                          </p:val>
-                                        </p:tav>
-                                      </p:tavLst>
-                                    </p:anim>
-                                  </p:childTnLst>
-                                </p:cTn>
-                              </p:par>
-                            </p:childTnLst>
-                          </p:cTn>
-                        </p:par>
-                      </p:childTnLst>
-                    </p:cTn>
-                  </p:par>
-                </p:childTnLst>
-              </p:cTn>
-              <p:prevCondLst>
-                <p:cond evt="onPrev" delay="0">
-                  <p:tgtEl>
-                    <p:sldTgt/>
-                  </p:tgtEl>
-                </p:cond>
-              </p:prevCondLst>
-              <p:nextCondLst>
-                <p:cond evt="onNext" delay="0">
-                  <p:tgtEl>
-                    <p:sldTgt/>
-                  </p:tgtEl>
-                </p:cond>
-              </p:nextCondLst>
-            </p:seq>
-          </p:childTnLst>
-        </p:cTn>
-      </p:par>
-    </p:tnLst>
-    <p:bldLst>
-      <p:bldP spid="15" grpId="0"/>
-      <p:bldP spid="15" grpId="1"/>
-      <p:bldP spid="26" grpId="0"/>
-      <p:bldP spid="26" grpId="1"/>
-      <p:bldP spid="26" grpId="2"/>
-      <p:bldP spid="16" grpId="0"/>
-      <p:bldP spid="10" grpId="0" animBg="1" autoUpdateAnimBg="0"/>
-    </p:bldLst>
-  </p:timing>
 </p:sld>
 </file>
 
